--- a/Presentation/Contact Manager Presentation.pptx
+++ b/Presentation/Contact Manager Presentation.pptx
@@ -11,8 +11,9 @@
     <p:sldId id="259" r:id="rId5"/>
     <p:sldId id="260" r:id="rId6"/>
     <p:sldId id="261" r:id="rId7"/>
-    <p:sldId id="262" r:id="rId8"/>
-    <p:sldId id="263" r:id="rId9"/>
+    <p:sldId id="263" r:id="rId8"/>
+    <p:sldId id="262" r:id="rId9"/>
+    <p:sldId id="264" r:id="rId10"/>
   </p:sldIdLst>
   <p:sldSz cx="12192000" cy="6858000"/>
   <p:notesSz cx="6858000" cy="9144000"/>
@@ -122,7 +123,8 @@
 <file path=ppt/revisionInfo.xml><?xml version="1.0" encoding="utf-8"?>
 <p1510:revInfo xmlns:a="http://schemas.openxmlformats.org/drawingml/2006/main" xmlns:r="http://schemas.openxmlformats.org/officeDocument/2006/relationships" xmlns:p1510="http://schemas.microsoft.com/office/powerpoint/2015/10/main">
   <p1510:revLst>
-    <p1510:client id="{CD4B01EA-4221-40B5-A155-1CF2D3FA45C3}" v="9" dt="2024-09-10T13:51:32.584"/>
+    <p1510:client id="{8E1941E3-5B5B-4888-B0F7-569E6CC58F68}" v="10" dt="2024-09-14T23:42:56.446"/>
+    <p1510:client id="{CD4B01EA-4221-40B5-A155-1CF2D3FA45C3}" v="82" dt="2024-09-15T03:03:02.267"/>
   </p1510:revLst>
 </p1510:revInfo>
 </file>
@@ -132,7 +134,7 @@
   <pc:docChgLst>
     <pc:chgData name="Jia Jones" userId="a3b0c72f-e186-4738-b8d6-28e077c699c2" providerId="ADAL" clId="{8E1941E3-5B5B-4888-B0F7-569E6CC58F68}"/>
     <pc:docChg chg="undo redo custSel addSld delSld modSld modMainMaster">
-      <pc:chgData name="Jia Jones" userId="a3b0c72f-e186-4738-b8d6-28e077c699c2" providerId="ADAL" clId="{8E1941E3-5B5B-4888-B0F7-569E6CC58F68}" dt="2024-09-09T03:08:01.820" v="666" actId="403"/>
+      <pc:chgData name="Jia Jones" userId="a3b0c72f-e186-4738-b8d6-28e077c699c2" providerId="ADAL" clId="{8E1941E3-5B5B-4888-B0F7-569E6CC58F68}" dt="2024-09-15T00:06:44.893" v="1321" actId="1076"/>
       <pc:docMkLst>
         <pc:docMk/>
       </pc:docMkLst>
@@ -359,7 +361,7 @@
         </pc:grpChg>
       </pc:sldChg>
       <pc:sldChg chg="addSp delSp modSp add mod setBg">
-        <pc:chgData name="Jia Jones" userId="a3b0c72f-e186-4738-b8d6-28e077c699c2" providerId="ADAL" clId="{8E1941E3-5B5B-4888-B0F7-569E6CC58F68}" dt="2024-09-09T03:06:19.119" v="640"/>
+        <pc:chgData name="Jia Jones" userId="a3b0c72f-e186-4738-b8d6-28e077c699c2" providerId="ADAL" clId="{8E1941E3-5B5B-4888-B0F7-569E6CC58F68}" dt="2024-09-15T00:06:44.893" v="1321" actId="1076"/>
         <pc:sldMkLst>
           <pc:docMk/>
           <pc:sldMk cId="827846081" sldId="258"/>
@@ -485,7 +487,7 @@
           </ac:grpSpMkLst>
         </pc:grpChg>
         <pc:picChg chg="add mod modCrop">
-          <ac:chgData name="Jia Jones" userId="a3b0c72f-e186-4738-b8d6-28e077c699c2" providerId="ADAL" clId="{8E1941E3-5B5B-4888-B0F7-569E6CC58F68}" dt="2024-09-09T02:42:33.883" v="467" actId="1076"/>
+          <ac:chgData name="Jia Jones" userId="a3b0c72f-e186-4738-b8d6-28e077c699c2" providerId="ADAL" clId="{8E1941E3-5B5B-4888-B0F7-569E6CC58F68}" dt="2024-09-15T00:06:09.604" v="1313" actId="1076"/>
           <ac:picMkLst>
             <pc:docMk/>
             <pc:sldMk cId="827846081" sldId="258"/>
@@ -493,7 +495,7 @@
           </ac:picMkLst>
         </pc:picChg>
         <pc:picChg chg="add mod">
-          <ac:chgData name="Jia Jones" userId="a3b0c72f-e186-4738-b8d6-28e077c699c2" providerId="ADAL" clId="{8E1941E3-5B5B-4888-B0F7-569E6CC58F68}" dt="2024-09-09T02:42:33.883" v="467" actId="1076"/>
+          <ac:chgData name="Jia Jones" userId="a3b0c72f-e186-4738-b8d6-28e077c699c2" providerId="ADAL" clId="{8E1941E3-5B5B-4888-B0F7-569E6CC58F68}" dt="2024-09-15T00:06:09.604" v="1313" actId="1076"/>
           <ac:picMkLst>
             <pc:docMk/>
             <pc:sldMk cId="827846081" sldId="258"/>
@@ -501,7 +503,7 @@
           </ac:picMkLst>
         </pc:picChg>
         <pc:picChg chg="add mod">
-          <ac:chgData name="Jia Jones" userId="a3b0c72f-e186-4738-b8d6-28e077c699c2" providerId="ADAL" clId="{8E1941E3-5B5B-4888-B0F7-569E6CC58F68}" dt="2024-09-09T02:42:33.883" v="467" actId="1076"/>
+          <ac:chgData name="Jia Jones" userId="a3b0c72f-e186-4738-b8d6-28e077c699c2" providerId="ADAL" clId="{8E1941E3-5B5B-4888-B0F7-569E6CC58F68}" dt="2024-09-15T00:06:09.604" v="1313" actId="1076"/>
           <ac:picMkLst>
             <pc:docMk/>
             <pc:sldMk cId="827846081" sldId="258"/>
@@ -509,7 +511,7 @@
           </ac:picMkLst>
         </pc:picChg>
         <pc:picChg chg="add mod">
-          <ac:chgData name="Jia Jones" userId="a3b0c72f-e186-4738-b8d6-28e077c699c2" providerId="ADAL" clId="{8E1941E3-5B5B-4888-B0F7-569E6CC58F68}" dt="2024-09-09T02:41:50.142" v="464" actId="1076"/>
+          <ac:chgData name="Jia Jones" userId="a3b0c72f-e186-4738-b8d6-28e077c699c2" providerId="ADAL" clId="{8E1941E3-5B5B-4888-B0F7-569E6CC58F68}" dt="2024-09-15T00:06:28.557" v="1318" actId="1076"/>
           <ac:picMkLst>
             <pc:docMk/>
             <pc:sldMk cId="827846081" sldId="258"/>
@@ -532,8 +534,16 @@
             <ac:picMk id="8" creationId="{4941F4B1-BDA0-E8A6-849B-FF39C2019463}"/>
           </ac:picMkLst>
         </pc:picChg>
+        <pc:picChg chg="mod">
+          <ac:chgData name="Jia Jones" userId="a3b0c72f-e186-4738-b8d6-28e077c699c2" providerId="ADAL" clId="{8E1941E3-5B5B-4888-B0F7-569E6CC58F68}" dt="2024-09-15T00:06:44.893" v="1321" actId="1076"/>
+          <ac:picMkLst>
+            <pc:docMk/>
+            <pc:sldMk cId="827846081" sldId="258"/>
+            <ac:picMk id="9" creationId="{02234CC9-B8C4-8AEE-5667-1BA1E1B73AF8}"/>
+          </ac:picMkLst>
+        </pc:picChg>
         <pc:picChg chg="add mod">
-          <ac:chgData name="Jia Jones" userId="a3b0c72f-e186-4738-b8d6-28e077c699c2" providerId="ADAL" clId="{8E1941E3-5B5B-4888-B0F7-569E6CC58F68}" dt="2024-09-09T02:42:41.934" v="470" actId="1076"/>
+          <ac:chgData name="Jia Jones" userId="a3b0c72f-e186-4738-b8d6-28e077c699c2" providerId="ADAL" clId="{8E1941E3-5B5B-4888-B0F7-569E6CC58F68}" dt="2024-09-15T00:06:20.489" v="1316" actId="1076"/>
           <ac:picMkLst>
             <pc:docMk/>
             <pc:sldMk cId="827846081" sldId="258"/>
@@ -541,11 +551,27 @@
           </ac:picMkLst>
         </pc:picChg>
         <pc:picChg chg="add mod">
-          <ac:chgData name="Jia Jones" userId="a3b0c72f-e186-4738-b8d6-28e077c699c2" providerId="ADAL" clId="{8E1941E3-5B5B-4888-B0F7-569E6CC58F68}" dt="2024-09-09T02:48:13.141" v="475" actId="1076"/>
+          <ac:chgData name="Jia Jones" userId="a3b0c72f-e186-4738-b8d6-28e077c699c2" providerId="ADAL" clId="{8E1941E3-5B5B-4888-B0F7-569E6CC58F68}" dt="2024-09-15T00:06:30.201" v="1319" actId="1076"/>
           <ac:picMkLst>
             <pc:docMk/>
             <pc:sldMk cId="827846081" sldId="258"/>
             <ac:picMk id="13" creationId="{BC8BEA36-5167-6379-8409-59FE20C6DAED}"/>
+          </ac:picMkLst>
+        </pc:picChg>
+        <pc:picChg chg="mod">
+          <ac:chgData name="Jia Jones" userId="a3b0c72f-e186-4738-b8d6-28e077c699c2" providerId="ADAL" clId="{8E1941E3-5B5B-4888-B0F7-569E6CC58F68}" dt="2024-09-15T00:06:36.843" v="1320" actId="1076"/>
+          <ac:picMkLst>
+            <pc:docMk/>
+            <pc:sldMk cId="827846081" sldId="258"/>
+            <ac:picMk id="14" creationId="{6F54B187-2B5C-7557-5AA1-833FF9D75B98}"/>
+          </ac:picMkLst>
+        </pc:picChg>
+        <pc:picChg chg="mod">
+          <ac:chgData name="Jia Jones" userId="a3b0c72f-e186-4738-b8d6-28e077c699c2" providerId="ADAL" clId="{8E1941E3-5B5B-4888-B0F7-569E6CC58F68}" dt="2024-09-15T00:06:25.133" v="1317" actId="1076"/>
+          <ac:picMkLst>
+            <pc:docMk/>
+            <pc:sldMk cId="827846081" sldId="258"/>
+            <ac:picMk id="17" creationId="{720D662C-A1AC-F87A-CA98-CE17342ED317}"/>
           </ac:picMkLst>
         </pc:picChg>
       </pc:sldChg>
@@ -557,11 +583,19 @@
         </pc:sldMkLst>
       </pc:sldChg>
       <pc:sldChg chg="addSp delSp modSp new mod setBg">
-        <pc:chgData name="Jia Jones" userId="a3b0c72f-e186-4738-b8d6-28e077c699c2" providerId="ADAL" clId="{8E1941E3-5B5B-4888-B0F7-569E6CC58F68}" dt="2024-09-09T03:07:35.844" v="654" actId="207"/>
+        <pc:chgData name="Jia Jones" userId="a3b0c72f-e186-4738-b8d6-28e077c699c2" providerId="ADAL" clId="{8E1941E3-5B5B-4888-B0F7-569E6CC58F68}" dt="2024-09-15T00:04:44.704" v="1311" actId="20577"/>
         <pc:sldMkLst>
           <pc:docMk/>
           <pc:sldMk cId="3623192682" sldId="259"/>
         </pc:sldMkLst>
+        <pc:spChg chg="add mod">
+          <ac:chgData name="Jia Jones" userId="a3b0c72f-e186-4738-b8d6-28e077c699c2" providerId="ADAL" clId="{8E1941E3-5B5B-4888-B0F7-569E6CC58F68}" dt="2024-09-15T00:04:44.704" v="1311" actId="20577"/>
+          <ac:spMkLst>
+            <pc:docMk/>
+            <pc:sldMk cId="3623192682" sldId="259"/>
+            <ac:spMk id="2" creationId="{45BD7568-8786-1899-14B3-D61E2DF24ADF}"/>
+          </ac:spMkLst>
+        </pc:spChg>
         <pc:spChg chg="del">
           <ac:chgData name="Jia Jones" userId="a3b0c72f-e186-4738-b8d6-28e077c699c2" providerId="ADAL" clId="{8E1941E3-5B5B-4888-B0F7-569E6CC58F68}" dt="2024-09-09T02:25:48.749" v="418" actId="478"/>
           <ac:spMkLst>
@@ -596,7 +630,7 @@
         </pc:picChg>
       </pc:sldChg>
       <pc:sldChg chg="addSp delSp modSp new mod">
-        <pc:chgData name="Jia Jones" userId="a3b0c72f-e186-4738-b8d6-28e077c699c2" providerId="ADAL" clId="{8E1941E3-5B5B-4888-B0F7-569E6CC58F68}" dt="2024-09-09T03:07:41.029" v="657" actId="207"/>
+        <pc:chgData name="Jia Jones" userId="a3b0c72f-e186-4738-b8d6-28e077c699c2" providerId="ADAL" clId="{8E1941E3-5B5B-4888-B0F7-569E6CC58F68}" dt="2024-09-14T23:53:27.242" v="1308" actId="255"/>
         <pc:sldMkLst>
           <pc:docMk/>
           <pc:sldMk cId="2082502640" sldId="260"/>
@@ -607,6 +641,14 @@
             <pc:docMk/>
             <pc:sldMk cId="2082502640" sldId="260"/>
             <ac:spMk id="2" creationId="{760FDDEC-5EFD-4B74-7CAB-AA5C21B55454}"/>
+          </ac:spMkLst>
+        </pc:spChg>
+        <pc:spChg chg="add mod">
+          <ac:chgData name="Jia Jones" userId="a3b0c72f-e186-4738-b8d6-28e077c699c2" providerId="ADAL" clId="{8E1941E3-5B5B-4888-B0F7-569E6CC58F68}" dt="2024-09-14T23:53:27.242" v="1308" actId="255"/>
+          <ac:spMkLst>
+            <pc:docMk/>
+            <pc:sldMk cId="2082502640" sldId="260"/>
+            <ac:spMk id="2" creationId="{8F4685AB-3C38-F211-6E94-1FEDDB39F74E}"/>
           </ac:spMkLst>
         </pc:spChg>
         <pc:spChg chg="del">
@@ -656,8 +698,8 @@
           </ac:spMkLst>
         </pc:spChg>
       </pc:sldChg>
-      <pc:sldChg chg="modSp add mod">
-        <pc:chgData name="Jia Jones" userId="a3b0c72f-e186-4738-b8d6-28e077c699c2" providerId="ADAL" clId="{8E1941E3-5B5B-4888-B0F7-569E6CC58F68}" dt="2024-09-09T03:08:01.820" v="666" actId="403"/>
+      <pc:sldChg chg="addSp delSp modSp add mod">
+        <pc:chgData name="Jia Jones" userId="a3b0c72f-e186-4738-b8d6-28e077c699c2" providerId="ADAL" clId="{8E1941E3-5B5B-4888-B0F7-569E6CC58F68}" dt="2024-09-14T23:23:10.564" v="697" actId="1076"/>
         <pc:sldMkLst>
           <pc:docMk/>
           <pc:sldMk cId="3055279406" sldId="263"/>
@@ -670,6 +712,130 @@
             <ac:spMk id="4" creationId="{13696BEA-7476-DD82-4A2C-D6DEB256A594}"/>
           </ac:spMkLst>
         </pc:spChg>
+        <pc:picChg chg="add mod">
+          <ac:chgData name="Jia Jones" userId="a3b0c72f-e186-4738-b8d6-28e077c699c2" providerId="ADAL" clId="{8E1941E3-5B5B-4888-B0F7-569E6CC58F68}" dt="2024-09-14T23:23:10.564" v="697" actId="1076"/>
+          <ac:picMkLst>
+            <pc:docMk/>
+            <pc:sldMk cId="3055279406" sldId="263"/>
+            <ac:picMk id="3" creationId="{B9BBFCA1-47DC-FDA4-BCC1-E2DC7F9923BB}"/>
+          </ac:picMkLst>
+        </pc:picChg>
+        <pc:picChg chg="del">
+          <ac:chgData name="Jia Jones" userId="a3b0c72f-e186-4738-b8d6-28e077c699c2" providerId="ADAL" clId="{8E1941E3-5B5B-4888-B0F7-569E6CC58F68}" dt="2024-09-14T23:19:29.676" v="691" actId="478"/>
+          <ac:picMkLst>
+            <pc:docMk/>
+            <pc:sldMk cId="3055279406" sldId="263"/>
+            <ac:picMk id="6" creationId="{8DCB89FF-7CB3-B691-31DD-25718B241440}"/>
+          </ac:picMkLst>
+        </pc:picChg>
+      </pc:sldChg>
+      <pc:sldChg chg="modSp add mod">
+        <pc:chgData name="Jia Jones" userId="a3b0c72f-e186-4738-b8d6-28e077c699c2" providerId="ADAL" clId="{8E1941E3-5B5B-4888-B0F7-569E6CC58F68}" dt="2024-09-14T23:26:58.780" v="741" actId="20577"/>
+        <pc:sldMkLst>
+          <pc:docMk/>
+          <pc:sldMk cId="2857748267" sldId="264"/>
+        </pc:sldMkLst>
+        <pc:spChg chg="mod">
+          <ac:chgData name="Jia Jones" userId="a3b0c72f-e186-4738-b8d6-28e077c699c2" providerId="ADAL" clId="{8E1941E3-5B5B-4888-B0F7-569E6CC58F68}" dt="2024-09-14T23:26:58.780" v="741" actId="20577"/>
+          <ac:spMkLst>
+            <pc:docMk/>
+            <pc:sldMk cId="2857748267" sldId="264"/>
+            <ac:spMk id="4" creationId="{13696BEA-7476-DD82-4A2C-D6DEB256A594}"/>
+          </ac:spMkLst>
+        </pc:spChg>
+      </pc:sldChg>
+      <pc:sldChg chg="addSp delSp modSp add del mod setBg">
+        <pc:chgData name="Jia Jones" userId="a3b0c72f-e186-4738-b8d6-28e077c699c2" providerId="ADAL" clId="{8E1941E3-5B5B-4888-B0F7-569E6CC58F68}" dt="2024-09-14T23:43:12.321" v="1307" actId="47"/>
+        <pc:sldMkLst>
+          <pc:docMk/>
+          <pc:sldMk cId="392832580" sldId="265"/>
+        </pc:sldMkLst>
+        <pc:spChg chg="del">
+          <ac:chgData name="Jia Jones" userId="a3b0c72f-e186-4738-b8d6-28e077c699c2" providerId="ADAL" clId="{8E1941E3-5B5B-4888-B0F7-569E6CC58F68}" dt="2024-09-14T23:42:52.218" v="1300" actId="478"/>
+          <ac:spMkLst>
+            <pc:docMk/>
+            <pc:sldMk cId="392832580" sldId="265"/>
+            <ac:spMk id="4" creationId="{13696BEA-7476-DD82-4A2C-D6DEB256A594}"/>
+          </ac:spMkLst>
+        </pc:spChg>
+        <pc:spChg chg="add del">
+          <ac:chgData name="Jia Jones" userId="a3b0c72f-e186-4738-b8d6-28e077c699c2" providerId="ADAL" clId="{8E1941E3-5B5B-4888-B0F7-569E6CC58F68}" dt="2024-09-14T23:43:02.432" v="1305" actId="26606"/>
+          <ac:spMkLst>
+            <pc:docMk/>
+            <pc:sldMk cId="392832580" sldId="265"/>
+            <ac:spMk id="8" creationId="{F3060C83-F051-4F0E-ABAD-AA0DFC48B218}"/>
+          </ac:spMkLst>
+        </pc:spChg>
+        <pc:spChg chg="add del">
+          <ac:chgData name="Jia Jones" userId="a3b0c72f-e186-4738-b8d6-28e077c699c2" providerId="ADAL" clId="{8E1941E3-5B5B-4888-B0F7-569E6CC58F68}" dt="2024-09-14T23:43:02.432" v="1305" actId="26606"/>
+          <ac:spMkLst>
+            <pc:docMk/>
+            <pc:sldMk cId="392832580" sldId="265"/>
+            <ac:spMk id="10" creationId="{83C98ABE-055B-441F-B07E-44F97F083C39}"/>
+          </ac:spMkLst>
+        </pc:spChg>
+        <pc:spChg chg="add del">
+          <ac:chgData name="Jia Jones" userId="a3b0c72f-e186-4738-b8d6-28e077c699c2" providerId="ADAL" clId="{8E1941E3-5B5B-4888-B0F7-569E6CC58F68}" dt="2024-09-14T23:43:02.432" v="1305" actId="26606"/>
+          <ac:spMkLst>
+            <pc:docMk/>
+            <pc:sldMk cId="392832580" sldId="265"/>
+            <ac:spMk id="12" creationId="{29FDB030-9B49-4CED-8CCD-4D99382388AC}"/>
+          </ac:spMkLst>
+        </pc:spChg>
+        <pc:spChg chg="add del">
+          <ac:chgData name="Jia Jones" userId="a3b0c72f-e186-4738-b8d6-28e077c699c2" providerId="ADAL" clId="{8E1941E3-5B5B-4888-B0F7-569E6CC58F68}" dt="2024-09-14T23:43:02.432" v="1305" actId="26606"/>
+          <ac:spMkLst>
+            <pc:docMk/>
+            <pc:sldMk cId="392832580" sldId="265"/>
+            <ac:spMk id="14" creationId="{3783CA14-24A1-485C-8B30-D6A5D87987AD}"/>
+          </ac:spMkLst>
+        </pc:spChg>
+        <pc:spChg chg="add del">
+          <ac:chgData name="Jia Jones" userId="a3b0c72f-e186-4738-b8d6-28e077c699c2" providerId="ADAL" clId="{8E1941E3-5B5B-4888-B0F7-569E6CC58F68}" dt="2024-09-14T23:43:02.432" v="1305" actId="26606"/>
+          <ac:spMkLst>
+            <pc:docMk/>
+            <pc:sldMk cId="392832580" sldId="265"/>
+            <ac:spMk id="16" creationId="{9A97C86A-04D6-40F7-AE84-31AB43E6A846}"/>
+          </ac:spMkLst>
+        </pc:spChg>
+        <pc:spChg chg="add del">
+          <ac:chgData name="Jia Jones" userId="a3b0c72f-e186-4738-b8d6-28e077c699c2" providerId="ADAL" clId="{8E1941E3-5B5B-4888-B0F7-569E6CC58F68}" dt="2024-09-14T23:43:02.432" v="1305" actId="26606"/>
+          <ac:spMkLst>
+            <pc:docMk/>
+            <pc:sldMk cId="392832580" sldId="265"/>
+            <ac:spMk id="18" creationId="{FF9F2414-84E8-453E-B1F3-389FDE8192D9}"/>
+          </ac:spMkLst>
+        </pc:spChg>
+        <pc:spChg chg="add del">
+          <ac:chgData name="Jia Jones" userId="a3b0c72f-e186-4738-b8d6-28e077c699c2" providerId="ADAL" clId="{8E1941E3-5B5B-4888-B0F7-569E6CC58F68}" dt="2024-09-14T23:43:02.432" v="1305" actId="26606"/>
+          <ac:spMkLst>
+            <pc:docMk/>
+            <pc:sldMk cId="392832580" sldId="265"/>
+            <ac:spMk id="20" creationId="{3ECA69A1-7536-43AC-85EF-C7106179F5ED}"/>
+          </ac:spMkLst>
+        </pc:spChg>
+        <pc:picChg chg="add mod">
+          <ac:chgData name="Jia Jones" userId="a3b0c72f-e186-4738-b8d6-28e077c699c2" providerId="ADAL" clId="{8E1941E3-5B5B-4888-B0F7-569E6CC58F68}" dt="2024-09-14T23:43:07.403" v="1306" actId="14100"/>
+          <ac:picMkLst>
+            <pc:docMk/>
+            <pc:sldMk cId="392832580" sldId="265"/>
+            <ac:picMk id="3" creationId="{CEEBEDF9-6DEE-3DD6-EF27-4C968DADC09B}"/>
+          </ac:picMkLst>
+        </pc:picChg>
+      </pc:sldChg>
+      <pc:sldChg chg="add del">
+        <pc:chgData name="Jia Jones" userId="a3b0c72f-e186-4738-b8d6-28e077c699c2" providerId="ADAL" clId="{8E1941E3-5B5B-4888-B0F7-569E6CC58F68}" dt="2024-09-14T23:42:46.145" v="1298"/>
+        <pc:sldMkLst>
+          <pc:docMk/>
+          <pc:sldMk cId="921793343" sldId="265"/>
+        </pc:sldMkLst>
+      </pc:sldChg>
+      <pc:sldChg chg="add del">
+        <pc:chgData name="Jia Jones" userId="a3b0c72f-e186-4738-b8d6-28e077c699c2" providerId="ADAL" clId="{8E1941E3-5B5B-4888-B0F7-569E6CC58F68}" dt="2024-09-14T23:27:46.452" v="743" actId="47"/>
+        <pc:sldMkLst>
+          <pc:docMk/>
+          <pc:sldMk cId="2328300883" sldId="265"/>
+        </pc:sldMkLst>
       </pc:sldChg>
       <pc:sldMasterChg chg="setBg modSldLayout">
         <pc:chgData name="Jia Jones" userId="a3b0c72f-e186-4738-b8d6-28e077c699c2" providerId="ADAL" clId="{8E1941E3-5B5B-4888-B0F7-569E6CC58F68}" dt="2024-09-09T03:06:19.119" v="640"/>
@@ -770,17 +936,56 @@
   </pc:docChgLst>
   <pc:docChgLst>
     <pc:chgData name="Jia Jones" userId="a3b0c72f-e186-4738-b8d6-28e077c699c2" providerId="ADAL" clId="{CD4B01EA-4221-40B5-A155-1CF2D3FA45C3}"/>
-    <pc:docChg chg="modSld">
-      <pc:chgData name="Jia Jones" userId="a3b0c72f-e186-4738-b8d6-28e077c699c2" providerId="ADAL" clId="{CD4B01EA-4221-40B5-A155-1CF2D3FA45C3}" dt="2024-09-10T13:51:32.583" v="24" actId="1076"/>
+    <pc:docChg chg="undo custSel modSld sldOrd">
+      <pc:chgData name="Jia Jones" userId="a3b0c72f-e186-4738-b8d6-28e077c699c2" providerId="ADAL" clId="{CD4B01EA-4221-40B5-A155-1CF2D3FA45C3}" dt="2024-09-15T03:29:56.535" v="591" actId="20577"/>
       <pc:docMkLst>
         <pc:docMk/>
       </pc:docMkLst>
+      <pc:sldChg chg="modSp mod">
+        <pc:chgData name="Jia Jones" userId="a3b0c72f-e186-4738-b8d6-28e077c699c2" providerId="ADAL" clId="{CD4B01EA-4221-40B5-A155-1CF2D3FA45C3}" dt="2024-09-13T22:24:32.990" v="30" actId="20577"/>
+        <pc:sldMkLst>
+          <pc:docMk/>
+          <pc:sldMk cId="3489001171" sldId="257"/>
+        </pc:sldMkLst>
+        <pc:spChg chg="mod">
+          <ac:chgData name="Jia Jones" userId="a3b0c72f-e186-4738-b8d6-28e077c699c2" providerId="ADAL" clId="{CD4B01EA-4221-40B5-A155-1CF2D3FA45C3}" dt="2024-09-13T22:24:29.226" v="27" actId="20577"/>
+          <ac:spMkLst>
+            <pc:docMk/>
+            <pc:sldMk cId="3489001171" sldId="257"/>
+            <ac:spMk id="15" creationId="{40860589-F87D-B4FC-66E8-D7D80FCB7557}"/>
+          </ac:spMkLst>
+        </pc:spChg>
+        <pc:spChg chg="mod">
+          <ac:chgData name="Jia Jones" userId="a3b0c72f-e186-4738-b8d6-28e077c699c2" providerId="ADAL" clId="{CD4B01EA-4221-40B5-A155-1CF2D3FA45C3}" dt="2024-09-13T22:24:32.990" v="30" actId="20577"/>
+          <ac:spMkLst>
+            <pc:docMk/>
+            <pc:sldMk cId="3489001171" sldId="257"/>
+            <ac:spMk id="18" creationId="{567BD2FC-C43E-35F5-8077-1BD43CB2CC7F}"/>
+          </ac:spMkLst>
+        </pc:spChg>
+      </pc:sldChg>
       <pc:sldChg chg="addSp modSp mod">
-        <pc:chgData name="Jia Jones" userId="a3b0c72f-e186-4738-b8d6-28e077c699c2" providerId="ADAL" clId="{CD4B01EA-4221-40B5-A155-1CF2D3FA45C3}" dt="2024-09-10T13:51:32.583" v="24" actId="1076"/>
+        <pc:chgData name="Jia Jones" userId="a3b0c72f-e186-4738-b8d6-28e077c699c2" providerId="ADAL" clId="{CD4B01EA-4221-40B5-A155-1CF2D3FA45C3}" dt="2024-09-13T22:24:41.665" v="36" actId="20577"/>
         <pc:sldMkLst>
           <pc:docMk/>
           <pc:sldMk cId="827846081" sldId="258"/>
         </pc:sldMkLst>
+        <pc:spChg chg="mod">
+          <ac:chgData name="Jia Jones" userId="a3b0c72f-e186-4738-b8d6-28e077c699c2" providerId="ADAL" clId="{CD4B01EA-4221-40B5-A155-1CF2D3FA45C3}" dt="2024-09-13T22:24:38.516" v="33" actId="20577"/>
+          <ac:spMkLst>
+            <pc:docMk/>
+            <pc:sldMk cId="827846081" sldId="258"/>
+            <ac:spMk id="15" creationId="{40860589-F87D-B4FC-66E8-D7D80FCB7557}"/>
+          </ac:spMkLst>
+        </pc:spChg>
+        <pc:spChg chg="mod">
+          <ac:chgData name="Jia Jones" userId="a3b0c72f-e186-4738-b8d6-28e077c699c2" providerId="ADAL" clId="{CD4B01EA-4221-40B5-A155-1CF2D3FA45C3}" dt="2024-09-13T22:24:41.665" v="36" actId="20577"/>
+          <ac:spMkLst>
+            <pc:docMk/>
+            <pc:sldMk cId="827846081" sldId="258"/>
+            <ac:spMk id="18" creationId="{567BD2FC-C43E-35F5-8077-1BD43CB2CC7F}"/>
+          </ac:spMkLst>
+        </pc:spChg>
         <pc:picChg chg="add mod">
           <ac:chgData name="Jia Jones" userId="a3b0c72f-e186-4738-b8d6-28e077c699c2" providerId="ADAL" clId="{CD4B01EA-4221-40B5-A155-1CF2D3FA45C3}" dt="2024-09-10T13:50:34.040" v="17" actId="1076"/>
           <ac:picMkLst>
@@ -815,6 +1020,226 @@
         </pc:picChg>
         <pc:picChg chg="add mod">
           <ac:chgData name="Jia Jones" userId="a3b0c72f-e186-4738-b8d6-28e077c699c2" providerId="ADAL" clId="{CD4B01EA-4221-40B5-A155-1CF2D3FA45C3}" dt="2024-09-10T13:51:32.583" v="24" actId="1076"/>
+          <ac:picMkLst>
+            <pc:docMk/>
+            <pc:sldMk cId="827846081" sldId="258"/>
+            <ac:picMk id="1026" creationId="{0DA1347E-0075-E2C3-3C3D-7667CD91E485}"/>
+          </ac:picMkLst>
+        </pc:picChg>
+      </pc:sldChg>
+      <pc:sldChg chg="modSp mod">
+        <pc:chgData name="Jia Jones" userId="a3b0c72f-e186-4738-b8d6-28e077c699c2" providerId="ADAL" clId="{CD4B01EA-4221-40B5-A155-1CF2D3FA45C3}" dt="2024-09-15T03:29:56.535" v="591" actId="20577"/>
+        <pc:sldMkLst>
+          <pc:docMk/>
+          <pc:sldMk cId="2082502640" sldId="260"/>
+        </pc:sldMkLst>
+        <pc:spChg chg="mod">
+          <ac:chgData name="Jia Jones" userId="a3b0c72f-e186-4738-b8d6-28e077c699c2" providerId="ADAL" clId="{CD4B01EA-4221-40B5-A155-1CF2D3FA45C3}" dt="2024-09-15T03:29:56.535" v="591" actId="20577"/>
+          <ac:spMkLst>
+            <pc:docMk/>
+            <pc:sldMk cId="2082502640" sldId="260"/>
+            <ac:spMk id="2" creationId="{8F4685AB-3C38-F211-6E94-1FEDDB39F74E}"/>
+          </ac:spMkLst>
+        </pc:spChg>
+      </pc:sldChg>
+      <pc:sldChg chg="addSp modSp mod">
+        <pc:chgData name="Jia Jones" userId="a3b0c72f-e186-4738-b8d6-28e077c699c2" providerId="ADAL" clId="{CD4B01EA-4221-40B5-A155-1CF2D3FA45C3}" dt="2024-09-15T03:03:02.267" v="362"/>
+        <pc:sldMkLst>
+          <pc:docMk/>
+          <pc:sldMk cId="3339731875" sldId="262"/>
+        </pc:sldMkLst>
+        <pc:spChg chg="mod">
+          <ac:chgData name="Jia Jones" userId="a3b0c72f-e186-4738-b8d6-28e077c699c2" providerId="ADAL" clId="{CD4B01EA-4221-40B5-A155-1CF2D3FA45C3}" dt="2024-09-15T02:40:30.017" v="287" actId="1076"/>
+          <ac:spMkLst>
+            <pc:docMk/>
+            <pc:sldMk cId="3339731875" sldId="262"/>
+            <ac:spMk id="4" creationId="{13696BEA-7476-DD82-4A2C-D6DEB256A594}"/>
+          </ac:spMkLst>
+        </pc:spChg>
+        <pc:spChg chg="add mod">
+          <ac:chgData name="Jia Jones" userId="a3b0c72f-e186-4738-b8d6-28e077c699c2" providerId="ADAL" clId="{CD4B01EA-4221-40B5-A155-1CF2D3FA45C3}" dt="2024-09-15T03:02:26.997" v="352" actId="207"/>
+          <ac:spMkLst>
+            <pc:docMk/>
+            <pc:sldMk cId="3339731875" sldId="262"/>
+            <ac:spMk id="6" creationId="{7F87727C-C544-6881-B59E-7206458A6AC2}"/>
+          </ac:spMkLst>
+        </pc:spChg>
+        <pc:graphicFrameChg chg="add mod modGraphic">
+          <ac:chgData name="Jia Jones" userId="a3b0c72f-e186-4738-b8d6-28e077c699c2" providerId="ADAL" clId="{CD4B01EA-4221-40B5-A155-1CF2D3FA45C3}" dt="2024-09-15T03:02:52.121" v="358"/>
+          <ac:graphicFrameMkLst>
+            <pc:docMk/>
+            <pc:sldMk cId="3339731875" sldId="262"/>
+            <ac:graphicFrameMk id="2" creationId="{6A1ED64B-A1E9-4444-5A9F-144C34C1E052}"/>
+          </ac:graphicFrameMkLst>
+        </pc:graphicFrameChg>
+        <pc:graphicFrameChg chg="add mod">
+          <ac:chgData name="Jia Jones" userId="a3b0c72f-e186-4738-b8d6-28e077c699c2" providerId="ADAL" clId="{CD4B01EA-4221-40B5-A155-1CF2D3FA45C3}" dt="2024-09-15T02:31:23.953" v="85"/>
+          <ac:graphicFrameMkLst>
+            <pc:docMk/>
+            <pc:sldMk cId="3339731875" sldId="262"/>
+            <ac:graphicFrameMk id="3" creationId="{229D6B16-0C03-88CA-0B81-80FCE697262C}"/>
+          </ac:graphicFrameMkLst>
+        </pc:graphicFrameChg>
+        <pc:graphicFrameChg chg="add mod modGraphic">
+          <ac:chgData name="Jia Jones" userId="a3b0c72f-e186-4738-b8d6-28e077c699c2" providerId="ADAL" clId="{CD4B01EA-4221-40B5-A155-1CF2D3FA45C3}" dt="2024-09-15T03:03:02.267" v="362"/>
+          <ac:graphicFrameMkLst>
+            <pc:docMk/>
+            <pc:sldMk cId="3339731875" sldId="262"/>
+            <ac:graphicFrameMk id="5" creationId="{38A33295-2FA9-75B9-8B10-F2AAA8D49FF4}"/>
+          </ac:graphicFrameMkLst>
+        </pc:graphicFrameChg>
+        <pc:picChg chg="add mod">
+          <ac:chgData name="Jia Jones" userId="a3b0c72f-e186-4738-b8d6-28e077c699c2" providerId="ADAL" clId="{CD4B01EA-4221-40B5-A155-1CF2D3FA45C3}" dt="2024-09-15T02:27:00.274" v="57" actId="1076"/>
+          <ac:picMkLst>
+            <pc:docMk/>
+            <pc:sldMk cId="3339731875" sldId="262"/>
+            <ac:picMk id="1025" creationId="{D3439F12-532F-E69B-EABF-066E21109F4B}"/>
+          </ac:picMkLst>
+        </pc:picChg>
+        <pc:cxnChg chg="add mod">
+          <ac:chgData name="Jia Jones" userId="a3b0c72f-e186-4738-b8d6-28e077c699c2" providerId="ADAL" clId="{CD4B01EA-4221-40B5-A155-1CF2D3FA45C3}" dt="2024-09-15T03:01:22.902" v="351" actId="14100"/>
+          <ac:cxnSpMkLst>
+            <pc:docMk/>
+            <pc:sldMk cId="3339731875" sldId="262"/>
+            <ac:cxnSpMk id="8" creationId="{79F1F5C2-365B-5FCF-FD87-BEB0CA955AC8}"/>
+          </ac:cxnSpMkLst>
+        </pc:cxnChg>
+      </pc:sldChg>
+      <pc:sldChg chg="addSp delSp modSp mod ord">
+        <pc:chgData name="Jia Jones" userId="a3b0c72f-e186-4738-b8d6-28e077c699c2" providerId="ADAL" clId="{CD4B01EA-4221-40B5-A155-1CF2D3FA45C3}" dt="2024-09-14T03:38:59.803" v="54" actId="1076"/>
+        <pc:sldMkLst>
+          <pc:docMk/>
+          <pc:sldMk cId="3055279406" sldId="263"/>
+        </pc:sldMkLst>
+        <pc:picChg chg="add del mod">
+          <ac:chgData name="Jia Jones" userId="a3b0c72f-e186-4738-b8d6-28e077c699c2" providerId="ADAL" clId="{CD4B01EA-4221-40B5-A155-1CF2D3FA45C3}" dt="2024-09-14T03:38:47.553" v="48" actId="478"/>
+          <ac:picMkLst>
+            <pc:docMk/>
+            <pc:sldMk cId="3055279406" sldId="263"/>
+            <ac:picMk id="3" creationId="{2EF5D7E0-EB91-3C50-6786-C9B14A7F8012}"/>
+          </ac:picMkLst>
+        </pc:picChg>
+        <pc:picChg chg="add mod">
+          <ac:chgData name="Jia Jones" userId="a3b0c72f-e186-4738-b8d6-28e077c699c2" providerId="ADAL" clId="{CD4B01EA-4221-40B5-A155-1CF2D3FA45C3}" dt="2024-09-14T03:38:59.803" v="54" actId="1076"/>
+          <ac:picMkLst>
+            <pc:docMk/>
+            <pc:sldMk cId="3055279406" sldId="263"/>
+            <ac:picMk id="6" creationId="{8DCB89FF-7CB3-B691-31DD-25718B241440}"/>
+          </ac:picMkLst>
+        </pc:picChg>
+      </pc:sldChg>
+      <pc:sldChg chg="addSp modSp mod">
+        <pc:chgData name="Jia Jones" userId="a3b0c72f-e186-4738-b8d6-28e077c699c2" providerId="ADAL" clId="{CD4B01EA-4221-40B5-A155-1CF2D3FA45C3}" dt="2024-09-15T03:21:01.520" v="518" actId="207"/>
+        <pc:sldMkLst>
+          <pc:docMk/>
+          <pc:sldMk cId="2857748267" sldId="264"/>
+        </pc:sldMkLst>
+        <pc:spChg chg="add mod">
+          <ac:chgData name="Jia Jones" userId="a3b0c72f-e186-4738-b8d6-28e077c699c2" providerId="ADAL" clId="{CD4B01EA-4221-40B5-A155-1CF2D3FA45C3}" dt="2024-09-15T03:21:01.520" v="518" actId="207"/>
+          <ac:spMkLst>
+            <pc:docMk/>
+            <pc:sldMk cId="2857748267" sldId="264"/>
+            <ac:spMk id="3" creationId="{C157969B-F380-EB23-2B2E-655D3EBE2676}"/>
+          </ac:spMkLst>
+        </pc:spChg>
+      </pc:sldChg>
+    </pc:docChg>
+  </pc:docChgLst>
+  <pc:docChgLst>
+    <pc:chgData name="Jia Jones" userId="S::ji293882@ucf.edu::a3b0c72f-e186-4738-b8d6-28e077c699c2" providerId="AD" clId="Web-{BD499BF1-C8D0-78C1-9A0D-D9CC50743841}"/>
+    <pc:docChg chg="modSld">
+      <pc:chgData name="Jia Jones" userId="S::ji293882@ucf.edu::a3b0c72f-e186-4738-b8d6-28e077c699c2" providerId="AD" clId="Web-{BD499BF1-C8D0-78C1-9A0D-D9CC50743841}" dt="2024-09-12T15:43:36.667" v="28" actId="1076"/>
+      <pc:docMkLst>
+        <pc:docMk/>
+      </pc:docMkLst>
+      <pc:sldChg chg="modSp">
+        <pc:chgData name="Jia Jones" userId="S::ji293882@ucf.edu::a3b0c72f-e186-4738-b8d6-28e077c699c2" providerId="AD" clId="Web-{BD499BF1-C8D0-78C1-9A0D-D9CC50743841}" dt="2024-09-12T15:43:36.667" v="28" actId="1076"/>
+        <pc:sldMkLst>
+          <pc:docMk/>
+          <pc:sldMk cId="827846081" sldId="258"/>
+        </pc:sldMkLst>
+        <pc:picChg chg="mod">
+          <ac:chgData name="Jia Jones" userId="S::ji293882@ucf.edu::a3b0c72f-e186-4738-b8d6-28e077c699c2" providerId="AD" clId="Web-{BD499BF1-C8D0-78C1-9A0D-D9CC50743841}" dt="2024-09-12T15:40:16.537" v="9" actId="1076"/>
+          <ac:picMkLst>
+            <pc:docMk/>
+            <pc:sldMk cId="827846081" sldId="258"/>
+            <ac:picMk id="2" creationId="{5A449522-71C7-A78E-FC4D-E82F2D6DF3C0}"/>
+          </ac:picMkLst>
+        </pc:picChg>
+        <pc:picChg chg="mod">
+          <ac:chgData name="Jia Jones" userId="S::ji293882@ucf.edu::a3b0c72f-e186-4738-b8d6-28e077c699c2" providerId="AD" clId="Web-{BD499BF1-C8D0-78C1-9A0D-D9CC50743841}" dt="2024-09-12T15:40:16.537" v="10" actId="1076"/>
+          <ac:picMkLst>
+            <pc:docMk/>
+            <pc:sldMk cId="827846081" sldId="258"/>
+            <ac:picMk id="4" creationId="{87329B1F-5F8E-7E34-B8AF-A83A1E3A07A0}"/>
+          </ac:picMkLst>
+        </pc:picChg>
+        <pc:picChg chg="mod">
+          <ac:chgData name="Jia Jones" userId="S::ji293882@ucf.edu::a3b0c72f-e186-4738-b8d6-28e077c699c2" providerId="AD" clId="Web-{BD499BF1-C8D0-78C1-9A0D-D9CC50743841}" dt="2024-09-12T15:40:16.521" v="8" actId="1076"/>
+          <ac:picMkLst>
+            <pc:docMk/>
+            <pc:sldMk cId="827846081" sldId="258"/>
+            <ac:picMk id="5" creationId="{F9E68F5F-F35E-A948-8F89-FE91C423B052}"/>
+          </ac:picMkLst>
+        </pc:picChg>
+        <pc:picChg chg="mod">
+          <ac:chgData name="Jia Jones" userId="S::ji293882@ucf.edu::a3b0c72f-e186-4738-b8d6-28e077c699c2" providerId="AD" clId="Web-{BD499BF1-C8D0-78C1-9A0D-D9CC50743841}" dt="2024-09-12T15:40:56.522" v="21" actId="1076"/>
+          <ac:picMkLst>
+            <pc:docMk/>
+            <pc:sldMk cId="827846081" sldId="258"/>
+            <ac:picMk id="6" creationId="{659D18A9-A5E4-20DB-6DA8-05675CD27922}"/>
+          </ac:picMkLst>
+        </pc:picChg>
+        <pc:picChg chg="mod">
+          <ac:chgData name="Jia Jones" userId="S::ji293882@ucf.edu::a3b0c72f-e186-4738-b8d6-28e077c699c2" providerId="AD" clId="Web-{BD499BF1-C8D0-78C1-9A0D-D9CC50743841}" dt="2024-09-12T15:40:58.506" v="22" actId="1076"/>
+          <ac:picMkLst>
+            <pc:docMk/>
+            <pc:sldMk cId="827846081" sldId="258"/>
+            <ac:picMk id="7" creationId="{EE2B97E9-84D4-B203-4DBC-3EDC440E3EB9}"/>
+          </ac:picMkLst>
+        </pc:picChg>
+        <pc:picChg chg="mod">
+          <ac:chgData name="Jia Jones" userId="S::ji293882@ucf.edu::a3b0c72f-e186-4738-b8d6-28e077c699c2" providerId="AD" clId="Web-{BD499BF1-C8D0-78C1-9A0D-D9CC50743841}" dt="2024-09-12T15:43:36.667" v="28" actId="1076"/>
+          <ac:picMkLst>
+            <pc:docMk/>
+            <pc:sldMk cId="827846081" sldId="258"/>
+            <ac:picMk id="9" creationId="{02234CC9-B8C4-8AEE-5667-1BA1E1B73AF8}"/>
+          </ac:picMkLst>
+        </pc:picChg>
+        <pc:picChg chg="mod">
+          <ac:chgData name="Jia Jones" userId="S::ji293882@ucf.edu::a3b0c72f-e186-4738-b8d6-28e077c699c2" providerId="AD" clId="Web-{BD499BF1-C8D0-78C1-9A0D-D9CC50743841}" dt="2024-09-12T15:42:37.275" v="23" actId="1076"/>
+          <ac:picMkLst>
+            <pc:docMk/>
+            <pc:sldMk cId="827846081" sldId="258"/>
+            <ac:picMk id="10" creationId="{174E1945-03A0-203F-DBF0-73401172B676}"/>
+          </ac:picMkLst>
+        </pc:picChg>
+        <pc:picChg chg="mod">
+          <ac:chgData name="Jia Jones" userId="S::ji293882@ucf.edu::a3b0c72f-e186-4738-b8d6-28e077c699c2" providerId="AD" clId="Web-{BD499BF1-C8D0-78C1-9A0D-D9CC50743841}" dt="2024-09-12T15:40:55.194" v="20" actId="1076"/>
+          <ac:picMkLst>
+            <pc:docMk/>
+            <pc:sldMk cId="827846081" sldId="258"/>
+            <ac:picMk id="13" creationId="{BC8BEA36-5167-6379-8409-59FE20C6DAED}"/>
+          </ac:picMkLst>
+        </pc:picChg>
+        <pc:picChg chg="mod">
+          <ac:chgData name="Jia Jones" userId="S::ji293882@ucf.edu::a3b0c72f-e186-4738-b8d6-28e077c699c2" providerId="AD" clId="Web-{BD499BF1-C8D0-78C1-9A0D-D9CC50743841}" dt="2024-09-12T15:40:41.115" v="19" actId="1076"/>
+          <ac:picMkLst>
+            <pc:docMk/>
+            <pc:sldMk cId="827846081" sldId="258"/>
+            <ac:picMk id="14" creationId="{6F54B187-2B5C-7557-5AA1-833FF9D75B98}"/>
+          </ac:picMkLst>
+        </pc:picChg>
+        <pc:picChg chg="mod">
+          <ac:chgData name="Jia Jones" userId="S::ji293882@ucf.edu::a3b0c72f-e186-4738-b8d6-28e077c699c2" providerId="AD" clId="Web-{BD499BF1-C8D0-78C1-9A0D-D9CC50743841}" dt="2024-09-12T15:40:40.131" v="18" actId="1076"/>
+          <ac:picMkLst>
+            <pc:docMk/>
+            <pc:sldMk cId="827846081" sldId="258"/>
+            <ac:picMk id="17" creationId="{720D662C-A1AC-F87A-CA98-CE17342ED317}"/>
+          </ac:picMkLst>
+        </pc:picChg>
+        <pc:picChg chg="mod">
+          <ac:chgData name="Jia Jones" userId="S::ji293882@ucf.edu::a3b0c72f-e186-4738-b8d6-28e077c699c2" providerId="AD" clId="Web-{BD499BF1-C8D0-78C1-9A0D-D9CC50743841}" dt="2024-09-12T15:40:22.959" v="12" actId="1076"/>
           <ac:picMkLst>
             <pc:docMk/>
             <pc:sldMk cId="827846081" sldId="258"/>
@@ -974,7 +1399,7 @@
           <a:p>
             <a:fld id="{1C820894-7E7A-44EE-8EDB-35B8333AC41C}" type="datetimeFigureOut">
               <a:rPr lang="en-US" smtClean="0"/>
-              <a:t>9/10/2024</a:t>
+              <a:t>9/14/2024</a:t>
             </a:fld>
             <a:endParaRPr lang="en-US"/>
           </a:p>
@@ -1172,7 +1597,7 @@
           <a:p>
             <a:fld id="{1C820894-7E7A-44EE-8EDB-35B8333AC41C}" type="datetimeFigureOut">
               <a:rPr lang="en-US" smtClean="0"/>
-              <a:t>9/10/2024</a:t>
+              <a:t>9/14/2024</a:t>
             </a:fld>
             <a:endParaRPr lang="en-US"/>
           </a:p>
@@ -1380,7 +1805,7 @@
           <a:p>
             <a:fld id="{1C820894-7E7A-44EE-8EDB-35B8333AC41C}" type="datetimeFigureOut">
               <a:rPr lang="en-US" smtClean="0"/>
-              <a:t>9/10/2024</a:t>
+              <a:t>9/14/2024</a:t>
             </a:fld>
             <a:endParaRPr lang="en-US"/>
           </a:p>
@@ -1578,7 +2003,7 @@
           <a:p>
             <a:fld id="{1C820894-7E7A-44EE-8EDB-35B8333AC41C}" type="datetimeFigureOut">
               <a:rPr lang="en-US" smtClean="0"/>
-              <a:t>9/10/2024</a:t>
+              <a:t>9/14/2024</a:t>
             </a:fld>
             <a:endParaRPr lang="en-US"/>
           </a:p>
@@ -1853,7 +2278,7 @@
           <a:p>
             <a:fld id="{1C820894-7E7A-44EE-8EDB-35B8333AC41C}" type="datetimeFigureOut">
               <a:rPr lang="en-US" smtClean="0"/>
-              <a:t>9/10/2024</a:t>
+              <a:t>9/14/2024</a:t>
             </a:fld>
             <a:endParaRPr lang="en-US"/>
           </a:p>
@@ -2118,7 +2543,7 @@
           <a:p>
             <a:fld id="{1C820894-7E7A-44EE-8EDB-35B8333AC41C}" type="datetimeFigureOut">
               <a:rPr lang="en-US" smtClean="0"/>
-              <a:t>9/10/2024</a:t>
+              <a:t>9/14/2024</a:t>
             </a:fld>
             <a:endParaRPr lang="en-US"/>
           </a:p>
@@ -2530,7 +2955,7 @@
           <a:p>
             <a:fld id="{1C820894-7E7A-44EE-8EDB-35B8333AC41C}" type="datetimeFigureOut">
               <a:rPr lang="en-US" smtClean="0"/>
-              <a:t>9/10/2024</a:t>
+              <a:t>9/14/2024</a:t>
             </a:fld>
             <a:endParaRPr lang="en-US"/>
           </a:p>
@@ -2671,7 +3096,7 @@
           <a:p>
             <a:fld id="{1C820894-7E7A-44EE-8EDB-35B8333AC41C}" type="datetimeFigureOut">
               <a:rPr lang="en-US" smtClean="0"/>
-              <a:t>9/10/2024</a:t>
+              <a:t>9/14/2024</a:t>
             </a:fld>
             <a:endParaRPr lang="en-US"/>
           </a:p>
@@ -2784,7 +3209,7 @@
           <a:p>
             <a:fld id="{1C820894-7E7A-44EE-8EDB-35B8333AC41C}" type="datetimeFigureOut">
               <a:rPr lang="en-US" smtClean="0"/>
-              <a:t>9/10/2024</a:t>
+              <a:t>9/14/2024</a:t>
             </a:fld>
             <a:endParaRPr lang="en-US"/>
           </a:p>
@@ -3095,7 +3520,7 @@
           <a:p>
             <a:fld id="{1C820894-7E7A-44EE-8EDB-35B8333AC41C}" type="datetimeFigureOut">
               <a:rPr lang="en-US" smtClean="0"/>
-              <a:t>9/10/2024</a:t>
+              <a:t>9/14/2024</a:t>
             </a:fld>
             <a:endParaRPr lang="en-US"/>
           </a:p>
@@ -3383,7 +3808,7 @@
           <a:p>
             <a:fld id="{1C820894-7E7A-44EE-8EDB-35B8333AC41C}" type="datetimeFigureOut">
               <a:rPr lang="en-US" smtClean="0"/>
-              <a:t>9/10/2024</a:t>
+              <a:t>9/14/2024</a:t>
             </a:fld>
             <a:endParaRPr lang="en-US"/>
           </a:p>
@@ -3627,7 +4052,7 @@
           <a:p>
             <a:fld id="{1C820894-7E7A-44EE-8EDB-35B8333AC41C}" type="datetimeFigureOut">
               <a:rPr lang="en-US" smtClean="0"/>
-              <a:t>9/10/2024</a:t>
+              <a:t>9/14/2024</a:t>
             </a:fld>
             <a:endParaRPr lang="en-US"/>
           </a:p>
@@ -4422,14 +4847,14 @@
             <a:p>
               <a:pPr algn="ctr"/>
               <a:r>
-                <a:rPr lang="en-US" sz="3600" b="1">
+                <a:rPr lang="en-US" sz="3600" b="1" dirty="0">
                   <a:solidFill>
                     <a:srgbClr val="661618"/>
                   </a:solidFill>
                   <a:latin typeface="Inter" panose="020B0502030000000004" pitchFamily="34" charset="0"/>
                   <a:ea typeface="Inter" panose="020B0502030000000004" pitchFamily="34" charset="0"/>
                 </a:rPr>
-                <a:t>Front-End</a:t>
+                <a:t>Frontend</a:t>
               </a:r>
             </a:p>
           </p:txBody>
@@ -4592,14 +5017,14 @@
             <a:p>
               <a:pPr algn="ctr"/>
               <a:r>
-                <a:rPr lang="en-US" sz="3600" b="1">
+                <a:rPr lang="en-US" sz="3600" b="1" dirty="0">
                   <a:solidFill>
                     <a:srgbClr val="661618"/>
                   </a:solidFill>
                   <a:latin typeface="Inter" panose="020B0502030000000004" pitchFamily="34" charset="0"/>
                   <a:ea typeface="Inter" panose="020B0502030000000004" pitchFamily="34" charset="0"/>
                 </a:rPr>
-                <a:t>Back-End</a:t>
+                <a:t>Backend</a:t>
               </a:r>
             </a:p>
           </p:txBody>
@@ -4992,14 +5417,14 @@
             <a:p>
               <a:pPr algn="ctr"/>
               <a:r>
-                <a:rPr lang="en-US" sz="3600" b="1">
+                <a:rPr lang="en-US" sz="3600" b="1" dirty="0">
                   <a:solidFill>
                     <a:srgbClr val="661618"/>
                   </a:solidFill>
                   <a:latin typeface="Inter" panose="020B0502030000000004" pitchFamily="34" charset="0"/>
                   <a:ea typeface="Inter" panose="020B0502030000000004" pitchFamily="34" charset="0"/>
                 </a:rPr>
-                <a:t>Front-End</a:t>
+                <a:t>Frontend</a:t>
               </a:r>
             </a:p>
           </p:txBody>
@@ -5107,14 +5532,14 @@
             <a:p>
               <a:pPr algn="ctr"/>
               <a:r>
-                <a:rPr lang="en-US" sz="3600" b="1">
+                <a:rPr lang="en-US" sz="3600" b="1" dirty="0">
                   <a:solidFill>
                     <a:srgbClr val="661618"/>
                   </a:solidFill>
                   <a:latin typeface="Inter" panose="020B0502030000000004" pitchFamily="34" charset="0"/>
                   <a:ea typeface="Inter" panose="020B0502030000000004" pitchFamily="34" charset="0"/>
                 </a:rPr>
-                <a:t>Back-End</a:t>
+                <a:t>Backend</a:t>
               </a:r>
             </a:p>
           </p:txBody>
@@ -5256,7 +5681,7 @@
         </p:blipFill>
         <p:spPr>
           <a:xfrm>
-            <a:off x="2721109" y="4926151"/>
+            <a:off x="-1254660" y="3172446"/>
             <a:ext cx="1047808" cy="1011297"/>
           </a:xfrm>
           <a:prstGeom prst="rect">
@@ -5338,7 +5763,7 @@
         </p:blipFill>
         <p:spPr>
           <a:xfrm>
-            <a:off x="576473" y="4913701"/>
+            <a:off x="-3526296" y="3159996"/>
             <a:ext cx="1023747" cy="1023747"/>
           </a:xfrm>
           <a:prstGeom prst="rect">
@@ -5368,7 +5793,7 @@
         </p:blipFill>
         <p:spPr>
           <a:xfrm>
-            <a:off x="1796140" y="4912941"/>
+            <a:off x="-2287090" y="3999390"/>
             <a:ext cx="726161" cy="1024507"/>
           </a:xfrm>
           <a:prstGeom prst="rect">
@@ -5398,7 +5823,7 @@
         </p:blipFill>
         <p:spPr>
           <a:xfrm>
-            <a:off x="5112032" y="1204070"/>
+            <a:off x="5447054" y="1194786"/>
             <a:ext cx="1242850" cy="1242850"/>
           </a:xfrm>
           <a:prstGeom prst="rect">
@@ -5428,7 +5853,7 @@
         </p:blipFill>
         <p:spPr>
           <a:xfrm>
-            <a:off x="2570556" y="1468258"/>
+            <a:off x="2658479" y="1507335"/>
             <a:ext cx="2026197" cy="622078"/>
           </a:xfrm>
           <a:prstGeom prst="rect">
@@ -5487,8 +5912,8 @@
         </p:blipFill>
         <p:spPr>
           <a:xfrm>
-            <a:off x="817200" y="3648834"/>
-            <a:ext cx="1655379" cy="827690"/>
+            <a:off x="1073945" y="4214274"/>
+            <a:ext cx="2230309" cy="1115155"/>
           </a:xfrm>
           <a:prstGeom prst="rect">
             <a:avLst/>
@@ -5516,7 +5941,7 @@
         </p:blipFill>
         <p:spPr>
           <a:xfrm>
-            <a:off x="6654066" y="992008"/>
+            <a:off x="7726417" y="1416651"/>
             <a:ext cx="2000250" cy="783062"/>
           </a:xfrm>
           <a:prstGeom prst="rect">
@@ -5546,8 +5971,8 @@
         </p:blipFill>
         <p:spPr>
           <a:xfrm>
-            <a:off x="4832854" y="3831837"/>
-            <a:ext cx="935480" cy="763975"/>
+            <a:off x="9467258" y="4152461"/>
+            <a:ext cx="1082018" cy="871436"/>
           </a:xfrm>
           <a:prstGeom prst="rect">
             <a:avLst/>
@@ -5575,7 +6000,7 @@
         </p:blipFill>
         <p:spPr>
           <a:xfrm>
-            <a:off x="6737927" y="1859462"/>
+            <a:off x="4858551" y="4473339"/>
             <a:ext cx="2474899" cy="585251"/>
           </a:xfrm>
           <a:prstGeom prst="rect">
@@ -5605,7 +6030,7 @@
         </p:blipFill>
         <p:spPr>
           <a:xfrm>
-            <a:off x="6328779" y="3777517"/>
+            <a:off x="-2378519" y="2214686"/>
             <a:ext cx="818295" cy="818295"/>
           </a:xfrm>
           <a:prstGeom prst="rect">
@@ -5640,7 +6065,7 @@
         </p:blipFill>
         <p:spPr bwMode="auto">
           <a:xfrm>
-            <a:off x="9326374" y="1099258"/>
+            <a:off x="10449835" y="1411873"/>
             <a:ext cx="820918" cy="836124"/>
           </a:xfrm>
           <a:prstGeom prst="rect">
@@ -5718,7 +6143,7 @@
           <a:p>
             <a:pPr algn="ctr"/>
             <a:r>
-              <a:rPr lang="en-US" sz="4400" b="1">
+              <a:rPr lang="en-US" sz="4400" b="1" dirty="0">
                 <a:solidFill>
                   <a:srgbClr val="E9D8B2"/>
                 </a:solidFill>
@@ -5727,13 +6152,90 @@
               </a:rPr>
               <a:t>What went well</a:t>
             </a:r>
-            <a:endParaRPr lang="en-US" sz="4400">
+            <a:endParaRPr lang="en-US" sz="4400" dirty="0">
               <a:solidFill>
                 <a:srgbClr val="E9D8B2"/>
               </a:solidFill>
               <a:latin typeface="Inter" panose="020B0502030000000004" pitchFamily="34" charset="0"/>
               <a:ea typeface="Inter" panose="020B0502030000000004" pitchFamily="34" charset="0"/>
             </a:endParaRPr>
+          </a:p>
+        </p:txBody>
+      </p:sp>
+      <p:sp>
+        <p:nvSpPr>
+          <p:cNvPr id="2" name="TextBox 1">
+            <a:extLst>
+              <a:ext uri="{FF2B5EF4-FFF2-40B4-BE49-F238E27FC236}">
+                <a16:creationId xmlns:a16="http://schemas.microsoft.com/office/drawing/2014/main" id="{45BD7568-8786-1899-14B3-D61E2DF24ADF}"/>
+              </a:ext>
+            </a:extLst>
+          </p:cNvPr>
+          <p:cNvSpPr txBox="1"/>
+          <p:nvPr/>
+        </p:nvSpPr>
+        <p:spPr>
+          <a:xfrm>
+            <a:off x="436179" y="1120676"/>
+            <a:ext cx="11319641" cy="2308324"/>
+          </a:xfrm>
+          <a:prstGeom prst="rect">
+            <a:avLst/>
+          </a:prstGeom>
+          <a:noFill/>
+        </p:spPr>
+        <p:txBody>
+          <a:bodyPr wrap="square" rtlCol="0">
+            <a:spAutoFit/>
+          </a:bodyPr>
+          <a:lstStyle/>
+          <a:p>
+            <a:pPr marL="285750" indent="-285750">
+              <a:buFont typeface="Arial" panose="020B0604020202020204" pitchFamily="34" charset="0"/>
+              <a:buChar char="•"/>
+            </a:pPr>
+            <a:r>
+              <a:rPr lang="en-US" sz="3600" dirty="0">
+                <a:solidFill>
+                  <a:srgbClr val="E9D8B2"/>
+                </a:solidFill>
+                <a:latin typeface="Inter" panose="020B0502030000000004" pitchFamily="34" charset="0"/>
+                <a:ea typeface="Inter" panose="020B0502030000000004" pitchFamily="34" charset="0"/>
+              </a:rPr>
+              <a:t>Were in constant communication</a:t>
+            </a:r>
+          </a:p>
+          <a:p>
+            <a:pPr marL="285750" indent="-285750">
+              <a:buFont typeface="Arial" panose="020B0604020202020204" pitchFamily="34" charset="0"/>
+              <a:buChar char="•"/>
+            </a:pPr>
+            <a:r>
+              <a:rPr lang="en-US" sz="3600" dirty="0">
+                <a:solidFill>
+                  <a:srgbClr val="E9D8B2"/>
+                </a:solidFill>
+                <a:latin typeface="Inter" panose="020B0502030000000004" pitchFamily="34" charset="0"/>
+                <a:ea typeface="Inter" panose="020B0502030000000004" pitchFamily="34" charset="0"/>
+              </a:rPr>
+              <a:t>Once a design was decided, the process of creating it came easily</a:t>
+            </a:r>
+          </a:p>
+          <a:p>
+            <a:pPr marL="285750" indent="-285750">
+              <a:buFont typeface="Arial" panose="020B0604020202020204" pitchFamily="34" charset="0"/>
+              <a:buChar char="•"/>
+            </a:pPr>
+            <a:r>
+              <a:rPr lang="en-US" sz="3600" dirty="0">
+                <a:solidFill>
+                  <a:srgbClr val="E9D8B2"/>
+                </a:solidFill>
+                <a:latin typeface="Inter" panose="020B0502030000000004" pitchFamily="34" charset="0"/>
+                <a:ea typeface="Inter" panose="020B0502030000000004" pitchFamily="34" charset="0"/>
+              </a:rPr>
+              <a:t>Database was set up quickly</a:t>
+            </a:r>
           </a:p>
         </p:txBody>
       </p:sp>
@@ -5816,6 +6318,126 @@
           </a:p>
         </p:txBody>
       </p:sp>
+      <p:sp>
+        <p:nvSpPr>
+          <p:cNvPr id="2" name="TextBox 1">
+            <a:extLst>
+              <a:ext uri="{FF2B5EF4-FFF2-40B4-BE49-F238E27FC236}">
+                <a16:creationId xmlns:a16="http://schemas.microsoft.com/office/drawing/2014/main" id="{8F4685AB-3C38-F211-6E94-1FEDDB39F74E}"/>
+              </a:ext>
+            </a:extLst>
+          </p:cNvPr>
+          <p:cNvSpPr txBox="1"/>
+          <p:nvPr/>
+        </p:nvSpPr>
+        <p:spPr>
+          <a:xfrm>
+            <a:off x="436179" y="1243834"/>
+            <a:ext cx="11319641" cy="3970318"/>
+          </a:xfrm>
+          <a:prstGeom prst="rect">
+            <a:avLst/>
+          </a:prstGeom>
+          <a:noFill/>
+        </p:spPr>
+        <p:txBody>
+          <a:bodyPr wrap="square" rtlCol="0">
+            <a:spAutoFit/>
+          </a:bodyPr>
+          <a:lstStyle/>
+          <a:p>
+            <a:pPr marL="285750" indent="-285750">
+              <a:buFont typeface="Arial" panose="020B0604020202020204" pitchFamily="34" charset="0"/>
+              <a:buChar char="•"/>
+            </a:pPr>
+            <a:r>
+              <a:rPr lang="en-US" sz="3600" dirty="0">
+                <a:solidFill>
+                  <a:srgbClr val="E9D8B2"/>
+                </a:solidFill>
+                <a:latin typeface="Inter" panose="020B0502030000000004" pitchFamily="34" charset="0"/>
+                <a:ea typeface="Inter" panose="020B0502030000000004" pitchFamily="34" charset="0"/>
+              </a:rPr>
+              <a:t>Lack of experience delayed the development process</a:t>
+            </a:r>
+          </a:p>
+          <a:p>
+            <a:pPr marL="285750" indent="-285750">
+              <a:buFont typeface="Arial" panose="020B0604020202020204" pitchFamily="34" charset="0"/>
+              <a:buChar char="•"/>
+            </a:pPr>
+            <a:r>
+              <a:rPr lang="en-US" sz="3600" dirty="0">
+                <a:solidFill>
+                  <a:srgbClr val="E9D8B2"/>
+                </a:solidFill>
+                <a:latin typeface="Inter" panose="020B0502030000000004" pitchFamily="34" charset="0"/>
+                <a:ea typeface="Inter" panose="020B0502030000000004" pitchFamily="34" charset="0"/>
+              </a:rPr>
+              <a:t>Took some time to come to a consensus on what to include in the design and the website functionality</a:t>
+            </a:r>
+          </a:p>
+          <a:p>
+            <a:pPr marL="285750" indent="-285750">
+              <a:buFont typeface="Arial" panose="020B0604020202020204" pitchFamily="34" charset="0"/>
+              <a:buChar char="•"/>
+            </a:pPr>
+            <a:r>
+              <a:rPr lang="en-US" sz="3600" dirty="0">
+                <a:solidFill>
+                  <a:srgbClr val="E9D8B2"/>
+                </a:solidFill>
+                <a:latin typeface="Inter" panose="020B0502030000000004" pitchFamily="34" charset="0"/>
+                <a:ea typeface="Inter" panose="020B0502030000000004" pitchFamily="34" charset="0"/>
+              </a:rPr>
+              <a:t>Had difficulty coding and testing when everyone was making </a:t>
+            </a:r>
+            <a:r>
+              <a:rPr lang="en-US" sz="3600">
+                <a:solidFill>
+                  <a:srgbClr val="E9D8B2"/>
+                </a:solidFill>
+                <a:latin typeface="Inter" panose="020B0502030000000004" pitchFamily="34" charset="0"/>
+                <a:ea typeface="Inter" panose="020B0502030000000004" pitchFamily="34" charset="0"/>
+              </a:rPr>
+              <a:t>changes concurrently</a:t>
+            </a:r>
+            <a:endParaRPr lang="en-US" sz="3600" dirty="0">
+              <a:solidFill>
+                <a:srgbClr val="E9D8B2"/>
+              </a:solidFill>
+              <a:latin typeface="Inter" panose="020B0502030000000004" pitchFamily="34" charset="0"/>
+              <a:ea typeface="Inter" panose="020B0502030000000004" pitchFamily="34" charset="0"/>
+            </a:endParaRPr>
+          </a:p>
+          <a:p>
+            <a:pPr marL="285750" indent="-285750">
+              <a:buFont typeface="Arial" panose="020B0604020202020204" pitchFamily="34" charset="0"/>
+              <a:buChar char="•"/>
+            </a:pPr>
+            <a:endParaRPr lang="en-US" sz="3600" dirty="0">
+              <a:solidFill>
+                <a:srgbClr val="E9D8B2"/>
+              </a:solidFill>
+              <a:latin typeface="Inter" panose="020B0502030000000004" pitchFamily="34" charset="0"/>
+              <a:ea typeface="Inter" panose="020B0502030000000004" pitchFamily="34" charset="0"/>
+            </a:endParaRPr>
+          </a:p>
+          <a:p>
+            <a:pPr marL="285750" indent="-285750">
+              <a:buFont typeface="Arial" panose="020B0604020202020204" pitchFamily="34" charset="0"/>
+              <a:buChar char="•"/>
+            </a:pPr>
+            <a:endParaRPr lang="en-US" sz="3600" dirty="0">
+              <a:solidFill>
+                <a:srgbClr val="E9D8B2"/>
+              </a:solidFill>
+              <a:latin typeface="Inter" panose="020B0502030000000004" pitchFamily="34" charset="0"/>
+              <a:ea typeface="Inter" panose="020B0502030000000004" pitchFamily="34" charset="0"/>
+            </a:endParaRPr>
+          </a:p>
+        </p:txBody>
+      </p:sp>
     </p:spTree>
     <p:extLst>
       <p:ext uri="{BB962C8B-B14F-4D97-AF65-F5344CB8AC3E}">
@@ -5962,7 +6584,7 @@
                 <a:latin typeface="Inter" panose="020B0502030000000004" pitchFamily="34" charset="0"/>
                 <a:ea typeface="Inter" panose="020B0502030000000004" pitchFamily="34" charset="0"/>
               </a:rPr>
-              <a:t>Entity Relation Diagram</a:t>
+              <a:t>Use Case Diagram</a:t>
             </a:r>
             <a:endParaRPr lang="en-US" sz="4400">
               <a:solidFill>
@@ -5974,10 +6596,46 @@
           </a:p>
         </p:txBody>
       </p:sp>
+      <p:pic>
+        <p:nvPicPr>
+          <p:cNvPr id="3" name="Picture 2" descr="A diagram of a company&#10;&#10;Description automatically generated">
+            <a:extLst>
+              <a:ext uri="{FF2B5EF4-FFF2-40B4-BE49-F238E27FC236}">
+                <a16:creationId xmlns:a16="http://schemas.microsoft.com/office/drawing/2014/main" id="{B9BBFCA1-47DC-FDA4-BCC1-E2DC7F9923BB}"/>
+              </a:ext>
+            </a:extLst>
+          </p:cNvPr>
+          <p:cNvPicPr>
+            <a:picLocks noChangeAspect="1"/>
+          </p:cNvPicPr>
+          <p:nvPr/>
+        </p:nvPicPr>
+        <p:blipFill>
+          <a:blip r:embed="rId2">
+            <a:extLst>
+              <a:ext uri="{28A0092B-C50C-407E-A947-70E740481C1C}">
+                <a14:useLocalDpi xmlns:a14="http://schemas.microsoft.com/office/drawing/2010/main" val="0"/>
+              </a:ext>
+            </a:extLst>
+          </a:blip>
+          <a:stretch>
+            <a:fillRect/>
+          </a:stretch>
+        </p:blipFill>
+        <p:spPr>
+          <a:xfrm>
+            <a:off x="1125858" y="1131504"/>
+            <a:ext cx="9940284" cy="5520117"/>
+          </a:xfrm>
+          <a:prstGeom prst="rect">
+            <a:avLst/>
+          </a:prstGeom>
+        </p:spPr>
+      </p:pic>
     </p:spTree>
     <p:extLst>
       <p:ext uri="{BB962C8B-B14F-4D97-AF65-F5344CB8AC3E}">
-        <p14:creationId xmlns:p14="http://schemas.microsoft.com/office/powerpoint/2010/main" val="3339731875"/>
+        <p14:creationId xmlns:p14="http://schemas.microsoft.com/office/powerpoint/2010/main" val="3055279406"/>
       </p:ext>
     </p:extLst>
   </p:cSld>
@@ -6034,16 +6692,16 @@
           <a:p>
             <a:pPr algn="ctr"/>
             <a:r>
-              <a:rPr lang="en-US" sz="4400" b="1">
+              <a:rPr lang="en-US" sz="4400" b="1" dirty="0">
                 <a:solidFill>
                   <a:srgbClr val="E9D8B2"/>
                 </a:solidFill>
                 <a:latin typeface="Inter" panose="020B0502030000000004" pitchFamily="34" charset="0"/>
                 <a:ea typeface="Inter" panose="020B0502030000000004" pitchFamily="34" charset="0"/>
               </a:rPr>
-              <a:t>Use Case Diagram</a:t>
+              <a:t>Entity Relation Diagram</a:t>
             </a:r>
-            <a:endParaRPr lang="en-US" sz="4400">
+            <a:endParaRPr lang="en-US" sz="4400" dirty="0">
               <a:solidFill>
                 <a:srgbClr val="E9D8B2"/>
               </a:solidFill>
@@ -6053,10 +6711,1702 @@
           </a:p>
         </p:txBody>
       </p:sp>
+      <p:graphicFrame>
+        <p:nvGraphicFramePr>
+          <p:cNvPr id="2" name="Table 1">
+            <a:extLst>
+              <a:ext uri="{FF2B5EF4-FFF2-40B4-BE49-F238E27FC236}">
+                <a16:creationId xmlns:a16="http://schemas.microsoft.com/office/drawing/2014/main" id="{6A1ED64B-A1E9-4444-5A9F-144C34C1E052}"/>
+              </a:ext>
+            </a:extLst>
+          </p:cNvPr>
+          <p:cNvGraphicFramePr>
+            <a:graphicFrameLocks noGrp="1"/>
+          </p:cNvGraphicFramePr>
+          <p:nvPr>
+            <p:extLst>
+              <p:ext uri="{D42A27DB-BD31-4B8C-83A1-F6EECF244321}">
+                <p14:modId xmlns:p14="http://schemas.microsoft.com/office/powerpoint/2010/main" val="559732722"/>
+              </p:ext>
+            </p:extLst>
+          </p:nvPr>
+        </p:nvGraphicFramePr>
+        <p:xfrm>
+          <a:off x="400554" y="2139954"/>
+          <a:ext cx="4785860" cy="3474720"/>
+        </p:xfrm>
+        <a:graphic>
+          <a:graphicData uri="http://schemas.openxmlformats.org/drawingml/2006/table">
+            <a:tbl>
+              <a:tblPr firstRow="1" bandRow="1">
+                <a:tableStyleId>{5C22544A-7EE6-4342-B048-85BDC9FD1C3A}</a:tableStyleId>
+              </a:tblPr>
+              <a:tblGrid>
+                <a:gridCol w="2392930">
+                  <a:extLst>
+                    <a:ext uri="{9D8B030D-6E8A-4147-A177-3AD203B41FA5}">
+                      <a16:colId xmlns:a16="http://schemas.microsoft.com/office/drawing/2014/main" val="1827655042"/>
+                    </a:ext>
+                  </a:extLst>
+                </a:gridCol>
+                <a:gridCol w="2392930">
+                  <a:extLst>
+                    <a:ext uri="{9D8B030D-6E8A-4147-A177-3AD203B41FA5}">
+                      <a16:colId xmlns:a16="http://schemas.microsoft.com/office/drawing/2014/main" val="3322218215"/>
+                    </a:ext>
+                  </a:extLst>
+                </a:gridCol>
+              </a:tblGrid>
+              <a:tr h="522631">
+                <a:tc gridSpan="2">
+                  <a:txBody>
+                    <a:bodyPr/>
+                    <a:lstStyle/>
+                    <a:p>
+                      <a:pPr algn="ctr"/>
+                      <a:r>
+                        <a:rPr lang="en-US" sz="3200" dirty="0">
+                          <a:solidFill>
+                            <a:srgbClr val="661618"/>
+                          </a:solidFill>
+                        </a:rPr>
+                        <a:t>Logins</a:t>
+                      </a:r>
+                    </a:p>
+                  </a:txBody>
+                  <a:tcPr anchor="ctr">
+                    <a:lnL w="19050" cap="flat" cmpd="sng" algn="ctr">
+                      <a:solidFill>
+                        <a:schemeClr val="tx1"/>
+                      </a:solidFill>
+                      <a:prstDash val="solid"/>
+                      <a:round/>
+                      <a:headEnd type="none" w="med" len="med"/>
+                      <a:tailEnd type="none" w="med" len="med"/>
+                    </a:lnL>
+                    <a:lnR w="19050" cap="flat" cmpd="sng" algn="ctr">
+                      <a:solidFill>
+                        <a:schemeClr val="tx1"/>
+                      </a:solidFill>
+                      <a:prstDash val="solid"/>
+                      <a:round/>
+                      <a:headEnd type="none" w="med" len="med"/>
+                      <a:tailEnd type="none" w="med" len="med"/>
+                    </a:lnR>
+                    <a:lnT w="19050" cap="flat" cmpd="sng" algn="ctr">
+                      <a:solidFill>
+                        <a:schemeClr val="tx1"/>
+                      </a:solidFill>
+                      <a:prstDash val="solid"/>
+                      <a:round/>
+                      <a:headEnd type="none" w="med" len="med"/>
+                      <a:tailEnd type="none" w="med" len="med"/>
+                    </a:lnT>
+                    <a:lnB w="19050" cap="flat" cmpd="sng" algn="ctr">
+                      <a:solidFill>
+                        <a:schemeClr val="tx1"/>
+                      </a:solidFill>
+                      <a:prstDash val="solid"/>
+                      <a:round/>
+                      <a:headEnd type="none" w="med" len="med"/>
+                      <a:tailEnd type="none" w="med" len="med"/>
+                    </a:lnB>
+                    <a:solidFill>
+                      <a:srgbClr val="E9D8B2"/>
+                    </a:solidFill>
+                  </a:tcPr>
+                </a:tc>
+                <a:tc hMerge="1">
+                  <a:txBody>
+                    <a:bodyPr/>
+                    <a:lstStyle/>
+                    <a:p>
+                      <a:endParaRPr lang="en-US" dirty="0"/>
+                    </a:p>
+                  </a:txBody>
+                  <a:tcPr/>
+                </a:tc>
+                <a:extLst>
+                  <a:ext uri="{0D108BD9-81ED-4DB2-BD59-A6C34878D82A}">
+                    <a16:rowId xmlns:a16="http://schemas.microsoft.com/office/drawing/2014/main" val="2179384975"/>
+                  </a:ext>
+                </a:extLst>
+              </a:tr>
+              <a:tr h="522631">
+                <a:tc>
+                  <a:txBody>
+                    <a:bodyPr/>
+                    <a:lstStyle/>
+                    <a:p>
+                      <a:pPr algn="l"/>
+                      <a:r>
+                        <a:rPr lang="en-US" sz="3200" dirty="0">
+                          <a:solidFill>
+                            <a:srgbClr val="661618"/>
+                          </a:solidFill>
+                        </a:rPr>
+                        <a:t>ID</a:t>
+                      </a:r>
+                    </a:p>
+                  </a:txBody>
+                  <a:tcPr anchor="ctr">
+                    <a:lnL w="19050" cap="flat" cmpd="sng" algn="ctr">
+                      <a:solidFill>
+                        <a:schemeClr val="tx1"/>
+                      </a:solidFill>
+                      <a:prstDash val="solid"/>
+                      <a:round/>
+                      <a:headEnd type="none" w="med" len="med"/>
+                      <a:tailEnd type="none" w="med" len="med"/>
+                    </a:lnL>
+                    <a:lnR w="19050" cap="flat" cmpd="sng" algn="ctr">
+                      <a:solidFill>
+                        <a:schemeClr val="tx1"/>
+                      </a:solidFill>
+                      <a:prstDash val="solid"/>
+                      <a:round/>
+                      <a:headEnd type="none" w="med" len="med"/>
+                      <a:tailEnd type="none" w="med" len="med"/>
+                    </a:lnR>
+                    <a:lnT w="19050" cap="flat" cmpd="sng" algn="ctr">
+                      <a:solidFill>
+                        <a:schemeClr val="tx1"/>
+                      </a:solidFill>
+                      <a:prstDash val="solid"/>
+                      <a:round/>
+                      <a:headEnd type="none" w="med" len="med"/>
+                      <a:tailEnd type="none" w="med" len="med"/>
+                    </a:lnT>
+                    <a:lnB w="19050" cap="flat" cmpd="sng" algn="ctr">
+                      <a:solidFill>
+                        <a:schemeClr val="tx1"/>
+                      </a:solidFill>
+                      <a:prstDash val="solid"/>
+                      <a:round/>
+                      <a:headEnd type="none" w="med" len="med"/>
+                      <a:tailEnd type="none" w="med" len="med"/>
+                    </a:lnB>
+                    <a:solidFill>
+                      <a:srgbClr val="E9E0CA"/>
+                    </a:solidFill>
+                  </a:tcPr>
+                </a:tc>
+                <a:tc>
+                  <a:txBody>
+                    <a:bodyPr/>
+                    <a:lstStyle/>
+                    <a:p>
+                      <a:pPr algn="l"/>
+                      <a:r>
+                        <a:rPr lang="en-US" sz="3200" dirty="0">
+                          <a:solidFill>
+                            <a:srgbClr val="661618"/>
+                          </a:solidFill>
+                        </a:rPr>
+                        <a:t>Int</a:t>
+                      </a:r>
+                    </a:p>
+                  </a:txBody>
+                  <a:tcPr anchor="ctr">
+                    <a:lnL w="19050" cap="flat" cmpd="sng" algn="ctr">
+                      <a:solidFill>
+                        <a:schemeClr val="tx1"/>
+                      </a:solidFill>
+                      <a:prstDash val="solid"/>
+                      <a:round/>
+                      <a:headEnd type="none" w="med" len="med"/>
+                      <a:tailEnd type="none" w="med" len="med"/>
+                    </a:lnL>
+                    <a:lnR w="19050" cap="flat" cmpd="sng" algn="ctr">
+                      <a:solidFill>
+                        <a:schemeClr val="tx1"/>
+                      </a:solidFill>
+                      <a:prstDash val="solid"/>
+                      <a:round/>
+                      <a:headEnd type="none" w="med" len="med"/>
+                      <a:tailEnd type="none" w="med" len="med"/>
+                    </a:lnR>
+                    <a:lnT w="19050" cap="flat" cmpd="sng" algn="ctr">
+                      <a:solidFill>
+                        <a:schemeClr val="tx1"/>
+                      </a:solidFill>
+                      <a:prstDash val="solid"/>
+                      <a:round/>
+                      <a:headEnd type="none" w="med" len="med"/>
+                      <a:tailEnd type="none" w="med" len="med"/>
+                    </a:lnT>
+                    <a:lnB w="19050" cap="flat" cmpd="sng" algn="ctr">
+                      <a:solidFill>
+                        <a:schemeClr val="tx1"/>
+                      </a:solidFill>
+                      <a:prstDash val="solid"/>
+                      <a:round/>
+                      <a:headEnd type="none" w="med" len="med"/>
+                      <a:tailEnd type="none" w="med" len="med"/>
+                    </a:lnB>
+                    <a:solidFill>
+                      <a:srgbClr val="E9E0CA"/>
+                    </a:solidFill>
+                  </a:tcPr>
+                </a:tc>
+                <a:extLst>
+                  <a:ext uri="{0D108BD9-81ED-4DB2-BD59-A6C34878D82A}">
+                    <a16:rowId xmlns:a16="http://schemas.microsoft.com/office/drawing/2014/main" val="1261180873"/>
+                  </a:ext>
+                </a:extLst>
+              </a:tr>
+              <a:tr h="522631">
+                <a:tc>
+                  <a:txBody>
+                    <a:bodyPr/>
+                    <a:lstStyle/>
+                    <a:p>
+                      <a:pPr algn="l"/>
+                      <a:r>
+                        <a:rPr lang="en-US" sz="3200" dirty="0">
+                          <a:solidFill>
+                            <a:srgbClr val="661618"/>
+                          </a:solidFill>
+                        </a:rPr>
+                        <a:t>FirstName</a:t>
+                      </a:r>
+                    </a:p>
+                  </a:txBody>
+                  <a:tcPr anchor="ctr">
+                    <a:lnL w="19050" cap="flat" cmpd="sng" algn="ctr">
+                      <a:solidFill>
+                        <a:schemeClr val="tx1"/>
+                      </a:solidFill>
+                      <a:prstDash val="solid"/>
+                      <a:round/>
+                      <a:headEnd type="none" w="med" len="med"/>
+                      <a:tailEnd type="none" w="med" len="med"/>
+                    </a:lnL>
+                    <a:lnR w="19050" cap="flat" cmpd="sng" algn="ctr">
+                      <a:solidFill>
+                        <a:schemeClr val="tx1"/>
+                      </a:solidFill>
+                      <a:prstDash val="solid"/>
+                      <a:round/>
+                      <a:headEnd type="none" w="med" len="med"/>
+                      <a:tailEnd type="none" w="med" len="med"/>
+                    </a:lnR>
+                    <a:lnT w="19050" cap="flat" cmpd="sng" algn="ctr">
+                      <a:solidFill>
+                        <a:schemeClr val="tx1"/>
+                      </a:solidFill>
+                      <a:prstDash val="solid"/>
+                      <a:round/>
+                      <a:headEnd type="none" w="med" len="med"/>
+                      <a:tailEnd type="none" w="med" len="med"/>
+                    </a:lnT>
+                    <a:lnB w="19050" cap="flat" cmpd="sng" algn="ctr">
+                      <a:solidFill>
+                        <a:schemeClr val="tx1"/>
+                      </a:solidFill>
+                      <a:prstDash val="solid"/>
+                      <a:round/>
+                      <a:headEnd type="none" w="med" len="med"/>
+                      <a:tailEnd type="none" w="med" len="med"/>
+                    </a:lnB>
+                    <a:solidFill>
+                      <a:srgbClr val="D0BF98"/>
+                    </a:solidFill>
+                  </a:tcPr>
+                </a:tc>
+                <a:tc>
+                  <a:txBody>
+                    <a:bodyPr/>
+                    <a:lstStyle/>
+                    <a:p>
+                      <a:pPr algn="l"/>
+                      <a:r>
+                        <a:rPr lang="en-US" sz="3200" dirty="0">
+                          <a:solidFill>
+                            <a:srgbClr val="661618"/>
+                          </a:solidFill>
+                        </a:rPr>
+                        <a:t>VarChar</a:t>
+                      </a:r>
+                    </a:p>
+                  </a:txBody>
+                  <a:tcPr anchor="ctr">
+                    <a:lnL w="19050" cap="flat" cmpd="sng" algn="ctr">
+                      <a:solidFill>
+                        <a:schemeClr val="tx1"/>
+                      </a:solidFill>
+                      <a:prstDash val="solid"/>
+                      <a:round/>
+                      <a:headEnd type="none" w="med" len="med"/>
+                      <a:tailEnd type="none" w="med" len="med"/>
+                    </a:lnL>
+                    <a:lnR w="19050" cap="flat" cmpd="sng" algn="ctr">
+                      <a:solidFill>
+                        <a:schemeClr val="tx1"/>
+                      </a:solidFill>
+                      <a:prstDash val="solid"/>
+                      <a:round/>
+                      <a:headEnd type="none" w="med" len="med"/>
+                      <a:tailEnd type="none" w="med" len="med"/>
+                    </a:lnR>
+                    <a:lnT w="19050" cap="flat" cmpd="sng" algn="ctr">
+                      <a:solidFill>
+                        <a:schemeClr val="tx1"/>
+                      </a:solidFill>
+                      <a:prstDash val="solid"/>
+                      <a:round/>
+                      <a:headEnd type="none" w="med" len="med"/>
+                      <a:tailEnd type="none" w="med" len="med"/>
+                    </a:lnT>
+                    <a:lnB w="19050" cap="flat" cmpd="sng" algn="ctr">
+                      <a:solidFill>
+                        <a:schemeClr val="tx1"/>
+                      </a:solidFill>
+                      <a:prstDash val="solid"/>
+                      <a:round/>
+                      <a:headEnd type="none" w="med" len="med"/>
+                      <a:tailEnd type="none" w="med" len="med"/>
+                    </a:lnB>
+                    <a:solidFill>
+                      <a:srgbClr val="D0BF98"/>
+                    </a:solidFill>
+                  </a:tcPr>
+                </a:tc>
+                <a:extLst>
+                  <a:ext uri="{0D108BD9-81ED-4DB2-BD59-A6C34878D82A}">
+                    <a16:rowId xmlns:a16="http://schemas.microsoft.com/office/drawing/2014/main" val="2314352507"/>
+                  </a:ext>
+                </a:extLst>
+              </a:tr>
+              <a:tr h="522631">
+                <a:tc>
+                  <a:txBody>
+                    <a:bodyPr/>
+                    <a:lstStyle/>
+                    <a:p>
+                      <a:pPr algn="l"/>
+                      <a:r>
+                        <a:rPr lang="en-US" sz="3200" dirty="0">
+                          <a:solidFill>
+                            <a:srgbClr val="661618"/>
+                          </a:solidFill>
+                        </a:rPr>
+                        <a:t>LastName</a:t>
+                      </a:r>
+                    </a:p>
+                  </a:txBody>
+                  <a:tcPr anchor="ctr">
+                    <a:lnL w="19050" cap="flat" cmpd="sng" algn="ctr">
+                      <a:solidFill>
+                        <a:schemeClr val="tx1"/>
+                      </a:solidFill>
+                      <a:prstDash val="solid"/>
+                      <a:round/>
+                      <a:headEnd type="none" w="med" len="med"/>
+                      <a:tailEnd type="none" w="med" len="med"/>
+                    </a:lnL>
+                    <a:lnR w="19050" cap="flat" cmpd="sng" algn="ctr">
+                      <a:solidFill>
+                        <a:schemeClr val="tx1"/>
+                      </a:solidFill>
+                      <a:prstDash val="solid"/>
+                      <a:round/>
+                      <a:headEnd type="none" w="med" len="med"/>
+                      <a:tailEnd type="none" w="med" len="med"/>
+                    </a:lnR>
+                    <a:lnT w="19050" cap="flat" cmpd="sng" algn="ctr">
+                      <a:solidFill>
+                        <a:schemeClr val="tx1"/>
+                      </a:solidFill>
+                      <a:prstDash val="solid"/>
+                      <a:round/>
+                      <a:headEnd type="none" w="med" len="med"/>
+                      <a:tailEnd type="none" w="med" len="med"/>
+                    </a:lnT>
+                    <a:lnB w="19050" cap="flat" cmpd="sng" algn="ctr">
+                      <a:solidFill>
+                        <a:schemeClr val="tx1"/>
+                      </a:solidFill>
+                      <a:prstDash val="solid"/>
+                      <a:round/>
+                      <a:headEnd type="none" w="med" len="med"/>
+                      <a:tailEnd type="none" w="med" len="med"/>
+                    </a:lnB>
+                    <a:solidFill>
+                      <a:srgbClr val="E9E0CA"/>
+                    </a:solidFill>
+                  </a:tcPr>
+                </a:tc>
+                <a:tc>
+                  <a:txBody>
+                    <a:bodyPr/>
+                    <a:lstStyle/>
+                    <a:p>
+                      <a:pPr algn="l"/>
+                      <a:r>
+                        <a:rPr lang="en-US" sz="3200" dirty="0">
+                          <a:solidFill>
+                            <a:srgbClr val="661618"/>
+                          </a:solidFill>
+                        </a:rPr>
+                        <a:t>VarChar</a:t>
+                      </a:r>
+                    </a:p>
+                  </a:txBody>
+                  <a:tcPr anchor="ctr">
+                    <a:lnL w="19050" cap="flat" cmpd="sng" algn="ctr">
+                      <a:solidFill>
+                        <a:schemeClr val="tx1"/>
+                      </a:solidFill>
+                      <a:prstDash val="solid"/>
+                      <a:round/>
+                      <a:headEnd type="none" w="med" len="med"/>
+                      <a:tailEnd type="none" w="med" len="med"/>
+                    </a:lnL>
+                    <a:lnR w="19050" cap="flat" cmpd="sng" algn="ctr">
+                      <a:solidFill>
+                        <a:schemeClr val="tx1"/>
+                      </a:solidFill>
+                      <a:prstDash val="solid"/>
+                      <a:round/>
+                      <a:headEnd type="none" w="med" len="med"/>
+                      <a:tailEnd type="none" w="med" len="med"/>
+                    </a:lnR>
+                    <a:lnT w="19050" cap="flat" cmpd="sng" algn="ctr">
+                      <a:solidFill>
+                        <a:schemeClr val="tx1"/>
+                      </a:solidFill>
+                      <a:prstDash val="solid"/>
+                      <a:round/>
+                      <a:headEnd type="none" w="med" len="med"/>
+                      <a:tailEnd type="none" w="med" len="med"/>
+                    </a:lnT>
+                    <a:lnB w="19050" cap="flat" cmpd="sng" algn="ctr">
+                      <a:solidFill>
+                        <a:schemeClr val="tx1"/>
+                      </a:solidFill>
+                      <a:prstDash val="solid"/>
+                      <a:round/>
+                      <a:headEnd type="none" w="med" len="med"/>
+                      <a:tailEnd type="none" w="med" len="med"/>
+                    </a:lnB>
+                    <a:solidFill>
+                      <a:srgbClr val="E9E0CA"/>
+                    </a:solidFill>
+                  </a:tcPr>
+                </a:tc>
+                <a:extLst>
+                  <a:ext uri="{0D108BD9-81ED-4DB2-BD59-A6C34878D82A}">
+                    <a16:rowId xmlns:a16="http://schemas.microsoft.com/office/drawing/2014/main" val="2589926897"/>
+                  </a:ext>
+                </a:extLst>
+              </a:tr>
+              <a:tr h="522631">
+                <a:tc>
+                  <a:txBody>
+                    <a:bodyPr/>
+                    <a:lstStyle/>
+                    <a:p>
+                      <a:pPr algn="l"/>
+                      <a:r>
+                        <a:rPr lang="en-US" sz="3200" dirty="0">
+                          <a:solidFill>
+                            <a:srgbClr val="661618"/>
+                          </a:solidFill>
+                        </a:rPr>
+                        <a:t>UserName</a:t>
+                      </a:r>
+                    </a:p>
+                  </a:txBody>
+                  <a:tcPr anchor="ctr">
+                    <a:lnL w="19050" cap="flat" cmpd="sng" algn="ctr">
+                      <a:solidFill>
+                        <a:schemeClr val="tx1"/>
+                      </a:solidFill>
+                      <a:prstDash val="solid"/>
+                      <a:round/>
+                      <a:headEnd type="none" w="med" len="med"/>
+                      <a:tailEnd type="none" w="med" len="med"/>
+                    </a:lnL>
+                    <a:lnR w="19050" cap="flat" cmpd="sng" algn="ctr">
+                      <a:solidFill>
+                        <a:schemeClr val="tx1"/>
+                      </a:solidFill>
+                      <a:prstDash val="solid"/>
+                      <a:round/>
+                      <a:headEnd type="none" w="med" len="med"/>
+                      <a:tailEnd type="none" w="med" len="med"/>
+                    </a:lnR>
+                    <a:lnT w="19050" cap="flat" cmpd="sng" algn="ctr">
+                      <a:solidFill>
+                        <a:schemeClr val="tx1"/>
+                      </a:solidFill>
+                      <a:prstDash val="solid"/>
+                      <a:round/>
+                      <a:headEnd type="none" w="med" len="med"/>
+                      <a:tailEnd type="none" w="med" len="med"/>
+                    </a:lnT>
+                    <a:lnB w="19050" cap="flat" cmpd="sng" algn="ctr">
+                      <a:solidFill>
+                        <a:schemeClr val="tx1"/>
+                      </a:solidFill>
+                      <a:prstDash val="solid"/>
+                      <a:round/>
+                      <a:headEnd type="none" w="med" len="med"/>
+                      <a:tailEnd type="none" w="med" len="med"/>
+                    </a:lnB>
+                    <a:solidFill>
+                      <a:srgbClr val="D0BF98"/>
+                    </a:solidFill>
+                  </a:tcPr>
+                </a:tc>
+                <a:tc>
+                  <a:txBody>
+                    <a:bodyPr/>
+                    <a:lstStyle/>
+                    <a:p>
+                      <a:pPr algn="l"/>
+                      <a:r>
+                        <a:rPr lang="en-US" sz="3200" dirty="0">
+                          <a:solidFill>
+                            <a:srgbClr val="661618"/>
+                          </a:solidFill>
+                        </a:rPr>
+                        <a:t>VarChar</a:t>
+                      </a:r>
+                    </a:p>
+                  </a:txBody>
+                  <a:tcPr anchor="ctr">
+                    <a:lnL w="19050" cap="flat" cmpd="sng" algn="ctr">
+                      <a:solidFill>
+                        <a:schemeClr val="tx1"/>
+                      </a:solidFill>
+                      <a:prstDash val="solid"/>
+                      <a:round/>
+                      <a:headEnd type="none" w="med" len="med"/>
+                      <a:tailEnd type="none" w="med" len="med"/>
+                    </a:lnL>
+                    <a:lnR w="19050" cap="flat" cmpd="sng" algn="ctr">
+                      <a:solidFill>
+                        <a:schemeClr val="tx1"/>
+                      </a:solidFill>
+                      <a:prstDash val="solid"/>
+                      <a:round/>
+                      <a:headEnd type="none" w="med" len="med"/>
+                      <a:tailEnd type="none" w="med" len="med"/>
+                    </a:lnR>
+                    <a:lnT w="19050" cap="flat" cmpd="sng" algn="ctr">
+                      <a:solidFill>
+                        <a:schemeClr val="tx1"/>
+                      </a:solidFill>
+                      <a:prstDash val="solid"/>
+                      <a:round/>
+                      <a:headEnd type="none" w="med" len="med"/>
+                      <a:tailEnd type="none" w="med" len="med"/>
+                    </a:lnT>
+                    <a:lnB w="19050" cap="flat" cmpd="sng" algn="ctr">
+                      <a:solidFill>
+                        <a:schemeClr val="tx1"/>
+                      </a:solidFill>
+                      <a:prstDash val="solid"/>
+                      <a:round/>
+                      <a:headEnd type="none" w="med" len="med"/>
+                      <a:tailEnd type="none" w="med" len="med"/>
+                    </a:lnB>
+                    <a:solidFill>
+                      <a:srgbClr val="D0BF98"/>
+                    </a:solidFill>
+                  </a:tcPr>
+                </a:tc>
+                <a:extLst>
+                  <a:ext uri="{0D108BD9-81ED-4DB2-BD59-A6C34878D82A}">
+                    <a16:rowId xmlns:a16="http://schemas.microsoft.com/office/drawing/2014/main" val="607566320"/>
+                  </a:ext>
+                </a:extLst>
+              </a:tr>
+              <a:tr h="522631">
+                <a:tc>
+                  <a:txBody>
+                    <a:bodyPr/>
+                    <a:lstStyle/>
+                    <a:p>
+                      <a:pPr algn="l"/>
+                      <a:r>
+                        <a:rPr lang="en-US" sz="3200" dirty="0">
+                          <a:solidFill>
+                            <a:srgbClr val="661618"/>
+                          </a:solidFill>
+                        </a:rPr>
+                        <a:t>Password</a:t>
+                      </a:r>
+                    </a:p>
+                  </a:txBody>
+                  <a:tcPr anchor="ctr">
+                    <a:lnL w="19050" cap="flat" cmpd="sng" algn="ctr">
+                      <a:solidFill>
+                        <a:schemeClr val="tx1"/>
+                      </a:solidFill>
+                      <a:prstDash val="solid"/>
+                      <a:round/>
+                      <a:headEnd type="none" w="med" len="med"/>
+                      <a:tailEnd type="none" w="med" len="med"/>
+                    </a:lnL>
+                    <a:lnR w="19050" cap="flat" cmpd="sng" algn="ctr">
+                      <a:solidFill>
+                        <a:schemeClr val="tx1"/>
+                      </a:solidFill>
+                      <a:prstDash val="solid"/>
+                      <a:round/>
+                      <a:headEnd type="none" w="med" len="med"/>
+                      <a:tailEnd type="none" w="med" len="med"/>
+                    </a:lnR>
+                    <a:lnT w="19050" cap="flat" cmpd="sng" algn="ctr">
+                      <a:solidFill>
+                        <a:schemeClr val="tx1"/>
+                      </a:solidFill>
+                      <a:prstDash val="solid"/>
+                      <a:round/>
+                      <a:headEnd type="none" w="med" len="med"/>
+                      <a:tailEnd type="none" w="med" len="med"/>
+                    </a:lnT>
+                    <a:lnB w="19050" cap="flat" cmpd="sng" algn="ctr">
+                      <a:solidFill>
+                        <a:schemeClr val="tx1"/>
+                      </a:solidFill>
+                      <a:prstDash val="solid"/>
+                      <a:round/>
+                      <a:headEnd type="none" w="med" len="med"/>
+                      <a:tailEnd type="none" w="med" len="med"/>
+                    </a:lnB>
+                    <a:solidFill>
+                      <a:srgbClr val="E9E0CA"/>
+                    </a:solidFill>
+                  </a:tcPr>
+                </a:tc>
+                <a:tc>
+                  <a:txBody>
+                    <a:bodyPr/>
+                    <a:lstStyle/>
+                    <a:p>
+                      <a:pPr algn="l"/>
+                      <a:r>
+                        <a:rPr lang="en-US" sz="3200" dirty="0">
+                          <a:solidFill>
+                            <a:srgbClr val="661618"/>
+                          </a:solidFill>
+                        </a:rPr>
+                        <a:t>VarChar</a:t>
+                      </a:r>
+                    </a:p>
+                  </a:txBody>
+                  <a:tcPr anchor="ctr">
+                    <a:lnL w="19050" cap="flat" cmpd="sng" algn="ctr">
+                      <a:solidFill>
+                        <a:schemeClr val="tx1"/>
+                      </a:solidFill>
+                      <a:prstDash val="solid"/>
+                      <a:round/>
+                      <a:headEnd type="none" w="med" len="med"/>
+                      <a:tailEnd type="none" w="med" len="med"/>
+                    </a:lnL>
+                    <a:lnR w="19050" cap="flat" cmpd="sng" algn="ctr">
+                      <a:solidFill>
+                        <a:schemeClr val="tx1"/>
+                      </a:solidFill>
+                      <a:prstDash val="solid"/>
+                      <a:round/>
+                      <a:headEnd type="none" w="med" len="med"/>
+                      <a:tailEnd type="none" w="med" len="med"/>
+                    </a:lnR>
+                    <a:lnT w="19050" cap="flat" cmpd="sng" algn="ctr">
+                      <a:solidFill>
+                        <a:schemeClr val="tx1"/>
+                      </a:solidFill>
+                      <a:prstDash val="solid"/>
+                      <a:round/>
+                      <a:headEnd type="none" w="med" len="med"/>
+                      <a:tailEnd type="none" w="med" len="med"/>
+                    </a:lnT>
+                    <a:lnB w="19050" cap="flat" cmpd="sng" algn="ctr">
+                      <a:solidFill>
+                        <a:schemeClr val="tx1"/>
+                      </a:solidFill>
+                      <a:prstDash val="solid"/>
+                      <a:round/>
+                      <a:headEnd type="none" w="med" len="med"/>
+                      <a:tailEnd type="none" w="med" len="med"/>
+                    </a:lnB>
+                    <a:solidFill>
+                      <a:srgbClr val="E9E0CA"/>
+                    </a:solidFill>
+                  </a:tcPr>
+                </a:tc>
+                <a:extLst>
+                  <a:ext uri="{0D108BD9-81ED-4DB2-BD59-A6C34878D82A}">
+                    <a16:rowId xmlns:a16="http://schemas.microsoft.com/office/drawing/2014/main" val="1339208532"/>
+                  </a:ext>
+                </a:extLst>
+              </a:tr>
+            </a:tbl>
+          </a:graphicData>
+        </a:graphic>
+      </p:graphicFrame>
+      <p:graphicFrame>
+        <p:nvGraphicFramePr>
+          <p:cNvPr id="5" name="Table 4">
+            <a:extLst>
+              <a:ext uri="{FF2B5EF4-FFF2-40B4-BE49-F238E27FC236}">
+                <a16:creationId xmlns:a16="http://schemas.microsoft.com/office/drawing/2014/main" id="{38A33295-2FA9-75B9-8B10-F2AAA8D49FF4}"/>
+              </a:ext>
+            </a:extLst>
+          </p:cNvPr>
+          <p:cNvGraphicFramePr>
+            <a:graphicFrameLocks noGrp="1"/>
+          </p:cNvGraphicFramePr>
+          <p:nvPr>
+            <p:extLst>
+              <p:ext uri="{D42A27DB-BD31-4B8C-83A1-F6EECF244321}">
+                <p14:modId xmlns:p14="http://schemas.microsoft.com/office/powerpoint/2010/main" val="2815464823"/>
+              </p:ext>
+            </p:extLst>
+          </p:nvPr>
+        </p:nvGraphicFramePr>
+        <p:xfrm>
+          <a:off x="7005588" y="2139954"/>
+          <a:ext cx="4785860" cy="3474720"/>
+        </p:xfrm>
+        <a:graphic>
+          <a:graphicData uri="http://schemas.openxmlformats.org/drawingml/2006/table">
+            <a:tbl>
+              <a:tblPr firstRow="1" bandRow="1">
+                <a:tableStyleId>{5C22544A-7EE6-4342-B048-85BDC9FD1C3A}</a:tableStyleId>
+              </a:tblPr>
+              <a:tblGrid>
+                <a:gridCol w="2392930">
+                  <a:extLst>
+                    <a:ext uri="{9D8B030D-6E8A-4147-A177-3AD203B41FA5}">
+                      <a16:colId xmlns:a16="http://schemas.microsoft.com/office/drawing/2014/main" val="1827655042"/>
+                    </a:ext>
+                  </a:extLst>
+                </a:gridCol>
+                <a:gridCol w="2392930">
+                  <a:extLst>
+                    <a:ext uri="{9D8B030D-6E8A-4147-A177-3AD203B41FA5}">
+                      <a16:colId xmlns:a16="http://schemas.microsoft.com/office/drawing/2014/main" val="3322218215"/>
+                    </a:ext>
+                  </a:extLst>
+                </a:gridCol>
+              </a:tblGrid>
+              <a:tr h="522631">
+                <a:tc gridSpan="2">
+                  <a:txBody>
+                    <a:bodyPr/>
+                    <a:lstStyle/>
+                    <a:p>
+                      <a:pPr algn="ctr"/>
+                      <a:r>
+                        <a:rPr lang="en-US" sz="3200" dirty="0">
+                          <a:solidFill>
+                            <a:srgbClr val="661618"/>
+                          </a:solidFill>
+                        </a:rPr>
+                        <a:t>Contacts</a:t>
+                      </a:r>
+                    </a:p>
+                  </a:txBody>
+                  <a:tcPr anchor="ctr">
+                    <a:lnL w="19050" cap="flat" cmpd="sng" algn="ctr">
+                      <a:solidFill>
+                        <a:schemeClr val="tx1"/>
+                      </a:solidFill>
+                      <a:prstDash val="solid"/>
+                      <a:round/>
+                      <a:headEnd type="none" w="med" len="med"/>
+                      <a:tailEnd type="none" w="med" len="med"/>
+                    </a:lnL>
+                    <a:lnR w="19050" cap="flat" cmpd="sng" algn="ctr">
+                      <a:solidFill>
+                        <a:schemeClr val="tx1"/>
+                      </a:solidFill>
+                      <a:prstDash val="solid"/>
+                      <a:round/>
+                      <a:headEnd type="none" w="med" len="med"/>
+                      <a:tailEnd type="none" w="med" len="med"/>
+                    </a:lnR>
+                    <a:lnT w="19050" cap="flat" cmpd="sng" algn="ctr">
+                      <a:solidFill>
+                        <a:schemeClr val="tx1"/>
+                      </a:solidFill>
+                      <a:prstDash val="solid"/>
+                      <a:round/>
+                      <a:headEnd type="none" w="med" len="med"/>
+                      <a:tailEnd type="none" w="med" len="med"/>
+                    </a:lnT>
+                    <a:lnB w="19050" cap="flat" cmpd="sng" algn="ctr">
+                      <a:solidFill>
+                        <a:schemeClr val="tx1"/>
+                      </a:solidFill>
+                      <a:prstDash val="solid"/>
+                      <a:round/>
+                      <a:headEnd type="none" w="med" len="med"/>
+                      <a:tailEnd type="none" w="med" len="med"/>
+                    </a:lnB>
+                    <a:solidFill>
+                      <a:srgbClr val="E9D8B2"/>
+                    </a:solidFill>
+                  </a:tcPr>
+                </a:tc>
+                <a:tc hMerge="1">
+                  <a:txBody>
+                    <a:bodyPr/>
+                    <a:lstStyle/>
+                    <a:p>
+                      <a:endParaRPr lang="en-US" dirty="0"/>
+                    </a:p>
+                  </a:txBody>
+                  <a:tcPr/>
+                </a:tc>
+                <a:extLst>
+                  <a:ext uri="{0D108BD9-81ED-4DB2-BD59-A6C34878D82A}">
+                    <a16:rowId xmlns:a16="http://schemas.microsoft.com/office/drawing/2014/main" val="2179384975"/>
+                  </a:ext>
+                </a:extLst>
+              </a:tr>
+              <a:tr h="522631">
+                <a:tc>
+                  <a:txBody>
+                    <a:bodyPr/>
+                    <a:lstStyle/>
+                    <a:p>
+                      <a:pPr algn="l"/>
+                      <a:r>
+                        <a:rPr lang="en-US" sz="3200" dirty="0">
+                          <a:solidFill>
+                            <a:srgbClr val="661618"/>
+                          </a:solidFill>
+                        </a:rPr>
+                        <a:t>ID</a:t>
+                      </a:r>
+                    </a:p>
+                  </a:txBody>
+                  <a:tcPr anchor="ctr">
+                    <a:lnL w="19050" cap="flat" cmpd="sng" algn="ctr">
+                      <a:solidFill>
+                        <a:schemeClr val="tx1"/>
+                      </a:solidFill>
+                      <a:prstDash val="solid"/>
+                      <a:round/>
+                      <a:headEnd type="none" w="med" len="med"/>
+                      <a:tailEnd type="none" w="med" len="med"/>
+                    </a:lnL>
+                    <a:lnR w="19050" cap="flat" cmpd="sng" algn="ctr">
+                      <a:solidFill>
+                        <a:schemeClr val="tx1"/>
+                      </a:solidFill>
+                      <a:prstDash val="solid"/>
+                      <a:round/>
+                      <a:headEnd type="none" w="med" len="med"/>
+                      <a:tailEnd type="none" w="med" len="med"/>
+                    </a:lnR>
+                    <a:lnT w="19050" cap="flat" cmpd="sng" algn="ctr">
+                      <a:solidFill>
+                        <a:schemeClr val="tx1"/>
+                      </a:solidFill>
+                      <a:prstDash val="solid"/>
+                      <a:round/>
+                      <a:headEnd type="none" w="med" len="med"/>
+                      <a:tailEnd type="none" w="med" len="med"/>
+                    </a:lnT>
+                    <a:lnB w="19050" cap="flat" cmpd="sng" algn="ctr">
+                      <a:solidFill>
+                        <a:schemeClr val="tx1"/>
+                      </a:solidFill>
+                      <a:prstDash val="solid"/>
+                      <a:round/>
+                      <a:headEnd type="none" w="med" len="med"/>
+                      <a:tailEnd type="none" w="med" len="med"/>
+                    </a:lnB>
+                    <a:solidFill>
+                      <a:srgbClr val="E9E0CA"/>
+                    </a:solidFill>
+                  </a:tcPr>
+                </a:tc>
+                <a:tc>
+                  <a:txBody>
+                    <a:bodyPr/>
+                    <a:lstStyle/>
+                    <a:p>
+                      <a:pPr algn="l"/>
+                      <a:r>
+                        <a:rPr lang="en-US" sz="3200" dirty="0">
+                          <a:solidFill>
+                            <a:srgbClr val="661618"/>
+                          </a:solidFill>
+                        </a:rPr>
+                        <a:t>Int</a:t>
+                      </a:r>
+                    </a:p>
+                  </a:txBody>
+                  <a:tcPr anchor="ctr">
+                    <a:lnL w="19050" cap="flat" cmpd="sng" algn="ctr">
+                      <a:solidFill>
+                        <a:schemeClr val="tx1"/>
+                      </a:solidFill>
+                      <a:prstDash val="solid"/>
+                      <a:round/>
+                      <a:headEnd type="none" w="med" len="med"/>
+                      <a:tailEnd type="none" w="med" len="med"/>
+                    </a:lnL>
+                    <a:lnR w="19050" cap="flat" cmpd="sng" algn="ctr">
+                      <a:solidFill>
+                        <a:schemeClr val="tx1"/>
+                      </a:solidFill>
+                      <a:prstDash val="solid"/>
+                      <a:round/>
+                      <a:headEnd type="none" w="med" len="med"/>
+                      <a:tailEnd type="none" w="med" len="med"/>
+                    </a:lnR>
+                    <a:lnT w="19050" cap="flat" cmpd="sng" algn="ctr">
+                      <a:solidFill>
+                        <a:schemeClr val="tx1"/>
+                      </a:solidFill>
+                      <a:prstDash val="solid"/>
+                      <a:round/>
+                      <a:headEnd type="none" w="med" len="med"/>
+                      <a:tailEnd type="none" w="med" len="med"/>
+                    </a:lnT>
+                    <a:lnB w="19050" cap="flat" cmpd="sng" algn="ctr">
+                      <a:solidFill>
+                        <a:schemeClr val="tx1"/>
+                      </a:solidFill>
+                      <a:prstDash val="solid"/>
+                      <a:round/>
+                      <a:headEnd type="none" w="med" len="med"/>
+                      <a:tailEnd type="none" w="med" len="med"/>
+                    </a:lnB>
+                    <a:solidFill>
+                      <a:srgbClr val="E9E0CA"/>
+                    </a:solidFill>
+                  </a:tcPr>
+                </a:tc>
+                <a:extLst>
+                  <a:ext uri="{0D108BD9-81ED-4DB2-BD59-A6C34878D82A}">
+                    <a16:rowId xmlns:a16="http://schemas.microsoft.com/office/drawing/2014/main" val="1261180873"/>
+                  </a:ext>
+                </a:extLst>
+              </a:tr>
+              <a:tr h="522631">
+                <a:tc>
+                  <a:txBody>
+                    <a:bodyPr/>
+                    <a:lstStyle/>
+                    <a:p>
+                      <a:r>
+                        <a:rPr lang="en-US" sz="3200" dirty="0">
+                          <a:solidFill>
+                            <a:srgbClr val="661618"/>
+                          </a:solidFill>
+                        </a:rPr>
+                        <a:t>UserID</a:t>
+                      </a:r>
+                    </a:p>
+                  </a:txBody>
+                  <a:tcPr anchor="ctr">
+                    <a:lnL w="19050" cap="flat" cmpd="sng" algn="ctr">
+                      <a:solidFill>
+                        <a:schemeClr val="tx1"/>
+                      </a:solidFill>
+                      <a:prstDash val="solid"/>
+                      <a:round/>
+                      <a:headEnd type="none" w="med" len="med"/>
+                      <a:tailEnd type="none" w="med" len="med"/>
+                    </a:lnL>
+                    <a:lnR w="19050" cap="flat" cmpd="sng" algn="ctr">
+                      <a:solidFill>
+                        <a:schemeClr val="tx1"/>
+                      </a:solidFill>
+                      <a:prstDash val="solid"/>
+                      <a:round/>
+                      <a:headEnd type="none" w="med" len="med"/>
+                      <a:tailEnd type="none" w="med" len="med"/>
+                    </a:lnR>
+                    <a:lnT w="19050" cap="flat" cmpd="sng" algn="ctr">
+                      <a:solidFill>
+                        <a:schemeClr val="tx1"/>
+                      </a:solidFill>
+                      <a:prstDash val="solid"/>
+                      <a:round/>
+                      <a:headEnd type="none" w="med" len="med"/>
+                      <a:tailEnd type="none" w="med" len="med"/>
+                    </a:lnT>
+                    <a:lnB w="19050" cap="flat" cmpd="sng" algn="ctr">
+                      <a:solidFill>
+                        <a:schemeClr val="tx1"/>
+                      </a:solidFill>
+                      <a:prstDash val="solid"/>
+                      <a:round/>
+                      <a:headEnd type="none" w="med" len="med"/>
+                      <a:tailEnd type="none" w="med" len="med"/>
+                    </a:lnB>
+                    <a:solidFill>
+                      <a:srgbClr val="D0BF98"/>
+                    </a:solidFill>
+                  </a:tcPr>
+                </a:tc>
+                <a:tc>
+                  <a:txBody>
+                    <a:bodyPr/>
+                    <a:lstStyle/>
+                    <a:p>
+                      <a:r>
+                        <a:rPr lang="en-US" sz="3200" dirty="0">
+                          <a:solidFill>
+                            <a:srgbClr val="661618"/>
+                          </a:solidFill>
+                        </a:rPr>
+                        <a:t>Int</a:t>
+                      </a:r>
+                    </a:p>
+                  </a:txBody>
+                  <a:tcPr anchor="ctr">
+                    <a:lnL w="19050" cap="flat" cmpd="sng" algn="ctr">
+                      <a:solidFill>
+                        <a:schemeClr val="tx1"/>
+                      </a:solidFill>
+                      <a:prstDash val="solid"/>
+                      <a:round/>
+                      <a:headEnd type="none" w="med" len="med"/>
+                      <a:tailEnd type="none" w="med" len="med"/>
+                    </a:lnL>
+                    <a:lnR w="19050" cap="flat" cmpd="sng" algn="ctr">
+                      <a:solidFill>
+                        <a:schemeClr val="tx1"/>
+                      </a:solidFill>
+                      <a:prstDash val="solid"/>
+                      <a:round/>
+                      <a:headEnd type="none" w="med" len="med"/>
+                      <a:tailEnd type="none" w="med" len="med"/>
+                    </a:lnR>
+                    <a:lnT w="19050" cap="flat" cmpd="sng" algn="ctr">
+                      <a:solidFill>
+                        <a:schemeClr val="tx1"/>
+                      </a:solidFill>
+                      <a:prstDash val="solid"/>
+                      <a:round/>
+                      <a:headEnd type="none" w="med" len="med"/>
+                      <a:tailEnd type="none" w="med" len="med"/>
+                    </a:lnT>
+                    <a:lnB w="19050" cap="flat" cmpd="sng" algn="ctr">
+                      <a:solidFill>
+                        <a:schemeClr val="tx1"/>
+                      </a:solidFill>
+                      <a:prstDash val="solid"/>
+                      <a:round/>
+                      <a:headEnd type="none" w="med" len="med"/>
+                      <a:tailEnd type="none" w="med" len="med"/>
+                    </a:lnB>
+                    <a:solidFill>
+                      <a:srgbClr val="D0BF98"/>
+                    </a:solidFill>
+                  </a:tcPr>
+                </a:tc>
+                <a:extLst>
+                  <a:ext uri="{0D108BD9-81ED-4DB2-BD59-A6C34878D82A}">
+                    <a16:rowId xmlns:a16="http://schemas.microsoft.com/office/drawing/2014/main" val="2314352507"/>
+                  </a:ext>
+                </a:extLst>
+              </a:tr>
+              <a:tr h="522631">
+                <a:tc>
+                  <a:txBody>
+                    <a:bodyPr/>
+                    <a:lstStyle/>
+                    <a:p>
+                      <a:pPr algn="l"/>
+                      <a:r>
+                        <a:rPr lang="en-US" sz="3200" dirty="0">
+                          <a:solidFill>
+                            <a:srgbClr val="661618"/>
+                          </a:solidFill>
+                        </a:rPr>
+                        <a:t>FirstName</a:t>
+                      </a:r>
+                    </a:p>
+                  </a:txBody>
+                  <a:tcPr anchor="ctr">
+                    <a:lnL w="19050" cap="flat" cmpd="sng" algn="ctr">
+                      <a:solidFill>
+                        <a:schemeClr val="tx1"/>
+                      </a:solidFill>
+                      <a:prstDash val="solid"/>
+                      <a:round/>
+                      <a:headEnd type="none" w="med" len="med"/>
+                      <a:tailEnd type="none" w="med" len="med"/>
+                    </a:lnL>
+                    <a:lnR w="19050" cap="flat" cmpd="sng" algn="ctr">
+                      <a:solidFill>
+                        <a:schemeClr val="tx1"/>
+                      </a:solidFill>
+                      <a:prstDash val="solid"/>
+                      <a:round/>
+                      <a:headEnd type="none" w="med" len="med"/>
+                      <a:tailEnd type="none" w="med" len="med"/>
+                    </a:lnR>
+                    <a:lnT w="19050" cap="flat" cmpd="sng" algn="ctr">
+                      <a:solidFill>
+                        <a:schemeClr val="tx1"/>
+                      </a:solidFill>
+                      <a:prstDash val="solid"/>
+                      <a:round/>
+                      <a:headEnd type="none" w="med" len="med"/>
+                      <a:tailEnd type="none" w="med" len="med"/>
+                    </a:lnT>
+                    <a:lnB w="19050" cap="flat" cmpd="sng" algn="ctr">
+                      <a:solidFill>
+                        <a:schemeClr val="tx1"/>
+                      </a:solidFill>
+                      <a:prstDash val="solid"/>
+                      <a:round/>
+                      <a:headEnd type="none" w="med" len="med"/>
+                      <a:tailEnd type="none" w="med" len="med"/>
+                    </a:lnB>
+                    <a:solidFill>
+                      <a:srgbClr val="E9E0CA"/>
+                    </a:solidFill>
+                  </a:tcPr>
+                </a:tc>
+                <a:tc>
+                  <a:txBody>
+                    <a:bodyPr/>
+                    <a:lstStyle/>
+                    <a:p>
+                      <a:pPr algn="l"/>
+                      <a:r>
+                        <a:rPr lang="en-US" sz="3200" dirty="0">
+                          <a:solidFill>
+                            <a:srgbClr val="661618"/>
+                          </a:solidFill>
+                        </a:rPr>
+                        <a:t>VarChar</a:t>
+                      </a:r>
+                    </a:p>
+                  </a:txBody>
+                  <a:tcPr anchor="ctr">
+                    <a:lnL w="19050" cap="flat" cmpd="sng" algn="ctr">
+                      <a:solidFill>
+                        <a:schemeClr val="tx1"/>
+                      </a:solidFill>
+                      <a:prstDash val="solid"/>
+                      <a:round/>
+                      <a:headEnd type="none" w="med" len="med"/>
+                      <a:tailEnd type="none" w="med" len="med"/>
+                    </a:lnL>
+                    <a:lnR w="19050" cap="flat" cmpd="sng" algn="ctr">
+                      <a:solidFill>
+                        <a:schemeClr val="tx1"/>
+                      </a:solidFill>
+                      <a:prstDash val="solid"/>
+                      <a:round/>
+                      <a:headEnd type="none" w="med" len="med"/>
+                      <a:tailEnd type="none" w="med" len="med"/>
+                    </a:lnR>
+                    <a:lnT w="19050" cap="flat" cmpd="sng" algn="ctr">
+                      <a:solidFill>
+                        <a:schemeClr val="tx1"/>
+                      </a:solidFill>
+                      <a:prstDash val="solid"/>
+                      <a:round/>
+                      <a:headEnd type="none" w="med" len="med"/>
+                      <a:tailEnd type="none" w="med" len="med"/>
+                    </a:lnT>
+                    <a:lnB w="19050" cap="flat" cmpd="sng" algn="ctr">
+                      <a:solidFill>
+                        <a:schemeClr val="tx1"/>
+                      </a:solidFill>
+                      <a:prstDash val="solid"/>
+                      <a:round/>
+                      <a:headEnd type="none" w="med" len="med"/>
+                      <a:tailEnd type="none" w="med" len="med"/>
+                    </a:lnB>
+                    <a:solidFill>
+                      <a:srgbClr val="E9E0CA"/>
+                    </a:solidFill>
+                  </a:tcPr>
+                </a:tc>
+                <a:extLst>
+                  <a:ext uri="{0D108BD9-81ED-4DB2-BD59-A6C34878D82A}">
+                    <a16:rowId xmlns:a16="http://schemas.microsoft.com/office/drawing/2014/main" val="2589926897"/>
+                  </a:ext>
+                </a:extLst>
+              </a:tr>
+              <a:tr h="522631">
+                <a:tc>
+                  <a:txBody>
+                    <a:bodyPr/>
+                    <a:lstStyle/>
+                    <a:p>
+                      <a:pPr algn="l"/>
+                      <a:r>
+                        <a:rPr lang="en-US" sz="3200" dirty="0">
+                          <a:solidFill>
+                            <a:srgbClr val="661618"/>
+                          </a:solidFill>
+                        </a:rPr>
+                        <a:t>LastName</a:t>
+                      </a:r>
+                    </a:p>
+                  </a:txBody>
+                  <a:tcPr anchor="ctr">
+                    <a:lnL w="19050" cap="flat" cmpd="sng" algn="ctr">
+                      <a:solidFill>
+                        <a:schemeClr val="tx1"/>
+                      </a:solidFill>
+                      <a:prstDash val="solid"/>
+                      <a:round/>
+                      <a:headEnd type="none" w="med" len="med"/>
+                      <a:tailEnd type="none" w="med" len="med"/>
+                    </a:lnL>
+                    <a:lnR w="19050" cap="flat" cmpd="sng" algn="ctr">
+                      <a:solidFill>
+                        <a:schemeClr val="tx1"/>
+                      </a:solidFill>
+                      <a:prstDash val="solid"/>
+                      <a:round/>
+                      <a:headEnd type="none" w="med" len="med"/>
+                      <a:tailEnd type="none" w="med" len="med"/>
+                    </a:lnR>
+                    <a:lnT w="19050" cap="flat" cmpd="sng" algn="ctr">
+                      <a:solidFill>
+                        <a:schemeClr val="tx1"/>
+                      </a:solidFill>
+                      <a:prstDash val="solid"/>
+                      <a:round/>
+                      <a:headEnd type="none" w="med" len="med"/>
+                      <a:tailEnd type="none" w="med" len="med"/>
+                    </a:lnT>
+                    <a:lnB w="19050" cap="flat" cmpd="sng" algn="ctr">
+                      <a:solidFill>
+                        <a:schemeClr val="tx1"/>
+                      </a:solidFill>
+                      <a:prstDash val="solid"/>
+                      <a:round/>
+                      <a:headEnd type="none" w="med" len="med"/>
+                      <a:tailEnd type="none" w="med" len="med"/>
+                    </a:lnB>
+                    <a:solidFill>
+                      <a:srgbClr val="D0BF98"/>
+                    </a:solidFill>
+                  </a:tcPr>
+                </a:tc>
+                <a:tc>
+                  <a:txBody>
+                    <a:bodyPr/>
+                    <a:lstStyle/>
+                    <a:p>
+                      <a:pPr algn="l"/>
+                      <a:r>
+                        <a:rPr lang="en-US" sz="3200" dirty="0">
+                          <a:solidFill>
+                            <a:srgbClr val="661618"/>
+                          </a:solidFill>
+                        </a:rPr>
+                        <a:t>VarChar</a:t>
+                      </a:r>
+                    </a:p>
+                  </a:txBody>
+                  <a:tcPr anchor="ctr">
+                    <a:lnL w="19050" cap="flat" cmpd="sng" algn="ctr">
+                      <a:solidFill>
+                        <a:schemeClr val="tx1"/>
+                      </a:solidFill>
+                      <a:prstDash val="solid"/>
+                      <a:round/>
+                      <a:headEnd type="none" w="med" len="med"/>
+                      <a:tailEnd type="none" w="med" len="med"/>
+                    </a:lnL>
+                    <a:lnR w="19050" cap="flat" cmpd="sng" algn="ctr">
+                      <a:solidFill>
+                        <a:schemeClr val="tx1"/>
+                      </a:solidFill>
+                      <a:prstDash val="solid"/>
+                      <a:round/>
+                      <a:headEnd type="none" w="med" len="med"/>
+                      <a:tailEnd type="none" w="med" len="med"/>
+                    </a:lnR>
+                    <a:lnT w="19050" cap="flat" cmpd="sng" algn="ctr">
+                      <a:solidFill>
+                        <a:schemeClr val="tx1"/>
+                      </a:solidFill>
+                      <a:prstDash val="solid"/>
+                      <a:round/>
+                      <a:headEnd type="none" w="med" len="med"/>
+                      <a:tailEnd type="none" w="med" len="med"/>
+                    </a:lnT>
+                    <a:lnB w="19050" cap="flat" cmpd="sng" algn="ctr">
+                      <a:solidFill>
+                        <a:schemeClr val="tx1"/>
+                      </a:solidFill>
+                      <a:prstDash val="solid"/>
+                      <a:round/>
+                      <a:headEnd type="none" w="med" len="med"/>
+                      <a:tailEnd type="none" w="med" len="med"/>
+                    </a:lnB>
+                    <a:solidFill>
+                      <a:srgbClr val="D0BF98"/>
+                    </a:solidFill>
+                  </a:tcPr>
+                </a:tc>
+                <a:extLst>
+                  <a:ext uri="{0D108BD9-81ED-4DB2-BD59-A6C34878D82A}">
+                    <a16:rowId xmlns:a16="http://schemas.microsoft.com/office/drawing/2014/main" val="607566320"/>
+                  </a:ext>
+                </a:extLst>
+              </a:tr>
+              <a:tr h="522631">
+                <a:tc>
+                  <a:txBody>
+                    <a:bodyPr/>
+                    <a:lstStyle/>
+                    <a:p>
+                      <a:r>
+                        <a:rPr lang="en-US" sz="3200" dirty="0">
+                          <a:solidFill>
+                            <a:srgbClr val="661618"/>
+                          </a:solidFill>
+                        </a:rPr>
+                        <a:t>Email</a:t>
+                      </a:r>
+                    </a:p>
+                  </a:txBody>
+                  <a:tcPr anchor="ctr">
+                    <a:lnL w="19050" cap="flat" cmpd="sng" algn="ctr">
+                      <a:solidFill>
+                        <a:schemeClr val="tx1"/>
+                      </a:solidFill>
+                      <a:prstDash val="solid"/>
+                      <a:round/>
+                      <a:headEnd type="none" w="med" len="med"/>
+                      <a:tailEnd type="none" w="med" len="med"/>
+                    </a:lnL>
+                    <a:lnR w="19050" cap="flat" cmpd="sng" algn="ctr">
+                      <a:solidFill>
+                        <a:schemeClr val="tx1"/>
+                      </a:solidFill>
+                      <a:prstDash val="solid"/>
+                      <a:round/>
+                      <a:headEnd type="none" w="med" len="med"/>
+                      <a:tailEnd type="none" w="med" len="med"/>
+                    </a:lnR>
+                    <a:lnT w="19050" cap="flat" cmpd="sng" algn="ctr">
+                      <a:solidFill>
+                        <a:schemeClr val="tx1"/>
+                      </a:solidFill>
+                      <a:prstDash val="solid"/>
+                      <a:round/>
+                      <a:headEnd type="none" w="med" len="med"/>
+                      <a:tailEnd type="none" w="med" len="med"/>
+                    </a:lnT>
+                    <a:lnB w="19050" cap="flat" cmpd="sng" algn="ctr">
+                      <a:solidFill>
+                        <a:schemeClr val="tx1"/>
+                      </a:solidFill>
+                      <a:prstDash val="solid"/>
+                      <a:round/>
+                      <a:headEnd type="none" w="med" len="med"/>
+                      <a:tailEnd type="none" w="med" len="med"/>
+                    </a:lnB>
+                    <a:solidFill>
+                      <a:srgbClr val="E9E0CA"/>
+                    </a:solidFill>
+                  </a:tcPr>
+                </a:tc>
+                <a:tc>
+                  <a:txBody>
+                    <a:bodyPr/>
+                    <a:lstStyle/>
+                    <a:p>
+                      <a:r>
+                        <a:rPr lang="en-US" sz="3200" dirty="0">
+                          <a:solidFill>
+                            <a:srgbClr val="661618"/>
+                          </a:solidFill>
+                        </a:rPr>
+                        <a:t>VarChar</a:t>
+                      </a:r>
+                    </a:p>
+                  </a:txBody>
+                  <a:tcPr anchor="ctr">
+                    <a:lnL w="19050" cap="flat" cmpd="sng" algn="ctr">
+                      <a:solidFill>
+                        <a:schemeClr val="tx1"/>
+                      </a:solidFill>
+                      <a:prstDash val="solid"/>
+                      <a:round/>
+                      <a:headEnd type="none" w="med" len="med"/>
+                      <a:tailEnd type="none" w="med" len="med"/>
+                    </a:lnL>
+                    <a:lnR w="19050" cap="flat" cmpd="sng" algn="ctr">
+                      <a:solidFill>
+                        <a:schemeClr val="tx1"/>
+                      </a:solidFill>
+                      <a:prstDash val="solid"/>
+                      <a:round/>
+                      <a:headEnd type="none" w="med" len="med"/>
+                      <a:tailEnd type="none" w="med" len="med"/>
+                    </a:lnR>
+                    <a:lnT w="19050" cap="flat" cmpd="sng" algn="ctr">
+                      <a:solidFill>
+                        <a:schemeClr val="tx1"/>
+                      </a:solidFill>
+                      <a:prstDash val="solid"/>
+                      <a:round/>
+                      <a:headEnd type="none" w="med" len="med"/>
+                      <a:tailEnd type="none" w="med" len="med"/>
+                    </a:lnT>
+                    <a:lnB w="19050" cap="flat" cmpd="sng" algn="ctr">
+                      <a:solidFill>
+                        <a:schemeClr val="tx1"/>
+                      </a:solidFill>
+                      <a:prstDash val="solid"/>
+                      <a:round/>
+                      <a:headEnd type="none" w="med" len="med"/>
+                      <a:tailEnd type="none" w="med" len="med"/>
+                    </a:lnB>
+                    <a:solidFill>
+                      <a:srgbClr val="E9E0CA"/>
+                    </a:solidFill>
+                  </a:tcPr>
+                </a:tc>
+                <a:extLst>
+                  <a:ext uri="{0D108BD9-81ED-4DB2-BD59-A6C34878D82A}">
+                    <a16:rowId xmlns:a16="http://schemas.microsoft.com/office/drawing/2014/main" val="1339208532"/>
+                  </a:ext>
+                </a:extLst>
+              </a:tr>
+            </a:tbl>
+          </a:graphicData>
+        </a:graphic>
+      </p:graphicFrame>
+      <p:sp>
+        <p:nvSpPr>
+          <p:cNvPr id="6" name="Rectangle 5">
+            <a:extLst>
+              <a:ext uri="{FF2B5EF4-FFF2-40B4-BE49-F238E27FC236}">
+                <a16:creationId xmlns:a16="http://schemas.microsoft.com/office/drawing/2014/main" id="{7F87727C-C544-6881-B59E-7206458A6AC2}"/>
+              </a:ext>
+            </a:extLst>
+          </p:cNvPr>
+          <p:cNvSpPr/>
+          <p:nvPr/>
+        </p:nvSpPr>
+        <p:spPr>
+          <a:xfrm rot="2700000">
+            <a:off x="5265450" y="2333292"/>
+            <a:ext cx="274320" cy="274320"/>
+          </a:xfrm>
+          <a:prstGeom prst="rect">
+            <a:avLst/>
+          </a:prstGeom>
+          <a:solidFill>
+            <a:schemeClr val="tx1"/>
+          </a:solidFill>
+          <a:ln>
+            <a:solidFill>
+              <a:schemeClr val="tx1"/>
+            </a:solidFill>
+          </a:ln>
+        </p:spPr>
+        <p:style>
+          <a:lnRef idx="2">
+            <a:schemeClr val="accent1">
+              <a:shade val="15000"/>
+            </a:schemeClr>
+          </a:lnRef>
+          <a:fillRef idx="1">
+            <a:schemeClr val="accent1"/>
+          </a:fillRef>
+          <a:effectRef idx="0">
+            <a:schemeClr val="accent1"/>
+          </a:effectRef>
+          <a:fontRef idx="minor">
+            <a:schemeClr val="lt1"/>
+          </a:fontRef>
+        </p:style>
+        <p:txBody>
+          <a:bodyPr rtlCol="0" anchor="ctr"/>
+          <a:lstStyle/>
+          <a:p>
+            <a:pPr algn="ctr"/>
+            <a:endParaRPr lang="en-US" dirty="0"/>
+          </a:p>
+        </p:txBody>
+      </p:sp>
+      <p:cxnSp>
+        <p:nvCxnSpPr>
+          <p:cNvPr id="8" name="Straight Connector 7">
+            <a:extLst>
+              <a:ext uri="{FF2B5EF4-FFF2-40B4-BE49-F238E27FC236}">
+                <a16:creationId xmlns:a16="http://schemas.microsoft.com/office/drawing/2014/main" id="{79F1F5C2-365B-5FCF-FD87-BEB0CA955AC8}"/>
+              </a:ext>
+            </a:extLst>
+          </p:cNvPr>
+          <p:cNvCxnSpPr>
+            <a:cxnSpLocks/>
+          </p:cNvCxnSpPr>
+          <p:nvPr/>
+        </p:nvCxnSpPr>
+        <p:spPr>
+          <a:xfrm>
+            <a:off x="5478747" y="2470454"/>
+            <a:ext cx="1526841" cy="0"/>
+          </a:xfrm>
+          <a:prstGeom prst="line">
+            <a:avLst/>
+          </a:prstGeom>
+          <a:ln w="31750">
+            <a:solidFill>
+              <a:schemeClr val="tx1"/>
+            </a:solidFill>
+          </a:ln>
+        </p:spPr>
+        <p:style>
+          <a:lnRef idx="2">
+            <a:schemeClr val="accent1"/>
+          </a:lnRef>
+          <a:fillRef idx="0">
+            <a:schemeClr val="accent1"/>
+          </a:fillRef>
+          <a:effectRef idx="1">
+            <a:schemeClr val="accent1"/>
+          </a:effectRef>
+          <a:fontRef idx="minor">
+            <a:schemeClr val="tx1"/>
+          </a:fontRef>
+        </p:style>
+      </p:cxnSp>
     </p:spTree>
     <p:extLst>
       <p:ext uri="{BB962C8B-B14F-4D97-AF65-F5344CB8AC3E}">
-        <p14:creationId xmlns:p14="http://schemas.microsoft.com/office/powerpoint/2010/main" val="3055279406"/>
+        <p14:creationId xmlns:p14="http://schemas.microsoft.com/office/powerpoint/2010/main" val="3339731875"/>
+      </p:ext>
+    </p:extLst>
+  </p:cSld>
+  <p:clrMapOvr>
+    <a:masterClrMapping/>
+  </p:clrMapOvr>
+</p:sld>
+</file>
+
+<file path=ppt/slides/slide9.xml><?xml version="1.0" encoding="utf-8"?>
+<p:sld xmlns:a="http://schemas.openxmlformats.org/drawingml/2006/main" xmlns:r="http://schemas.openxmlformats.org/officeDocument/2006/relationships" xmlns:p="http://schemas.openxmlformats.org/presentationml/2006/main">
+  <p:cSld>
+    <p:spTree>
+      <p:nvGrpSpPr>
+        <p:cNvPr id="1" name=""/>
+        <p:cNvGrpSpPr/>
+        <p:nvPr/>
+      </p:nvGrpSpPr>
+      <p:grpSpPr>
+        <a:xfrm>
+          <a:off x="0" y="0"/>
+          <a:ext cx="0" cy="0"/>
+          <a:chOff x="0" y="0"/>
+          <a:chExt cx="0" cy="0"/>
+        </a:xfrm>
+      </p:grpSpPr>
+      <p:sp>
+        <p:nvSpPr>
+          <p:cNvPr id="4" name="TextBox 3">
+            <a:extLst>
+              <a:ext uri="{FF2B5EF4-FFF2-40B4-BE49-F238E27FC236}">
+                <a16:creationId xmlns:a16="http://schemas.microsoft.com/office/drawing/2014/main" id="{13696BEA-7476-DD82-4A2C-D6DEB256A594}"/>
+              </a:ext>
+            </a:extLst>
+          </p:cNvPr>
+          <p:cNvSpPr txBox="1"/>
+          <p:nvPr/>
+        </p:nvSpPr>
+        <p:spPr>
+          <a:xfrm>
+            <a:off x="0" y="206379"/>
+            <a:ext cx="12192000" cy="769441"/>
+          </a:xfrm>
+          <a:prstGeom prst="rect">
+            <a:avLst/>
+          </a:prstGeom>
+          <a:noFill/>
+        </p:spPr>
+        <p:txBody>
+          <a:bodyPr wrap="square">
+            <a:spAutoFit/>
+          </a:bodyPr>
+          <a:lstStyle/>
+          <a:p>
+            <a:pPr algn="ctr"/>
+            <a:r>
+              <a:rPr lang="en-US" sz="4400" b="1" dirty="0">
+                <a:solidFill>
+                  <a:srgbClr val="E9D8B2"/>
+                </a:solidFill>
+                <a:latin typeface="Inter" panose="020B0502030000000004" pitchFamily="34" charset="0"/>
+                <a:ea typeface="Inter" panose="020B0502030000000004" pitchFamily="34" charset="0"/>
+              </a:rPr>
+              <a:t>SwaggerHub Demo</a:t>
+            </a:r>
+            <a:endParaRPr lang="en-US" sz="4400" dirty="0">
+              <a:solidFill>
+                <a:srgbClr val="E9D8B2"/>
+              </a:solidFill>
+              <a:latin typeface="Inter" panose="020B0502030000000004" pitchFamily="34" charset="0"/>
+              <a:ea typeface="Inter" panose="020B0502030000000004" pitchFamily="34" charset="0"/>
+            </a:endParaRPr>
+          </a:p>
+        </p:txBody>
+      </p:sp>
+      <p:sp>
+        <p:nvSpPr>
+          <p:cNvPr id="3" name="TextBox 2">
+            <a:extLst>
+              <a:ext uri="{FF2B5EF4-FFF2-40B4-BE49-F238E27FC236}">
+                <a16:creationId xmlns:a16="http://schemas.microsoft.com/office/drawing/2014/main" id="{C157969B-F380-EB23-2B2E-655D3EBE2676}"/>
+              </a:ext>
+            </a:extLst>
+          </p:cNvPr>
+          <p:cNvSpPr txBox="1"/>
+          <p:nvPr/>
+        </p:nvSpPr>
+        <p:spPr>
+          <a:xfrm>
+            <a:off x="1638300" y="1772335"/>
+            <a:ext cx="9448800" cy="1077218"/>
+          </a:xfrm>
+          <a:prstGeom prst="rect">
+            <a:avLst/>
+          </a:prstGeom>
+          <a:noFill/>
+        </p:spPr>
+        <p:txBody>
+          <a:bodyPr wrap="square">
+            <a:spAutoFit/>
+          </a:bodyPr>
+          <a:lstStyle/>
+          <a:p>
+            <a:r>
+              <a:rPr lang="en-US" sz="3200" dirty="0">
+                <a:solidFill>
+                  <a:srgbClr val="E9D8B2"/>
+                </a:solidFill>
+                <a:latin typeface="Inter" panose="020B0502030000000004"/>
+              </a:rPr>
+              <a:t>https://app.swaggerhub.com/apis/DENNISGORMAN02/ContactManager/1.0.4</a:t>
+            </a:r>
+          </a:p>
+        </p:txBody>
+      </p:sp>
+    </p:spTree>
+    <p:extLst>
+      <p:ext uri="{BB962C8B-B14F-4D97-AF65-F5344CB8AC3E}">
+        <p14:creationId xmlns:p14="http://schemas.microsoft.com/office/powerpoint/2010/main" val="2857748267"/>
       </p:ext>
     </p:extLst>
   </p:cSld>

--- a/Presentation/Contact Manager Presentation.pptx
+++ b/Presentation/Contact Manager Presentation.pptx
@@ -4,6 +4,9 @@
   <p:sldMasterIdLst>
     <p:sldMasterId id="2147483648" r:id="rId1"/>
   </p:sldMasterIdLst>
+  <p:notesMasterIdLst>
+    <p:notesMasterId r:id="rId11"/>
+  </p:notesMasterIdLst>
   <p:sldIdLst>
     <p:sldId id="256" r:id="rId2"/>
     <p:sldId id="257" r:id="rId3"/>
@@ -123,8 +126,7 @@
 <file path=ppt/revisionInfo.xml><?xml version="1.0" encoding="utf-8"?>
 <p1510:revInfo xmlns:a="http://schemas.openxmlformats.org/drawingml/2006/main" xmlns:r="http://schemas.openxmlformats.org/officeDocument/2006/relationships" xmlns:p1510="http://schemas.microsoft.com/office/powerpoint/2015/10/main">
   <p1510:revLst>
-    <p1510:client id="{8E1941E3-5B5B-4888-B0F7-569E6CC58F68}" v="10" dt="2024-09-14T23:42:56.446"/>
-    <p1510:client id="{CD4B01EA-4221-40B5-A155-1CF2D3FA45C3}" v="82" dt="2024-09-15T03:03:02.267"/>
+    <p1510:client id="{CD4B01EA-4221-40B5-A155-1CF2D3FA45C3}" v="97" dt="2024-09-15T06:26:17.221"/>
   </p1510:revLst>
 </p1510:revInfo>
 </file>
@@ -937,16 +939,47 @@
   <pc:docChgLst>
     <pc:chgData name="Jia Jones" userId="a3b0c72f-e186-4738-b8d6-28e077c699c2" providerId="ADAL" clId="{CD4B01EA-4221-40B5-A155-1CF2D3FA45C3}"/>
     <pc:docChg chg="undo custSel modSld sldOrd">
-      <pc:chgData name="Jia Jones" userId="a3b0c72f-e186-4738-b8d6-28e077c699c2" providerId="ADAL" clId="{CD4B01EA-4221-40B5-A155-1CF2D3FA45C3}" dt="2024-09-15T03:29:56.535" v="591" actId="20577"/>
+      <pc:chgData name="Jia Jones" userId="a3b0c72f-e186-4738-b8d6-28e077c699c2" providerId="ADAL" clId="{CD4B01EA-4221-40B5-A155-1CF2D3FA45C3}" dt="2024-09-19T17:57:25.393" v="801" actId="14100"/>
       <pc:docMkLst>
         <pc:docMk/>
       </pc:docMkLst>
-      <pc:sldChg chg="modSp mod">
-        <pc:chgData name="Jia Jones" userId="a3b0c72f-e186-4738-b8d6-28e077c699c2" providerId="ADAL" clId="{CD4B01EA-4221-40B5-A155-1CF2D3FA45C3}" dt="2024-09-13T22:24:32.990" v="30" actId="20577"/>
+      <pc:sldChg chg="modSp mod modNotesTx">
+        <pc:chgData name="Jia Jones" userId="a3b0c72f-e186-4738-b8d6-28e077c699c2" providerId="ADAL" clId="{CD4B01EA-4221-40B5-A155-1CF2D3FA45C3}" dt="2024-09-15T04:20:04.050" v="692"/>
+        <pc:sldMkLst>
+          <pc:docMk/>
+          <pc:sldMk cId="1052416929" sldId="256"/>
+        </pc:sldMkLst>
+        <pc:spChg chg="mod">
+          <ac:chgData name="Jia Jones" userId="a3b0c72f-e186-4738-b8d6-28e077c699c2" providerId="ADAL" clId="{CD4B01EA-4221-40B5-A155-1CF2D3FA45C3}" dt="2024-09-15T04:18:55.553" v="620" actId="20577"/>
+          <ac:spMkLst>
+            <pc:docMk/>
+            <pc:sldMk cId="1052416929" sldId="256"/>
+            <ac:spMk id="2" creationId="{1FB16267-5D4D-F94E-0CA3-6020A6B96667}"/>
+          </ac:spMkLst>
+        </pc:spChg>
+      </pc:sldChg>
+      <pc:sldChg chg="addSp delSp modSp mod">
+        <pc:chgData name="Jia Jones" userId="a3b0c72f-e186-4738-b8d6-28e077c699c2" providerId="ADAL" clId="{CD4B01EA-4221-40B5-A155-1CF2D3FA45C3}" dt="2024-09-15T06:24:12.992" v="777" actId="21"/>
         <pc:sldMkLst>
           <pc:docMk/>
           <pc:sldMk cId="3489001171" sldId="257"/>
         </pc:sldMkLst>
+        <pc:spChg chg="add del mod">
+          <ac:chgData name="Jia Jones" userId="a3b0c72f-e186-4738-b8d6-28e077c699c2" providerId="ADAL" clId="{CD4B01EA-4221-40B5-A155-1CF2D3FA45C3}" dt="2024-09-15T06:23:08.945" v="771" actId="478"/>
+          <ac:spMkLst>
+            <pc:docMk/>
+            <pc:sldMk cId="3489001171" sldId="257"/>
+            <ac:spMk id="2" creationId="{2CE05087-037D-F51D-D1EF-101CB7F6663F}"/>
+          </ac:spMkLst>
+        </pc:spChg>
+        <pc:spChg chg="add del">
+          <ac:chgData name="Jia Jones" userId="a3b0c72f-e186-4738-b8d6-28e077c699c2" providerId="ADAL" clId="{CD4B01EA-4221-40B5-A155-1CF2D3FA45C3}" dt="2024-09-15T06:24:12.992" v="777" actId="21"/>
+          <ac:spMkLst>
+            <pc:docMk/>
+            <pc:sldMk cId="3489001171" sldId="257"/>
+            <ac:spMk id="4" creationId="{6B073FB5-6250-03E4-52F3-60B9A38FBE0D}"/>
+          </ac:spMkLst>
+        </pc:spChg>
         <pc:spChg chg="mod">
           <ac:chgData name="Jia Jones" userId="a3b0c72f-e186-4738-b8d6-28e077c699c2" providerId="ADAL" clId="{CD4B01EA-4221-40B5-A155-1CF2D3FA45C3}" dt="2024-09-13T22:24:29.226" v="27" actId="20577"/>
           <ac:spMkLst>
@@ -963,15 +996,95 @@
             <ac:spMk id="18" creationId="{567BD2FC-C43E-35F5-8077-1BD43CB2CC7F}"/>
           </ac:spMkLst>
         </pc:spChg>
+        <pc:spChg chg="mod">
+          <ac:chgData name="Jia Jones" userId="a3b0c72f-e186-4738-b8d6-28e077c699c2" providerId="ADAL" clId="{CD4B01EA-4221-40B5-A155-1CF2D3FA45C3}" dt="2024-09-15T06:23:52.048" v="775" actId="1076"/>
+          <ac:spMkLst>
+            <pc:docMk/>
+            <pc:sldMk cId="3489001171" sldId="257"/>
+            <ac:spMk id="26" creationId="{E2C819BC-8B99-E728-6122-44C6C9D50372}"/>
+          </ac:spMkLst>
+        </pc:spChg>
+        <pc:grpChg chg="add mod">
+          <ac:chgData name="Jia Jones" userId="a3b0c72f-e186-4738-b8d6-28e077c699c2" providerId="ADAL" clId="{CD4B01EA-4221-40B5-A155-1CF2D3FA45C3}" dt="2024-09-15T06:23:31.804" v="774" actId="1076"/>
+          <ac:grpSpMkLst>
+            <pc:docMk/>
+            <pc:sldMk cId="3489001171" sldId="257"/>
+            <ac:grpSpMk id="3" creationId="{B4731DEC-6AD2-BDB9-FF2A-5E46F8E7DDF4}"/>
+          </ac:grpSpMkLst>
+        </pc:grpChg>
+        <pc:grpChg chg="mod">
+          <ac:chgData name="Jia Jones" userId="a3b0c72f-e186-4738-b8d6-28e077c699c2" providerId="ADAL" clId="{CD4B01EA-4221-40B5-A155-1CF2D3FA45C3}" dt="2024-09-15T06:23:21.212" v="773" actId="164"/>
+          <ac:grpSpMkLst>
+            <pc:docMk/>
+            <pc:sldMk cId="3489001171" sldId="257"/>
+            <ac:grpSpMk id="22" creationId="{24C32157-A863-7E9A-7EB2-6AB1D39A3E3E}"/>
+          </ac:grpSpMkLst>
+        </pc:grpChg>
+        <pc:grpChg chg="mod">
+          <ac:chgData name="Jia Jones" userId="a3b0c72f-e186-4738-b8d6-28e077c699c2" providerId="ADAL" clId="{CD4B01EA-4221-40B5-A155-1CF2D3FA45C3}" dt="2024-09-15T06:23:21.212" v="773" actId="164"/>
+          <ac:grpSpMkLst>
+            <pc:docMk/>
+            <pc:sldMk cId="3489001171" sldId="257"/>
+            <ac:grpSpMk id="23" creationId="{152677A2-6237-40B3-8E78-57F6EB8553FF}"/>
+          </ac:grpSpMkLst>
+        </pc:grpChg>
+        <pc:grpChg chg="mod">
+          <ac:chgData name="Jia Jones" userId="a3b0c72f-e186-4738-b8d6-28e077c699c2" providerId="ADAL" clId="{CD4B01EA-4221-40B5-A155-1CF2D3FA45C3}" dt="2024-09-15T06:23:21.212" v="773" actId="164"/>
+          <ac:grpSpMkLst>
+            <pc:docMk/>
+            <pc:sldMk cId="3489001171" sldId="257"/>
+            <ac:grpSpMk id="24" creationId="{C4D9CEDA-38D2-2235-6A6E-7701FE0D88BE}"/>
+          </ac:grpSpMkLst>
+        </pc:grpChg>
+        <pc:grpChg chg="mod">
+          <ac:chgData name="Jia Jones" userId="a3b0c72f-e186-4738-b8d6-28e077c699c2" providerId="ADAL" clId="{CD4B01EA-4221-40B5-A155-1CF2D3FA45C3}" dt="2024-09-15T06:23:21.212" v="773" actId="164"/>
+          <ac:grpSpMkLst>
+            <pc:docMk/>
+            <pc:sldMk cId="3489001171" sldId="257"/>
+            <ac:grpSpMk id="25" creationId="{15E07194-2A92-59E9-79BA-CA62A84FBC32}"/>
+          </ac:grpSpMkLst>
+        </pc:grpChg>
       </pc:sldChg>
-      <pc:sldChg chg="addSp modSp mod">
-        <pc:chgData name="Jia Jones" userId="a3b0c72f-e186-4738-b8d6-28e077c699c2" providerId="ADAL" clId="{CD4B01EA-4221-40B5-A155-1CF2D3FA45C3}" dt="2024-09-13T22:24:41.665" v="36" actId="20577"/>
+      <pc:sldChg chg="addSp delSp modSp mod modNotesTx">
+        <pc:chgData name="Jia Jones" userId="a3b0c72f-e186-4738-b8d6-28e077c699c2" providerId="ADAL" clId="{CD4B01EA-4221-40B5-A155-1CF2D3FA45C3}" dt="2024-09-15T06:24:27.556" v="781" actId="21"/>
         <pc:sldMkLst>
           <pc:docMk/>
           <pc:sldMk cId="827846081" sldId="258"/>
         </pc:sldMkLst>
         <pc:spChg chg="mod">
-          <ac:chgData name="Jia Jones" userId="a3b0c72f-e186-4738-b8d6-28e077c699c2" providerId="ADAL" clId="{CD4B01EA-4221-40B5-A155-1CF2D3FA45C3}" dt="2024-09-13T22:24:38.516" v="33" actId="20577"/>
+          <ac:chgData name="Jia Jones" userId="a3b0c72f-e186-4738-b8d6-28e077c699c2" providerId="ADAL" clId="{CD4B01EA-4221-40B5-A155-1CF2D3FA45C3}" dt="2024-09-15T06:22:40.616" v="766" actId="1076"/>
+          <ac:spMkLst>
+            <pc:docMk/>
+            <pc:sldMk cId="827846081" sldId="258"/>
+            <ac:spMk id="3" creationId="{65FAA24B-2708-F41C-0F60-6F9AB9E8C83B}"/>
+          </ac:spMkLst>
+        </pc:spChg>
+        <pc:spChg chg="add del mod">
+          <ac:chgData name="Jia Jones" userId="a3b0c72f-e186-4738-b8d6-28e077c699c2" providerId="ADAL" clId="{CD4B01EA-4221-40B5-A155-1CF2D3FA45C3}" dt="2024-09-15T06:24:27.556" v="781" actId="21"/>
+          <ac:spMkLst>
+            <pc:docMk/>
+            <pc:sldMk cId="827846081" sldId="258"/>
+            <ac:spMk id="4" creationId="{6B073FB5-6250-03E4-52F3-60B9A38FBE0D}"/>
+          </ac:spMkLst>
+        </pc:spChg>
+        <pc:spChg chg="mod">
+          <ac:chgData name="Jia Jones" userId="a3b0c72f-e186-4738-b8d6-28e077c699c2" providerId="ADAL" clId="{CD4B01EA-4221-40B5-A155-1CF2D3FA45C3}" dt="2024-09-15T06:24:23.963" v="780" actId="1076"/>
+          <ac:spMkLst>
+            <pc:docMk/>
+            <pc:sldMk cId="827846081" sldId="258"/>
+            <ac:spMk id="11" creationId="{0F487AF4-0F54-3AD9-C9E7-D0CA281A62C4}"/>
+          </ac:spMkLst>
+        </pc:spChg>
+        <pc:spChg chg="mod">
+          <ac:chgData name="Jia Jones" userId="a3b0c72f-e186-4738-b8d6-28e077c699c2" providerId="ADAL" clId="{CD4B01EA-4221-40B5-A155-1CF2D3FA45C3}" dt="2024-09-15T06:22:40.616" v="766" actId="1076"/>
+          <ac:spMkLst>
+            <pc:docMk/>
+            <pc:sldMk cId="827846081" sldId="258"/>
+            <ac:spMk id="12" creationId="{9BA25D1C-AA8A-0ABE-6844-7AE967F9CD80}"/>
+          </ac:spMkLst>
+        </pc:spChg>
+        <pc:spChg chg="mod">
+          <ac:chgData name="Jia Jones" userId="a3b0c72f-e186-4738-b8d6-28e077c699c2" providerId="ADAL" clId="{CD4B01EA-4221-40B5-A155-1CF2D3FA45C3}" dt="2024-09-15T06:22:40.616" v="766" actId="1076"/>
           <ac:spMkLst>
             <pc:docMk/>
             <pc:sldMk cId="827846081" sldId="258"/>
@@ -979,23 +1092,135 @@
           </ac:spMkLst>
         </pc:spChg>
         <pc:spChg chg="mod">
-          <ac:chgData name="Jia Jones" userId="a3b0c72f-e186-4738-b8d6-28e077c699c2" providerId="ADAL" clId="{CD4B01EA-4221-40B5-A155-1CF2D3FA45C3}" dt="2024-09-13T22:24:41.665" v="36" actId="20577"/>
+          <ac:chgData name="Jia Jones" userId="a3b0c72f-e186-4738-b8d6-28e077c699c2" providerId="ADAL" clId="{CD4B01EA-4221-40B5-A155-1CF2D3FA45C3}" dt="2024-09-15T06:22:40.616" v="766" actId="1076"/>
+          <ac:spMkLst>
+            <pc:docMk/>
+            <pc:sldMk cId="827846081" sldId="258"/>
+            <ac:spMk id="16" creationId="{1D8311F5-4330-4534-4726-AE9785029A16}"/>
+          </ac:spMkLst>
+        </pc:spChg>
+        <pc:spChg chg="mod">
+          <ac:chgData name="Jia Jones" userId="a3b0c72f-e186-4738-b8d6-28e077c699c2" providerId="ADAL" clId="{CD4B01EA-4221-40B5-A155-1CF2D3FA45C3}" dt="2024-09-15T06:22:40.616" v="766" actId="1076"/>
           <ac:spMkLst>
             <pc:docMk/>
             <pc:sldMk cId="827846081" sldId="258"/>
             <ac:spMk id="18" creationId="{567BD2FC-C43E-35F5-8077-1BD43CB2CC7F}"/>
           </ac:spMkLst>
         </pc:spChg>
+        <pc:spChg chg="mod">
+          <ac:chgData name="Jia Jones" userId="a3b0c72f-e186-4738-b8d6-28e077c699c2" providerId="ADAL" clId="{CD4B01EA-4221-40B5-A155-1CF2D3FA45C3}" dt="2024-09-15T06:22:40.616" v="766" actId="1076"/>
+          <ac:spMkLst>
+            <pc:docMk/>
+            <pc:sldMk cId="827846081" sldId="258"/>
+            <ac:spMk id="19" creationId="{741524AD-5AEC-927A-AF43-BF981428A851}"/>
+          </ac:spMkLst>
+        </pc:spChg>
+        <pc:spChg chg="mod">
+          <ac:chgData name="Jia Jones" userId="a3b0c72f-e186-4738-b8d6-28e077c699c2" providerId="ADAL" clId="{CD4B01EA-4221-40B5-A155-1CF2D3FA45C3}" dt="2024-09-15T06:22:40.616" v="766" actId="1076"/>
+          <ac:spMkLst>
+            <pc:docMk/>
+            <pc:sldMk cId="827846081" sldId="258"/>
+            <ac:spMk id="21" creationId="{815F8B5D-F820-00DF-D6E2-971F5F65F789}"/>
+          </ac:spMkLst>
+        </pc:spChg>
+        <pc:grpChg chg="add mod">
+          <ac:chgData name="Jia Jones" userId="a3b0c72f-e186-4738-b8d6-28e077c699c2" providerId="ADAL" clId="{CD4B01EA-4221-40B5-A155-1CF2D3FA45C3}" dt="2024-09-15T06:22:40.616" v="766" actId="1076"/>
+          <ac:grpSpMkLst>
+            <pc:docMk/>
+            <pc:sldMk cId="827846081" sldId="258"/>
+            <ac:grpSpMk id="2" creationId="{70312291-9414-FADA-19BA-E971C884D82B}"/>
+          </ac:grpSpMkLst>
+        </pc:grpChg>
+        <pc:grpChg chg="mod">
+          <ac:chgData name="Jia Jones" userId="a3b0c72f-e186-4738-b8d6-28e077c699c2" providerId="ADAL" clId="{CD4B01EA-4221-40B5-A155-1CF2D3FA45C3}" dt="2024-09-15T06:22:40.616" v="766" actId="1076"/>
+          <ac:grpSpMkLst>
+            <pc:docMk/>
+            <pc:sldMk cId="827846081" sldId="258"/>
+            <ac:grpSpMk id="22" creationId="{24C32157-A863-7E9A-7EB2-6AB1D39A3E3E}"/>
+          </ac:grpSpMkLst>
+        </pc:grpChg>
+        <pc:grpChg chg="mod">
+          <ac:chgData name="Jia Jones" userId="a3b0c72f-e186-4738-b8d6-28e077c699c2" providerId="ADAL" clId="{CD4B01EA-4221-40B5-A155-1CF2D3FA45C3}" dt="2024-09-15T06:22:40.616" v="766" actId="1076"/>
+          <ac:grpSpMkLst>
+            <pc:docMk/>
+            <pc:sldMk cId="827846081" sldId="258"/>
+            <ac:grpSpMk id="23" creationId="{152677A2-6237-40B3-8E78-57F6EB8553FF}"/>
+          </ac:grpSpMkLst>
+        </pc:grpChg>
+        <pc:grpChg chg="mod">
+          <ac:chgData name="Jia Jones" userId="a3b0c72f-e186-4738-b8d6-28e077c699c2" providerId="ADAL" clId="{CD4B01EA-4221-40B5-A155-1CF2D3FA45C3}" dt="2024-09-15T06:22:40.616" v="766" actId="1076"/>
+          <ac:grpSpMkLst>
+            <pc:docMk/>
+            <pc:sldMk cId="827846081" sldId="258"/>
+            <ac:grpSpMk id="24" creationId="{C4D9CEDA-38D2-2235-6A6E-7701FE0D88BE}"/>
+          </ac:grpSpMkLst>
+        </pc:grpChg>
+        <pc:picChg chg="del">
+          <ac:chgData name="Jia Jones" userId="a3b0c72f-e186-4738-b8d6-28e077c699c2" providerId="ADAL" clId="{CD4B01EA-4221-40B5-A155-1CF2D3FA45C3}" dt="2024-09-15T04:22:43.281" v="693" actId="478"/>
+          <ac:picMkLst>
+            <pc:docMk/>
+            <pc:sldMk cId="827846081" sldId="258"/>
+            <ac:picMk id="2" creationId="{5A449522-71C7-A78E-FC4D-E82F2D6DF3C0}"/>
+          </ac:picMkLst>
+        </pc:picChg>
+        <pc:picChg chg="del">
+          <ac:chgData name="Jia Jones" userId="a3b0c72f-e186-4738-b8d6-28e077c699c2" providerId="ADAL" clId="{CD4B01EA-4221-40B5-A155-1CF2D3FA45C3}" dt="2024-09-15T04:22:43.281" v="693" actId="478"/>
+          <ac:picMkLst>
+            <pc:docMk/>
+            <pc:sldMk cId="827846081" sldId="258"/>
+            <ac:picMk id="4" creationId="{87329B1F-5F8E-7E34-B8AF-A83A1E3A07A0}"/>
+          </ac:picMkLst>
+        </pc:picChg>
+        <pc:picChg chg="del">
+          <ac:chgData name="Jia Jones" userId="a3b0c72f-e186-4738-b8d6-28e077c699c2" providerId="ADAL" clId="{CD4B01EA-4221-40B5-A155-1CF2D3FA45C3}" dt="2024-09-15T04:22:43.281" v="693" actId="478"/>
+          <ac:picMkLst>
+            <pc:docMk/>
+            <pc:sldMk cId="827846081" sldId="258"/>
+            <ac:picMk id="5" creationId="{F9E68F5F-F35E-A948-8F89-FE91C423B052}"/>
+          </ac:picMkLst>
+        </pc:picChg>
+        <pc:picChg chg="mod">
+          <ac:chgData name="Jia Jones" userId="a3b0c72f-e186-4738-b8d6-28e077c699c2" providerId="ADAL" clId="{CD4B01EA-4221-40B5-A155-1CF2D3FA45C3}" dt="2024-09-15T06:22:40.616" v="766" actId="1076"/>
+          <ac:picMkLst>
+            <pc:docMk/>
+            <pc:sldMk cId="827846081" sldId="258"/>
+            <ac:picMk id="6" creationId="{659D18A9-A5E4-20DB-6DA8-05675CD27922}"/>
+          </ac:picMkLst>
+        </pc:picChg>
+        <pc:picChg chg="mod">
+          <ac:chgData name="Jia Jones" userId="a3b0c72f-e186-4738-b8d6-28e077c699c2" providerId="ADAL" clId="{CD4B01EA-4221-40B5-A155-1CF2D3FA45C3}" dt="2024-09-15T06:22:40.616" v="766" actId="1076"/>
+          <ac:picMkLst>
+            <pc:docMk/>
+            <pc:sldMk cId="827846081" sldId="258"/>
+            <ac:picMk id="7" creationId="{EE2B97E9-84D4-B203-4DBC-3EDC440E3EB9}"/>
+          </ac:picMkLst>
+        </pc:picChg>
+        <pc:picChg chg="mod">
+          <ac:chgData name="Jia Jones" userId="a3b0c72f-e186-4738-b8d6-28e077c699c2" providerId="ADAL" clId="{CD4B01EA-4221-40B5-A155-1CF2D3FA45C3}" dt="2024-09-15T06:22:40.616" v="766" actId="1076"/>
+          <ac:picMkLst>
+            <pc:docMk/>
+            <pc:sldMk cId="827846081" sldId="258"/>
+            <ac:picMk id="8" creationId="{4941F4B1-BDA0-E8A6-849B-FF39C2019463}"/>
+          </ac:picMkLst>
+        </pc:picChg>
         <pc:picChg chg="add mod">
-          <ac:chgData name="Jia Jones" userId="a3b0c72f-e186-4738-b8d6-28e077c699c2" providerId="ADAL" clId="{CD4B01EA-4221-40B5-A155-1CF2D3FA45C3}" dt="2024-09-10T13:50:34.040" v="17" actId="1076"/>
+          <ac:chgData name="Jia Jones" userId="a3b0c72f-e186-4738-b8d6-28e077c699c2" providerId="ADAL" clId="{CD4B01EA-4221-40B5-A155-1CF2D3FA45C3}" dt="2024-09-15T06:22:40.616" v="766" actId="1076"/>
           <ac:picMkLst>
             <pc:docMk/>
             <pc:sldMk cId="827846081" sldId="258"/>
             <ac:picMk id="9" creationId="{02234CC9-B8C4-8AEE-5667-1BA1E1B73AF8}"/>
           </ac:picMkLst>
         </pc:picChg>
+        <pc:picChg chg="mod">
+          <ac:chgData name="Jia Jones" userId="a3b0c72f-e186-4738-b8d6-28e077c699c2" providerId="ADAL" clId="{CD4B01EA-4221-40B5-A155-1CF2D3FA45C3}" dt="2024-09-15T06:22:40.616" v="766" actId="1076"/>
+          <ac:picMkLst>
+            <pc:docMk/>
+            <pc:sldMk cId="827846081" sldId="258"/>
+            <ac:picMk id="10" creationId="{174E1945-03A0-203F-DBF0-73401172B676}"/>
+          </ac:picMkLst>
+        </pc:picChg>
         <pc:picChg chg="mod modCrop">
-          <ac:chgData name="Jia Jones" userId="a3b0c72f-e186-4738-b8d6-28e077c699c2" providerId="ADAL" clId="{CD4B01EA-4221-40B5-A155-1CF2D3FA45C3}" dt="2024-09-10T13:49:16.180" v="5" actId="732"/>
+          <ac:chgData name="Jia Jones" userId="a3b0c72f-e186-4738-b8d6-28e077c699c2" providerId="ADAL" clId="{CD4B01EA-4221-40B5-A155-1CF2D3FA45C3}" dt="2024-09-15T06:22:40.616" v="766" actId="1076"/>
           <ac:picMkLst>
             <pc:docMk/>
             <pc:sldMk cId="827846081" sldId="258"/>
@@ -1003,15 +1228,15 @@
           </ac:picMkLst>
         </pc:picChg>
         <pc:picChg chg="add mod modCrop">
-          <ac:chgData name="Jia Jones" userId="a3b0c72f-e186-4738-b8d6-28e077c699c2" providerId="ADAL" clId="{CD4B01EA-4221-40B5-A155-1CF2D3FA45C3}" dt="2024-09-10T13:49:42.732" v="10" actId="1076"/>
+          <ac:chgData name="Jia Jones" userId="a3b0c72f-e186-4738-b8d6-28e077c699c2" providerId="ADAL" clId="{CD4B01EA-4221-40B5-A155-1CF2D3FA45C3}" dt="2024-09-15T06:22:40.616" v="766" actId="1076"/>
           <ac:picMkLst>
             <pc:docMk/>
             <pc:sldMk cId="827846081" sldId="258"/>
             <ac:picMk id="14" creationId="{6F54B187-2B5C-7557-5AA1-833FF9D75B98}"/>
           </ac:picMkLst>
         </pc:picChg>
-        <pc:picChg chg="add mod">
-          <ac:chgData name="Jia Jones" userId="a3b0c72f-e186-4738-b8d6-28e077c699c2" providerId="ADAL" clId="{CD4B01EA-4221-40B5-A155-1CF2D3FA45C3}" dt="2024-09-10T13:50:36.481" v="18" actId="1076"/>
+        <pc:picChg chg="add del mod">
+          <ac:chgData name="Jia Jones" userId="a3b0c72f-e186-4738-b8d6-28e077c699c2" providerId="ADAL" clId="{CD4B01EA-4221-40B5-A155-1CF2D3FA45C3}" dt="2024-09-15T04:22:43.281" v="693" actId="478"/>
           <ac:picMkLst>
             <pc:docMk/>
             <pc:sldMk cId="827846081" sldId="258"/>
@@ -1019,7 +1244,7 @@
           </ac:picMkLst>
         </pc:picChg>
         <pc:picChg chg="add mod">
-          <ac:chgData name="Jia Jones" userId="a3b0c72f-e186-4738-b8d6-28e077c699c2" providerId="ADAL" clId="{CD4B01EA-4221-40B5-A155-1CF2D3FA45C3}" dt="2024-09-10T13:51:32.583" v="24" actId="1076"/>
+          <ac:chgData name="Jia Jones" userId="a3b0c72f-e186-4738-b8d6-28e077c699c2" providerId="ADAL" clId="{CD4B01EA-4221-40B5-A155-1CF2D3FA45C3}" dt="2024-09-15T06:22:40.616" v="766" actId="1076"/>
           <ac:picMkLst>
             <pc:docMk/>
             <pc:sldMk cId="827846081" sldId="258"/>
@@ -1027,8 +1252,39 @@
           </ac:picMkLst>
         </pc:picChg>
       </pc:sldChg>
-      <pc:sldChg chg="modSp mod">
-        <pc:chgData name="Jia Jones" userId="a3b0c72f-e186-4738-b8d6-28e077c699c2" providerId="ADAL" clId="{CD4B01EA-4221-40B5-A155-1CF2D3FA45C3}" dt="2024-09-15T03:29:56.535" v="591" actId="20577"/>
+      <pc:sldChg chg="addSp delSp modSp mod">
+        <pc:chgData name="Jia Jones" userId="a3b0c72f-e186-4738-b8d6-28e077c699c2" providerId="ADAL" clId="{CD4B01EA-4221-40B5-A155-1CF2D3FA45C3}" dt="2024-09-15T06:24:43.316" v="784" actId="21"/>
+        <pc:sldMkLst>
+          <pc:docMk/>
+          <pc:sldMk cId="3623192682" sldId="259"/>
+        </pc:sldMkLst>
+        <pc:spChg chg="mod">
+          <ac:chgData name="Jia Jones" userId="a3b0c72f-e186-4738-b8d6-28e077c699c2" providerId="ADAL" clId="{CD4B01EA-4221-40B5-A155-1CF2D3FA45C3}" dt="2024-09-15T06:21:39.283" v="755" actId="1076"/>
+          <ac:spMkLst>
+            <pc:docMk/>
+            <pc:sldMk cId="3623192682" sldId="259"/>
+            <ac:spMk id="2" creationId="{45BD7568-8786-1899-14B3-D61E2DF24ADF}"/>
+          </ac:spMkLst>
+        </pc:spChg>
+        <pc:spChg chg="add del mod">
+          <ac:chgData name="Jia Jones" userId="a3b0c72f-e186-4738-b8d6-28e077c699c2" providerId="ADAL" clId="{CD4B01EA-4221-40B5-A155-1CF2D3FA45C3}" dt="2024-09-15T06:24:43.316" v="784" actId="21"/>
+          <ac:spMkLst>
+            <pc:docMk/>
+            <pc:sldMk cId="3623192682" sldId="259"/>
+            <ac:spMk id="4" creationId="{6B073FB5-6250-03E4-52F3-60B9A38FBE0D}"/>
+          </ac:spMkLst>
+        </pc:spChg>
+        <pc:spChg chg="mod">
+          <ac:chgData name="Jia Jones" userId="a3b0c72f-e186-4738-b8d6-28e077c699c2" providerId="ADAL" clId="{CD4B01EA-4221-40B5-A155-1CF2D3FA45C3}" dt="2024-09-15T06:24:35.654" v="783" actId="1076"/>
+          <ac:spMkLst>
+            <pc:docMk/>
+            <pc:sldMk cId="3623192682" sldId="259"/>
+            <ac:spMk id="5" creationId="{DBFD8C82-A885-A8A0-0642-C34B23567813}"/>
+          </ac:spMkLst>
+        </pc:spChg>
+      </pc:sldChg>
+      <pc:sldChg chg="addSp delSp modSp mod">
+        <pc:chgData name="Jia Jones" userId="a3b0c72f-e186-4738-b8d6-28e077c699c2" providerId="ADAL" clId="{CD4B01EA-4221-40B5-A155-1CF2D3FA45C3}" dt="2024-09-15T06:24:58.749" v="787" actId="21"/>
         <pc:sldMkLst>
           <pc:docMk/>
           <pc:sldMk cId="2082502640" sldId="260"/>
@@ -1041,15 +1297,70 @@
             <ac:spMk id="2" creationId="{8F4685AB-3C38-F211-6E94-1FEDDB39F74E}"/>
           </ac:spMkLst>
         </pc:spChg>
+        <pc:spChg chg="add del mod">
+          <ac:chgData name="Jia Jones" userId="a3b0c72f-e186-4738-b8d6-28e077c699c2" providerId="ADAL" clId="{CD4B01EA-4221-40B5-A155-1CF2D3FA45C3}" dt="2024-09-15T06:24:58.749" v="787" actId="21"/>
+          <ac:spMkLst>
+            <pc:docMk/>
+            <pc:sldMk cId="2082502640" sldId="260"/>
+            <ac:spMk id="3" creationId="{6B073FB5-6250-03E4-52F3-60B9A38FBE0D}"/>
+          </ac:spMkLst>
+        </pc:spChg>
+        <pc:spChg chg="mod">
+          <ac:chgData name="Jia Jones" userId="a3b0c72f-e186-4738-b8d6-28e077c699c2" providerId="ADAL" clId="{CD4B01EA-4221-40B5-A155-1CF2D3FA45C3}" dt="2024-09-15T06:24:51.663" v="786" actId="1076"/>
+          <ac:spMkLst>
+            <pc:docMk/>
+            <pc:sldMk cId="2082502640" sldId="260"/>
+            <ac:spMk id="4" creationId="{13696BEA-7476-DD82-4A2C-D6DEB256A594}"/>
+          </ac:spMkLst>
+        </pc:spChg>
       </pc:sldChg>
-      <pc:sldChg chg="addSp modSp mod">
-        <pc:chgData name="Jia Jones" userId="a3b0c72f-e186-4738-b8d6-28e077c699c2" providerId="ADAL" clId="{CD4B01EA-4221-40B5-A155-1CF2D3FA45C3}" dt="2024-09-15T03:03:02.267" v="362"/>
+      <pc:sldChg chg="addSp delSp modSp mod">
+        <pc:chgData name="Jia Jones" userId="a3b0c72f-e186-4738-b8d6-28e077c699c2" providerId="ADAL" clId="{CD4B01EA-4221-40B5-A155-1CF2D3FA45C3}" dt="2024-09-15T06:25:11.007" v="790" actId="21"/>
+        <pc:sldMkLst>
+          <pc:docMk/>
+          <pc:sldMk cId="1604887251" sldId="261"/>
+        </pc:sldMkLst>
+        <pc:spChg chg="mod">
+          <ac:chgData name="Jia Jones" userId="a3b0c72f-e186-4738-b8d6-28e077c699c2" providerId="ADAL" clId="{CD4B01EA-4221-40B5-A155-1CF2D3FA45C3}" dt="2024-09-15T06:25:08.276" v="789" actId="1076"/>
+          <ac:spMkLst>
+            <pc:docMk/>
+            <pc:sldMk cId="1604887251" sldId="261"/>
+            <ac:spMk id="4" creationId="{13696BEA-7476-DD82-4A2C-D6DEB256A594}"/>
+          </ac:spMkLst>
+        </pc:spChg>
+        <pc:spChg chg="add del mod">
+          <ac:chgData name="Jia Jones" userId="a3b0c72f-e186-4738-b8d6-28e077c699c2" providerId="ADAL" clId="{CD4B01EA-4221-40B5-A155-1CF2D3FA45C3}" dt="2024-09-15T06:25:11.007" v="790" actId="21"/>
+          <ac:spMkLst>
+            <pc:docMk/>
+            <pc:sldMk cId="1604887251" sldId="261"/>
+            <ac:spMk id="7" creationId="{6B073FB5-6250-03E4-52F3-60B9A38FBE0D}"/>
+          </ac:spMkLst>
+        </pc:spChg>
+        <pc:picChg chg="add del mod modCrop">
+          <ac:chgData name="Jia Jones" userId="a3b0c72f-e186-4738-b8d6-28e077c699c2" providerId="ADAL" clId="{CD4B01EA-4221-40B5-A155-1CF2D3FA45C3}" dt="2024-09-15T06:20:16.094" v="743" actId="478"/>
+          <ac:picMkLst>
+            <pc:docMk/>
+            <pc:sldMk cId="1604887251" sldId="261"/>
+            <ac:picMk id="3" creationId="{3BAC19C4-8376-64A5-8E4A-12A83A769D20}"/>
+          </ac:picMkLst>
+        </pc:picChg>
+        <pc:picChg chg="add mod modCrop">
+          <ac:chgData name="Jia Jones" userId="a3b0c72f-e186-4738-b8d6-28e077c699c2" providerId="ADAL" clId="{CD4B01EA-4221-40B5-A155-1CF2D3FA45C3}" dt="2024-09-15T06:21:01.026" v="752" actId="1076"/>
+          <ac:picMkLst>
+            <pc:docMk/>
+            <pc:sldMk cId="1604887251" sldId="261"/>
+            <ac:picMk id="6" creationId="{D992184B-DF47-C314-7BB8-2FB6B42D5BB6}"/>
+          </ac:picMkLst>
+        </pc:picChg>
+      </pc:sldChg>
+      <pc:sldChg chg="addSp delSp modSp mod">
+        <pc:chgData name="Jia Jones" userId="a3b0c72f-e186-4738-b8d6-28e077c699c2" providerId="ADAL" clId="{CD4B01EA-4221-40B5-A155-1CF2D3FA45C3}" dt="2024-09-19T17:57:25.393" v="801" actId="14100"/>
         <pc:sldMkLst>
           <pc:docMk/>
           <pc:sldMk cId="3339731875" sldId="262"/>
         </pc:sldMkLst>
         <pc:spChg chg="mod">
-          <ac:chgData name="Jia Jones" userId="a3b0c72f-e186-4738-b8d6-28e077c699c2" providerId="ADAL" clId="{CD4B01EA-4221-40B5-A155-1CF2D3FA45C3}" dt="2024-09-15T02:40:30.017" v="287" actId="1076"/>
+          <ac:chgData name="Jia Jones" userId="a3b0c72f-e186-4738-b8d6-28e077c699c2" providerId="ADAL" clId="{CD4B01EA-4221-40B5-A155-1CF2D3FA45C3}" dt="2024-09-15T06:26:11.714" v="795" actId="1076"/>
           <ac:spMkLst>
             <pc:docMk/>
             <pc:sldMk cId="3339731875" sldId="262"/>
@@ -1057,11 +1368,19 @@
           </ac:spMkLst>
         </pc:spChg>
         <pc:spChg chg="add mod">
-          <ac:chgData name="Jia Jones" userId="a3b0c72f-e186-4738-b8d6-28e077c699c2" providerId="ADAL" clId="{CD4B01EA-4221-40B5-A155-1CF2D3FA45C3}" dt="2024-09-15T03:02:26.997" v="352" actId="207"/>
+          <ac:chgData name="Jia Jones" userId="a3b0c72f-e186-4738-b8d6-28e077c699c2" providerId="ADAL" clId="{CD4B01EA-4221-40B5-A155-1CF2D3FA45C3}" dt="2024-09-19T17:57:17.541" v="800" actId="208"/>
           <ac:spMkLst>
             <pc:docMk/>
             <pc:sldMk cId="3339731875" sldId="262"/>
             <ac:spMk id="6" creationId="{7F87727C-C544-6881-B59E-7206458A6AC2}"/>
+          </ac:spMkLst>
+        </pc:spChg>
+        <pc:spChg chg="add del mod">
+          <ac:chgData name="Jia Jones" userId="a3b0c72f-e186-4738-b8d6-28e077c699c2" providerId="ADAL" clId="{CD4B01EA-4221-40B5-A155-1CF2D3FA45C3}" dt="2024-09-15T06:26:13.895" v="796" actId="21"/>
+          <ac:spMkLst>
+            <pc:docMk/>
+            <pc:sldMk cId="3339731875" sldId="262"/>
+            <ac:spMk id="7" creationId="{6B073FB5-6250-03E4-52F3-60B9A38FBE0D}"/>
           </ac:spMkLst>
         </pc:spChg>
         <pc:graphicFrameChg chg="add mod modGraphic">
@@ -1097,7 +1416,7 @@
           </ac:picMkLst>
         </pc:picChg>
         <pc:cxnChg chg="add mod">
-          <ac:chgData name="Jia Jones" userId="a3b0c72f-e186-4738-b8d6-28e077c699c2" providerId="ADAL" clId="{CD4B01EA-4221-40B5-A155-1CF2D3FA45C3}" dt="2024-09-15T03:01:22.902" v="351" actId="14100"/>
+          <ac:chgData name="Jia Jones" userId="a3b0c72f-e186-4738-b8d6-28e077c699c2" providerId="ADAL" clId="{CD4B01EA-4221-40B5-A155-1CF2D3FA45C3}" dt="2024-09-19T17:57:25.393" v="801" actId="14100"/>
           <ac:cxnSpMkLst>
             <pc:docMk/>
             <pc:sldMk cId="3339731875" sldId="262"/>
@@ -1106,11 +1425,27 @@
         </pc:cxnChg>
       </pc:sldChg>
       <pc:sldChg chg="addSp delSp modSp mod ord">
-        <pc:chgData name="Jia Jones" userId="a3b0c72f-e186-4738-b8d6-28e077c699c2" providerId="ADAL" clId="{CD4B01EA-4221-40B5-A155-1CF2D3FA45C3}" dt="2024-09-14T03:38:59.803" v="54" actId="1076"/>
+        <pc:chgData name="Jia Jones" userId="a3b0c72f-e186-4738-b8d6-28e077c699c2" providerId="ADAL" clId="{CD4B01EA-4221-40B5-A155-1CF2D3FA45C3}" dt="2024-09-15T06:25:21.653" v="793" actId="21"/>
         <pc:sldMkLst>
           <pc:docMk/>
           <pc:sldMk cId="3055279406" sldId="263"/>
         </pc:sldMkLst>
+        <pc:spChg chg="mod">
+          <ac:chgData name="Jia Jones" userId="a3b0c72f-e186-4738-b8d6-28e077c699c2" providerId="ADAL" clId="{CD4B01EA-4221-40B5-A155-1CF2D3FA45C3}" dt="2024-09-15T06:25:18.799" v="792" actId="1076"/>
+          <ac:spMkLst>
+            <pc:docMk/>
+            <pc:sldMk cId="3055279406" sldId="263"/>
+            <ac:spMk id="4" creationId="{13696BEA-7476-DD82-4A2C-D6DEB256A594}"/>
+          </ac:spMkLst>
+        </pc:spChg>
+        <pc:spChg chg="add del mod">
+          <ac:chgData name="Jia Jones" userId="a3b0c72f-e186-4738-b8d6-28e077c699c2" providerId="ADAL" clId="{CD4B01EA-4221-40B5-A155-1CF2D3FA45C3}" dt="2024-09-15T06:25:21.653" v="793" actId="21"/>
+          <ac:spMkLst>
+            <pc:docMk/>
+            <pc:sldMk cId="3055279406" sldId="263"/>
+            <ac:spMk id="7" creationId="{6B073FB5-6250-03E4-52F3-60B9A38FBE0D}"/>
+          </ac:spMkLst>
+        </pc:spChg>
         <pc:picChg chg="add del mod">
           <ac:chgData name="Jia Jones" userId="a3b0c72f-e186-4738-b8d6-28e077c699c2" providerId="ADAL" clId="{CD4B01EA-4221-40B5-A155-1CF2D3FA45C3}" dt="2024-09-14T03:38:47.553" v="48" actId="478"/>
           <ac:picMkLst>
@@ -1128,18 +1463,34 @@
           </ac:picMkLst>
         </pc:picChg>
       </pc:sldChg>
-      <pc:sldChg chg="addSp modSp mod">
-        <pc:chgData name="Jia Jones" userId="a3b0c72f-e186-4738-b8d6-28e077c699c2" providerId="ADAL" clId="{CD4B01EA-4221-40B5-A155-1CF2D3FA45C3}" dt="2024-09-15T03:21:01.520" v="518" actId="207"/>
+      <pc:sldChg chg="addSp delSp modSp mod">
+        <pc:chgData name="Jia Jones" userId="a3b0c72f-e186-4738-b8d6-28e077c699c2" providerId="ADAL" clId="{CD4B01EA-4221-40B5-A155-1CF2D3FA45C3}" dt="2024-09-15T06:26:22.123" v="799" actId="478"/>
         <pc:sldMkLst>
           <pc:docMk/>
           <pc:sldMk cId="2857748267" sldId="264"/>
         </pc:sldMkLst>
-        <pc:spChg chg="add mod">
-          <ac:chgData name="Jia Jones" userId="a3b0c72f-e186-4738-b8d6-28e077c699c2" providerId="ADAL" clId="{CD4B01EA-4221-40B5-A155-1CF2D3FA45C3}" dt="2024-09-15T03:21:01.520" v="518" actId="207"/>
+        <pc:spChg chg="add del mod">
+          <ac:chgData name="Jia Jones" userId="a3b0c72f-e186-4738-b8d6-28e077c699c2" providerId="ADAL" clId="{CD4B01EA-4221-40B5-A155-1CF2D3FA45C3}" dt="2024-09-15T04:35:00.681" v="729" actId="478"/>
           <ac:spMkLst>
             <pc:docMk/>
             <pc:sldMk cId="2857748267" sldId="264"/>
             <ac:spMk id="3" creationId="{C157969B-F380-EB23-2B2E-655D3EBE2676}"/>
+          </ac:spMkLst>
+        </pc:spChg>
+        <pc:spChg chg="mod">
+          <ac:chgData name="Jia Jones" userId="a3b0c72f-e186-4738-b8d6-28e077c699c2" providerId="ADAL" clId="{CD4B01EA-4221-40B5-A155-1CF2D3FA45C3}" dt="2024-09-15T06:26:20.160" v="798" actId="1076"/>
+          <ac:spMkLst>
+            <pc:docMk/>
+            <pc:sldMk cId="2857748267" sldId="264"/>
+            <ac:spMk id="4" creationId="{13696BEA-7476-DD82-4A2C-D6DEB256A594}"/>
+          </ac:spMkLst>
+        </pc:spChg>
+        <pc:spChg chg="add del mod">
+          <ac:chgData name="Jia Jones" userId="a3b0c72f-e186-4738-b8d6-28e077c699c2" providerId="ADAL" clId="{CD4B01EA-4221-40B5-A155-1CF2D3FA45C3}" dt="2024-09-15T06:26:22.123" v="799" actId="478"/>
+          <ac:spMkLst>
+            <pc:docMk/>
+            <pc:sldMk cId="2857748267" sldId="264"/>
+            <ac:spMk id="7" creationId="{6B073FB5-6250-03E4-52F3-60B9A38FBE0D}"/>
           </ac:spMkLst>
         </pc:spChg>
       </pc:sldChg>
@@ -1250,6 +1601,935 @@
     </pc:docChg>
   </pc:docChgLst>
 </pc:chgInfo>
+</file>
+
+<file path=ppt/notesMasters/notesMaster1.xml><?xml version="1.0" encoding="utf-8"?>
+<p:notesMaster xmlns:a="http://schemas.openxmlformats.org/drawingml/2006/main" xmlns:r="http://schemas.openxmlformats.org/officeDocument/2006/relationships" xmlns:p="http://schemas.openxmlformats.org/presentationml/2006/main">
+  <p:cSld>
+    <p:bg>
+      <p:bgRef idx="1001">
+        <a:schemeClr val="bg1"/>
+      </p:bgRef>
+    </p:bg>
+    <p:spTree>
+      <p:nvGrpSpPr>
+        <p:cNvPr id="1" name=""/>
+        <p:cNvGrpSpPr/>
+        <p:nvPr/>
+      </p:nvGrpSpPr>
+      <p:grpSpPr>
+        <a:xfrm>
+          <a:off x="0" y="0"/>
+          <a:ext cx="0" cy="0"/>
+          <a:chOff x="0" y="0"/>
+          <a:chExt cx="0" cy="0"/>
+        </a:xfrm>
+      </p:grpSpPr>
+      <p:sp>
+        <p:nvSpPr>
+          <p:cNvPr id="2" name="Header Placeholder 1"/>
+          <p:cNvSpPr>
+            <a:spLocks noGrp="1"/>
+          </p:cNvSpPr>
+          <p:nvPr>
+            <p:ph type="hdr" sz="quarter"/>
+          </p:nvPr>
+        </p:nvSpPr>
+        <p:spPr>
+          <a:xfrm>
+            <a:off x="0" y="0"/>
+            <a:ext cx="2971800" cy="458788"/>
+          </a:xfrm>
+          <a:prstGeom prst="rect">
+            <a:avLst/>
+          </a:prstGeom>
+        </p:spPr>
+        <p:txBody>
+          <a:bodyPr vert="horz" lIns="91440" tIns="45720" rIns="91440" bIns="45720" rtlCol="0"/>
+          <a:lstStyle>
+            <a:lvl1pPr algn="l">
+              <a:defRPr sz="1200"/>
+            </a:lvl1pPr>
+          </a:lstStyle>
+          <a:p>
+            <a:endParaRPr lang="en-US"/>
+          </a:p>
+        </p:txBody>
+      </p:sp>
+      <p:sp>
+        <p:nvSpPr>
+          <p:cNvPr id="3" name="Date Placeholder 2"/>
+          <p:cNvSpPr>
+            <a:spLocks noGrp="1"/>
+          </p:cNvSpPr>
+          <p:nvPr>
+            <p:ph type="dt" idx="1"/>
+          </p:nvPr>
+        </p:nvSpPr>
+        <p:spPr>
+          <a:xfrm>
+            <a:off x="3884613" y="0"/>
+            <a:ext cx="2971800" cy="458788"/>
+          </a:xfrm>
+          <a:prstGeom prst="rect">
+            <a:avLst/>
+          </a:prstGeom>
+        </p:spPr>
+        <p:txBody>
+          <a:bodyPr vert="horz" lIns="91440" tIns="45720" rIns="91440" bIns="45720" rtlCol="0"/>
+          <a:lstStyle>
+            <a:lvl1pPr algn="r">
+              <a:defRPr sz="1200"/>
+            </a:lvl1pPr>
+          </a:lstStyle>
+          <a:p>
+            <a:fld id="{65D3C4D4-1514-4147-BCDF-310A59C24B50}" type="datetimeFigureOut">
+              <a:rPr lang="en-US" smtClean="0"/>
+              <a:t>9/19/2024</a:t>
+            </a:fld>
+            <a:endParaRPr lang="en-US"/>
+          </a:p>
+        </p:txBody>
+      </p:sp>
+      <p:sp>
+        <p:nvSpPr>
+          <p:cNvPr id="4" name="Slide Image Placeholder 3"/>
+          <p:cNvSpPr>
+            <a:spLocks noGrp="1" noRot="1" noChangeAspect="1"/>
+          </p:cNvSpPr>
+          <p:nvPr>
+            <p:ph type="sldImg" idx="2"/>
+          </p:nvPr>
+        </p:nvSpPr>
+        <p:spPr>
+          <a:xfrm>
+            <a:off x="685800" y="1143000"/>
+            <a:ext cx="5486400" cy="3086100"/>
+          </a:xfrm>
+          <a:prstGeom prst="rect">
+            <a:avLst/>
+          </a:prstGeom>
+          <a:noFill/>
+          <a:ln w="12700">
+            <a:solidFill>
+              <a:prstClr val="black"/>
+            </a:solidFill>
+          </a:ln>
+        </p:spPr>
+        <p:txBody>
+          <a:bodyPr vert="horz" lIns="91440" tIns="45720" rIns="91440" bIns="45720" rtlCol="0" anchor="ctr"/>
+          <a:lstStyle/>
+          <a:p>
+            <a:endParaRPr lang="en-US"/>
+          </a:p>
+        </p:txBody>
+      </p:sp>
+      <p:sp>
+        <p:nvSpPr>
+          <p:cNvPr id="5" name="Notes Placeholder 4"/>
+          <p:cNvSpPr>
+            <a:spLocks noGrp="1"/>
+          </p:cNvSpPr>
+          <p:nvPr>
+            <p:ph type="body" sz="quarter" idx="3"/>
+          </p:nvPr>
+        </p:nvSpPr>
+        <p:spPr>
+          <a:xfrm>
+            <a:off x="685800" y="4400550"/>
+            <a:ext cx="5486400" cy="3600450"/>
+          </a:xfrm>
+          <a:prstGeom prst="rect">
+            <a:avLst/>
+          </a:prstGeom>
+        </p:spPr>
+        <p:txBody>
+          <a:bodyPr vert="horz" lIns="91440" tIns="45720" rIns="91440" bIns="45720" rtlCol="0"/>
+          <a:lstStyle/>
+          <a:p>
+            <a:pPr lvl="0"/>
+            <a:r>
+              <a:rPr lang="en-US"/>
+              <a:t>Click to edit Master text styles</a:t>
+            </a:r>
+          </a:p>
+          <a:p>
+            <a:pPr lvl="1"/>
+            <a:r>
+              <a:rPr lang="en-US"/>
+              <a:t>Second level</a:t>
+            </a:r>
+          </a:p>
+          <a:p>
+            <a:pPr lvl="2"/>
+            <a:r>
+              <a:rPr lang="en-US"/>
+              <a:t>Third level</a:t>
+            </a:r>
+          </a:p>
+          <a:p>
+            <a:pPr lvl="3"/>
+            <a:r>
+              <a:rPr lang="en-US"/>
+              <a:t>Fourth level</a:t>
+            </a:r>
+          </a:p>
+          <a:p>
+            <a:pPr lvl="4"/>
+            <a:r>
+              <a:rPr lang="en-US"/>
+              <a:t>Fifth level</a:t>
+            </a:r>
+          </a:p>
+        </p:txBody>
+      </p:sp>
+      <p:sp>
+        <p:nvSpPr>
+          <p:cNvPr id="6" name="Footer Placeholder 5"/>
+          <p:cNvSpPr>
+            <a:spLocks noGrp="1"/>
+          </p:cNvSpPr>
+          <p:nvPr>
+            <p:ph type="ftr" sz="quarter" idx="4"/>
+          </p:nvPr>
+        </p:nvSpPr>
+        <p:spPr>
+          <a:xfrm>
+            <a:off x="0" y="8685213"/>
+            <a:ext cx="2971800" cy="458787"/>
+          </a:xfrm>
+          <a:prstGeom prst="rect">
+            <a:avLst/>
+          </a:prstGeom>
+        </p:spPr>
+        <p:txBody>
+          <a:bodyPr vert="horz" lIns="91440" tIns="45720" rIns="91440" bIns="45720" rtlCol="0" anchor="b"/>
+          <a:lstStyle>
+            <a:lvl1pPr algn="l">
+              <a:defRPr sz="1200"/>
+            </a:lvl1pPr>
+          </a:lstStyle>
+          <a:p>
+            <a:endParaRPr lang="en-US"/>
+          </a:p>
+        </p:txBody>
+      </p:sp>
+      <p:sp>
+        <p:nvSpPr>
+          <p:cNvPr id="7" name="Slide Number Placeholder 6"/>
+          <p:cNvSpPr>
+            <a:spLocks noGrp="1"/>
+          </p:cNvSpPr>
+          <p:nvPr>
+            <p:ph type="sldNum" sz="quarter" idx="5"/>
+          </p:nvPr>
+        </p:nvSpPr>
+        <p:spPr>
+          <a:xfrm>
+            <a:off x="3884613" y="8685213"/>
+            <a:ext cx="2971800" cy="458787"/>
+          </a:xfrm>
+          <a:prstGeom prst="rect">
+            <a:avLst/>
+          </a:prstGeom>
+        </p:spPr>
+        <p:txBody>
+          <a:bodyPr vert="horz" lIns="91440" tIns="45720" rIns="91440" bIns="45720" rtlCol="0" anchor="b"/>
+          <a:lstStyle>
+            <a:lvl1pPr algn="r">
+              <a:defRPr sz="1200"/>
+            </a:lvl1pPr>
+          </a:lstStyle>
+          <a:p>
+            <a:fld id="{98E37214-F395-45F2-8A03-4B0F3C80020B}" type="slidenum">
+              <a:rPr lang="en-US" smtClean="0"/>
+              <a:t>‹#›</a:t>
+            </a:fld>
+            <a:endParaRPr lang="en-US"/>
+          </a:p>
+        </p:txBody>
+      </p:sp>
+    </p:spTree>
+    <p:extLst>
+      <p:ext uri="{BB962C8B-B14F-4D97-AF65-F5344CB8AC3E}">
+        <p14:creationId xmlns:p14="http://schemas.microsoft.com/office/powerpoint/2010/main" val="2835290412"/>
+      </p:ext>
+    </p:extLst>
+  </p:cSld>
+  <p:clrMap bg1="lt1" tx1="dk1" bg2="lt2" tx2="dk2" accent1="accent1" accent2="accent2" accent3="accent3" accent4="accent4" accent5="accent5" accent6="accent6" hlink="hlink" folHlink="folHlink"/>
+  <p:notesStyle>
+    <a:lvl1pPr marL="0" algn="l" defTabSz="914400" rtl="0" eaLnBrk="1" latinLnBrk="0" hangingPunct="1">
+      <a:defRPr sz="1200" kern="1200">
+        <a:solidFill>
+          <a:schemeClr val="tx1"/>
+        </a:solidFill>
+        <a:latin typeface="+mn-lt"/>
+        <a:ea typeface="+mn-ea"/>
+        <a:cs typeface="+mn-cs"/>
+      </a:defRPr>
+    </a:lvl1pPr>
+    <a:lvl2pPr marL="457200" algn="l" defTabSz="914400" rtl="0" eaLnBrk="1" latinLnBrk="0" hangingPunct="1">
+      <a:defRPr sz="1200" kern="1200">
+        <a:solidFill>
+          <a:schemeClr val="tx1"/>
+        </a:solidFill>
+        <a:latin typeface="+mn-lt"/>
+        <a:ea typeface="+mn-ea"/>
+        <a:cs typeface="+mn-cs"/>
+      </a:defRPr>
+    </a:lvl2pPr>
+    <a:lvl3pPr marL="914400" algn="l" defTabSz="914400" rtl="0" eaLnBrk="1" latinLnBrk="0" hangingPunct="1">
+      <a:defRPr sz="1200" kern="1200">
+        <a:solidFill>
+          <a:schemeClr val="tx1"/>
+        </a:solidFill>
+        <a:latin typeface="+mn-lt"/>
+        <a:ea typeface="+mn-ea"/>
+        <a:cs typeface="+mn-cs"/>
+      </a:defRPr>
+    </a:lvl3pPr>
+    <a:lvl4pPr marL="1371600" algn="l" defTabSz="914400" rtl="0" eaLnBrk="1" latinLnBrk="0" hangingPunct="1">
+      <a:defRPr sz="1200" kern="1200">
+        <a:solidFill>
+          <a:schemeClr val="tx1"/>
+        </a:solidFill>
+        <a:latin typeface="+mn-lt"/>
+        <a:ea typeface="+mn-ea"/>
+        <a:cs typeface="+mn-cs"/>
+      </a:defRPr>
+    </a:lvl4pPr>
+    <a:lvl5pPr marL="1828800" algn="l" defTabSz="914400" rtl="0" eaLnBrk="1" latinLnBrk="0" hangingPunct="1">
+      <a:defRPr sz="1200" kern="1200">
+        <a:solidFill>
+          <a:schemeClr val="tx1"/>
+        </a:solidFill>
+        <a:latin typeface="+mn-lt"/>
+        <a:ea typeface="+mn-ea"/>
+        <a:cs typeface="+mn-cs"/>
+      </a:defRPr>
+    </a:lvl5pPr>
+    <a:lvl6pPr marL="2286000" algn="l" defTabSz="914400" rtl="0" eaLnBrk="1" latinLnBrk="0" hangingPunct="1">
+      <a:defRPr sz="1200" kern="1200">
+        <a:solidFill>
+          <a:schemeClr val="tx1"/>
+        </a:solidFill>
+        <a:latin typeface="+mn-lt"/>
+        <a:ea typeface="+mn-ea"/>
+        <a:cs typeface="+mn-cs"/>
+      </a:defRPr>
+    </a:lvl6pPr>
+    <a:lvl7pPr marL="2743200" algn="l" defTabSz="914400" rtl="0" eaLnBrk="1" latinLnBrk="0" hangingPunct="1">
+      <a:defRPr sz="1200" kern="1200">
+        <a:solidFill>
+          <a:schemeClr val="tx1"/>
+        </a:solidFill>
+        <a:latin typeface="+mn-lt"/>
+        <a:ea typeface="+mn-ea"/>
+        <a:cs typeface="+mn-cs"/>
+      </a:defRPr>
+    </a:lvl7pPr>
+    <a:lvl8pPr marL="3200400" algn="l" defTabSz="914400" rtl="0" eaLnBrk="1" latinLnBrk="0" hangingPunct="1">
+      <a:defRPr sz="1200" kern="1200">
+        <a:solidFill>
+          <a:schemeClr val="tx1"/>
+        </a:solidFill>
+        <a:latin typeface="+mn-lt"/>
+        <a:ea typeface="+mn-ea"/>
+        <a:cs typeface="+mn-cs"/>
+      </a:defRPr>
+    </a:lvl8pPr>
+    <a:lvl9pPr marL="3657600" algn="l" defTabSz="914400" rtl="0" eaLnBrk="1" latinLnBrk="0" hangingPunct="1">
+      <a:defRPr sz="1200" kern="1200">
+        <a:solidFill>
+          <a:schemeClr val="tx1"/>
+        </a:solidFill>
+        <a:latin typeface="+mn-lt"/>
+        <a:ea typeface="+mn-ea"/>
+        <a:cs typeface="+mn-cs"/>
+      </a:defRPr>
+    </a:lvl9pPr>
+  </p:notesStyle>
+</p:notesMaster>
+</file>
+
+<file path=ppt/notesSlides/notesSlide1.xml><?xml version="1.0" encoding="utf-8"?>
+<p:notes xmlns:a="http://schemas.openxmlformats.org/drawingml/2006/main" xmlns:r="http://schemas.openxmlformats.org/officeDocument/2006/relationships" xmlns:p="http://schemas.openxmlformats.org/presentationml/2006/main">
+  <p:cSld>
+    <p:spTree>
+      <p:nvGrpSpPr>
+        <p:cNvPr id="1" name=""/>
+        <p:cNvGrpSpPr/>
+        <p:nvPr/>
+      </p:nvGrpSpPr>
+      <p:grpSpPr>
+        <a:xfrm>
+          <a:off x="0" y="0"/>
+          <a:ext cx="0" cy="0"/>
+          <a:chOff x="0" y="0"/>
+          <a:chExt cx="0" cy="0"/>
+        </a:xfrm>
+      </p:grpSpPr>
+      <p:sp>
+        <p:nvSpPr>
+          <p:cNvPr id="2" name="Slide Image Placeholder 1"/>
+          <p:cNvSpPr>
+            <a:spLocks noGrp="1" noRot="1" noChangeAspect="1"/>
+          </p:cNvSpPr>
+          <p:nvPr>
+            <p:ph type="sldImg"/>
+          </p:nvPr>
+        </p:nvSpPr>
+        <p:spPr/>
+      </p:sp>
+      <p:sp>
+        <p:nvSpPr>
+          <p:cNvPr id="3" name="Notes Placeholder 2"/>
+          <p:cNvSpPr>
+            <a:spLocks noGrp="1"/>
+          </p:cNvSpPr>
+          <p:nvPr>
+            <p:ph type="body" idx="1"/>
+          </p:nvPr>
+        </p:nvSpPr>
+        <p:spPr/>
+        <p:txBody>
+          <a:bodyPr/>
+          <a:lstStyle/>
+          <a:p>
+            <a:pPr algn="l">
+              <a:buFont typeface="Arial" panose="020B0604020202020204" pitchFamily="34" charset="0"/>
+              <a:buChar char="•"/>
+            </a:pPr>
+            <a:r>
+              <a:rPr lang="en-US" b="0" i="0" dirty="0">
+                <a:solidFill>
+                  <a:srgbClr val="1F2328"/>
+                </a:solidFill>
+                <a:effectLst/>
+                <a:highlight>
+                  <a:srgbClr val="FFFFFF"/>
+                </a:highlight>
+                <a:latin typeface="-apple-system"/>
+              </a:rPr>
+              <a:t>Contact manager</a:t>
+            </a:r>
+          </a:p>
+          <a:p>
+            <a:pPr marL="742950" lvl="1" indent="-285750" algn="l">
+              <a:buFont typeface="Arial" panose="020B0604020202020204" pitchFamily="34" charset="0"/>
+              <a:buChar char="•"/>
+            </a:pPr>
+            <a:r>
+              <a:rPr lang="en-US" b="0" i="0" dirty="0">
+                <a:solidFill>
+                  <a:srgbClr val="1F2328"/>
+                </a:solidFill>
+                <a:effectLst/>
+                <a:highlight>
+                  <a:srgbClr val="FFFFFF"/>
+                </a:highlight>
+                <a:latin typeface="-apple-system"/>
+              </a:rPr>
+              <a:t>Register with full name, username, and password</a:t>
+            </a:r>
+          </a:p>
+          <a:p>
+            <a:pPr marL="742950" lvl="1" indent="-285750" algn="l">
+              <a:buFont typeface="Arial" panose="020B0604020202020204" pitchFamily="34" charset="0"/>
+              <a:buChar char="•"/>
+            </a:pPr>
+            <a:r>
+              <a:rPr lang="en-US" b="0" i="0" dirty="0">
+                <a:solidFill>
+                  <a:srgbClr val="1F2328"/>
+                </a:solidFill>
+                <a:effectLst/>
+                <a:highlight>
+                  <a:srgbClr val="FFFFFF"/>
+                </a:highlight>
+                <a:latin typeface="-apple-system"/>
+              </a:rPr>
+              <a:t>Log in with a username and password</a:t>
+            </a:r>
+          </a:p>
+          <a:p>
+            <a:pPr marL="742950" lvl="1" indent="-285750" algn="l">
+              <a:buFont typeface="Arial" panose="020B0604020202020204" pitchFamily="34" charset="0"/>
+              <a:buChar char="•"/>
+            </a:pPr>
+            <a:r>
+              <a:rPr lang="en-US" b="0" i="0" dirty="0">
+                <a:solidFill>
+                  <a:srgbClr val="1F2328"/>
+                </a:solidFill>
+                <a:effectLst/>
+                <a:highlight>
+                  <a:srgbClr val="FFFFFF"/>
+                </a:highlight>
+                <a:latin typeface="-apple-system"/>
+              </a:rPr>
+              <a:t>Individualized contacts for each user</a:t>
+            </a:r>
+          </a:p>
+          <a:p>
+            <a:pPr marL="1143000" lvl="2" indent="-228600" algn="l">
+              <a:buFont typeface="Arial" panose="020B0604020202020204" pitchFamily="34" charset="0"/>
+              <a:buChar char="•"/>
+            </a:pPr>
+            <a:r>
+              <a:rPr lang="en-US" b="0" i="0" dirty="0">
+                <a:solidFill>
+                  <a:srgbClr val="1F2328"/>
+                </a:solidFill>
+                <a:effectLst/>
+                <a:highlight>
+                  <a:srgbClr val="FFFFFF"/>
+                </a:highlight>
+                <a:latin typeface="-apple-system"/>
+              </a:rPr>
+              <a:t>Contacts consist of first, last name, and email</a:t>
+            </a:r>
+          </a:p>
+          <a:p>
+            <a:pPr marL="742950" lvl="1" indent="-285750" algn="l">
+              <a:buFont typeface="Arial" panose="020B0604020202020204" pitchFamily="34" charset="0"/>
+              <a:buChar char="•"/>
+            </a:pPr>
+            <a:r>
+              <a:rPr lang="en-US" b="0" i="0" dirty="0">
+                <a:solidFill>
+                  <a:srgbClr val="1F2328"/>
+                </a:solidFill>
+                <a:effectLst/>
+                <a:highlight>
+                  <a:srgbClr val="FFFFFF"/>
+                </a:highlight>
+                <a:latin typeface="-apple-system"/>
+              </a:rPr>
+              <a:t>Edit and delete from main contact page</a:t>
+            </a:r>
+          </a:p>
+          <a:p>
+            <a:endParaRPr lang="en-US" dirty="0"/>
+          </a:p>
+        </p:txBody>
+      </p:sp>
+      <p:sp>
+        <p:nvSpPr>
+          <p:cNvPr id="4" name="Slide Number Placeholder 3"/>
+          <p:cNvSpPr>
+            <a:spLocks noGrp="1"/>
+          </p:cNvSpPr>
+          <p:nvPr>
+            <p:ph type="sldNum" sz="quarter" idx="5"/>
+          </p:nvPr>
+        </p:nvSpPr>
+        <p:spPr/>
+        <p:txBody>
+          <a:bodyPr/>
+          <a:lstStyle/>
+          <a:p>
+            <a:fld id="{98E37214-F395-45F2-8A03-4B0F3C80020B}" type="slidenum">
+              <a:rPr lang="en-US" smtClean="0"/>
+              <a:t>1</a:t>
+            </a:fld>
+            <a:endParaRPr lang="en-US"/>
+          </a:p>
+        </p:txBody>
+      </p:sp>
+    </p:spTree>
+    <p:extLst>
+      <p:ext uri="{BB962C8B-B14F-4D97-AF65-F5344CB8AC3E}">
+        <p14:creationId xmlns:p14="http://schemas.microsoft.com/office/powerpoint/2010/main" val="2852679311"/>
+      </p:ext>
+    </p:extLst>
+  </p:cSld>
+  <p:clrMapOvr>
+    <a:masterClrMapping/>
+  </p:clrMapOvr>
+</p:notes>
+</file>
+
+<file path=ppt/notesSlides/notesSlide2.xml><?xml version="1.0" encoding="utf-8"?>
+<p:notes xmlns:a="http://schemas.openxmlformats.org/drawingml/2006/main" xmlns:r="http://schemas.openxmlformats.org/officeDocument/2006/relationships" xmlns:p="http://schemas.openxmlformats.org/presentationml/2006/main">
+  <p:cSld>
+    <p:spTree>
+      <p:nvGrpSpPr>
+        <p:cNvPr id="1" name=""/>
+        <p:cNvGrpSpPr/>
+        <p:nvPr/>
+      </p:nvGrpSpPr>
+      <p:grpSpPr>
+        <a:xfrm>
+          <a:off x="0" y="0"/>
+          <a:ext cx="0" cy="0"/>
+          <a:chOff x="0" y="0"/>
+          <a:chExt cx="0" cy="0"/>
+        </a:xfrm>
+      </p:grpSpPr>
+      <p:sp>
+        <p:nvSpPr>
+          <p:cNvPr id="2" name="Slide Image Placeholder 1"/>
+          <p:cNvSpPr>
+            <a:spLocks noGrp="1" noRot="1" noChangeAspect="1"/>
+          </p:cNvSpPr>
+          <p:nvPr>
+            <p:ph type="sldImg"/>
+          </p:nvPr>
+        </p:nvSpPr>
+        <p:spPr/>
+      </p:sp>
+      <p:sp>
+        <p:nvSpPr>
+          <p:cNvPr id="3" name="Notes Placeholder 2"/>
+          <p:cNvSpPr>
+            <a:spLocks noGrp="1"/>
+          </p:cNvSpPr>
+          <p:nvPr>
+            <p:ph type="body" idx="1"/>
+          </p:nvPr>
+        </p:nvSpPr>
+        <p:spPr/>
+        <p:txBody>
+          <a:bodyPr/>
+          <a:lstStyle/>
+          <a:p>
+            <a:pPr algn="l">
+              <a:buFont typeface="Arial" panose="020B0604020202020204" pitchFamily="34" charset="0"/>
+              <a:buChar char="•"/>
+            </a:pPr>
+            <a:r>
+              <a:rPr lang="en-US" b="0" i="0" dirty="0">
+                <a:solidFill>
+                  <a:srgbClr val="1F2328"/>
+                </a:solidFill>
+                <a:effectLst/>
+                <a:highlight>
+                  <a:srgbClr val="FFFFFF"/>
+                </a:highlight>
+                <a:latin typeface="-apple-system"/>
+              </a:rPr>
+              <a:t>General purpose</a:t>
+            </a:r>
+          </a:p>
+          <a:p>
+            <a:pPr marL="742950" lvl="1" indent="-285750" algn="l">
+              <a:buFont typeface="Arial" panose="020B0604020202020204" pitchFamily="34" charset="0"/>
+              <a:buChar char="•"/>
+            </a:pPr>
+            <a:r>
+              <a:rPr lang="en-US" b="0" i="0" dirty="0">
+                <a:solidFill>
+                  <a:srgbClr val="1F2328"/>
+                </a:solidFill>
+                <a:effectLst/>
+                <a:highlight>
+                  <a:srgbClr val="FFFFFF"/>
+                </a:highlight>
+                <a:latin typeface="-apple-system"/>
+              </a:rPr>
+              <a:t>GitHub: file tracking and collaborating</a:t>
+            </a:r>
+          </a:p>
+          <a:p>
+            <a:pPr marL="742950" lvl="1" indent="-285750" algn="l">
+              <a:buFont typeface="Arial" panose="020B0604020202020204" pitchFamily="34" charset="0"/>
+              <a:buChar char="•"/>
+            </a:pPr>
+            <a:r>
+              <a:rPr lang="en-US" b="0" i="0" dirty="0">
+                <a:solidFill>
+                  <a:srgbClr val="1F2328"/>
+                </a:solidFill>
+                <a:effectLst/>
+                <a:highlight>
+                  <a:srgbClr val="FFFFFF"/>
+                </a:highlight>
+                <a:latin typeface="-apple-system"/>
+              </a:rPr>
+              <a:t>Trello: task scheduling</a:t>
+            </a:r>
+          </a:p>
+          <a:p>
+            <a:pPr marL="742950" lvl="1" indent="-285750" algn="l">
+              <a:buFont typeface="Arial" panose="020B0604020202020204" pitchFamily="34" charset="0"/>
+              <a:buChar char="•"/>
+            </a:pPr>
+            <a:r>
+              <a:rPr lang="en-US" b="0" i="0" dirty="0" err="1">
+                <a:solidFill>
+                  <a:srgbClr val="1F2328"/>
+                </a:solidFill>
+                <a:effectLst/>
+                <a:highlight>
+                  <a:srgbClr val="FFFFFF"/>
+                </a:highlight>
+                <a:latin typeface="-apple-system"/>
+              </a:rPr>
+              <a:t>MobaXterm</a:t>
+            </a:r>
+            <a:r>
+              <a:rPr lang="en-US" b="0" i="0" dirty="0">
+                <a:solidFill>
+                  <a:srgbClr val="1F2328"/>
+                </a:solidFill>
+                <a:effectLst/>
+                <a:highlight>
+                  <a:srgbClr val="FFFFFF"/>
+                </a:highlight>
+                <a:latin typeface="-apple-system"/>
+              </a:rPr>
+              <a:t>: easy server deployment</a:t>
+            </a:r>
+          </a:p>
+          <a:p>
+            <a:pPr marL="742950" lvl="1" indent="-285750" algn="l">
+              <a:buFont typeface="Arial" panose="020B0604020202020204" pitchFamily="34" charset="0"/>
+              <a:buChar char="•"/>
+            </a:pPr>
+            <a:r>
+              <a:rPr lang="en-US" b="0" i="0" dirty="0">
+                <a:solidFill>
+                  <a:srgbClr val="1F2328"/>
+                </a:solidFill>
+                <a:effectLst/>
+                <a:highlight>
+                  <a:srgbClr val="FFFFFF"/>
+                </a:highlight>
+                <a:latin typeface="-apple-system"/>
+              </a:rPr>
+              <a:t>Discord: general communication and voice calls</a:t>
+            </a:r>
+          </a:p>
+          <a:p>
+            <a:pPr marL="742950" lvl="1" indent="-285750" algn="l">
+              <a:buFont typeface="Arial" panose="020B0604020202020204" pitchFamily="34" charset="0"/>
+              <a:buChar char="•"/>
+            </a:pPr>
+            <a:r>
+              <a:rPr lang="en-US" b="0" i="0" dirty="0">
+                <a:solidFill>
+                  <a:srgbClr val="1F2328"/>
+                </a:solidFill>
+                <a:effectLst/>
+                <a:highlight>
+                  <a:srgbClr val="FFFFFF"/>
+                </a:highlight>
+                <a:latin typeface="-apple-system"/>
+              </a:rPr>
+              <a:t>PHP Storm and Visual Studio Code: collaborative code editing</a:t>
+            </a:r>
+          </a:p>
+          <a:p>
+            <a:pPr marL="1143000" lvl="2" indent="-228600" algn="l">
+              <a:buFont typeface="Arial" panose="020B0604020202020204" pitchFamily="34" charset="0"/>
+              <a:buChar char="•"/>
+            </a:pPr>
+            <a:r>
+              <a:rPr lang="en-US" b="0" i="0" dirty="0">
+                <a:solidFill>
+                  <a:srgbClr val="1F2328"/>
+                </a:solidFill>
+                <a:effectLst/>
+                <a:highlight>
+                  <a:srgbClr val="FFFFFF"/>
+                </a:highlight>
+                <a:latin typeface="-apple-system"/>
+              </a:rPr>
+              <a:t>Collaborative coding allowed us to work on the same files at the same time</a:t>
+            </a:r>
+          </a:p>
+          <a:p>
+            <a:pPr algn="l">
+              <a:buFont typeface="Arial" panose="020B0604020202020204" pitchFamily="34" charset="0"/>
+              <a:buChar char="•"/>
+            </a:pPr>
+            <a:r>
+              <a:rPr lang="en-US" b="0" i="0" dirty="0">
+                <a:solidFill>
+                  <a:srgbClr val="1F2328"/>
+                </a:solidFill>
+                <a:effectLst/>
+                <a:highlight>
+                  <a:srgbClr val="FFFFFF"/>
+                </a:highlight>
+                <a:latin typeface="-apple-system"/>
+              </a:rPr>
+              <a:t>Front-end</a:t>
+            </a:r>
+          </a:p>
+          <a:p>
+            <a:pPr marL="742950" lvl="1" indent="-285750" algn="l">
+              <a:buFont typeface="Arial" panose="020B0604020202020204" pitchFamily="34" charset="0"/>
+              <a:buChar char="•"/>
+            </a:pPr>
+            <a:r>
+              <a:rPr lang="en-US" b="0" i="0" dirty="0">
+                <a:solidFill>
+                  <a:srgbClr val="1F2328"/>
+                </a:solidFill>
+                <a:effectLst/>
+                <a:highlight>
+                  <a:srgbClr val="FFFFFF"/>
+                </a:highlight>
+                <a:latin typeface="-apple-system"/>
+              </a:rPr>
+              <a:t>Figma: page designs</a:t>
+            </a:r>
+          </a:p>
+          <a:p>
+            <a:pPr algn="l">
+              <a:buFont typeface="Arial" panose="020B0604020202020204" pitchFamily="34" charset="0"/>
+              <a:buChar char="•"/>
+            </a:pPr>
+            <a:r>
+              <a:rPr lang="en-US" b="0" i="0" dirty="0">
+                <a:solidFill>
+                  <a:srgbClr val="1F2328"/>
+                </a:solidFill>
+                <a:effectLst/>
+                <a:highlight>
+                  <a:srgbClr val="FFFFFF"/>
+                </a:highlight>
+                <a:latin typeface="-apple-system"/>
+              </a:rPr>
+              <a:t>Back-end</a:t>
+            </a:r>
+          </a:p>
+          <a:p>
+            <a:pPr marL="742950" lvl="1" indent="-285750" algn="l">
+              <a:buFont typeface="Arial" panose="020B0604020202020204" pitchFamily="34" charset="0"/>
+              <a:buChar char="•"/>
+            </a:pPr>
+            <a:r>
+              <a:rPr lang="en-US" b="0" i="0" dirty="0">
+                <a:solidFill>
+                  <a:srgbClr val="1F2328"/>
+                </a:solidFill>
+                <a:effectLst/>
+                <a:highlight>
+                  <a:srgbClr val="FFFFFF"/>
+                </a:highlight>
+                <a:latin typeface="-apple-system"/>
+              </a:rPr>
+              <a:t>SwaggerHub: API documentation and specifications</a:t>
+            </a:r>
+          </a:p>
+          <a:p>
+            <a:pPr marL="742950" lvl="1" indent="-285750" algn="l">
+              <a:buFont typeface="Arial" panose="020B0604020202020204" pitchFamily="34" charset="0"/>
+              <a:buChar char="•"/>
+            </a:pPr>
+            <a:r>
+              <a:rPr lang="en-US" b="0" i="0" dirty="0">
+                <a:solidFill>
+                  <a:srgbClr val="1F2328"/>
+                </a:solidFill>
+                <a:effectLst/>
+                <a:highlight>
+                  <a:srgbClr val="FFFFFF"/>
+                </a:highlight>
+                <a:latin typeface="-apple-system"/>
+              </a:rPr>
+              <a:t>Allowed for quick testing of API and responses with sample data</a:t>
+            </a:r>
+          </a:p>
+          <a:p>
+            <a:pPr algn="l">
+              <a:buFont typeface="Arial" panose="020B0604020202020204" pitchFamily="34" charset="0"/>
+              <a:buChar char="•"/>
+            </a:pPr>
+            <a:r>
+              <a:rPr lang="en-US" b="0" i="0" dirty="0">
+                <a:solidFill>
+                  <a:srgbClr val="1F2328"/>
+                </a:solidFill>
+                <a:effectLst/>
+                <a:highlight>
+                  <a:srgbClr val="FFFFFF"/>
+                </a:highlight>
+                <a:latin typeface="-apple-system"/>
+              </a:rPr>
+              <a:t>Database</a:t>
+            </a:r>
+          </a:p>
+          <a:p>
+            <a:pPr marL="742950" lvl="1" indent="-285750" algn="l">
+              <a:buFont typeface="Arial" panose="020B0604020202020204" pitchFamily="34" charset="0"/>
+              <a:buChar char="•"/>
+            </a:pPr>
+            <a:r>
+              <a:rPr lang="en-US" b="0" i="0" dirty="0">
+                <a:solidFill>
+                  <a:srgbClr val="1F2328"/>
+                </a:solidFill>
+                <a:effectLst/>
+                <a:highlight>
+                  <a:srgbClr val="FFFFFF"/>
+                </a:highlight>
+                <a:latin typeface="-apple-system"/>
+              </a:rPr>
+              <a:t>MariaDB/SQL: database structure</a:t>
+            </a:r>
+          </a:p>
+          <a:p>
+            <a:pPr marL="742950" lvl="1" indent="-285750" algn="l">
+              <a:buFont typeface="Arial" panose="020B0604020202020204" pitchFamily="34" charset="0"/>
+              <a:buChar char="•"/>
+            </a:pPr>
+            <a:r>
+              <a:rPr lang="en-US" b="0" i="0" dirty="0">
+                <a:solidFill>
+                  <a:srgbClr val="1F2328"/>
+                </a:solidFill>
+                <a:effectLst/>
+                <a:highlight>
+                  <a:srgbClr val="FFFFFF"/>
+                </a:highlight>
+                <a:latin typeface="-apple-system"/>
+              </a:rPr>
+              <a:t>Required for working with database</a:t>
+            </a:r>
+          </a:p>
+          <a:p>
+            <a:endParaRPr lang="en-US" dirty="0"/>
+          </a:p>
+        </p:txBody>
+      </p:sp>
+      <p:sp>
+        <p:nvSpPr>
+          <p:cNvPr id="4" name="Slide Number Placeholder 3"/>
+          <p:cNvSpPr>
+            <a:spLocks noGrp="1"/>
+          </p:cNvSpPr>
+          <p:nvPr>
+            <p:ph type="sldNum" sz="quarter" idx="5"/>
+          </p:nvPr>
+        </p:nvSpPr>
+        <p:spPr/>
+        <p:txBody>
+          <a:bodyPr/>
+          <a:lstStyle/>
+          <a:p>
+            <a:fld id="{98E37214-F395-45F2-8A03-4B0F3C80020B}" type="slidenum">
+              <a:rPr lang="en-US" smtClean="0"/>
+              <a:t>3</a:t>
+            </a:fld>
+            <a:endParaRPr lang="en-US"/>
+          </a:p>
+        </p:txBody>
+      </p:sp>
+    </p:spTree>
+    <p:extLst>
+      <p:ext uri="{BB962C8B-B14F-4D97-AF65-F5344CB8AC3E}">
+        <p14:creationId xmlns:p14="http://schemas.microsoft.com/office/powerpoint/2010/main" val="1732219088"/>
+      </p:ext>
+    </p:extLst>
+  </p:cSld>
+  <p:clrMapOvr>
+    <a:masterClrMapping/>
+  </p:clrMapOvr>
+</p:notes>
 </file>
 
 <file path=ppt/slideLayouts/slideLayout1.xml><?xml version="1.0" encoding="utf-8"?>
@@ -1399,7 +2679,7 @@
           <a:p>
             <a:fld id="{1C820894-7E7A-44EE-8EDB-35B8333AC41C}" type="datetimeFigureOut">
               <a:rPr lang="en-US" smtClean="0"/>
-              <a:t>9/14/2024</a:t>
+              <a:t>9/19/2024</a:t>
             </a:fld>
             <a:endParaRPr lang="en-US"/>
           </a:p>
@@ -1597,7 +2877,7 @@
           <a:p>
             <a:fld id="{1C820894-7E7A-44EE-8EDB-35B8333AC41C}" type="datetimeFigureOut">
               <a:rPr lang="en-US" smtClean="0"/>
-              <a:t>9/14/2024</a:t>
+              <a:t>9/19/2024</a:t>
             </a:fld>
             <a:endParaRPr lang="en-US"/>
           </a:p>
@@ -1805,7 +3085,7 @@
           <a:p>
             <a:fld id="{1C820894-7E7A-44EE-8EDB-35B8333AC41C}" type="datetimeFigureOut">
               <a:rPr lang="en-US" smtClean="0"/>
-              <a:t>9/14/2024</a:t>
+              <a:t>9/19/2024</a:t>
             </a:fld>
             <a:endParaRPr lang="en-US"/>
           </a:p>
@@ -2003,7 +3283,7 @@
           <a:p>
             <a:fld id="{1C820894-7E7A-44EE-8EDB-35B8333AC41C}" type="datetimeFigureOut">
               <a:rPr lang="en-US" smtClean="0"/>
-              <a:t>9/14/2024</a:t>
+              <a:t>9/19/2024</a:t>
             </a:fld>
             <a:endParaRPr lang="en-US"/>
           </a:p>
@@ -2278,7 +3558,7 @@
           <a:p>
             <a:fld id="{1C820894-7E7A-44EE-8EDB-35B8333AC41C}" type="datetimeFigureOut">
               <a:rPr lang="en-US" smtClean="0"/>
-              <a:t>9/14/2024</a:t>
+              <a:t>9/19/2024</a:t>
             </a:fld>
             <a:endParaRPr lang="en-US"/>
           </a:p>
@@ -2543,7 +3823,7 @@
           <a:p>
             <a:fld id="{1C820894-7E7A-44EE-8EDB-35B8333AC41C}" type="datetimeFigureOut">
               <a:rPr lang="en-US" smtClean="0"/>
-              <a:t>9/14/2024</a:t>
+              <a:t>9/19/2024</a:t>
             </a:fld>
             <a:endParaRPr lang="en-US"/>
           </a:p>
@@ -2955,7 +4235,7 @@
           <a:p>
             <a:fld id="{1C820894-7E7A-44EE-8EDB-35B8333AC41C}" type="datetimeFigureOut">
               <a:rPr lang="en-US" smtClean="0"/>
-              <a:t>9/14/2024</a:t>
+              <a:t>9/19/2024</a:t>
             </a:fld>
             <a:endParaRPr lang="en-US"/>
           </a:p>
@@ -3096,7 +4376,7 @@
           <a:p>
             <a:fld id="{1C820894-7E7A-44EE-8EDB-35B8333AC41C}" type="datetimeFigureOut">
               <a:rPr lang="en-US" smtClean="0"/>
-              <a:t>9/14/2024</a:t>
+              <a:t>9/19/2024</a:t>
             </a:fld>
             <a:endParaRPr lang="en-US"/>
           </a:p>
@@ -3209,7 +4489,7 @@
           <a:p>
             <a:fld id="{1C820894-7E7A-44EE-8EDB-35B8333AC41C}" type="datetimeFigureOut">
               <a:rPr lang="en-US" smtClean="0"/>
-              <a:t>9/14/2024</a:t>
+              <a:t>9/19/2024</a:t>
             </a:fld>
             <a:endParaRPr lang="en-US"/>
           </a:p>
@@ -3520,7 +4800,7 @@
           <a:p>
             <a:fld id="{1C820894-7E7A-44EE-8EDB-35B8333AC41C}" type="datetimeFigureOut">
               <a:rPr lang="en-US" smtClean="0"/>
-              <a:t>9/14/2024</a:t>
+              <a:t>9/19/2024</a:t>
             </a:fld>
             <a:endParaRPr lang="en-US"/>
           </a:p>
@@ -3808,7 +5088,7 @@
           <a:p>
             <a:fld id="{1C820894-7E7A-44EE-8EDB-35B8333AC41C}" type="datetimeFigureOut">
               <a:rPr lang="en-US" smtClean="0"/>
-              <a:t>9/14/2024</a:t>
+              <a:t>9/19/2024</a:t>
             </a:fld>
             <a:endParaRPr lang="en-US"/>
           </a:p>
@@ -4052,7 +5332,7 @@
           <a:p>
             <a:fld id="{1C820894-7E7A-44EE-8EDB-35B8333AC41C}" type="datetimeFigureOut">
               <a:rPr lang="en-US" smtClean="0"/>
-              <a:t>9/14/2024</a:t>
+              <a:t>9/19/2024</a:t>
             </a:fld>
             <a:endParaRPr lang="en-US"/>
           </a:p>
@@ -4498,7 +5778,7 @@
           <a:lstStyle/>
           <a:p>
             <a:r>
-              <a:rPr lang="en-US" b="1">
+              <a:rPr lang="en-US" b="1" dirty="0">
                 <a:solidFill>
                   <a:srgbClr val="E9D8B2"/>
                 </a:solidFill>
@@ -4508,7 +5788,7 @@
               <a:t>Contact Manager</a:t>
             </a:r>
             <a:br>
-              <a:rPr lang="en-US" b="1">
+              <a:rPr lang="en-US" b="1" dirty="0">
                 <a:solidFill>
                   <a:srgbClr val="E9D8B2"/>
                 </a:solidFill>
@@ -4517,7 +5797,7 @@
               </a:rPr>
             </a:br>
             <a:r>
-              <a:rPr lang="en-US" sz="5300" b="1">
+              <a:rPr lang="en-US" sz="5300" b="1" dirty="0">
                 <a:solidFill>
                   <a:srgbClr val="E9D8B2"/>
                 </a:solidFill>
@@ -4526,7 +5806,7 @@
               </a:rPr>
               <a:t>Group 17</a:t>
             </a:r>
-            <a:endParaRPr lang="en-US" b="1">
+            <a:endParaRPr lang="en-US" b="1" dirty="0">
               <a:solidFill>
                 <a:srgbClr val="E9D8B2"/>
               </a:solidFill>
@@ -4568,10 +5848,10 @@
       </p:grpSpPr>
       <p:grpSp>
         <p:nvGrpSpPr>
-          <p:cNvPr id="25" name="Group 24">
+          <p:cNvPr id="3" name="Group 2">
             <a:extLst>
               <a:ext uri="{FF2B5EF4-FFF2-40B4-BE49-F238E27FC236}">
-                <a16:creationId xmlns:a16="http://schemas.microsoft.com/office/drawing/2014/main" id="{15E07194-2A92-59E9-79BA-CA62A84FBC32}"/>
+                <a16:creationId xmlns:a16="http://schemas.microsoft.com/office/drawing/2014/main" id="{B4731DEC-6AD2-BDB9-FF2A-5E46F8E7DDF4}"/>
               </a:ext>
             </a:extLst>
           </p:cNvPr>
@@ -4580,612 +5860,633 @@
         </p:nvGrpSpPr>
         <p:grpSpPr>
           <a:xfrm>
-            <a:off x="405063" y="985924"/>
-            <a:ext cx="11381876" cy="1153018"/>
-            <a:chOff x="405061" y="276727"/>
-            <a:chExt cx="11381876" cy="1459467"/>
+            <a:off x="405062" y="1411592"/>
+            <a:ext cx="11381876" cy="4468628"/>
+            <a:chOff x="405062" y="1537716"/>
+            <a:chExt cx="11381876" cy="4468628"/>
           </a:xfrm>
         </p:grpSpPr>
-        <p:sp>
-          <p:nvSpPr>
-            <p:cNvPr id="9" name="Rectangle: Rounded Corners 8">
+        <p:grpSp>
+          <p:nvGrpSpPr>
+            <p:cNvPr id="25" name="Group 24">
               <a:extLst>
                 <a:ext uri="{FF2B5EF4-FFF2-40B4-BE49-F238E27FC236}">
-                  <a16:creationId xmlns:a16="http://schemas.microsoft.com/office/drawing/2014/main" id="{9B2569BE-5E00-92DA-C758-F2FB28503BC3}"/>
+                  <a16:creationId xmlns:a16="http://schemas.microsoft.com/office/drawing/2014/main" id="{15E07194-2A92-59E9-79BA-CA62A84FBC32}"/>
                 </a:ext>
               </a:extLst>
             </p:cNvPr>
-            <p:cNvSpPr/>
+            <p:cNvGrpSpPr/>
             <p:nvPr/>
-          </p:nvSpPr>
-          <p:spPr>
+          </p:nvGrpSpPr>
+          <p:grpSpPr>
             <a:xfrm>
-              <a:off x="405063" y="276727"/>
-              <a:ext cx="11381874" cy="1459467"/>
+              <a:off x="405062" y="1537716"/>
+              <a:ext cx="11381876" cy="1153018"/>
+              <a:chOff x="405061" y="276727"/>
+              <a:chExt cx="11381876" cy="1459467"/>
             </a:xfrm>
-            <a:prstGeom prst="roundRect">
-              <a:avLst/>
-            </a:prstGeom>
-            <a:solidFill>
-              <a:srgbClr val="E9D8B2"/>
-            </a:solidFill>
-            <a:ln>
+          </p:grpSpPr>
+          <p:sp>
+            <p:nvSpPr>
+              <p:cNvPr id="9" name="Rectangle: Rounded Corners 8">
+                <a:extLst>
+                  <a:ext uri="{FF2B5EF4-FFF2-40B4-BE49-F238E27FC236}">
+                    <a16:creationId xmlns:a16="http://schemas.microsoft.com/office/drawing/2014/main" id="{9B2569BE-5E00-92DA-C758-F2FB28503BC3}"/>
+                  </a:ext>
+                </a:extLst>
+              </p:cNvPr>
+              <p:cNvSpPr/>
+              <p:nvPr/>
+            </p:nvSpPr>
+            <p:spPr>
+              <a:xfrm>
+                <a:off x="405063" y="276727"/>
+                <a:ext cx="11381874" cy="1459467"/>
+              </a:xfrm>
+              <a:prstGeom prst="roundRect">
+                <a:avLst/>
+              </a:prstGeom>
+              <a:solidFill>
+                <a:srgbClr val="E9D8B2"/>
+              </a:solidFill>
+              <a:ln>
+                <a:noFill/>
+              </a:ln>
+            </p:spPr>
+            <p:style>
+              <a:lnRef idx="2">
+                <a:schemeClr val="accent1">
+                  <a:shade val="15000"/>
+                </a:schemeClr>
+              </a:lnRef>
+              <a:fillRef idx="1">
+                <a:schemeClr val="accent1"/>
+              </a:fillRef>
+              <a:effectRef idx="0">
+                <a:schemeClr val="accent1"/>
+              </a:effectRef>
+              <a:fontRef idx="minor">
+                <a:schemeClr val="lt1"/>
+              </a:fontRef>
+            </p:style>
+            <p:txBody>
+              <a:bodyPr rtlCol="0" anchor="ctr"/>
+              <a:lstStyle/>
+              <a:p>
+                <a:pPr algn="ctr"/>
+                <a:endParaRPr lang="en-US"/>
+              </a:p>
+            </p:txBody>
+          </p:sp>
+          <p:sp>
+            <p:nvSpPr>
+              <p:cNvPr id="11" name="TextBox 10">
+                <a:extLst>
+                  <a:ext uri="{FF2B5EF4-FFF2-40B4-BE49-F238E27FC236}">
+                    <a16:creationId xmlns:a16="http://schemas.microsoft.com/office/drawing/2014/main" id="{0F487AF4-0F54-3AD9-C9E7-D0CA281A62C4}"/>
+                  </a:ext>
+                </a:extLst>
+              </p:cNvPr>
+              <p:cNvSpPr txBox="1"/>
+              <p:nvPr/>
+            </p:nvSpPr>
+            <p:spPr>
+              <a:xfrm>
+                <a:off x="405061" y="583952"/>
+                <a:ext cx="11381874" cy="818113"/>
+              </a:xfrm>
+              <a:prstGeom prst="rect">
+                <a:avLst/>
+              </a:prstGeom>
               <a:noFill/>
-            </a:ln>
-          </p:spPr>
-          <p:style>
-            <a:lnRef idx="2">
-              <a:schemeClr val="accent1">
-                <a:shade val="15000"/>
-              </a:schemeClr>
-            </a:lnRef>
-            <a:fillRef idx="1">
-              <a:schemeClr val="accent1"/>
-            </a:fillRef>
-            <a:effectRef idx="0">
-              <a:schemeClr val="accent1"/>
-            </a:effectRef>
-            <a:fontRef idx="minor">
-              <a:schemeClr val="lt1"/>
-            </a:fontRef>
-          </p:style>
-          <p:txBody>
-            <a:bodyPr rtlCol="0" anchor="ctr"/>
-            <a:lstStyle/>
-            <a:p>
-              <a:pPr algn="ctr"/>
-              <a:endParaRPr lang="en-US"/>
-            </a:p>
-          </p:txBody>
-        </p:sp>
-        <p:sp>
-          <p:nvSpPr>
-            <p:cNvPr id="11" name="TextBox 10">
+            </p:spPr>
+            <p:txBody>
+              <a:bodyPr wrap="square">
+                <a:spAutoFit/>
+              </a:bodyPr>
+              <a:lstStyle/>
+              <a:p>
+                <a:r>
+                  <a:rPr lang="en-US" sz="3600" b="1">
+                    <a:solidFill>
+                      <a:srgbClr val="661618"/>
+                    </a:solidFill>
+                    <a:latin typeface="Inter" panose="020B0502030000000004" pitchFamily="34" charset="0"/>
+                    <a:ea typeface="Inter" panose="020B0502030000000004" pitchFamily="34" charset="0"/>
+                  </a:rPr>
+                  <a:t>Project Manager: </a:t>
+                </a:r>
+                <a:r>
+                  <a:rPr lang="en-US" sz="3600">
+                    <a:solidFill>
+                      <a:srgbClr val="661618"/>
+                    </a:solidFill>
+                    <a:latin typeface="Inter" panose="020B0502030000000004" pitchFamily="34" charset="0"/>
+                    <a:ea typeface="Inter" panose="020B0502030000000004" pitchFamily="34" charset="0"/>
+                  </a:rPr>
+                  <a:t>Matthew Eisenberg</a:t>
+                </a:r>
+              </a:p>
+            </p:txBody>
+          </p:sp>
+        </p:grpSp>
+        <p:grpSp>
+          <p:nvGrpSpPr>
+            <p:cNvPr id="22" name="Group 21">
               <a:extLst>
                 <a:ext uri="{FF2B5EF4-FFF2-40B4-BE49-F238E27FC236}">
-                  <a16:creationId xmlns:a16="http://schemas.microsoft.com/office/drawing/2014/main" id="{0F487AF4-0F54-3AD9-C9E7-D0CA281A62C4}"/>
+                  <a16:creationId xmlns:a16="http://schemas.microsoft.com/office/drawing/2014/main" id="{24C32157-A863-7E9A-7EB2-6AB1D39A3E3E}"/>
                 </a:ext>
               </a:extLst>
             </p:cNvPr>
-            <p:cNvSpPr txBox="1"/>
+            <p:cNvGrpSpPr/>
             <p:nvPr/>
-          </p:nvSpPr>
-          <p:spPr>
+          </p:nvGrpSpPr>
+          <p:grpSpPr>
             <a:xfrm>
-              <a:off x="405061" y="583952"/>
-              <a:ext cx="11381874" cy="818113"/>
+              <a:off x="405062" y="2823948"/>
+              <a:ext cx="3557338" cy="3146952"/>
+              <a:chOff x="405063" y="2142761"/>
+              <a:chExt cx="3557338" cy="4426480"/>
             </a:xfrm>
-            <a:prstGeom prst="rect">
-              <a:avLst/>
-            </a:prstGeom>
-            <a:noFill/>
-          </p:spPr>
-          <p:txBody>
-            <a:bodyPr wrap="square">
-              <a:spAutoFit/>
-            </a:bodyPr>
-            <a:lstStyle/>
-            <a:p>
-              <a:r>
-                <a:rPr lang="en-US" sz="3600" b="1">
-                  <a:solidFill>
-                    <a:srgbClr val="661618"/>
-                  </a:solidFill>
-                  <a:latin typeface="Inter" panose="020B0502030000000004" pitchFamily="34" charset="0"/>
-                  <a:ea typeface="Inter" panose="020B0502030000000004" pitchFamily="34" charset="0"/>
-                </a:rPr>
-                <a:t>Project Manager: </a:t>
-              </a:r>
-              <a:r>
-                <a:rPr lang="en-US" sz="3600">
-                  <a:solidFill>
-                    <a:srgbClr val="661618"/>
-                  </a:solidFill>
-                  <a:latin typeface="Inter" panose="020B0502030000000004" pitchFamily="34" charset="0"/>
-                  <a:ea typeface="Inter" panose="020B0502030000000004" pitchFamily="34" charset="0"/>
-                </a:rPr>
-                <a:t>Matthew Eisenberg</a:t>
-              </a:r>
-            </a:p>
-          </p:txBody>
-        </p:sp>
-      </p:grpSp>
-      <p:grpSp>
-        <p:nvGrpSpPr>
-          <p:cNvPr id="22" name="Group 21">
-            <a:extLst>
-              <a:ext uri="{FF2B5EF4-FFF2-40B4-BE49-F238E27FC236}">
-                <a16:creationId xmlns:a16="http://schemas.microsoft.com/office/drawing/2014/main" id="{24C32157-A863-7E9A-7EB2-6AB1D39A3E3E}"/>
-              </a:ext>
-            </a:extLst>
-          </p:cNvPr>
-          <p:cNvGrpSpPr/>
-          <p:nvPr/>
-        </p:nvGrpSpPr>
-        <p:grpSpPr>
-          <a:xfrm>
-            <a:off x="405063" y="2272156"/>
-            <a:ext cx="3557338" cy="4426480"/>
-            <a:chOff x="405063" y="2142761"/>
-            <a:chExt cx="3557338" cy="4426480"/>
-          </a:xfrm>
-        </p:grpSpPr>
-        <p:sp>
-          <p:nvSpPr>
-            <p:cNvPr id="12" name="Rectangle: Rounded Corners 11">
+          </p:grpSpPr>
+          <p:sp>
+            <p:nvSpPr>
+              <p:cNvPr id="12" name="Rectangle: Rounded Corners 11">
+                <a:extLst>
+                  <a:ext uri="{FF2B5EF4-FFF2-40B4-BE49-F238E27FC236}">
+                    <a16:creationId xmlns:a16="http://schemas.microsoft.com/office/drawing/2014/main" id="{9BA25D1C-AA8A-0ABE-6844-7AE967F9CD80}"/>
+                  </a:ext>
+                </a:extLst>
+              </p:cNvPr>
+              <p:cNvSpPr/>
+              <p:nvPr/>
+            </p:nvSpPr>
+            <p:spPr>
+              <a:xfrm>
+                <a:off x="405063" y="2142761"/>
+                <a:ext cx="3557337" cy="4426480"/>
+              </a:xfrm>
+              <a:prstGeom prst="roundRect">
+                <a:avLst/>
+              </a:prstGeom>
+              <a:solidFill>
+                <a:srgbClr val="E9D8B2"/>
+              </a:solidFill>
+              <a:ln>
+                <a:noFill/>
+              </a:ln>
+            </p:spPr>
+            <p:style>
+              <a:lnRef idx="2">
+                <a:schemeClr val="accent1">
+                  <a:shade val="15000"/>
+                </a:schemeClr>
+              </a:lnRef>
+              <a:fillRef idx="1">
+                <a:schemeClr val="accent1"/>
+              </a:fillRef>
+              <a:effectRef idx="0">
+                <a:schemeClr val="accent1"/>
+              </a:effectRef>
+              <a:fontRef idx="minor">
+                <a:schemeClr val="lt1"/>
+              </a:fontRef>
+            </p:style>
+            <p:txBody>
+              <a:bodyPr rtlCol="0" anchor="ctr"/>
+              <a:lstStyle/>
+              <a:p>
+                <a:pPr algn="ctr"/>
+                <a:endParaRPr lang="en-US"/>
+              </a:p>
+            </p:txBody>
+          </p:sp>
+          <p:sp>
+            <p:nvSpPr>
+              <p:cNvPr id="14" name="TextBox 13">
+                <a:extLst>
+                  <a:ext uri="{FF2B5EF4-FFF2-40B4-BE49-F238E27FC236}">
+                    <a16:creationId xmlns:a16="http://schemas.microsoft.com/office/drawing/2014/main" id="{55EB1A8C-D3C7-8B96-BE5E-3D441DE54C50}"/>
+                  </a:ext>
+                </a:extLst>
+              </p:cNvPr>
+              <p:cNvSpPr txBox="1"/>
+              <p:nvPr/>
+            </p:nvSpPr>
+            <p:spPr>
+              <a:xfrm>
+                <a:off x="405063" y="3787927"/>
+                <a:ext cx="3557337" cy="1200329"/>
+              </a:xfrm>
+              <a:prstGeom prst="rect">
+                <a:avLst/>
+              </a:prstGeom>
+              <a:noFill/>
+            </p:spPr>
+            <p:txBody>
+              <a:bodyPr wrap="square">
+                <a:spAutoFit/>
+              </a:bodyPr>
+              <a:lstStyle/>
+              <a:p>
+                <a:pPr algn="ctr"/>
+                <a:r>
+                  <a:rPr lang="en-US" sz="3600">
+                    <a:solidFill>
+                      <a:srgbClr val="661618"/>
+                    </a:solidFill>
+                    <a:latin typeface="Inter" panose="020B0502030000000004" pitchFamily="34" charset="0"/>
+                    <a:ea typeface="Inter" panose="020B0502030000000004" pitchFamily="34" charset="0"/>
+                  </a:rPr>
+                  <a:t>William Barrett</a:t>
+                </a:r>
+              </a:p>
+              <a:p>
+                <a:pPr algn="ctr"/>
+                <a:r>
+                  <a:rPr lang="en-US" sz="3600">
+                    <a:solidFill>
+                      <a:srgbClr val="661618"/>
+                    </a:solidFill>
+                    <a:latin typeface="Inter" panose="020B0502030000000004" pitchFamily="34" charset="0"/>
+                    <a:ea typeface="Inter" panose="020B0502030000000004" pitchFamily="34" charset="0"/>
+                  </a:rPr>
+                  <a:t>Jia Jones</a:t>
+                </a:r>
+              </a:p>
+            </p:txBody>
+          </p:sp>
+          <p:sp>
+            <p:nvSpPr>
+              <p:cNvPr id="15" name="TextBox 14">
+                <a:extLst>
+                  <a:ext uri="{FF2B5EF4-FFF2-40B4-BE49-F238E27FC236}">
+                    <a16:creationId xmlns:a16="http://schemas.microsoft.com/office/drawing/2014/main" id="{40860589-F87D-B4FC-66E8-D7D80FCB7557}"/>
+                  </a:ext>
+                </a:extLst>
+              </p:cNvPr>
+              <p:cNvSpPr txBox="1"/>
+              <p:nvPr/>
+            </p:nvSpPr>
+            <p:spPr>
+              <a:xfrm>
+                <a:off x="405063" y="2431873"/>
+                <a:ext cx="3557338" cy="646331"/>
+              </a:xfrm>
+              <a:prstGeom prst="rect">
+                <a:avLst/>
+              </a:prstGeom>
+              <a:noFill/>
+            </p:spPr>
+            <p:txBody>
+              <a:bodyPr wrap="square">
+                <a:spAutoFit/>
+              </a:bodyPr>
+              <a:lstStyle/>
+              <a:p>
+                <a:pPr algn="ctr"/>
+                <a:r>
+                  <a:rPr lang="en-US" sz="3600" b="1" dirty="0">
+                    <a:solidFill>
+                      <a:srgbClr val="661618"/>
+                    </a:solidFill>
+                    <a:latin typeface="Inter" panose="020B0502030000000004" pitchFamily="34" charset="0"/>
+                    <a:ea typeface="Inter" panose="020B0502030000000004" pitchFamily="34" charset="0"/>
+                  </a:rPr>
+                  <a:t>Frontend</a:t>
+                </a:r>
+              </a:p>
+            </p:txBody>
+          </p:sp>
+        </p:grpSp>
+        <p:grpSp>
+          <p:nvGrpSpPr>
+            <p:cNvPr id="23" name="Group 22">
               <a:extLst>
                 <a:ext uri="{FF2B5EF4-FFF2-40B4-BE49-F238E27FC236}">
-                  <a16:creationId xmlns:a16="http://schemas.microsoft.com/office/drawing/2014/main" id="{9BA25D1C-AA8A-0ABE-6844-7AE967F9CD80}"/>
+                  <a16:creationId xmlns:a16="http://schemas.microsoft.com/office/drawing/2014/main" id="{152677A2-6237-40B3-8E78-57F6EB8553FF}"/>
                 </a:ext>
               </a:extLst>
             </p:cNvPr>
-            <p:cNvSpPr/>
+            <p:cNvGrpSpPr/>
             <p:nvPr/>
-          </p:nvSpPr>
-          <p:spPr>
+          </p:nvGrpSpPr>
+          <p:grpSpPr>
             <a:xfrm>
-              <a:off x="405063" y="2142761"/>
-              <a:ext cx="3557337" cy="4426480"/>
+              <a:off x="4317328" y="2823948"/>
+              <a:ext cx="3557341" cy="3146952"/>
+              <a:chOff x="4535900" y="2121855"/>
+              <a:chExt cx="3557341" cy="4426480"/>
             </a:xfrm>
-            <a:prstGeom prst="roundRect">
-              <a:avLst/>
-            </a:prstGeom>
-            <a:solidFill>
-              <a:srgbClr val="E9D8B2"/>
-            </a:solidFill>
-            <a:ln>
+          </p:grpSpPr>
+          <p:sp>
+            <p:nvSpPr>
+              <p:cNvPr id="16" name="Rectangle: Rounded Corners 15">
+                <a:extLst>
+                  <a:ext uri="{FF2B5EF4-FFF2-40B4-BE49-F238E27FC236}">
+                    <a16:creationId xmlns:a16="http://schemas.microsoft.com/office/drawing/2014/main" id="{1D8311F5-4330-4534-4726-AE9785029A16}"/>
+                  </a:ext>
+                </a:extLst>
+              </p:cNvPr>
+              <p:cNvSpPr/>
+              <p:nvPr/>
+            </p:nvSpPr>
+            <p:spPr>
+              <a:xfrm>
+                <a:off x="4535903" y="2121855"/>
+                <a:ext cx="3557338" cy="4426480"/>
+              </a:xfrm>
+              <a:prstGeom prst="roundRect">
+                <a:avLst/>
+              </a:prstGeom>
+              <a:solidFill>
+                <a:srgbClr val="E9D8B2"/>
+              </a:solidFill>
+              <a:ln>
+                <a:noFill/>
+              </a:ln>
+            </p:spPr>
+            <p:style>
+              <a:lnRef idx="2">
+                <a:schemeClr val="accent1">
+                  <a:shade val="15000"/>
+                </a:schemeClr>
+              </a:lnRef>
+              <a:fillRef idx="1">
+                <a:schemeClr val="accent1"/>
+              </a:fillRef>
+              <a:effectRef idx="0">
+                <a:schemeClr val="accent1"/>
+              </a:effectRef>
+              <a:fontRef idx="minor">
+                <a:schemeClr val="lt1"/>
+              </a:fontRef>
+            </p:style>
+            <p:txBody>
+              <a:bodyPr rtlCol="0" anchor="ctr"/>
+              <a:lstStyle/>
+              <a:p>
+                <a:pPr algn="ctr"/>
+                <a:endParaRPr lang="en-US"/>
+              </a:p>
+            </p:txBody>
+          </p:sp>
+          <p:sp>
+            <p:nvSpPr>
+              <p:cNvPr id="17" name="TextBox 16">
+                <a:extLst>
+                  <a:ext uri="{FF2B5EF4-FFF2-40B4-BE49-F238E27FC236}">
+                    <a16:creationId xmlns:a16="http://schemas.microsoft.com/office/drawing/2014/main" id="{C9A570E0-F80A-601D-B469-641EB67857A6}"/>
+                  </a:ext>
+                </a:extLst>
+              </p:cNvPr>
+              <p:cNvSpPr txBox="1"/>
+              <p:nvPr/>
+            </p:nvSpPr>
+            <p:spPr>
+              <a:xfrm>
+                <a:off x="4535901" y="3773883"/>
+                <a:ext cx="3557337" cy="1200329"/>
+              </a:xfrm>
+              <a:prstGeom prst="rect">
+                <a:avLst/>
+              </a:prstGeom>
               <a:noFill/>
-            </a:ln>
-          </p:spPr>
-          <p:style>
-            <a:lnRef idx="2">
-              <a:schemeClr val="accent1">
-                <a:shade val="15000"/>
-              </a:schemeClr>
-            </a:lnRef>
-            <a:fillRef idx="1">
-              <a:schemeClr val="accent1"/>
-            </a:fillRef>
-            <a:effectRef idx="0">
-              <a:schemeClr val="accent1"/>
-            </a:effectRef>
-            <a:fontRef idx="minor">
-              <a:schemeClr val="lt1"/>
-            </a:fontRef>
-          </p:style>
-          <p:txBody>
-            <a:bodyPr rtlCol="0" anchor="ctr"/>
-            <a:lstStyle/>
-            <a:p>
-              <a:pPr algn="ctr"/>
-              <a:endParaRPr lang="en-US"/>
-            </a:p>
-          </p:txBody>
-        </p:sp>
-        <p:sp>
-          <p:nvSpPr>
-            <p:cNvPr id="14" name="TextBox 13">
+            </p:spPr>
+            <p:txBody>
+              <a:bodyPr wrap="square">
+                <a:spAutoFit/>
+              </a:bodyPr>
+              <a:lstStyle/>
+              <a:p>
+                <a:pPr algn="ctr"/>
+                <a:r>
+                  <a:rPr lang="en-US" sz="3600" dirty="0">
+                    <a:solidFill>
+                      <a:srgbClr val="661618"/>
+                    </a:solidFill>
+                    <a:latin typeface="Inter" panose="020B0502030000000004" pitchFamily="34" charset="0"/>
+                    <a:ea typeface="Inter" panose="020B0502030000000004" pitchFamily="34" charset="0"/>
+                  </a:rPr>
+                  <a:t>Dennis Gorman</a:t>
+                </a:r>
+              </a:p>
+              <a:p>
+                <a:pPr algn="ctr"/>
+                <a:r>
+                  <a:rPr lang="en-US" sz="3600" dirty="0">
+                    <a:solidFill>
+                      <a:srgbClr val="661618"/>
+                    </a:solidFill>
+                    <a:latin typeface="Inter" panose="020B0502030000000004" pitchFamily="34" charset="0"/>
+                    <a:ea typeface="Inter" panose="020B0502030000000004" pitchFamily="34" charset="0"/>
+                  </a:rPr>
+                  <a:t>Ahmed Salama</a:t>
+                </a:r>
+              </a:p>
+            </p:txBody>
+          </p:sp>
+          <p:sp>
+            <p:nvSpPr>
+              <p:cNvPr id="18" name="TextBox 17">
+                <a:extLst>
+                  <a:ext uri="{FF2B5EF4-FFF2-40B4-BE49-F238E27FC236}">
+                    <a16:creationId xmlns:a16="http://schemas.microsoft.com/office/drawing/2014/main" id="{567BD2FC-C43E-35F5-8077-1BD43CB2CC7F}"/>
+                  </a:ext>
+                </a:extLst>
+              </p:cNvPr>
+              <p:cNvSpPr txBox="1"/>
+              <p:nvPr/>
+            </p:nvSpPr>
+            <p:spPr>
+              <a:xfrm>
+                <a:off x="4535900" y="2431873"/>
+                <a:ext cx="3557338" cy="646331"/>
+              </a:xfrm>
+              <a:prstGeom prst="rect">
+                <a:avLst/>
+              </a:prstGeom>
+              <a:noFill/>
+            </p:spPr>
+            <p:txBody>
+              <a:bodyPr wrap="square">
+                <a:spAutoFit/>
+              </a:bodyPr>
+              <a:lstStyle/>
+              <a:p>
+                <a:pPr algn="ctr"/>
+                <a:r>
+                  <a:rPr lang="en-US" sz="3600" b="1" dirty="0">
+                    <a:solidFill>
+                      <a:srgbClr val="661618"/>
+                    </a:solidFill>
+                    <a:latin typeface="Inter" panose="020B0502030000000004" pitchFamily="34" charset="0"/>
+                    <a:ea typeface="Inter" panose="020B0502030000000004" pitchFamily="34" charset="0"/>
+                  </a:rPr>
+                  <a:t>Backend</a:t>
+                </a:r>
+              </a:p>
+            </p:txBody>
+          </p:sp>
+        </p:grpSp>
+        <p:grpSp>
+          <p:nvGrpSpPr>
+            <p:cNvPr id="24" name="Group 23">
               <a:extLst>
                 <a:ext uri="{FF2B5EF4-FFF2-40B4-BE49-F238E27FC236}">
-                  <a16:creationId xmlns:a16="http://schemas.microsoft.com/office/drawing/2014/main" id="{55EB1A8C-D3C7-8B96-BE5E-3D441DE54C50}"/>
+                  <a16:creationId xmlns:a16="http://schemas.microsoft.com/office/drawing/2014/main" id="{C4D9CEDA-38D2-2235-6A6E-7701FE0D88BE}"/>
                 </a:ext>
               </a:extLst>
             </p:cNvPr>
-            <p:cNvSpPr txBox="1"/>
+            <p:cNvGrpSpPr/>
             <p:nvPr/>
-          </p:nvSpPr>
-          <p:spPr>
+          </p:nvGrpSpPr>
+          <p:grpSpPr>
             <a:xfrm>
-              <a:off x="405063" y="3787927"/>
-              <a:ext cx="3557337" cy="1200329"/>
+              <a:off x="8229599" y="2859392"/>
+              <a:ext cx="3557337" cy="3146952"/>
+              <a:chOff x="8306802" y="2111402"/>
+              <a:chExt cx="3557337" cy="4426480"/>
             </a:xfrm>
-            <a:prstGeom prst="rect">
-              <a:avLst/>
-            </a:prstGeom>
-            <a:noFill/>
-          </p:spPr>
-          <p:txBody>
-            <a:bodyPr wrap="square">
-              <a:spAutoFit/>
-            </a:bodyPr>
-            <a:lstStyle/>
-            <a:p>
-              <a:pPr algn="ctr"/>
-              <a:r>
-                <a:rPr lang="en-US" sz="3600">
-                  <a:solidFill>
-                    <a:srgbClr val="661618"/>
-                  </a:solidFill>
-                  <a:latin typeface="Inter" panose="020B0502030000000004" pitchFamily="34" charset="0"/>
-                  <a:ea typeface="Inter" panose="020B0502030000000004" pitchFamily="34" charset="0"/>
-                </a:rPr>
-                <a:t>William Barrett</a:t>
-              </a:r>
-            </a:p>
-            <a:p>
-              <a:pPr algn="ctr"/>
-              <a:r>
-                <a:rPr lang="en-US" sz="3600">
-                  <a:solidFill>
-                    <a:srgbClr val="661618"/>
-                  </a:solidFill>
-                  <a:latin typeface="Inter" panose="020B0502030000000004" pitchFamily="34" charset="0"/>
-                  <a:ea typeface="Inter" panose="020B0502030000000004" pitchFamily="34" charset="0"/>
-                </a:rPr>
-                <a:t>Jia Jones</a:t>
-              </a:r>
-            </a:p>
-          </p:txBody>
-        </p:sp>
-        <p:sp>
-          <p:nvSpPr>
-            <p:cNvPr id="15" name="TextBox 14">
-              <a:extLst>
-                <a:ext uri="{FF2B5EF4-FFF2-40B4-BE49-F238E27FC236}">
-                  <a16:creationId xmlns:a16="http://schemas.microsoft.com/office/drawing/2014/main" id="{40860589-F87D-B4FC-66E8-D7D80FCB7557}"/>
-                </a:ext>
-              </a:extLst>
-            </p:cNvPr>
-            <p:cNvSpPr txBox="1"/>
-            <p:nvPr/>
-          </p:nvSpPr>
-          <p:spPr>
-            <a:xfrm>
-              <a:off x="405063" y="2431873"/>
-              <a:ext cx="3557338" cy="646331"/>
-            </a:xfrm>
-            <a:prstGeom prst="rect">
-              <a:avLst/>
-            </a:prstGeom>
-            <a:noFill/>
-          </p:spPr>
-          <p:txBody>
-            <a:bodyPr wrap="square">
-              <a:spAutoFit/>
-            </a:bodyPr>
-            <a:lstStyle/>
-            <a:p>
-              <a:pPr algn="ctr"/>
-              <a:r>
-                <a:rPr lang="en-US" sz="3600" b="1" dirty="0">
-                  <a:solidFill>
-                    <a:srgbClr val="661618"/>
-                  </a:solidFill>
-                  <a:latin typeface="Inter" panose="020B0502030000000004" pitchFamily="34" charset="0"/>
-                  <a:ea typeface="Inter" panose="020B0502030000000004" pitchFamily="34" charset="0"/>
-                </a:rPr>
-                <a:t>Frontend</a:t>
-              </a:r>
-            </a:p>
-          </p:txBody>
-        </p:sp>
-      </p:grpSp>
-      <p:grpSp>
-        <p:nvGrpSpPr>
-          <p:cNvPr id="23" name="Group 22">
-            <a:extLst>
-              <a:ext uri="{FF2B5EF4-FFF2-40B4-BE49-F238E27FC236}">
-                <a16:creationId xmlns:a16="http://schemas.microsoft.com/office/drawing/2014/main" id="{152677A2-6237-40B3-8E78-57F6EB8553FF}"/>
-              </a:ext>
-            </a:extLst>
-          </p:cNvPr>
-          <p:cNvGrpSpPr/>
-          <p:nvPr/>
-        </p:nvGrpSpPr>
-        <p:grpSpPr>
-          <a:xfrm>
-            <a:off x="4317329" y="2272156"/>
-            <a:ext cx="3557341" cy="4426480"/>
-            <a:chOff x="4535900" y="2121855"/>
-            <a:chExt cx="3557341" cy="4426480"/>
-          </a:xfrm>
-        </p:grpSpPr>
-        <p:sp>
-          <p:nvSpPr>
-            <p:cNvPr id="16" name="Rectangle: Rounded Corners 15">
-              <a:extLst>
-                <a:ext uri="{FF2B5EF4-FFF2-40B4-BE49-F238E27FC236}">
-                  <a16:creationId xmlns:a16="http://schemas.microsoft.com/office/drawing/2014/main" id="{1D8311F5-4330-4534-4726-AE9785029A16}"/>
-                </a:ext>
-              </a:extLst>
-            </p:cNvPr>
-            <p:cNvSpPr/>
-            <p:nvPr/>
-          </p:nvSpPr>
-          <p:spPr>
-            <a:xfrm>
-              <a:off x="4535903" y="2121855"/>
-              <a:ext cx="3557338" cy="4426480"/>
-            </a:xfrm>
-            <a:prstGeom prst="roundRect">
-              <a:avLst/>
-            </a:prstGeom>
-            <a:solidFill>
-              <a:srgbClr val="E9D8B2"/>
-            </a:solidFill>
-            <a:ln>
+          </p:grpSpPr>
+          <p:sp>
+            <p:nvSpPr>
+              <p:cNvPr id="19" name="Rectangle: Rounded Corners 18">
+                <a:extLst>
+                  <a:ext uri="{FF2B5EF4-FFF2-40B4-BE49-F238E27FC236}">
+                    <a16:creationId xmlns:a16="http://schemas.microsoft.com/office/drawing/2014/main" id="{741524AD-5AEC-927A-AF43-BF981428A851}"/>
+                  </a:ext>
+                </a:extLst>
+              </p:cNvPr>
+              <p:cNvSpPr/>
+              <p:nvPr/>
+            </p:nvSpPr>
+            <p:spPr>
+              <a:xfrm>
+                <a:off x="8306802" y="2111402"/>
+                <a:ext cx="3557337" cy="4426480"/>
+              </a:xfrm>
+              <a:prstGeom prst="roundRect">
+                <a:avLst/>
+              </a:prstGeom>
+              <a:solidFill>
+                <a:srgbClr val="E9D8B2"/>
+              </a:solidFill>
+              <a:ln>
+                <a:noFill/>
+              </a:ln>
+            </p:spPr>
+            <p:style>
+              <a:lnRef idx="2">
+                <a:schemeClr val="accent1">
+                  <a:shade val="15000"/>
+                </a:schemeClr>
+              </a:lnRef>
+              <a:fillRef idx="1">
+                <a:schemeClr val="accent1"/>
+              </a:fillRef>
+              <a:effectRef idx="0">
+                <a:schemeClr val="accent1"/>
+              </a:effectRef>
+              <a:fontRef idx="minor">
+                <a:schemeClr val="lt1"/>
+              </a:fontRef>
+            </p:style>
+            <p:txBody>
+              <a:bodyPr rtlCol="0" anchor="ctr"/>
+              <a:lstStyle/>
+              <a:p>
+                <a:pPr algn="ctr"/>
+                <a:endParaRPr lang="en-US"/>
+              </a:p>
+            </p:txBody>
+          </p:sp>
+          <p:sp>
+            <p:nvSpPr>
+              <p:cNvPr id="20" name="TextBox 19">
+                <a:extLst>
+                  <a:ext uri="{FF2B5EF4-FFF2-40B4-BE49-F238E27FC236}">
+                    <a16:creationId xmlns:a16="http://schemas.microsoft.com/office/drawing/2014/main" id="{C0973A59-6466-3BF4-590B-0D5EFC5F614D}"/>
+                  </a:ext>
+                </a:extLst>
+              </p:cNvPr>
+              <p:cNvSpPr txBox="1"/>
+              <p:nvPr/>
+            </p:nvSpPr>
+            <p:spPr>
+              <a:xfrm>
+                <a:off x="8306802" y="3752977"/>
+                <a:ext cx="3557336" cy="646331"/>
+              </a:xfrm>
+              <a:prstGeom prst="rect">
+                <a:avLst/>
+              </a:prstGeom>
               <a:noFill/>
-            </a:ln>
-          </p:spPr>
-          <p:style>
-            <a:lnRef idx="2">
-              <a:schemeClr val="accent1">
-                <a:shade val="15000"/>
-              </a:schemeClr>
-            </a:lnRef>
-            <a:fillRef idx="1">
-              <a:schemeClr val="accent1"/>
-            </a:fillRef>
-            <a:effectRef idx="0">
-              <a:schemeClr val="accent1"/>
-            </a:effectRef>
-            <a:fontRef idx="minor">
-              <a:schemeClr val="lt1"/>
-            </a:fontRef>
-          </p:style>
-          <p:txBody>
-            <a:bodyPr rtlCol="0" anchor="ctr"/>
-            <a:lstStyle/>
-            <a:p>
-              <a:pPr algn="ctr"/>
-              <a:endParaRPr lang="en-US"/>
-            </a:p>
-          </p:txBody>
-        </p:sp>
-        <p:sp>
-          <p:nvSpPr>
-            <p:cNvPr id="17" name="TextBox 16">
-              <a:extLst>
-                <a:ext uri="{FF2B5EF4-FFF2-40B4-BE49-F238E27FC236}">
-                  <a16:creationId xmlns:a16="http://schemas.microsoft.com/office/drawing/2014/main" id="{C9A570E0-F80A-601D-B469-641EB67857A6}"/>
-                </a:ext>
-              </a:extLst>
-            </p:cNvPr>
-            <p:cNvSpPr txBox="1"/>
-            <p:nvPr/>
-          </p:nvSpPr>
-          <p:spPr>
-            <a:xfrm>
-              <a:off x="4535901" y="3773883"/>
-              <a:ext cx="3557337" cy="1200329"/>
-            </a:xfrm>
-            <a:prstGeom prst="rect">
-              <a:avLst/>
-            </a:prstGeom>
-            <a:noFill/>
-          </p:spPr>
-          <p:txBody>
-            <a:bodyPr wrap="square">
-              <a:spAutoFit/>
-            </a:bodyPr>
-            <a:lstStyle/>
-            <a:p>
-              <a:pPr algn="ctr"/>
-              <a:r>
-                <a:rPr lang="en-US" sz="3600">
-                  <a:solidFill>
-                    <a:srgbClr val="661618"/>
-                  </a:solidFill>
-                  <a:latin typeface="Inter" panose="020B0502030000000004" pitchFamily="34" charset="0"/>
-                  <a:ea typeface="Inter" panose="020B0502030000000004" pitchFamily="34" charset="0"/>
-                </a:rPr>
-                <a:t>Dennis Gorman</a:t>
-              </a:r>
-            </a:p>
-            <a:p>
-              <a:pPr algn="ctr"/>
-              <a:r>
-                <a:rPr lang="en-US" sz="3600">
-                  <a:solidFill>
-                    <a:srgbClr val="661618"/>
-                  </a:solidFill>
-                  <a:latin typeface="Inter" panose="020B0502030000000004" pitchFamily="34" charset="0"/>
-                  <a:ea typeface="Inter" panose="020B0502030000000004" pitchFamily="34" charset="0"/>
-                </a:rPr>
-                <a:t>Ahmed Salama</a:t>
-              </a:r>
-            </a:p>
-          </p:txBody>
-        </p:sp>
-        <p:sp>
-          <p:nvSpPr>
-            <p:cNvPr id="18" name="TextBox 17">
-              <a:extLst>
-                <a:ext uri="{FF2B5EF4-FFF2-40B4-BE49-F238E27FC236}">
-                  <a16:creationId xmlns:a16="http://schemas.microsoft.com/office/drawing/2014/main" id="{567BD2FC-C43E-35F5-8077-1BD43CB2CC7F}"/>
-                </a:ext>
-              </a:extLst>
-            </p:cNvPr>
-            <p:cNvSpPr txBox="1"/>
-            <p:nvPr/>
-          </p:nvSpPr>
-          <p:spPr>
-            <a:xfrm>
-              <a:off x="4535900" y="2431873"/>
-              <a:ext cx="3557338" cy="646331"/>
-            </a:xfrm>
-            <a:prstGeom prst="rect">
-              <a:avLst/>
-            </a:prstGeom>
-            <a:noFill/>
-          </p:spPr>
-          <p:txBody>
-            <a:bodyPr wrap="square">
-              <a:spAutoFit/>
-            </a:bodyPr>
-            <a:lstStyle/>
-            <a:p>
-              <a:pPr algn="ctr"/>
-              <a:r>
-                <a:rPr lang="en-US" sz="3600" b="1" dirty="0">
-                  <a:solidFill>
-                    <a:srgbClr val="661618"/>
-                  </a:solidFill>
-                  <a:latin typeface="Inter" panose="020B0502030000000004" pitchFamily="34" charset="0"/>
-                  <a:ea typeface="Inter" panose="020B0502030000000004" pitchFamily="34" charset="0"/>
-                </a:rPr>
-                <a:t>Backend</a:t>
-              </a:r>
-            </a:p>
-          </p:txBody>
-        </p:sp>
-      </p:grpSp>
-      <p:grpSp>
-        <p:nvGrpSpPr>
-          <p:cNvPr id="24" name="Group 23">
-            <a:extLst>
-              <a:ext uri="{FF2B5EF4-FFF2-40B4-BE49-F238E27FC236}">
-                <a16:creationId xmlns:a16="http://schemas.microsoft.com/office/drawing/2014/main" id="{C4D9CEDA-38D2-2235-6A6E-7701FE0D88BE}"/>
-              </a:ext>
-            </a:extLst>
-          </p:cNvPr>
-          <p:cNvGrpSpPr/>
-          <p:nvPr/>
-        </p:nvGrpSpPr>
-        <p:grpSpPr>
-          <a:xfrm>
-            <a:off x="8229600" y="2307600"/>
-            <a:ext cx="3557337" cy="4426480"/>
-            <a:chOff x="8306802" y="2111402"/>
-            <a:chExt cx="3557337" cy="4426480"/>
-          </a:xfrm>
-        </p:grpSpPr>
-        <p:sp>
-          <p:nvSpPr>
-            <p:cNvPr id="19" name="Rectangle: Rounded Corners 18">
-              <a:extLst>
-                <a:ext uri="{FF2B5EF4-FFF2-40B4-BE49-F238E27FC236}">
-                  <a16:creationId xmlns:a16="http://schemas.microsoft.com/office/drawing/2014/main" id="{741524AD-5AEC-927A-AF43-BF981428A851}"/>
-                </a:ext>
-              </a:extLst>
-            </p:cNvPr>
-            <p:cNvSpPr/>
-            <p:nvPr/>
-          </p:nvSpPr>
-          <p:spPr>
-            <a:xfrm>
-              <a:off x="8306802" y="2111402"/>
-              <a:ext cx="3557337" cy="4426480"/>
-            </a:xfrm>
-            <a:prstGeom prst="roundRect">
-              <a:avLst/>
-            </a:prstGeom>
-            <a:solidFill>
-              <a:srgbClr val="E9D8B2"/>
-            </a:solidFill>
-            <a:ln>
+            </p:spPr>
+            <p:txBody>
+              <a:bodyPr wrap="square">
+                <a:spAutoFit/>
+              </a:bodyPr>
+              <a:lstStyle/>
+              <a:p>
+                <a:pPr algn="ctr"/>
+                <a:r>
+                  <a:rPr lang="en-US" sz="3600">
+                    <a:solidFill>
+                      <a:srgbClr val="661618"/>
+                    </a:solidFill>
+                    <a:latin typeface="Inter" panose="020B0502030000000004" pitchFamily="34" charset="0"/>
+                    <a:ea typeface="Inter" panose="020B0502030000000004" pitchFamily="34" charset="0"/>
+                  </a:rPr>
+                  <a:t>Pedro Criado</a:t>
+                </a:r>
+              </a:p>
+            </p:txBody>
+          </p:sp>
+          <p:sp>
+            <p:nvSpPr>
+              <p:cNvPr id="21" name="TextBox 20">
+                <a:extLst>
+                  <a:ext uri="{FF2B5EF4-FFF2-40B4-BE49-F238E27FC236}">
+                    <a16:creationId xmlns:a16="http://schemas.microsoft.com/office/drawing/2014/main" id="{815F8B5D-F820-00DF-D6E2-971F5F65F789}"/>
+                  </a:ext>
+                </a:extLst>
+              </p:cNvPr>
+              <p:cNvSpPr txBox="1"/>
+              <p:nvPr/>
+            </p:nvSpPr>
+            <p:spPr>
+              <a:xfrm>
+                <a:off x="8306802" y="2431873"/>
+                <a:ext cx="3557335" cy="646331"/>
+              </a:xfrm>
+              <a:prstGeom prst="rect">
+                <a:avLst/>
+              </a:prstGeom>
               <a:noFill/>
-            </a:ln>
-          </p:spPr>
-          <p:style>
-            <a:lnRef idx="2">
-              <a:schemeClr val="accent1">
-                <a:shade val="15000"/>
-              </a:schemeClr>
-            </a:lnRef>
-            <a:fillRef idx="1">
-              <a:schemeClr val="accent1"/>
-            </a:fillRef>
-            <a:effectRef idx="0">
-              <a:schemeClr val="accent1"/>
-            </a:effectRef>
-            <a:fontRef idx="minor">
-              <a:schemeClr val="lt1"/>
-            </a:fontRef>
-          </p:style>
-          <p:txBody>
-            <a:bodyPr rtlCol="0" anchor="ctr"/>
-            <a:lstStyle/>
-            <a:p>
-              <a:pPr algn="ctr"/>
-              <a:endParaRPr lang="en-US"/>
-            </a:p>
-          </p:txBody>
-        </p:sp>
-        <p:sp>
-          <p:nvSpPr>
-            <p:cNvPr id="20" name="TextBox 19">
-              <a:extLst>
-                <a:ext uri="{FF2B5EF4-FFF2-40B4-BE49-F238E27FC236}">
-                  <a16:creationId xmlns:a16="http://schemas.microsoft.com/office/drawing/2014/main" id="{C0973A59-6466-3BF4-590B-0D5EFC5F614D}"/>
-                </a:ext>
-              </a:extLst>
-            </p:cNvPr>
-            <p:cNvSpPr txBox="1"/>
-            <p:nvPr/>
-          </p:nvSpPr>
-          <p:spPr>
-            <a:xfrm>
-              <a:off x="8306802" y="3752977"/>
-              <a:ext cx="3557336" cy="646331"/>
-            </a:xfrm>
-            <a:prstGeom prst="rect">
-              <a:avLst/>
-            </a:prstGeom>
-            <a:noFill/>
-          </p:spPr>
-          <p:txBody>
-            <a:bodyPr wrap="square">
-              <a:spAutoFit/>
-            </a:bodyPr>
-            <a:lstStyle/>
-            <a:p>
-              <a:pPr algn="ctr"/>
-              <a:r>
-                <a:rPr lang="en-US" sz="3600">
-                  <a:solidFill>
-                    <a:srgbClr val="661618"/>
-                  </a:solidFill>
-                  <a:latin typeface="Inter" panose="020B0502030000000004" pitchFamily="34" charset="0"/>
-                  <a:ea typeface="Inter" panose="020B0502030000000004" pitchFamily="34" charset="0"/>
-                </a:rPr>
-                <a:t>Pedro Criado</a:t>
-              </a:r>
-            </a:p>
-          </p:txBody>
-        </p:sp>
-        <p:sp>
-          <p:nvSpPr>
-            <p:cNvPr id="21" name="TextBox 20">
-              <a:extLst>
-                <a:ext uri="{FF2B5EF4-FFF2-40B4-BE49-F238E27FC236}">
-                  <a16:creationId xmlns:a16="http://schemas.microsoft.com/office/drawing/2014/main" id="{815F8B5D-F820-00DF-D6E2-971F5F65F789}"/>
-                </a:ext>
-              </a:extLst>
-            </p:cNvPr>
-            <p:cNvSpPr txBox="1"/>
-            <p:nvPr/>
-          </p:nvSpPr>
-          <p:spPr>
-            <a:xfrm>
-              <a:off x="8306802" y="2431873"/>
-              <a:ext cx="3557335" cy="646331"/>
-            </a:xfrm>
-            <a:prstGeom prst="rect">
-              <a:avLst/>
-            </a:prstGeom>
-            <a:noFill/>
-          </p:spPr>
-          <p:txBody>
-            <a:bodyPr wrap="square">
-              <a:spAutoFit/>
-            </a:bodyPr>
-            <a:lstStyle/>
-            <a:p>
-              <a:pPr algn="ctr"/>
-              <a:r>
-                <a:rPr lang="en-US" sz="3600" b="1">
-                  <a:solidFill>
-                    <a:srgbClr val="661618"/>
-                  </a:solidFill>
-                  <a:latin typeface="Inter" panose="020B0502030000000004" pitchFamily="34" charset="0"/>
-                  <a:ea typeface="Inter" panose="020B0502030000000004" pitchFamily="34" charset="0"/>
-                </a:rPr>
-                <a:t>Database</a:t>
-              </a:r>
-            </a:p>
-          </p:txBody>
-        </p:sp>
+            </p:spPr>
+            <p:txBody>
+              <a:bodyPr wrap="square">
+                <a:spAutoFit/>
+              </a:bodyPr>
+              <a:lstStyle/>
+              <a:p>
+                <a:pPr algn="ctr"/>
+                <a:r>
+                  <a:rPr lang="en-US" sz="3600" b="1">
+                    <a:solidFill>
+                      <a:srgbClr val="661618"/>
+                    </a:solidFill>
+                    <a:latin typeface="Inter" panose="020B0502030000000004" pitchFamily="34" charset="0"/>
+                    <a:ea typeface="Inter" panose="020B0502030000000004" pitchFamily="34" charset="0"/>
+                  </a:rPr>
+                  <a:t>Database</a:t>
+                </a:r>
+              </a:p>
+            </p:txBody>
+          </p:sp>
+        </p:grpSp>
       </p:grpSp>
       <p:sp>
         <p:nvSpPr>
@@ -5201,7 +6502,7 @@
         </p:nvSpPr>
         <p:spPr>
           <a:xfrm>
-            <a:off x="0" y="206379"/>
+            <a:off x="0" y="301338"/>
             <a:ext cx="12192000" cy="769441"/>
           </a:xfrm>
           <a:prstGeom prst="rect">
@@ -5217,7 +6518,7 @@
           <a:p>
             <a:pPr algn="ctr"/>
             <a:r>
-              <a:rPr lang="en-US" sz="4400" b="1">
+              <a:rPr lang="en-US" sz="4400" b="1" dirty="0">
                 <a:solidFill>
                   <a:srgbClr val="E9D8B2"/>
                 </a:solidFill>
@@ -5226,7 +6527,7 @@
               </a:rPr>
               <a:t>Team Members and Roles</a:t>
             </a:r>
-            <a:endParaRPr lang="en-US" sz="4400">
+            <a:endParaRPr lang="en-US" sz="4400" dirty="0">
               <a:solidFill>
                 <a:srgbClr val="E9D8B2"/>
               </a:solidFill>
@@ -5280,7 +6581,7 @@
         </p:nvSpPr>
         <p:spPr>
           <a:xfrm>
-            <a:off x="-2" y="107929"/>
+            <a:off x="-27521" y="276259"/>
             <a:ext cx="12192000" cy="769441"/>
           </a:xfrm>
           <a:prstGeom prst="rect">
@@ -5296,7 +6597,7 @@
           <a:p>
             <a:pPr algn="ctr"/>
             <a:r>
-              <a:rPr lang="en-US" sz="4400" b="1">
+              <a:rPr lang="en-US" sz="4400" b="1" dirty="0">
                 <a:solidFill>
                   <a:srgbClr val="E9D8B2"/>
                 </a:solidFill>
@@ -5305,7 +6606,7 @@
               </a:rPr>
               <a:t>Technology Used</a:t>
             </a:r>
-            <a:endParaRPr lang="en-US" sz="4400">
+            <a:endParaRPr lang="en-US" sz="4400" dirty="0">
               <a:solidFill>
                 <a:srgbClr val="E9D8B2"/>
               </a:solidFill>
@@ -5317,10 +6618,10 @@
       </p:sp>
       <p:grpSp>
         <p:nvGrpSpPr>
-          <p:cNvPr id="22" name="Group 21">
+          <p:cNvPr id="2" name="Group 1">
             <a:extLst>
               <a:ext uri="{FF2B5EF4-FFF2-40B4-BE49-F238E27FC236}">
-                <a16:creationId xmlns:a16="http://schemas.microsoft.com/office/drawing/2014/main" id="{24C32157-A863-7E9A-7EB2-6AB1D39A3E3E}"/>
+                <a16:creationId xmlns:a16="http://schemas.microsoft.com/office/drawing/2014/main" id="{70312291-9414-FADA-19BA-E971C884D82B}"/>
               </a:ext>
             </a:extLst>
           </p:cNvPr>
@@ -5329,18 +6630,363 @@
         </p:nvGrpSpPr>
         <p:grpSpPr>
           <a:xfrm>
-            <a:off x="405063" y="2755052"/>
-            <a:ext cx="3557338" cy="3950938"/>
-            <a:chOff x="405063" y="2142761"/>
-            <a:chExt cx="3557338" cy="4426480"/>
+            <a:off x="405063" y="1440814"/>
+            <a:ext cx="11381874" cy="5016896"/>
+            <a:chOff x="310470" y="1472345"/>
+            <a:chExt cx="11381874" cy="5016896"/>
           </a:xfrm>
         </p:grpSpPr>
+        <p:grpSp>
+          <p:nvGrpSpPr>
+            <p:cNvPr id="22" name="Group 21">
+              <a:extLst>
+                <a:ext uri="{FF2B5EF4-FFF2-40B4-BE49-F238E27FC236}">
+                  <a16:creationId xmlns:a16="http://schemas.microsoft.com/office/drawing/2014/main" id="{24C32157-A863-7E9A-7EB2-6AB1D39A3E3E}"/>
+                </a:ext>
+              </a:extLst>
+            </p:cNvPr>
+            <p:cNvGrpSpPr/>
+            <p:nvPr/>
+          </p:nvGrpSpPr>
+          <p:grpSpPr>
+            <a:xfrm>
+              <a:off x="310470" y="3306845"/>
+              <a:ext cx="3557338" cy="3146952"/>
+              <a:chOff x="405063" y="2142761"/>
+              <a:chExt cx="3557338" cy="4426480"/>
+            </a:xfrm>
+          </p:grpSpPr>
+          <p:sp>
+            <p:nvSpPr>
+              <p:cNvPr id="12" name="Rectangle: Rounded Corners 11">
+                <a:extLst>
+                  <a:ext uri="{FF2B5EF4-FFF2-40B4-BE49-F238E27FC236}">
+                    <a16:creationId xmlns:a16="http://schemas.microsoft.com/office/drawing/2014/main" id="{9BA25D1C-AA8A-0ABE-6844-7AE967F9CD80}"/>
+                  </a:ext>
+                </a:extLst>
+              </p:cNvPr>
+              <p:cNvSpPr/>
+              <p:nvPr/>
+            </p:nvSpPr>
+            <p:spPr>
+              <a:xfrm>
+                <a:off x="405063" y="2142761"/>
+                <a:ext cx="3557337" cy="4426480"/>
+              </a:xfrm>
+              <a:prstGeom prst="roundRect">
+                <a:avLst/>
+              </a:prstGeom>
+              <a:solidFill>
+                <a:srgbClr val="E9D8B2"/>
+              </a:solidFill>
+              <a:ln>
+                <a:noFill/>
+              </a:ln>
+            </p:spPr>
+            <p:style>
+              <a:lnRef idx="2">
+                <a:schemeClr val="accent1">
+                  <a:shade val="15000"/>
+                </a:schemeClr>
+              </a:lnRef>
+              <a:fillRef idx="1">
+                <a:schemeClr val="accent1"/>
+              </a:fillRef>
+              <a:effectRef idx="0">
+                <a:schemeClr val="accent1"/>
+              </a:effectRef>
+              <a:fontRef idx="minor">
+                <a:schemeClr val="lt1"/>
+              </a:fontRef>
+            </p:style>
+            <p:txBody>
+              <a:bodyPr rtlCol="0" anchor="ctr"/>
+              <a:lstStyle/>
+              <a:p>
+                <a:pPr algn="ctr"/>
+                <a:endParaRPr lang="en-US" dirty="0"/>
+              </a:p>
+            </p:txBody>
+          </p:sp>
+          <p:sp>
+            <p:nvSpPr>
+              <p:cNvPr id="15" name="TextBox 14">
+                <a:extLst>
+                  <a:ext uri="{FF2B5EF4-FFF2-40B4-BE49-F238E27FC236}">
+                    <a16:creationId xmlns:a16="http://schemas.microsoft.com/office/drawing/2014/main" id="{40860589-F87D-B4FC-66E8-D7D80FCB7557}"/>
+                  </a:ext>
+                </a:extLst>
+              </p:cNvPr>
+              <p:cNvSpPr txBox="1"/>
+              <p:nvPr/>
+            </p:nvSpPr>
+            <p:spPr>
+              <a:xfrm>
+                <a:off x="405063" y="2431873"/>
+                <a:ext cx="3557338" cy="724125"/>
+              </a:xfrm>
+              <a:prstGeom prst="rect">
+                <a:avLst/>
+              </a:prstGeom>
+              <a:noFill/>
+            </p:spPr>
+            <p:txBody>
+              <a:bodyPr wrap="square">
+                <a:spAutoFit/>
+              </a:bodyPr>
+              <a:lstStyle/>
+              <a:p>
+                <a:pPr algn="ctr"/>
+                <a:r>
+                  <a:rPr lang="en-US" sz="3600" b="1" dirty="0">
+                    <a:solidFill>
+                      <a:srgbClr val="661618"/>
+                    </a:solidFill>
+                    <a:latin typeface="Inter" panose="020B0502030000000004" pitchFamily="34" charset="0"/>
+                    <a:ea typeface="Inter" panose="020B0502030000000004" pitchFamily="34" charset="0"/>
+                  </a:rPr>
+                  <a:t>Frontend</a:t>
+                </a:r>
+              </a:p>
+            </p:txBody>
+          </p:sp>
+        </p:grpSp>
+        <p:grpSp>
+          <p:nvGrpSpPr>
+            <p:cNvPr id="23" name="Group 22">
+              <a:extLst>
+                <a:ext uri="{FF2B5EF4-FFF2-40B4-BE49-F238E27FC236}">
+                  <a16:creationId xmlns:a16="http://schemas.microsoft.com/office/drawing/2014/main" id="{152677A2-6237-40B3-8E78-57F6EB8553FF}"/>
+                </a:ext>
+              </a:extLst>
+            </p:cNvPr>
+            <p:cNvGrpSpPr/>
+            <p:nvPr/>
+          </p:nvGrpSpPr>
+          <p:grpSpPr>
+            <a:xfrm>
+              <a:off x="4222736" y="3306845"/>
+              <a:ext cx="3557341" cy="3146952"/>
+              <a:chOff x="4535900" y="2121855"/>
+              <a:chExt cx="3557341" cy="4426480"/>
+            </a:xfrm>
+          </p:grpSpPr>
+          <p:sp>
+            <p:nvSpPr>
+              <p:cNvPr id="16" name="Rectangle: Rounded Corners 15">
+                <a:extLst>
+                  <a:ext uri="{FF2B5EF4-FFF2-40B4-BE49-F238E27FC236}">
+                    <a16:creationId xmlns:a16="http://schemas.microsoft.com/office/drawing/2014/main" id="{1D8311F5-4330-4534-4726-AE9785029A16}"/>
+                  </a:ext>
+                </a:extLst>
+              </p:cNvPr>
+              <p:cNvSpPr/>
+              <p:nvPr/>
+            </p:nvSpPr>
+            <p:spPr>
+              <a:xfrm>
+                <a:off x="4535903" y="2121855"/>
+                <a:ext cx="3557338" cy="4426480"/>
+              </a:xfrm>
+              <a:prstGeom prst="roundRect">
+                <a:avLst/>
+              </a:prstGeom>
+              <a:solidFill>
+                <a:srgbClr val="E9D8B2"/>
+              </a:solidFill>
+              <a:ln>
+                <a:noFill/>
+              </a:ln>
+            </p:spPr>
+            <p:style>
+              <a:lnRef idx="2">
+                <a:schemeClr val="accent1">
+                  <a:shade val="15000"/>
+                </a:schemeClr>
+              </a:lnRef>
+              <a:fillRef idx="1">
+                <a:schemeClr val="accent1"/>
+              </a:fillRef>
+              <a:effectRef idx="0">
+                <a:schemeClr val="accent1"/>
+              </a:effectRef>
+              <a:fontRef idx="minor">
+                <a:schemeClr val="lt1"/>
+              </a:fontRef>
+            </p:style>
+            <p:txBody>
+              <a:bodyPr rtlCol="0" anchor="ctr"/>
+              <a:lstStyle/>
+              <a:p>
+                <a:pPr algn="ctr"/>
+                <a:endParaRPr lang="en-US"/>
+              </a:p>
+            </p:txBody>
+          </p:sp>
+          <p:sp>
+            <p:nvSpPr>
+              <p:cNvPr id="18" name="TextBox 17">
+                <a:extLst>
+                  <a:ext uri="{FF2B5EF4-FFF2-40B4-BE49-F238E27FC236}">
+                    <a16:creationId xmlns:a16="http://schemas.microsoft.com/office/drawing/2014/main" id="{567BD2FC-C43E-35F5-8077-1BD43CB2CC7F}"/>
+                  </a:ext>
+                </a:extLst>
+              </p:cNvPr>
+              <p:cNvSpPr txBox="1"/>
+              <p:nvPr/>
+            </p:nvSpPr>
+            <p:spPr>
+              <a:xfrm>
+                <a:off x="4535900" y="2431873"/>
+                <a:ext cx="3557338" cy="724125"/>
+              </a:xfrm>
+              <a:prstGeom prst="rect">
+                <a:avLst/>
+              </a:prstGeom>
+              <a:noFill/>
+            </p:spPr>
+            <p:txBody>
+              <a:bodyPr wrap="square">
+                <a:spAutoFit/>
+              </a:bodyPr>
+              <a:lstStyle/>
+              <a:p>
+                <a:pPr algn="ctr"/>
+                <a:r>
+                  <a:rPr lang="en-US" sz="3600" b="1" dirty="0">
+                    <a:solidFill>
+                      <a:srgbClr val="661618"/>
+                    </a:solidFill>
+                    <a:latin typeface="Inter" panose="020B0502030000000004" pitchFamily="34" charset="0"/>
+                    <a:ea typeface="Inter" panose="020B0502030000000004" pitchFamily="34" charset="0"/>
+                  </a:rPr>
+                  <a:t>Backend</a:t>
+                </a:r>
+              </a:p>
+            </p:txBody>
+          </p:sp>
+        </p:grpSp>
+        <p:grpSp>
+          <p:nvGrpSpPr>
+            <p:cNvPr id="24" name="Group 23">
+              <a:extLst>
+                <a:ext uri="{FF2B5EF4-FFF2-40B4-BE49-F238E27FC236}">
+                  <a16:creationId xmlns:a16="http://schemas.microsoft.com/office/drawing/2014/main" id="{C4D9CEDA-38D2-2235-6A6E-7701FE0D88BE}"/>
+                </a:ext>
+              </a:extLst>
+            </p:cNvPr>
+            <p:cNvGrpSpPr/>
+            <p:nvPr/>
+          </p:nvGrpSpPr>
+          <p:grpSpPr>
+            <a:xfrm>
+              <a:off x="8135007" y="3342289"/>
+              <a:ext cx="3557337" cy="3146952"/>
+              <a:chOff x="8306802" y="2111402"/>
+              <a:chExt cx="3557337" cy="4426480"/>
+            </a:xfrm>
+          </p:grpSpPr>
+          <p:sp>
+            <p:nvSpPr>
+              <p:cNvPr id="19" name="Rectangle: Rounded Corners 18">
+                <a:extLst>
+                  <a:ext uri="{FF2B5EF4-FFF2-40B4-BE49-F238E27FC236}">
+                    <a16:creationId xmlns:a16="http://schemas.microsoft.com/office/drawing/2014/main" id="{741524AD-5AEC-927A-AF43-BF981428A851}"/>
+                  </a:ext>
+                </a:extLst>
+              </p:cNvPr>
+              <p:cNvSpPr/>
+              <p:nvPr/>
+            </p:nvSpPr>
+            <p:spPr>
+              <a:xfrm>
+                <a:off x="8306802" y="2111402"/>
+                <a:ext cx="3557337" cy="4426480"/>
+              </a:xfrm>
+              <a:prstGeom prst="roundRect">
+                <a:avLst/>
+              </a:prstGeom>
+              <a:solidFill>
+                <a:srgbClr val="E9D8B2"/>
+              </a:solidFill>
+              <a:ln>
+                <a:noFill/>
+              </a:ln>
+            </p:spPr>
+            <p:style>
+              <a:lnRef idx="2">
+                <a:schemeClr val="accent1">
+                  <a:shade val="15000"/>
+                </a:schemeClr>
+              </a:lnRef>
+              <a:fillRef idx="1">
+                <a:schemeClr val="accent1"/>
+              </a:fillRef>
+              <a:effectRef idx="0">
+                <a:schemeClr val="accent1"/>
+              </a:effectRef>
+              <a:fontRef idx="minor">
+                <a:schemeClr val="lt1"/>
+              </a:fontRef>
+            </p:style>
+            <p:txBody>
+              <a:bodyPr rtlCol="0" anchor="ctr"/>
+              <a:lstStyle/>
+              <a:p>
+                <a:pPr algn="ctr"/>
+                <a:endParaRPr lang="en-US"/>
+              </a:p>
+            </p:txBody>
+          </p:sp>
+          <p:sp>
+            <p:nvSpPr>
+              <p:cNvPr id="21" name="TextBox 20">
+                <a:extLst>
+                  <a:ext uri="{FF2B5EF4-FFF2-40B4-BE49-F238E27FC236}">
+                    <a16:creationId xmlns:a16="http://schemas.microsoft.com/office/drawing/2014/main" id="{815F8B5D-F820-00DF-D6E2-971F5F65F789}"/>
+                  </a:ext>
+                </a:extLst>
+              </p:cNvPr>
+              <p:cNvSpPr txBox="1"/>
+              <p:nvPr/>
+            </p:nvSpPr>
+            <p:spPr>
+              <a:xfrm>
+                <a:off x="8306802" y="2431873"/>
+                <a:ext cx="3557335" cy="724125"/>
+              </a:xfrm>
+              <a:prstGeom prst="rect">
+                <a:avLst/>
+              </a:prstGeom>
+              <a:noFill/>
+            </p:spPr>
+            <p:txBody>
+              <a:bodyPr wrap="square">
+                <a:spAutoFit/>
+              </a:bodyPr>
+              <a:lstStyle/>
+              <a:p>
+                <a:pPr algn="ctr"/>
+                <a:r>
+                  <a:rPr lang="en-US" sz="3600" b="1">
+                    <a:solidFill>
+                      <a:srgbClr val="661618"/>
+                    </a:solidFill>
+                    <a:latin typeface="Inter" panose="020B0502030000000004" pitchFamily="34" charset="0"/>
+                    <a:ea typeface="Inter" panose="020B0502030000000004" pitchFamily="34" charset="0"/>
+                  </a:rPr>
+                  <a:t>Database</a:t>
+                </a:r>
+              </a:p>
+            </p:txBody>
+          </p:sp>
+        </p:grpSp>
         <p:sp>
           <p:nvSpPr>
-            <p:cNvPr id="12" name="Rectangle: Rounded Corners 11">
+            <p:cNvPr id="3" name="Rectangle: Rounded Corners 2">
               <a:extLst>
                 <a:ext uri="{FF2B5EF4-FFF2-40B4-BE49-F238E27FC236}">
-                  <a16:creationId xmlns:a16="http://schemas.microsoft.com/office/drawing/2014/main" id="{9BA25D1C-AA8A-0ABE-6844-7AE967F9CD80}"/>
+                  <a16:creationId xmlns:a16="http://schemas.microsoft.com/office/drawing/2014/main" id="{65FAA24B-2708-F41C-0F60-6F9AB9E8C83B}"/>
                 </a:ext>
               </a:extLst>
             </p:cNvPr>
@@ -5349,8 +6995,8 @@
           </p:nvSpPr>
           <p:spPr>
             <a:xfrm>
-              <a:off x="405063" y="2142761"/>
-              <a:ext cx="3557337" cy="4426480"/>
+              <a:off x="310470" y="1472345"/>
+              <a:ext cx="11381874" cy="1680758"/>
             </a:xfrm>
             <a:prstGeom prst="roundRect">
               <a:avLst/>
@@ -5387,702 +7033,259 @@
             </a:p>
           </p:txBody>
         </p:sp>
-        <p:sp>
-          <p:nvSpPr>
-            <p:cNvPr id="15" name="TextBox 14">
+        <p:pic>
+          <p:nvPicPr>
+            <p:cNvPr id="6" name="Picture 5">
               <a:extLst>
                 <a:ext uri="{FF2B5EF4-FFF2-40B4-BE49-F238E27FC236}">
-                  <a16:creationId xmlns:a16="http://schemas.microsoft.com/office/drawing/2014/main" id="{40860589-F87D-B4FC-66E8-D7D80FCB7557}"/>
+                  <a16:creationId xmlns:a16="http://schemas.microsoft.com/office/drawing/2014/main" id="{659D18A9-A5E4-20DB-6DA8-05675CD27922}"/>
                 </a:ext>
               </a:extLst>
             </p:cNvPr>
-            <p:cNvSpPr txBox="1"/>
+            <p:cNvPicPr>
+              <a:picLocks noChangeAspect="1"/>
+            </p:cNvPicPr>
             <p:nvPr/>
-          </p:nvSpPr>
+          </p:nvPicPr>
+          <p:blipFill>
+            <a:blip r:embed="rId3"/>
+            <a:stretch>
+              <a:fillRect/>
+            </a:stretch>
+          </p:blipFill>
           <p:spPr>
             <a:xfrm>
-              <a:off x="405063" y="2431873"/>
-              <a:ext cx="3557338" cy="724125"/>
+              <a:off x="5352461" y="1746579"/>
+              <a:ext cx="1242850" cy="1242850"/>
+            </a:xfrm>
+            <a:prstGeom prst="rect">
+              <a:avLst/>
+            </a:prstGeom>
+          </p:spPr>
+        </p:pic>
+        <p:pic>
+          <p:nvPicPr>
+            <p:cNvPr id="7" name="Picture 6">
+              <a:extLst>
+                <a:ext uri="{FF2B5EF4-FFF2-40B4-BE49-F238E27FC236}">
+                  <a16:creationId xmlns:a16="http://schemas.microsoft.com/office/drawing/2014/main" id="{EE2B97E9-84D4-B203-4DBC-3EDC440E3EB9}"/>
+                </a:ext>
+              </a:extLst>
+            </p:cNvPr>
+            <p:cNvPicPr>
+              <a:picLocks noChangeAspect="1"/>
+            </p:cNvPicPr>
+            <p:nvPr/>
+          </p:nvPicPr>
+          <p:blipFill>
+            <a:blip r:embed="rId4"/>
+            <a:stretch>
+              <a:fillRect/>
+            </a:stretch>
+          </p:blipFill>
+          <p:spPr>
+            <a:xfrm>
+              <a:off x="2563886" y="2059128"/>
+              <a:ext cx="2026197" cy="622078"/>
+            </a:xfrm>
+            <a:prstGeom prst="rect">
+              <a:avLst/>
+            </a:prstGeom>
+          </p:spPr>
+        </p:pic>
+        <p:pic>
+          <p:nvPicPr>
+            <p:cNvPr id="8" name="Picture 7">
+              <a:extLst>
+                <a:ext uri="{FF2B5EF4-FFF2-40B4-BE49-F238E27FC236}">
+                  <a16:creationId xmlns:a16="http://schemas.microsoft.com/office/drawing/2014/main" id="{4941F4B1-BDA0-E8A6-849B-FF39C2019463}"/>
+                </a:ext>
+              </a:extLst>
+            </p:cNvPr>
+            <p:cNvPicPr>
+              <a:picLocks noChangeAspect="1"/>
+            </p:cNvPicPr>
+            <p:nvPr/>
+          </p:nvPicPr>
+          <p:blipFill rotWithShape="1">
+            <a:blip r:embed="rId5"/>
+            <a:srcRect l="18103" r="18276"/>
+            <a:stretch/>
+          </p:blipFill>
+          <p:spPr>
+            <a:xfrm>
+              <a:off x="658581" y="1651051"/>
+              <a:ext cx="1387366" cy="1226634"/>
+            </a:xfrm>
+            <a:prstGeom prst="rect">
+              <a:avLst/>
+            </a:prstGeom>
+          </p:spPr>
+        </p:pic>
+        <p:pic>
+          <p:nvPicPr>
+            <p:cNvPr id="10" name="Picture 9">
+              <a:extLst>
+                <a:ext uri="{FF2B5EF4-FFF2-40B4-BE49-F238E27FC236}">
+                  <a16:creationId xmlns:a16="http://schemas.microsoft.com/office/drawing/2014/main" id="{174E1945-03A0-203F-DBF0-73401172B676}"/>
+                </a:ext>
+              </a:extLst>
+            </p:cNvPr>
+            <p:cNvPicPr>
+              <a:picLocks noChangeAspect="1"/>
+            </p:cNvPicPr>
+            <p:nvPr/>
+          </p:nvPicPr>
+          <p:blipFill>
+            <a:blip r:embed="rId6"/>
+            <a:stretch>
+              <a:fillRect/>
+            </a:stretch>
+          </p:blipFill>
+          <p:spPr>
+            <a:xfrm>
+              <a:off x="973985" y="4358187"/>
+              <a:ext cx="2230309" cy="1115155"/>
+            </a:xfrm>
+            <a:prstGeom prst="rect">
+              <a:avLst/>
+            </a:prstGeom>
+          </p:spPr>
+        </p:pic>
+        <p:pic>
+          <p:nvPicPr>
+            <p:cNvPr id="13" name="Picture 12">
+              <a:extLst>
+                <a:ext uri="{FF2B5EF4-FFF2-40B4-BE49-F238E27FC236}">
+                  <a16:creationId xmlns:a16="http://schemas.microsoft.com/office/drawing/2014/main" id="{BC8BEA36-5167-6379-8409-59FE20C6DAED}"/>
+                </a:ext>
+              </a:extLst>
+            </p:cNvPr>
+            <p:cNvPicPr>
+              <a:picLocks noChangeAspect="1"/>
+            </p:cNvPicPr>
+            <p:nvPr/>
+          </p:nvPicPr>
+          <p:blipFill rotWithShape="1">
+            <a:blip r:embed="rId7"/>
+            <a:srcRect b="17789"/>
+            <a:stretch/>
+          </p:blipFill>
+          <p:spPr>
+            <a:xfrm>
+              <a:off x="7631824" y="1968444"/>
+              <a:ext cx="2000250" cy="783062"/>
+            </a:xfrm>
+            <a:prstGeom prst="rect">
+              <a:avLst/>
+            </a:prstGeom>
+          </p:spPr>
+        </p:pic>
+        <p:pic>
+          <p:nvPicPr>
+            <p:cNvPr id="9" name="Picture 8">
+              <a:extLst>
+                <a:ext uri="{FF2B5EF4-FFF2-40B4-BE49-F238E27FC236}">
+                  <a16:creationId xmlns:a16="http://schemas.microsoft.com/office/drawing/2014/main" id="{02234CC9-B8C4-8AEE-5667-1BA1E1B73AF8}"/>
+                </a:ext>
+              </a:extLst>
+            </p:cNvPr>
+            <p:cNvPicPr>
+              <a:picLocks noChangeAspect="1"/>
+            </p:cNvPicPr>
+            <p:nvPr/>
+          </p:nvPicPr>
+          <p:blipFill>
+            <a:blip r:embed="rId8"/>
+            <a:stretch>
+              <a:fillRect/>
+            </a:stretch>
+          </p:blipFill>
+          <p:spPr>
+            <a:xfrm>
+              <a:off x="9372665" y="4480046"/>
+              <a:ext cx="1082018" cy="871436"/>
+            </a:xfrm>
+            <a:prstGeom prst="rect">
+              <a:avLst/>
+            </a:prstGeom>
+          </p:spPr>
+        </p:pic>
+        <p:pic>
+          <p:nvPicPr>
+            <p:cNvPr id="14" name="Picture 13">
+              <a:extLst>
+                <a:ext uri="{FF2B5EF4-FFF2-40B4-BE49-F238E27FC236}">
+                  <a16:creationId xmlns:a16="http://schemas.microsoft.com/office/drawing/2014/main" id="{6F54B187-2B5C-7557-5AA1-833FF9D75B98}"/>
+                </a:ext>
+              </a:extLst>
+            </p:cNvPr>
+            <p:cNvPicPr>
+              <a:picLocks noChangeAspect="1"/>
+            </p:cNvPicPr>
+            <p:nvPr/>
+          </p:nvPicPr>
+          <p:blipFill rotWithShape="1">
+            <a:blip r:embed="rId9"/>
+            <a:srcRect t="26140" b="28818"/>
+            <a:stretch/>
+          </p:blipFill>
+          <p:spPr>
+            <a:xfrm>
+              <a:off x="4763958" y="4587695"/>
+              <a:ext cx="2474899" cy="585251"/>
+            </a:xfrm>
+            <a:prstGeom prst="rect">
+              <a:avLst/>
+            </a:prstGeom>
+          </p:spPr>
+        </p:pic>
+        <p:pic>
+          <p:nvPicPr>
+            <p:cNvPr id="1026" name="Picture 2" descr="discord logo png, discord icon transparent png 18930718 PNG">
+              <a:extLst>
+                <a:ext uri="{FF2B5EF4-FFF2-40B4-BE49-F238E27FC236}">
+                  <a16:creationId xmlns:a16="http://schemas.microsoft.com/office/drawing/2014/main" id="{0DA1347E-0075-E2C3-3C3D-7667CD91E485}"/>
+                </a:ext>
+              </a:extLst>
+            </p:cNvPr>
+            <p:cNvPicPr>
+              <a:picLocks noChangeAspect="1" noChangeArrowheads="1"/>
+            </p:cNvPicPr>
+            <p:nvPr/>
+          </p:nvPicPr>
+          <p:blipFill rotWithShape="1">
+            <a:blip r:embed="rId10">
+              <a:extLst>
+                <a:ext uri="{28A0092B-C50C-407E-A947-70E740481C1C}">
+                  <a14:useLocalDpi xmlns:a14="http://schemas.microsoft.com/office/drawing/2010/main" val="0"/>
+                </a:ext>
+              </a:extLst>
+            </a:blip>
+            <a:srcRect l="18889" t="19068" r="18889" b="17557"/>
+            <a:stretch/>
+          </p:blipFill>
+          <p:spPr bwMode="auto">
+            <a:xfrm>
+              <a:off x="10355242" y="1963666"/>
+              <a:ext cx="820918" cy="836124"/>
             </a:xfrm>
             <a:prstGeom prst="rect">
               <a:avLst/>
             </a:prstGeom>
             <a:noFill/>
-          </p:spPr>
-          <p:txBody>
-            <a:bodyPr wrap="square">
-              <a:spAutoFit/>
-            </a:bodyPr>
-            <a:lstStyle/>
-            <a:p>
-              <a:pPr algn="ctr"/>
-              <a:r>
-                <a:rPr lang="en-US" sz="3600" b="1" dirty="0">
+            <a:extLst>
+              <a:ext uri="{909E8E84-426E-40DD-AFC4-6F175D3DCCD1}">
+                <a14:hiddenFill xmlns:a14="http://schemas.microsoft.com/office/drawing/2010/main">
                   <a:solidFill>
-                    <a:srgbClr val="661618"/>
+                    <a:srgbClr val="FFFFFF"/>
                   </a:solidFill>
-                  <a:latin typeface="Inter" panose="020B0502030000000004" pitchFamily="34" charset="0"/>
-                  <a:ea typeface="Inter" panose="020B0502030000000004" pitchFamily="34" charset="0"/>
-                </a:rPr>
-                <a:t>Frontend</a:t>
-              </a:r>
-            </a:p>
-          </p:txBody>
-        </p:sp>
-      </p:grpSp>
-      <p:grpSp>
-        <p:nvGrpSpPr>
-          <p:cNvPr id="23" name="Group 22">
-            <a:extLst>
-              <a:ext uri="{FF2B5EF4-FFF2-40B4-BE49-F238E27FC236}">
-                <a16:creationId xmlns:a16="http://schemas.microsoft.com/office/drawing/2014/main" id="{152677A2-6237-40B3-8E78-57F6EB8553FF}"/>
+                </a14:hiddenFill>
               </a:ext>
             </a:extLst>
-          </p:cNvPr>
-          <p:cNvGrpSpPr/>
-          <p:nvPr/>
-        </p:nvGrpSpPr>
-        <p:grpSpPr>
-          <a:xfrm>
-            <a:off x="4317329" y="2755052"/>
-            <a:ext cx="3557341" cy="3950938"/>
-            <a:chOff x="4535900" y="2121855"/>
-            <a:chExt cx="3557341" cy="4426480"/>
-          </a:xfrm>
-        </p:grpSpPr>
-        <p:sp>
-          <p:nvSpPr>
-            <p:cNvPr id="16" name="Rectangle: Rounded Corners 15">
-              <a:extLst>
-                <a:ext uri="{FF2B5EF4-FFF2-40B4-BE49-F238E27FC236}">
-                  <a16:creationId xmlns:a16="http://schemas.microsoft.com/office/drawing/2014/main" id="{1D8311F5-4330-4534-4726-AE9785029A16}"/>
-                </a:ext>
-              </a:extLst>
-            </p:cNvPr>
-            <p:cNvSpPr/>
-            <p:nvPr/>
-          </p:nvSpPr>
-          <p:spPr>
-            <a:xfrm>
-              <a:off x="4535903" y="2121855"/>
-              <a:ext cx="3557338" cy="4426480"/>
-            </a:xfrm>
-            <a:prstGeom prst="roundRect">
-              <a:avLst/>
-            </a:prstGeom>
-            <a:solidFill>
-              <a:srgbClr val="E9D8B2"/>
-            </a:solidFill>
-            <a:ln>
-              <a:noFill/>
-            </a:ln>
           </p:spPr>
-          <p:style>
-            <a:lnRef idx="2">
-              <a:schemeClr val="accent1">
-                <a:shade val="15000"/>
-              </a:schemeClr>
-            </a:lnRef>
-            <a:fillRef idx="1">
-              <a:schemeClr val="accent1"/>
-            </a:fillRef>
-            <a:effectRef idx="0">
-              <a:schemeClr val="accent1"/>
-            </a:effectRef>
-            <a:fontRef idx="minor">
-              <a:schemeClr val="lt1"/>
-            </a:fontRef>
-          </p:style>
-          <p:txBody>
-            <a:bodyPr rtlCol="0" anchor="ctr"/>
-            <a:lstStyle/>
-            <a:p>
-              <a:pPr algn="ctr"/>
-              <a:endParaRPr lang="en-US"/>
-            </a:p>
-          </p:txBody>
-        </p:sp>
-        <p:sp>
-          <p:nvSpPr>
-            <p:cNvPr id="18" name="TextBox 17">
-              <a:extLst>
-                <a:ext uri="{FF2B5EF4-FFF2-40B4-BE49-F238E27FC236}">
-                  <a16:creationId xmlns:a16="http://schemas.microsoft.com/office/drawing/2014/main" id="{567BD2FC-C43E-35F5-8077-1BD43CB2CC7F}"/>
-                </a:ext>
-              </a:extLst>
-            </p:cNvPr>
-            <p:cNvSpPr txBox="1"/>
-            <p:nvPr/>
-          </p:nvSpPr>
-          <p:spPr>
-            <a:xfrm>
-              <a:off x="4535900" y="2431873"/>
-              <a:ext cx="3557338" cy="724125"/>
-            </a:xfrm>
-            <a:prstGeom prst="rect">
-              <a:avLst/>
-            </a:prstGeom>
-            <a:noFill/>
-          </p:spPr>
-          <p:txBody>
-            <a:bodyPr wrap="square">
-              <a:spAutoFit/>
-            </a:bodyPr>
-            <a:lstStyle/>
-            <a:p>
-              <a:pPr algn="ctr"/>
-              <a:r>
-                <a:rPr lang="en-US" sz="3600" b="1" dirty="0">
-                  <a:solidFill>
-                    <a:srgbClr val="661618"/>
-                  </a:solidFill>
-                  <a:latin typeface="Inter" panose="020B0502030000000004" pitchFamily="34" charset="0"/>
-                  <a:ea typeface="Inter" panose="020B0502030000000004" pitchFamily="34" charset="0"/>
-                </a:rPr>
-                <a:t>Backend</a:t>
-              </a:r>
-            </a:p>
-          </p:txBody>
-        </p:sp>
+        </p:pic>
       </p:grpSp>
-      <p:grpSp>
-        <p:nvGrpSpPr>
-          <p:cNvPr id="24" name="Group 23">
-            <a:extLst>
-              <a:ext uri="{FF2B5EF4-FFF2-40B4-BE49-F238E27FC236}">
-                <a16:creationId xmlns:a16="http://schemas.microsoft.com/office/drawing/2014/main" id="{C4D9CEDA-38D2-2235-6A6E-7701FE0D88BE}"/>
-              </a:ext>
-            </a:extLst>
-          </p:cNvPr>
-          <p:cNvGrpSpPr/>
-          <p:nvPr/>
-        </p:nvGrpSpPr>
-        <p:grpSpPr>
-          <a:xfrm>
-            <a:off x="8229600" y="2790496"/>
-            <a:ext cx="3557337" cy="3950938"/>
-            <a:chOff x="8306802" y="2111402"/>
-            <a:chExt cx="3557337" cy="4426480"/>
-          </a:xfrm>
-        </p:grpSpPr>
-        <p:sp>
-          <p:nvSpPr>
-            <p:cNvPr id="19" name="Rectangle: Rounded Corners 18">
-              <a:extLst>
-                <a:ext uri="{FF2B5EF4-FFF2-40B4-BE49-F238E27FC236}">
-                  <a16:creationId xmlns:a16="http://schemas.microsoft.com/office/drawing/2014/main" id="{741524AD-5AEC-927A-AF43-BF981428A851}"/>
-                </a:ext>
-              </a:extLst>
-            </p:cNvPr>
-            <p:cNvSpPr/>
-            <p:nvPr/>
-          </p:nvSpPr>
-          <p:spPr>
-            <a:xfrm>
-              <a:off x="8306802" y="2111402"/>
-              <a:ext cx="3557337" cy="4426480"/>
-            </a:xfrm>
-            <a:prstGeom prst="roundRect">
-              <a:avLst/>
-            </a:prstGeom>
-            <a:solidFill>
-              <a:srgbClr val="E9D8B2"/>
-            </a:solidFill>
-            <a:ln>
-              <a:noFill/>
-            </a:ln>
-          </p:spPr>
-          <p:style>
-            <a:lnRef idx="2">
-              <a:schemeClr val="accent1">
-                <a:shade val="15000"/>
-              </a:schemeClr>
-            </a:lnRef>
-            <a:fillRef idx="1">
-              <a:schemeClr val="accent1"/>
-            </a:fillRef>
-            <a:effectRef idx="0">
-              <a:schemeClr val="accent1"/>
-            </a:effectRef>
-            <a:fontRef idx="minor">
-              <a:schemeClr val="lt1"/>
-            </a:fontRef>
-          </p:style>
-          <p:txBody>
-            <a:bodyPr rtlCol="0" anchor="ctr"/>
-            <a:lstStyle/>
-            <a:p>
-              <a:pPr algn="ctr"/>
-              <a:endParaRPr lang="en-US"/>
-            </a:p>
-          </p:txBody>
-        </p:sp>
-        <p:sp>
-          <p:nvSpPr>
-            <p:cNvPr id="21" name="TextBox 20">
-              <a:extLst>
-                <a:ext uri="{FF2B5EF4-FFF2-40B4-BE49-F238E27FC236}">
-                  <a16:creationId xmlns:a16="http://schemas.microsoft.com/office/drawing/2014/main" id="{815F8B5D-F820-00DF-D6E2-971F5F65F789}"/>
-                </a:ext>
-              </a:extLst>
-            </p:cNvPr>
-            <p:cNvSpPr txBox="1"/>
-            <p:nvPr/>
-          </p:nvSpPr>
-          <p:spPr>
-            <a:xfrm>
-              <a:off x="8306802" y="2431873"/>
-              <a:ext cx="3557335" cy="724125"/>
-            </a:xfrm>
-            <a:prstGeom prst="rect">
-              <a:avLst/>
-            </a:prstGeom>
-            <a:noFill/>
-          </p:spPr>
-          <p:txBody>
-            <a:bodyPr wrap="square">
-              <a:spAutoFit/>
-            </a:bodyPr>
-            <a:lstStyle/>
-            <a:p>
-              <a:pPr algn="ctr"/>
-              <a:r>
-                <a:rPr lang="en-US" sz="3600" b="1">
-                  <a:solidFill>
-                    <a:srgbClr val="661618"/>
-                  </a:solidFill>
-                  <a:latin typeface="Inter" panose="020B0502030000000004" pitchFamily="34" charset="0"/>
-                  <a:ea typeface="Inter" panose="020B0502030000000004" pitchFamily="34" charset="0"/>
-                </a:rPr>
-                <a:t>Database</a:t>
-              </a:r>
-            </a:p>
-          </p:txBody>
-        </p:sp>
-      </p:grpSp>
-      <p:pic>
-        <p:nvPicPr>
-          <p:cNvPr id="2" name="Picture 1">
-            <a:extLst>
-              <a:ext uri="{FF2B5EF4-FFF2-40B4-BE49-F238E27FC236}">
-                <a16:creationId xmlns:a16="http://schemas.microsoft.com/office/drawing/2014/main" id="{5A449522-71C7-A78E-FC4D-E82F2D6DF3C0}"/>
-              </a:ext>
-            </a:extLst>
-          </p:cNvPr>
-          <p:cNvPicPr>
-            <a:picLocks noChangeAspect="1"/>
-          </p:cNvPicPr>
-          <p:nvPr/>
-        </p:nvPicPr>
-        <p:blipFill rotWithShape="1">
-          <a:blip r:embed="rId2"/>
-          <a:srcRect l="21018" r="20702"/>
-          <a:stretch/>
-        </p:blipFill>
-        <p:spPr>
-          <a:xfrm>
-            <a:off x="-1254660" y="3172446"/>
-            <a:ext cx="1047808" cy="1011297"/>
-          </a:xfrm>
-          <a:prstGeom prst="rect">
-            <a:avLst/>
-          </a:prstGeom>
-        </p:spPr>
-      </p:pic>
-      <p:sp>
-        <p:nvSpPr>
-          <p:cNvPr id="3" name="Rectangle: Rounded Corners 2">
-            <a:extLst>
-              <a:ext uri="{FF2B5EF4-FFF2-40B4-BE49-F238E27FC236}">
-                <a16:creationId xmlns:a16="http://schemas.microsoft.com/office/drawing/2014/main" id="{65FAA24B-2708-F41C-0F60-6F9AB9E8C83B}"/>
-              </a:ext>
-            </a:extLst>
-          </p:cNvPr>
-          <p:cNvSpPr/>
-          <p:nvPr/>
-        </p:nvSpPr>
-        <p:spPr>
-          <a:xfrm>
-            <a:off x="405063" y="920552"/>
-            <a:ext cx="11381874" cy="1680758"/>
-          </a:xfrm>
-          <a:prstGeom prst="roundRect">
-            <a:avLst/>
-          </a:prstGeom>
-          <a:solidFill>
-            <a:srgbClr val="E9D8B2"/>
-          </a:solidFill>
-          <a:ln>
-            <a:noFill/>
-          </a:ln>
-        </p:spPr>
-        <p:style>
-          <a:lnRef idx="2">
-            <a:schemeClr val="accent1">
-              <a:shade val="15000"/>
-            </a:schemeClr>
-          </a:lnRef>
-          <a:fillRef idx="1">
-            <a:schemeClr val="accent1"/>
-          </a:fillRef>
-          <a:effectRef idx="0">
-            <a:schemeClr val="accent1"/>
-          </a:effectRef>
-          <a:fontRef idx="minor">
-            <a:schemeClr val="lt1"/>
-          </a:fontRef>
-        </p:style>
-        <p:txBody>
-          <a:bodyPr rtlCol="0" anchor="ctr"/>
-          <a:lstStyle/>
-          <a:p>
-            <a:pPr algn="ctr"/>
-            <a:endParaRPr lang="en-US"/>
-          </a:p>
-        </p:txBody>
-      </p:sp>
-      <p:pic>
-        <p:nvPicPr>
-          <p:cNvPr id="4" name="Picture 3">
-            <a:extLst>
-              <a:ext uri="{FF2B5EF4-FFF2-40B4-BE49-F238E27FC236}">
-                <a16:creationId xmlns:a16="http://schemas.microsoft.com/office/drawing/2014/main" id="{87329B1F-5F8E-7E34-B8AF-A83A1E3A07A0}"/>
-              </a:ext>
-            </a:extLst>
-          </p:cNvPr>
-          <p:cNvPicPr>
-            <a:picLocks noChangeAspect="1"/>
-          </p:cNvPicPr>
-          <p:nvPr/>
-        </p:nvPicPr>
-        <p:blipFill>
-          <a:blip r:embed="rId3"/>
-          <a:stretch>
-            <a:fillRect/>
-          </a:stretch>
-        </p:blipFill>
-        <p:spPr>
-          <a:xfrm>
-            <a:off x="-3526296" y="3159996"/>
-            <a:ext cx="1023747" cy="1023747"/>
-          </a:xfrm>
-          <a:prstGeom prst="rect">
-            <a:avLst/>
-          </a:prstGeom>
-        </p:spPr>
-      </p:pic>
-      <p:pic>
-        <p:nvPicPr>
-          <p:cNvPr id="5" name="Picture 4">
-            <a:extLst>
-              <a:ext uri="{FF2B5EF4-FFF2-40B4-BE49-F238E27FC236}">
-                <a16:creationId xmlns:a16="http://schemas.microsoft.com/office/drawing/2014/main" id="{F9E68F5F-F35E-A948-8F89-FE91C423B052}"/>
-              </a:ext>
-            </a:extLst>
-          </p:cNvPr>
-          <p:cNvPicPr>
-            <a:picLocks noChangeAspect="1"/>
-          </p:cNvPicPr>
-          <p:nvPr/>
-        </p:nvPicPr>
-        <p:blipFill>
-          <a:blip r:embed="rId4"/>
-          <a:stretch>
-            <a:fillRect/>
-          </a:stretch>
-        </p:blipFill>
-        <p:spPr>
-          <a:xfrm>
-            <a:off x="-2287090" y="3999390"/>
-            <a:ext cx="726161" cy="1024507"/>
-          </a:xfrm>
-          <a:prstGeom prst="rect">
-            <a:avLst/>
-          </a:prstGeom>
-        </p:spPr>
-      </p:pic>
-      <p:pic>
-        <p:nvPicPr>
-          <p:cNvPr id="6" name="Picture 5">
-            <a:extLst>
-              <a:ext uri="{FF2B5EF4-FFF2-40B4-BE49-F238E27FC236}">
-                <a16:creationId xmlns:a16="http://schemas.microsoft.com/office/drawing/2014/main" id="{659D18A9-A5E4-20DB-6DA8-05675CD27922}"/>
-              </a:ext>
-            </a:extLst>
-          </p:cNvPr>
-          <p:cNvPicPr>
-            <a:picLocks noChangeAspect="1"/>
-          </p:cNvPicPr>
-          <p:nvPr/>
-        </p:nvPicPr>
-        <p:blipFill>
-          <a:blip r:embed="rId5"/>
-          <a:stretch>
-            <a:fillRect/>
-          </a:stretch>
-        </p:blipFill>
-        <p:spPr>
-          <a:xfrm>
-            <a:off x="5447054" y="1194786"/>
-            <a:ext cx="1242850" cy="1242850"/>
-          </a:xfrm>
-          <a:prstGeom prst="rect">
-            <a:avLst/>
-          </a:prstGeom>
-        </p:spPr>
-      </p:pic>
-      <p:pic>
-        <p:nvPicPr>
-          <p:cNvPr id="7" name="Picture 6">
-            <a:extLst>
-              <a:ext uri="{FF2B5EF4-FFF2-40B4-BE49-F238E27FC236}">
-                <a16:creationId xmlns:a16="http://schemas.microsoft.com/office/drawing/2014/main" id="{EE2B97E9-84D4-B203-4DBC-3EDC440E3EB9}"/>
-              </a:ext>
-            </a:extLst>
-          </p:cNvPr>
-          <p:cNvPicPr>
-            <a:picLocks noChangeAspect="1"/>
-          </p:cNvPicPr>
-          <p:nvPr/>
-        </p:nvPicPr>
-        <p:blipFill>
-          <a:blip r:embed="rId6"/>
-          <a:stretch>
-            <a:fillRect/>
-          </a:stretch>
-        </p:blipFill>
-        <p:spPr>
-          <a:xfrm>
-            <a:off x="2658479" y="1507335"/>
-            <a:ext cx="2026197" cy="622078"/>
-          </a:xfrm>
-          <a:prstGeom prst="rect">
-            <a:avLst/>
-          </a:prstGeom>
-        </p:spPr>
-      </p:pic>
-      <p:pic>
-        <p:nvPicPr>
-          <p:cNvPr id="8" name="Picture 7">
-            <a:extLst>
-              <a:ext uri="{FF2B5EF4-FFF2-40B4-BE49-F238E27FC236}">
-                <a16:creationId xmlns:a16="http://schemas.microsoft.com/office/drawing/2014/main" id="{4941F4B1-BDA0-E8A6-849B-FF39C2019463}"/>
-              </a:ext>
-            </a:extLst>
-          </p:cNvPr>
-          <p:cNvPicPr>
-            <a:picLocks noChangeAspect="1"/>
-          </p:cNvPicPr>
-          <p:nvPr/>
-        </p:nvPicPr>
-        <p:blipFill rotWithShape="1">
-          <a:blip r:embed="rId7"/>
-          <a:srcRect l="18103" r="18276"/>
-          <a:stretch/>
-        </p:blipFill>
-        <p:spPr>
-          <a:xfrm>
-            <a:off x="753174" y="1099258"/>
-            <a:ext cx="1387366" cy="1226634"/>
-          </a:xfrm>
-          <a:prstGeom prst="rect">
-            <a:avLst/>
-          </a:prstGeom>
-        </p:spPr>
-      </p:pic>
-      <p:pic>
-        <p:nvPicPr>
-          <p:cNvPr id="10" name="Picture 9">
-            <a:extLst>
-              <a:ext uri="{FF2B5EF4-FFF2-40B4-BE49-F238E27FC236}">
-                <a16:creationId xmlns:a16="http://schemas.microsoft.com/office/drawing/2014/main" id="{174E1945-03A0-203F-DBF0-73401172B676}"/>
-              </a:ext>
-            </a:extLst>
-          </p:cNvPr>
-          <p:cNvPicPr>
-            <a:picLocks noChangeAspect="1"/>
-          </p:cNvPicPr>
-          <p:nvPr/>
-        </p:nvPicPr>
-        <p:blipFill>
-          <a:blip r:embed="rId8"/>
-          <a:stretch>
-            <a:fillRect/>
-          </a:stretch>
-        </p:blipFill>
-        <p:spPr>
-          <a:xfrm>
-            <a:off x="1073945" y="4214274"/>
-            <a:ext cx="2230309" cy="1115155"/>
-          </a:xfrm>
-          <a:prstGeom prst="rect">
-            <a:avLst/>
-          </a:prstGeom>
-        </p:spPr>
-      </p:pic>
-      <p:pic>
-        <p:nvPicPr>
-          <p:cNvPr id="13" name="Picture 12">
-            <a:extLst>
-              <a:ext uri="{FF2B5EF4-FFF2-40B4-BE49-F238E27FC236}">
-                <a16:creationId xmlns:a16="http://schemas.microsoft.com/office/drawing/2014/main" id="{BC8BEA36-5167-6379-8409-59FE20C6DAED}"/>
-              </a:ext>
-            </a:extLst>
-          </p:cNvPr>
-          <p:cNvPicPr>
-            <a:picLocks noChangeAspect="1"/>
-          </p:cNvPicPr>
-          <p:nvPr/>
-        </p:nvPicPr>
-        <p:blipFill rotWithShape="1">
-          <a:blip r:embed="rId9"/>
-          <a:srcRect b="17789"/>
-          <a:stretch/>
-        </p:blipFill>
-        <p:spPr>
-          <a:xfrm>
-            <a:off x="7726417" y="1416651"/>
-            <a:ext cx="2000250" cy="783062"/>
-          </a:xfrm>
-          <a:prstGeom prst="rect">
-            <a:avLst/>
-          </a:prstGeom>
-        </p:spPr>
-      </p:pic>
-      <p:pic>
-        <p:nvPicPr>
-          <p:cNvPr id="9" name="Picture 8">
-            <a:extLst>
-              <a:ext uri="{FF2B5EF4-FFF2-40B4-BE49-F238E27FC236}">
-                <a16:creationId xmlns:a16="http://schemas.microsoft.com/office/drawing/2014/main" id="{02234CC9-B8C4-8AEE-5667-1BA1E1B73AF8}"/>
-              </a:ext>
-            </a:extLst>
-          </p:cNvPr>
-          <p:cNvPicPr>
-            <a:picLocks noChangeAspect="1"/>
-          </p:cNvPicPr>
-          <p:nvPr/>
-        </p:nvPicPr>
-        <p:blipFill>
-          <a:blip r:embed="rId10"/>
-          <a:stretch>
-            <a:fillRect/>
-          </a:stretch>
-        </p:blipFill>
-        <p:spPr>
-          <a:xfrm>
-            <a:off x="9467258" y="4152461"/>
-            <a:ext cx="1082018" cy="871436"/>
-          </a:xfrm>
-          <a:prstGeom prst="rect">
-            <a:avLst/>
-          </a:prstGeom>
-        </p:spPr>
-      </p:pic>
-      <p:pic>
-        <p:nvPicPr>
-          <p:cNvPr id="14" name="Picture 13">
-            <a:extLst>
-              <a:ext uri="{FF2B5EF4-FFF2-40B4-BE49-F238E27FC236}">
-                <a16:creationId xmlns:a16="http://schemas.microsoft.com/office/drawing/2014/main" id="{6F54B187-2B5C-7557-5AA1-833FF9D75B98}"/>
-              </a:ext>
-            </a:extLst>
-          </p:cNvPr>
-          <p:cNvPicPr>
-            <a:picLocks noChangeAspect="1"/>
-          </p:cNvPicPr>
-          <p:nvPr/>
-        </p:nvPicPr>
-        <p:blipFill rotWithShape="1">
-          <a:blip r:embed="rId11"/>
-          <a:srcRect t="26140" b="28818"/>
-          <a:stretch/>
-        </p:blipFill>
-        <p:spPr>
-          <a:xfrm>
-            <a:off x="4858551" y="4473339"/>
-            <a:ext cx="2474899" cy="585251"/>
-          </a:xfrm>
-          <a:prstGeom prst="rect">
-            <a:avLst/>
-          </a:prstGeom>
-        </p:spPr>
-      </p:pic>
-      <p:pic>
-        <p:nvPicPr>
-          <p:cNvPr id="17" name="Picture 16">
-            <a:extLst>
-              <a:ext uri="{FF2B5EF4-FFF2-40B4-BE49-F238E27FC236}">
-                <a16:creationId xmlns:a16="http://schemas.microsoft.com/office/drawing/2014/main" id="{720D662C-A1AC-F87A-CA98-CE17342ED317}"/>
-              </a:ext>
-            </a:extLst>
-          </p:cNvPr>
-          <p:cNvPicPr>
-            <a:picLocks noChangeAspect="1"/>
-          </p:cNvPicPr>
-          <p:nvPr/>
-        </p:nvPicPr>
-        <p:blipFill>
-          <a:blip r:embed="rId12"/>
-          <a:stretch>
-            <a:fillRect/>
-          </a:stretch>
-        </p:blipFill>
-        <p:spPr>
-          <a:xfrm>
-            <a:off x="-2378519" y="2214686"/>
-            <a:ext cx="818295" cy="818295"/>
-          </a:xfrm>
-          <a:prstGeom prst="rect">
-            <a:avLst/>
-          </a:prstGeom>
-        </p:spPr>
-      </p:pic>
-      <p:pic>
-        <p:nvPicPr>
-          <p:cNvPr id="1026" name="Picture 2" descr="discord logo png, discord icon transparent png 18930718 PNG">
-            <a:extLst>
-              <a:ext uri="{FF2B5EF4-FFF2-40B4-BE49-F238E27FC236}">
-                <a16:creationId xmlns:a16="http://schemas.microsoft.com/office/drawing/2014/main" id="{0DA1347E-0075-E2C3-3C3D-7667CD91E485}"/>
-              </a:ext>
-            </a:extLst>
-          </p:cNvPr>
-          <p:cNvPicPr>
-            <a:picLocks noChangeAspect="1" noChangeArrowheads="1"/>
-          </p:cNvPicPr>
-          <p:nvPr/>
-        </p:nvPicPr>
-        <p:blipFill rotWithShape="1">
-          <a:blip r:embed="rId13">
-            <a:extLst>
-              <a:ext uri="{28A0092B-C50C-407E-A947-70E740481C1C}">
-                <a14:useLocalDpi xmlns:a14="http://schemas.microsoft.com/office/drawing/2010/main" val="0"/>
-              </a:ext>
-            </a:extLst>
-          </a:blip>
-          <a:srcRect l="18889" t="19068" r="18889" b="17557"/>
-          <a:stretch/>
-        </p:blipFill>
-        <p:spPr bwMode="auto">
-          <a:xfrm>
-            <a:off x="10449835" y="1411873"/>
-            <a:ext cx="820918" cy="836124"/>
-          </a:xfrm>
-          <a:prstGeom prst="rect">
-            <a:avLst/>
-          </a:prstGeom>
-          <a:noFill/>
-          <a:extLst>
-            <a:ext uri="{909E8E84-426E-40DD-AFC4-6F175D3DCCD1}">
-              <a14:hiddenFill xmlns:a14="http://schemas.microsoft.com/office/drawing/2010/main">
-                <a:solidFill>
-                  <a:srgbClr val="FFFFFF"/>
-                </a:solidFill>
-              </a14:hiddenFill>
-            </a:ext>
-          </a:extLst>
-        </p:spPr>
-      </p:pic>
     </p:spTree>
     <p:extLst>
       <p:ext uri="{BB962C8B-B14F-4D97-AF65-F5344CB8AC3E}">
@@ -6127,7 +7330,7 @@
         </p:nvSpPr>
         <p:spPr>
           <a:xfrm>
-            <a:off x="0" y="206379"/>
+            <a:off x="-1" y="303396"/>
             <a:ext cx="12192000" cy="769441"/>
           </a:xfrm>
           <a:prstGeom prst="rect">
@@ -6176,7 +7379,7 @@
         </p:nvSpPr>
         <p:spPr>
           <a:xfrm>
-            <a:off x="436179" y="1120676"/>
+            <a:off x="436179" y="1341393"/>
             <a:ext cx="11319641" cy="2308324"/>
           </a:xfrm>
           <a:prstGeom prst="rect">
@@ -6283,7 +7486,7 @@
         </p:nvSpPr>
         <p:spPr>
           <a:xfrm>
-            <a:off x="0" y="206379"/>
+            <a:off x="-1" y="303396"/>
             <a:ext cx="12192000" cy="769441"/>
           </a:xfrm>
           <a:prstGeom prst="rect">
@@ -6299,7 +7502,7 @@
           <a:p>
             <a:pPr algn="ctr"/>
             <a:r>
-              <a:rPr lang="en-US" sz="4400" b="1">
+              <a:rPr lang="en-US" sz="4400" b="1" dirty="0">
                 <a:solidFill>
                   <a:srgbClr val="E9D8B2"/>
                 </a:solidFill>
@@ -6308,7 +7511,7 @@
               </a:rPr>
               <a:t>What did not go well</a:t>
             </a:r>
-            <a:endParaRPr lang="en-US" sz="4400">
+            <a:endParaRPr lang="en-US" sz="4400" dirty="0">
               <a:solidFill>
                 <a:srgbClr val="E9D8B2"/>
               </a:solidFill>
@@ -6390,25 +7593,8 @@
                 <a:latin typeface="Inter" panose="020B0502030000000004" pitchFamily="34" charset="0"/>
                 <a:ea typeface="Inter" panose="020B0502030000000004" pitchFamily="34" charset="0"/>
               </a:rPr>
-              <a:t>Had difficulty coding and testing when everyone was making </a:t>
-            </a:r>
-            <a:r>
-              <a:rPr lang="en-US" sz="3600">
-                <a:solidFill>
-                  <a:srgbClr val="E9D8B2"/>
-                </a:solidFill>
-                <a:latin typeface="Inter" panose="020B0502030000000004" pitchFamily="34" charset="0"/>
-                <a:ea typeface="Inter" panose="020B0502030000000004" pitchFamily="34" charset="0"/>
-              </a:rPr>
-              <a:t>changes concurrently</a:t>
-            </a:r>
-            <a:endParaRPr lang="en-US" sz="3600" dirty="0">
-              <a:solidFill>
-                <a:srgbClr val="E9D8B2"/>
-              </a:solidFill>
-              <a:latin typeface="Inter" panose="020B0502030000000004" pitchFamily="34" charset="0"/>
-              <a:ea typeface="Inter" panose="020B0502030000000004" pitchFamily="34" charset="0"/>
-            </a:endParaRPr>
+              <a:t>Had difficulty coding and testing when everyone was making changes concurrently</a:t>
+            </a:r>
           </a:p>
           <a:p>
             <a:pPr marL="285750" indent="-285750">
@@ -6482,7 +7668,7 @@
         </p:nvSpPr>
         <p:spPr>
           <a:xfrm>
-            <a:off x="0" y="206379"/>
+            <a:off x="0" y="303396"/>
             <a:ext cx="12192000" cy="769441"/>
           </a:xfrm>
           <a:prstGeom prst="rect">
@@ -6498,7 +7684,7 @@
           <a:p>
             <a:pPr algn="ctr"/>
             <a:r>
-              <a:rPr lang="en-US" sz="4400" b="1">
+              <a:rPr lang="en-US" sz="4400" b="1" dirty="0">
                 <a:solidFill>
                   <a:srgbClr val="E9D8B2"/>
                 </a:solidFill>
@@ -6507,7 +7693,7 @@
               </a:rPr>
               <a:t>Gantt Chart</a:t>
             </a:r>
-            <a:endParaRPr lang="en-US" sz="4400">
+            <a:endParaRPr lang="en-US" sz="4400" dirty="0">
               <a:solidFill>
                 <a:srgbClr val="E9D8B2"/>
               </a:solidFill>
@@ -6517,6 +7703,41 @@
           </a:p>
         </p:txBody>
       </p:sp>
+      <p:pic>
+        <p:nvPicPr>
+          <p:cNvPr id="6" name="Picture 5" descr="A screen shot of a chart&#10;&#10;Description automatically generated">
+            <a:extLst>
+              <a:ext uri="{FF2B5EF4-FFF2-40B4-BE49-F238E27FC236}">
+                <a16:creationId xmlns:a16="http://schemas.microsoft.com/office/drawing/2014/main" id="{D992184B-DF47-C314-7BB8-2FB6B42D5BB6}"/>
+              </a:ext>
+            </a:extLst>
+          </p:cNvPr>
+          <p:cNvPicPr>
+            <a:picLocks noChangeAspect="1"/>
+          </p:cNvPicPr>
+          <p:nvPr/>
+        </p:nvPicPr>
+        <p:blipFill rotWithShape="1">
+          <a:blip r:embed="rId2">
+            <a:extLst>
+              <a:ext uri="{28A0092B-C50C-407E-A947-70E740481C1C}">
+                <a14:useLocalDpi xmlns:a14="http://schemas.microsoft.com/office/drawing/2010/main" val="0"/>
+              </a:ext>
+            </a:extLst>
+          </a:blip>
+          <a:srcRect r="2500" b="29897"/>
+          <a:stretch/>
+        </p:blipFill>
+        <p:spPr>
+          <a:xfrm>
+            <a:off x="152400" y="1449606"/>
+            <a:ext cx="11887200" cy="3958787"/>
+          </a:xfrm>
+          <a:prstGeom prst="rect">
+            <a:avLst/>
+          </a:prstGeom>
+        </p:spPr>
+      </p:pic>
     </p:spTree>
     <p:extLst>
       <p:ext uri="{BB962C8B-B14F-4D97-AF65-F5344CB8AC3E}">
@@ -6561,7 +7782,7 @@
         </p:nvSpPr>
         <p:spPr>
           <a:xfrm>
-            <a:off x="0" y="206379"/>
+            <a:off x="0" y="303396"/>
             <a:ext cx="12192000" cy="769441"/>
           </a:xfrm>
           <a:prstGeom prst="rect">
@@ -6577,7 +7798,7 @@
           <a:p>
             <a:pPr algn="ctr"/>
             <a:r>
-              <a:rPr lang="en-US" sz="4400" b="1">
+              <a:rPr lang="en-US" sz="4400" b="1" dirty="0">
                 <a:solidFill>
                   <a:srgbClr val="E9D8B2"/>
                 </a:solidFill>
@@ -6586,7 +7807,7 @@
               </a:rPr>
               <a:t>Use Case Diagram</a:t>
             </a:r>
-            <a:endParaRPr lang="en-US" sz="4400">
+            <a:endParaRPr lang="en-US" sz="4400" dirty="0">
               <a:solidFill>
                 <a:srgbClr val="E9D8B2"/>
               </a:solidFill>
@@ -6676,7 +7897,7 @@
         </p:nvSpPr>
         <p:spPr>
           <a:xfrm>
-            <a:off x="0" y="206379"/>
+            <a:off x="0" y="303396"/>
             <a:ext cx="12192000" cy="769441"/>
           </a:xfrm>
           <a:prstGeom prst="rect">
@@ -8212,7 +9433,7 @@
           </a:solidFill>
           <a:ln>
             <a:solidFill>
-              <a:schemeClr val="tx1"/>
+              <a:schemeClr val="bg1"/>
             </a:solidFill>
           </a:ln>
         </p:spPr>
@@ -8257,15 +9478,15 @@
         </p:nvCxnSpPr>
         <p:spPr>
           <a:xfrm>
-            <a:off x="5478747" y="2470454"/>
-            <a:ext cx="1526841" cy="0"/>
+            <a:off x="5596584" y="2470454"/>
+            <a:ext cx="1409004" cy="0"/>
           </a:xfrm>
           <a:prstGeom prst="line">
             <a:avLst/>
           </a:prstGeom>
           <a:ln w="31750">
             <a:solidFill>
-              <a:schemeClr val="tx1"/>
+              <a:schemeClr val="bg1"/>
             </a:solidFill>
           </a:ln>
         </p:spPr>
@@ -8328,7 +9549,7 @@
         </p:nvSpPr>
         <p:spPr>
           <a:xfrm>
-            <a:off x="0" y="206379"/>
+            <a:off x="0" y="303396"/>
             <a:ext cx="12192000" cy="769441"/>
           </a:xfrm>
           <a:prstGeom prst="rect">
@@ -8351,7 +9572,7 @@
                 <a:latin typeface="Inter" panose="020B0502030000000004" pitchFamily="34" charset="0"/>
                 <a:ea typeface="Inter" panose="020B0502030000000004" pitchFamily="34" charset="0"/>
               </a:rPr>
-              <a:t>SwaggerHub Demo</a:t>
+              <a:t>SwaggerHub and Website Demo</a:t>
             </a:r>
             <a:endParaRPr lang="en-US" sz="4400" dirty="0">
               <a:solidFill>
@@ -8360,46 +9581,6 @@
               <a:latin typeface="Inter" panose="020B0502030000000004" pitchFamily="34" charset="0"/>
               <a:ea typeface="Inter" panose="020B0502030000000004" pitchFamily="34" charset="0"/>
             </a:endParaRPr>
-          </a:p>
-        </p:txBody>
-      </p:sp>
-      <p:sp>
-        <p:nvSpPr>
-          <p:cNvPr id="3" name="TextBox 2">
-            <a:extLst>
-              <a:ext uri="{FF2B5EF4-FFF2-40B4-BE49-F238E27FC236}">
-                <a16:creationId xmlns:a16="http://schemas.microsoft.com/office/drawing/2014/main" id="{C157969B-F380-EB23-2B2E-655D3EBE2676}"/>
-              </a:ext>
-            </a:extLst>
-          </p:cNvPr>
-          <p:cNvSpPr txBox="1"/>
-          <p:nvPr/>
-        </p:nvSpPr>
-        <p:spPr>
-          <a:xfrm>
-            <a:off x="1638300" y="1772335"/>
-            <a:ext cx="9448800" cy="1077218"/>
-          </a:xfrm>
-          <a:prstGeom prst="rect">
-            <a:avLst/>
-          </a:prstGeom>
-          <a:noFill/>
-        </p:spPr>
-        <p:txBody>
-          <a:bodyPr wrap="square">
-            <a:spAutoFit/>
-          </a:bodyPr>
-          <a:lstStyle/>
-          <a:p>
-            <a:r>
-              <a:rPr lang="en-US" sz="3200" dirty="0">
-                <a:solidFill>
-                  <a:srgbClr val="E9D8B2"/>
-                </a:solidFill>
-                <a:latin typeface="Inter" panose="020B0502030000000004"/>
-              </a:rPr>
-              <a:t>https://app.swaggerhub.com/apis/DENNISGORMAN02/ContactManager/1.0.4</a:t>
-            </a:r>
           </a:p>
         </p:txBody>
       </p:sp>
@@ -8729,4 +9910,319 @@
     </a:ext>
   </a:extLst>
 </a:theme>
+</file>
+
+<file path=ppt/theme/theme2.xml><?xml version="1.0" encoding="utf-8"?>
+<a:theme xmlns:a="http://schemas.openxmlformats.org/drawingml/2006/main" name="Office Theme">
+  <a:themeElements>
+    <a:clrScheme name="Office">
+      <a:dk1>
+        <a:sysClr val="windowText" lastClr="000000"/>
+      </a:dk1>
+      <a:lt1>
+        <a:sysClr val="window" lastClr="FFFFFF"/>
+      </a:lt1>
+      <a:dk2>
+        <a:srgbClr val="0E2841"/>
+      </a:dk2>
+      <a:lt2>
+        <a:srgbClr val="E8E8E8"/>
+      </a:lt2>
+      <a:accent1>
+        <a:srgbClr val="156082"/>
+      </a:accent1>
+      <a:accent2>
+        <a:srgbClr val="E97132"/>
+      </a:accent2>
+      <a:accent3>
+        <a:srgbClr val="196B24"/>
+      </a:accent3>
+      <a:accent4>
+        <a:srgbClr val="0F9ED5"/>
+      </a:accent4>
+      <a:accent5>
+        <a:srgbClr val="A02B93"/>
+      </a:accent5>
+      <a:accent6>
+        <a:srgbClr val="4EA72E"/>
+      </a:accent6>
+      <a:hlink>
+        <a:srgbClr val="467886"/>
+      </a:hlink>
+      <a:folHlink>
+        <a:srgbClr val="96607D"/>
+      </a:folHlink>
+    </a:clrScheme>
+    <a:fontScheme name="Office">
+      <a:majorFont>
+        <a:latin typeface="Aptos Display" panose="02110004020202020204"/>
+        <a:ea typeface=""/>
+        <a:cs typeface=""/>
+        <a:font script="Jpan" typeface="游ゴシック Light"/>
+        <a:font script="Hang" typeface="맑은 고딕"/>
+        <a:font script="Hans" typeface="等线 Light"/>
+        <a:font script="Hant" typeface="新細明體"/>
+        <a:font script="Arab" typeface="Times New Roman"/>
+        <a:font script="Hebr" typeface="Times New Roman"/>
+        <a:font script="Thai" typeface="Angsana New"/>
+        <a:font script="Ethi" typeface="Nyala"/>
+        <a:font script="Beng" typeface="Vrinda"/>
+        <a:font script="Gujr" typeface="Shruti"/>
+        <a:font script="Khmr" typeface="MoolBoran"/>
+        <a:font script="Knda" typeface="Tunga"/>
+        <a:font script="Guru" typeface="Raavi"/>
+        <a:font script="Cans" typeface="Euphemia"/>
+        <a:font script="Cher" typeface="Plantagenet Cherokee"/>
+        <a:font script="Yiii" typeface="Microsoft Yi Baiti"/>
+        <a:font script="Tibt" typeface="Microsoft Himalaya"/>
+        <a:font script="Thaa" typeface="MV Boli"/>
+        <a:font script="Deva" typeface="Mangal"/>
+        <a:font script="Telu" typeface="Gautami"/>
+        <a:font script="Taml" typeface="Latha"/>
+        <a:font script="Syrc" typeface="Estrangelo Edessa"/>
+        <a:font script="Orya" typeface="Kalinga"/>
+        <a:font script="Mlym" typeface="Kartika"/>
+        <a:font script="Laoo" typeface="DokChampa"/>
+        <a:font script="Sinh" typeface="Iskoola Pota"/>
+        <a:font script="Mong" typeface="Mongolian Baiti"/>
+        <a:font script="Viet" typeface="Times New Roman"/>
+        <a:font script="Uigh" typeface="Microsoft Uighur"/>
+        <a:font script="Geor" typeface="Sylfaen"/>
+        <a:font script="Armn" typeface="Arial"/>
+        <a:font script="Bugi" typeface="Leelawadee UI"/>
+        <a:font script="Bopo" typeface="Microsoft JhengHei"/>
+        <a:font script="Java" typeface="Javanese Text"/>
+        <a:font script="Lisu" typeface="Segoe UI"/>
+        <a:font script="Mymr" typeface="Myanmar Text"/>
+        <a:font script="Nkoo" typeface="Ebrima"/>
+        <a:font script="Olck" typeface="Nirmala UI"/>
+        <a:font script="Osma" typeface="Ebrima"/>
+        <a:font script="Phag" typeface="Phagspa"/>
+        <a:font script="Syrn" typeface="Estrangelo Edessa"/>
+        <a:font script="Syrj" typeface="Estrangelo Edessa"/>
+        <a:font script="Syre" typeface="Estrangelo Edessa"/>
+        <a:font script="Sora" typeface="Nirmala UI"/>
+        <a:font script="Tale" typeface="Microsoft Tai Le"/>
+        <a:font script="Talu" typeface="Microsoft New Tai Lue"/>
+        <a:font script="Tfng" typeface="Ebrima"/>
+      </a:majorFont>
+      <a:minorFont>
+        <a:latin typeface="Aptos" panose="02110004020202020204"/>
+        <a:ea typeface=""/>
+        <a:cs typeface=""/>
+        <a:font script="Jpan" typeface="游ゴシック"/>
+        <a:font script="Hang" typeface="맑은 고딕"/>
+        <a:font script="Hans" typeface="等线"/>
+        <a:font script="Hant" typeface="新細明體"/>
+        <a:font script="Arab" typeface="Arial"/>
+        <a:font script="Hebr" typeface="Arial"/>
+        <a:font script="Thai" typeface="Cordia New"/>
+        <a:font script="Ethi" typeface="Nyala"/>
+        <a:font script="Beng" typeface="Vrinda"/>
+        <a:font script="Gujr" typeface="Shruti"/>
+        <a:font script="Khmr" typeface="DaunPenh"/>
+        <a:font script="Knda" typeface="Tunga"/>
+        <a:font script="Guru" typeface="Raavi"/>
+        <a:font script="Cans" typeface="Euphemia"/>
+        <a:font script="Cher" typeface="Plantagenet Cherokee"/>
+        <a:font script="Yiii" typeface="Microsoft Yi Baiti"/>
+        <a:font script="Tibt" typeface="Microsoft Himalaya"/>
+        <a:font script="Thaa" typeface="MV Boli"/>
+        <a:font script="Deva" typeface="Mangal"/>
+        <a:font script="Telu" typeface="Gautami"/>
+        <a:font script="Taml" typeface="Latha"/>
+        <a:font script="Syrc" typeface="Estrangelo Edessa"/>
+        <a:font script="Orya" typeface="Kalinga"/>
+        <a:font script="Mlym" typeface="Kartika"/>
+        <a:font script="Laoo" typeface="DokChampa"/>
+        <a:font script="Sinh" typeface="Iskoola Pota"/>
+        <a:font script="Mong" typeface="Mongolian Baiti"/>
+        <a:font script="Viet" typeface="Arial"/>
+        <a:font script="Uigh" typeface="Microsoft Uighur"/>
+        <a:font script="Geor" typeface="Sylfaen"/>
+        <a:font script="Armn" typeface="Arial"/>
+        <a:font script="Bugi" typeface="Leelawadee UI"/>
+        <a:font script="Bopo" typeface="Microsoft JhengHei"/>
+        <a:font script="Java" typeface="Javanese Text"/>
+        <a:font script="Lisu" typeface="Segoe UI"/>
+        <a:font script="Mymr" typeface="Myanmar Text"/>
+        <a:font script="Nkoo" typeface="Ebrima"/>
+        <a:font script="Olck" typeface="Nirmala UI"/>
+        <a:font script="Osma" typeface="Ebrima"/>
+        <a:font script="Phag" typeface="Phagspa"/>
+        <a:font script="Syrn" typeface="Estrangelo Edessa"/>
+        <a:font script="Syrj" typeface="Estrangelo Edessa"/>
+        <a:font script="Syre" typeface="Estrangelo Edessa"/>
+        <a:font script="Sora" typeface="Nirmala UI"/>
+        <a:font script="Tale" typeface="Microsoft Tai Le"/>
+        <a:font script="Talu" typeface="Microsoft New Tai Lue"/>
+        <a:font script="Tfng" typeface="Ebrima"/>
+      </a:minorFont>
+    </a:fontScheme>
+    <a:fmtScheme name="Office">
+      <a:fillStyleLst>
+        <a:solidFill>
+          <a:schemeClr val="phClr"/>
+        </a:solidFill>
+        <a:gradFill rotWithShape="1">
+          <a:gsLst>
+            <a:gs pos="0">
+              <a:schemeClr val="phClr">
+                <a:lumMod val="110000"/>
+                <a:satMod val="105000"/>
+                <a:tint val="67000"/>
+              </a:schemeClr>
+            </a:gs>
+            <a:gs pos="50000">
+              <a:schemeClr val="phClr">
+                <a:lumMod val="105000"/>
+                <a:satMod val="103000"/>
+                <a:tint val="73000"/>
+              </a:schemeClr>
+            </a:gs>
+            <a:gs pos="100000">
+              <a:schemeClr val="phClr">
+                <a:lumMod val="105000"/>
+                <a:satMod val="109000"/>
+                <a:tint val="81000"/>
+              </a:schemeClr>
+            </a:gs>
+          </a:gsLst>
+          <a:lin ang="5400000" scaled="0"/>
+        </a:gradFill>
+        <a:gradFill rotWithShape="1">
+          <a:gsLst>
+            <a:gs pos="0">
+              <a:schemeClr val="phClr">
+                <a:satMod val="103000"/>
+                <a:lumMod val="102000"/>
+                <a:tint val="94000"/>
+              </a:schemeClr>
+            </a:gs>
+            <a:gs pos="50000">
+              <a:schemeClr val="phClr">
+                <a:satMod val="110000"/>
+                <a:lumMod val="100000"/>
+                <a:shade val="100000"/>
+              </a:schemeClr>
+            </a:gs>
+            <a:gs pos="100000">
+              <a:schemeClr val="phClr">
+                <a:lumMod val="99000"/>
+                <a:satMod val="120000"/>
+                <a:shade val="78000"/>
+              </a:schemeClr>
+            </a:gs>
+          </a:gsLst>
+          <a:lin ang="5400000" scaled="0"/>
+        </a:gradFill>
+      </a:fillStyleLst>
+      <a:lnStyleLst>
+        <a:ln w="12700" cap="flat" cmpd="sng" algn="ctr">
+          <a:solidFill>
+            <a:schemeClr val="phClr"/>
+          </a:solidFill>
+          <a:prstDash val="solid"/>
+          <a:miter lim="800000"/>
+        </a:ln>
+        <a:ln w="19050" cap="flat" cmpd="sng" algn="ctr">
+          <a:solidFill>
+            <a:schemeClr val="phClr"/>
+          </a:solidFill>
+          <a:prstDash val="solid"/>
+          <a:miter lim="800000"/>
+        </a:ln>
+        <a:ln w="25400" cap="flat" cmpd="sng" algn="ctr">
+          <a:solidFill>
+            <a:schemeClr val="phClr"/>
+          </a:solidFill>
+          <a:prstDash val="solid"/>
+          <a:miter lim="800000"/>
+        </a:ln>
+      </a:lnStyleLst>
+      <a:effectStyleLst>
+        <a:effectStyle>
+          <a:effectLst/>
+        </a:effectStyle>
+        <a:effectStyle>
+          <a:effectLst/>
+        </a:effectStyle>
+        <a:effectStyle>
+          <a:effectLst>
+            <a:outerShdw blurRad="57150" dist="19050" dir="5400000" algn="ctr" rotWithShape="0">
+              <a:srgbClr val="000000">
+                <a:alpha val="63000"/>
+              </a:srgbClr>
+            </a:outerShdw>
+          </a:effectLst>
+        </a:effectStyle>
+      </a:effectStyleLst>
+      <a:bgFillStyleLst>
+        <a:solidFill>
+          <a:schemeClr val="phClr"/>
+        </a:solidFill>
+        <a:solidFill>
+          <a:schemeClr val="phClr">
+            <a:tint val="95000"/>
+            <a:satMod val="170000"/>
+          </a:schemeClr>
+        </a:solidFill>
+        <a:gradFill rotWithShape="1">
+          <a:gsLst>
+            <a:gs pos="0">
+              <a:schemeClr val="phClr">
+                <a:tint val="93000"/>
+                <a:satMod val="150000"/>
+                <a:shade val="98000"/>
+                <a:lumMod val="102000"/>
+              </a:schemeClr>
+            </a:gs>
+            <a:gs pos="50000">
+              <a:schemeClr val="phClr">
+                <a:tint val="98000"/>
+                <a:satMod val="130000"/>
+                <a:shade val="90000"/>
+                <a:lumMod val="103000"/>
+              </a:schemeClr>
+            </a:gs>
+            <a:gs pos="100000">
+              <a:schemeClr val="phClr">
+                <a:shade val="63000"/>
+                <a:satMod val="120000"/>
+              </a:schemeClr>
+            </a:gs>
+          </a:gsLst>
+          <a:lin ang="5400000" scaled="0"/>
+        </a:gradFill>
+      </a:bgFillStyleLst>
+    </a:fmtScheme>
+  </a:themeElements>
+  <a:objectDefaults>
+    <a:lnDef>
+      <a:spPr/>
+      <a:bodyPr/>
+      <a:lstStyle/>
+      <a:style>
+        <a:lnRef idx="2">
+          <a:schemeClr val="accent1"/>
+        </a:lnRef>
+        <a:fillRef idx="0">
+          <a:schemeClr val="accent1"/>
+        </a:fillRef>
+        <a:effectRef idx="1">
+          <a:schemeClr val="accent1"/>
+        </a:effectRef>
+        <a:fontRef idx="minor">
+          <a:schemeClr val="tx1"/>
+        </a:fontRef>
+      </a:style>
+    </a:lnDef>
+  </a:objectDefaults>
+  <a:extraClrSchemeLst/>
+  <a:extLst>
+    <a:ext uri="{05A4C25C-085E-4340-85A3-A5531E510DB2}">
+      <thm15:themeFamily xmlns:thm15="http://schemas.microsoft.com/office/thememl/2012/main" name="Office Theme" id="{2E142A2C-CD16-42D6-873A-C26D2A0506FA}" vid="{1BDDFF52-6CD6-40A5-AB3C-68EB2F1E4D0A}"/>
+    </a:ext>
+  </a:extLst>
+</a:theme>
 </file>
--- a/Presentation/Contact Manager Presentation.pptx
+++ b/Presentation/Contact Manager Presentation.pptx
@@ -126,7 +126,7 @@
 <file path=ppt/revisionInfo.xml><?xml version="1.0" encoding="utf-8"?>
 <p1510:revInfo xmlns:a="http://schemas.openxmlformats.org/drawingml/2006/main" xmlns:r="http://schemas.openxmlformats.org/officeDocument/2006/relationships" xmlns:p1510="http://schemas.microsoft.com/office/powerpoint/2015/10/main">
   <p1510:revLst>
-    <p1510:client id="{CD4B01EA-4221-40B5-A155-1CF2D3FA45C3}" v="97" dt="2024-09-15T06:26:17.221"/>
+    <p1510:client id="{8E1941E3-5B5B-4888-B0F7-569E6CC58F68}" v="23" dt="2024-09-24T13:49:49.793"/>
   </p1510:revLst>
 </p1510:revInfo>
 </file>
@@ -136,12 +136,12 @@
   <pc:docChgLst>
     <pc:chgData name="Jia Jones" userId="a3b0c72f-e186-4738-b8d6-28e077c699c2" providerId="ADAL" clId="{8E1941E3-5B5B-4888-B0F7-569E6CC58F68}"/>
     <pc:docChg chg="undo redo custSel addSld delSld modSld modMainMaster">
-      <pc:chgData name="Jia Jones" userId="a3b0c72f-e186-4738-b8d6-28e077c699c2" providerId="ADAL" clId="{8E1941E3-5B5B-4888-B0F7-569E6CC58F68}" dt="2024-09-15T00:06:44.893" v="1321" actId="1076"/>
+      <pc:chgData name="Jia Jones" userId="a3b0c72f-e186-4738-b8d6-28e077c699c2" providerId="ADAL" clId="{8E1941E3-5B5B-4888-B0F7-569E6CC58F68}" dt="2024-09-24T13:49:49.791" v="1487" actId="1076"/>
       <pc:docMkLst>
         <pc:docMk/>
       </pc:docMkLst>
-      <pc:sldChg chg="addSp delSp modSp mod setBg">
-        <pc:chgData name="Jia Jones" userId="a3b0c72f-e186-4738-b8d6-28e077c699c2" providerId="ADAL" clId="{8E1941E3-5B5B-4888-B0F7-569E6CC58F68}" dt="2024-09-09T03:06:25.797" v="641" actId="207"/>
+      <pc:sldChg chg="addSp delSp modSp mod setBg modNotesTx">
+        <pc:chgData name="Jia Jones" userId="a3b0c72f-e186-4738-b8d6-28e077c699c2" providerId="ADAL" clId="{8E1941E3-5B5B-4888-B0F7-569E6CC58F68}" dt="2024-09-23T02:44:15.066" v="1340" actId="20577"/>
         <pc:sldMkLst>
           <pc:docMk/>
           <pc:sldMk cId="1052416929" sldId="256"/>
@@ -171,8 +171,8 @@
           </ac:spMkLst>
         </pc:spChg>
       </pc:sldChg>
-      <pc:sldChg chg="addSp delSp modSp new mod setBg">
-        <pc:chgData name="Jia Jones" userId="a3b0c72f-e186-4738-b8d6-28e077c699c2" providerId="ADAL" clId="{8E1941E3-5B5B-4888-B0F7-569E6CC58F68}" dt="2024-09-09T03:07:24.496" v="651" actId="403"/>
+      <pc:sldChg chg="addSp delSp modSp new mod setBg modNotesTx">
+        <pc:chgData name="Jia Jones" userId="a3b0c72f-e186-4738-b8d6-28e077c699c2" providerId="ADAL" clId="{8E1941E3-5B5B-4888-B0F7-569E6CC58F68}" dt="2024-09-23T02:44:17.713" v="1341"/>
         <pc:sldMkLst>
           <pc:docMk/>
           <pc:sldMk cId="3489001171" sldId="257"/>
@@ -234,7 +234,7 @@
           </ac:spMkLst>
         </pc:spChg>
         <pc:spChg chg="add mod">
-          <ac:chgData name="Jia Jones" userId="a3b0c72f-e186-4738-b8d6-28e077c699c2" providerId="ADAL" clId="{8E1941E3-5B5B-4888-B0F7-569E6CC58F68}" dt="2024-09-09T03:06:39.115" v="643" actId="207"/>
+          <ac:chgData name="Jia Jones" userId="a3b0c72f-e186-4738-b8d6-28e077c699c2" providerId="ADAL" clId="{8E1941E3-5B5B-4888-B0F7-569E6CC58F68}" dt="2024-09-23T02:36:36.131" v="1323" actId="165"/>
           <ac:spMkLst>
             <pc:docMk/>
             <pc:sldMk cId="3489001171" sldId="257"/>
@@ -242,7 +242,7 @@
           </ac:spMkLst>
         </pc:spChg>
         <pc:spChg chg="add mod ord">
-          <ac:chgData name="Jia Jones" userId="a3b0c72f-e186-4738-b8d6-28e077c699c2" providerId="ADAL" clId="{8E1941E3-5B5B-4888-B0F7-569E6CC58F68}" dt="2024-09-09T03:06:31.849" v="642" actId="207"/>
+          <ac:chgData name="Jia Jones" userId="a3b0c72f-e186-4738-b8d6-28e077c699c2" providerId="ADAL" clId="{8E1941E3-5B5B-4888-B0F7-569E6CC58F68}" dt="2024-09-23T02:36:36.131" v="1323" actId="165"/>
           <ac:spMkLst>
             <pc:docMk/>
             <pc:sldMk cId="3489001171" sldId="257"/>
@@ -250,7 +250,7 @@
           </ac:spMkLst>
         </pc:spChg>
         <pc:spChg chg="add mod">
-          <ac:chgData name="Jia Jones" userId="a3b0c72f-e186-4738-b8d6-28e077c699c2" providerId="ADAL" clId="{8E1941E3-5B5B-4888-B0F7-569E6CC58F68}" dt="2024-09-09T03:07:12.434" v="646" actId="207"/>
+          <ac:chgData name="Jia Jones" userId="a3b0c72f-e186-4738-b8d6-28e077c699c2" providerId="ADAL" clId="{8E1941E3-5B5B-4888-B0F7-569E6CC58F68}" dt="2024-09-23T02:36:36.131" v="1323" actId="165"/>
           <ac:spMkLst>
             <pc:docMk/>
             <pc:sldMk cId="3489001171" sldId="257"/>
@@ -258,7 +258,7 @@
           </ac:spMkLst>
         </pc:spChg>
         <pc:spChg chg="add mod ord">
-          <ac:chgData name="Jia Jones" userId="a3b0c72f-e186-4738-b8d6-28e077c699c2" providerId="ADAL" clId="{8E1941E3-5B5B-4888-B0F7-569E6CC58F68}" dt="2024-09-09T03:07:01.912" v="645" actId="207"/>
+          <ac:chgData name="Jia Jones" userId="a3b0c72f-e186-4738-b8d6-28e077c699c2" providerId="ADAL" clId="{8E1941E3-5B5B-4888-B0F7-569E6CC58F68}" dt="2024-09-23T02:36:36.131" v="1323" actId="165"/>
           <ac:spMkLst>
             <pc:docMk/>
             <pc:sldMk cId="3489001171" sldId="257"/>
@@ -266,7 +266,7 @@
           </ac:spMkLst>
         </pc:spChg>
         <pc:spChg chg="add mod">
-          <ac:chgData name="Jia Jones" userId="a3b0c72f-e186-4738-b8d6-28e077c699c2" providerId="ADAL" clId="{8E1941E3-5B5B-4888-B0F7-569E6CC58F68}" dt="2024-09-09T03:07:01.912" v="645" actId="207"/>
+          <ac:chgData name="Jia Jones" userId="a3b0c72f-e186-4738-b8d6-28e077c699c2" providerId="ADAL" clId="{8E1941E3-5B5B-4888-B0F7-569E6CC58F68}" dt="2024-09-23T02:36:36.131" v="1323" actId="165"/>
           <ac:spMkLst>
             <pc:docMk/>
             <pc:sldMk cId="3489001171" sldId="257"/>
@@ -274,7 +274,7 @@
           </ac:spMkLst>
         </pc:spChg>
         <pc:spChg chg="add mod">
-          <ac:chgData name="Jia Jones" userId="a3b0c72f-e186-4738-b8d6-28e077c699c2" providerId="ADAL" clId="{8E1941E3-5B5B-4888-B0F7-569E6CC58F68}" dt="2024-09-09T03:07:17.891" v="648" actId="207"/>
+          <ac:chgData name="Jia Jones" userId="a3b0c72f-e186-4738-b8d6-28e077c699c2" providerId="ADAL" clId="{8E1941E3-5B5B-4888-B0F7-569E6CC58F68}" dt="2024-09-23T02:36:36.131" v="1323" actId="165"/>
           <ac:spMkLst>
             <pc:docMk/>
             <pc:sldMk cId="3489001171" sldId="257"/>
@@ -282,7 +282,7 @@
           </ac:spMkLst>
         </pc:spChg>
         <pc:spChg chg="add mod">
-          <ac:chgData name="Jia Jones" userId="a3b0c72f-e186-4738-b8d6-28e077c699c2" providerId="ADAL" clId="{8E1941E3-5B5B-4888-B0F7-569E6CC58F68}" dt="2024-09-09T03:07:01.912" v="645" actId="207"/>
+          <ac:chgData name="Jia Jones" userId="a3b0c72f-e186-4738-b8d6-28e077c699c2" providerId="ADAL" clId="{8E1941E3-5B5B-4888-B0F7-569E6CC58F68}" dt="2024-09-23T02:36:36.131" v="1323" actId="165"/>
           <ac:spMkLst>
             <pc:docMk/>
             <pc:sldMk cId="3489001171" sldId="257"/>
@@ -290,7 +290,7 @@
           </ac:spMkLst>
         </pc:spChg>
         <pc:spChg chg="add mod">
-          <ac:chgData name="Jia Jones" userId="a3b0c72f-e186-4738-b8d6-28e077c699c2" providerId="ADAL" clId="{8E1941E3-5B5B-4888-B0F7-569E6CC58F68}" dt="2024-09-09T03:07:01.912" v="645" actId="207"/>
+          <ac:chgData name="Jia Jones" userId="a3b0c72f-e186-4738-b8d6-28e077c699c2" providerId="ADAL" clId="{8E1941E3-5B5B-4888-B0F7-569E6CC58F68}" dt="2024-09-23T02:36:36.131" v="1323" actId="165"/>
           <ac:spMkLst>
             <pc:docMk/>
             <pc:sldMk cId="3489001171" sldId="257"/>
@@ -298,7 +298,7 @@
           </ac:spMkLst>
         </pc:spChg>
         <pc:spChg chg="add mod">
-          <ac:chgData name="Jia Jones" userId="a3b0c72f-e186-4738-b8d6-28e077c699c2" providerId="ADAL" clId="{8E1941E3-5B5B-4888-B0F7-569E6CC58F68}" dt="2024-09-09T03:07:21.037" v="649" actId="207"/>
+          <ac:chgData name="Jia Jones" userId="a3b0c72f-e186-4738-b8d6-28e077c699c2" providerId="ADAL" clId="{8E1941E3-5B5B-4888-B0F7-569E6CC58F68}" dt="2024-09-23T02:36:36.131" v="1323" actId="165"/>
           <ac:spMkLst>
             <pc:docMk/>
             <pc:sldMk cId="3489001171" sldId="257"/>
@@ -306,7 +306,7 @@
           </ac:spMkLst>
         </pc:spChg>
         <pc:spChg chg="add mod">
-          <ac:chgData name="Jia Jones" userId="a3b0c72f-e186-4738-b8d6-28e077c699c2" providerId="ADAL" clId="{8E1941E3-5B5B-4888-B0F7-569E6CC58F68}" dt="2024-09-09T03:07:01.912" v="645" actId="207"/>
+          <ac:chgData name="Jia Jones" userId="a3b0c72f-e186-4738-b8d6-28e077c699c2" providerId="ADAL" clId="{8E1941E3-5B5B-4888-B0F7-569E6CC58F68}" dt="2024-09-23T02:36:36.131" v="1323" actId="165"/>
           <ac:spMkLst>
             <pc:docMk/>
             <pc:sldMk cId="3489001171" sldId="257"/>
@@ -314,7 +314,7 @@
           </ac:spMkLst>
         </pc:spChg>
         <pc:spChg chg="add mod">
-          <ac:chgData name="Jia Jones" userId="a3b0c72f-e186-4738-b8d6-28e077c699c2" providerId="ADAL" clId="{8E1941E3-5B5B-4888-B0F7-569E6CC58F68}" dt="2024-09-09T03:07:01.912" v="645" actId="207"/>
+          <ac:chgData name="Jia Jones" userId="a3b0c72f-e186-4738-b8d6-28e077c699c2" providerId="ADAL" clId="{8E1941E3-5B5B-4888-B0F7-569E6CC58F68}" dt="2024-09-23T02:36:36.131" v="1323" actId="165"/>
           <ac:spMkLst>
             <pc:docMk/>
             <pc:sldMk cId="3489001171" sldId="257"/>
@@ -329,32 +329,40 @@
             <ac:spMk id="26" creationId="{E2C819BC-8B99-E728-6122-44C6C9D50372}"/>
           </ac:spMkLst>
         </pc:spChg>
-        <pc:grpChg chg="add mod">
-          <ac:chgData name="Jia Jones" userId="a3b0c72f-e186-4738-b8d6-28e077c699c2" providerId="ADAL" clId="{8E1941E3-5B5B-4888-B0F7-569E6CC58F68}" dt="2024-09-09T03:01:55.514" v="597" actId="1076"/>
+        <pc:grpChg chg="del mod">
+          <ac:chgData name="Jia Jones" userId="a3b0c72f-e186-4738-b8d6-28e077c699c2" providerId="ADAL" clId="{8E1941E3-5B5B-4888-B0F7-569E6CC58F68}" dt="2024-09-23T02:36:36.131" v="1323" actId="165"/>
+          <ac:grpSpMkLst>
+            <pc:docMk/>
+            <pc:sldMk cId="3489001171" sldId="257"/>
+            <ac:grpSpMk id="3" creationId="{B4731DEC-6AD2-BDB9-FF2A-5E46F8E7DDF4}"/>
+          </ac:grpSpMkLst>
+        </pc:grpChg>
+        <pc:grpChg chg="add mod topLvl">
+          <ac:chgData name="Jia Jones" userId="a3b0c72f-e186-4738-b8d6-28e077c699c2" providerId="ADAL" clId="{8E1941E3-5B5B-4888-B0F7-569E6CC58F68}" dt="2024-09-23T02:36:45.247" v="1324" actId="1076"/>
           <ac:grpSpMkLst>
             <pc:docMk/>
             <pc:sldMk cId="3489001171" sldId="257"/>
             <ac:grpSpMk id="22" creationId="{24C32157-A863-7E9A-7EB2-6AB1D39A3E3E}"/>
           </ac:grpSpMkLst>
         </pc:grpChg>
-        <pc:grpChg chg="add mod">
-          <ac:chgData name="Jia Jones" userId="a3b0c72f-e186-4738-b8d6-28e077c699c2" providerId="ADAL" clId="{8E1941E3-5B5B-4888-B0F7-569E6CC58F68}" dt="2024-09-09T03:01:55.514" v="597" actId="1076"/>
+        <pc:grpChg chg="add mod topLvl">
+          <ac:chgData name="Jia Jones" userId="a3b0c72f-e186-4738-b8d6-28e077c699c2" providerId="ADAL" clId="{8E1941E3-5B5B-4888-B0F7-569E6CC58F68}" dt="2024-09-23T02:36:45.247" v="1324" actId="1076"/>
           <ac:grpSpMkLst>
             <pc:docMk/>
             <pc:sldMk cId="3489001171" sldId="257"/>
             <ac:grpSpMk id="23" creationId="{152677A2-6237-40B3-8E78-57F6EB8553FF}"/>
           </ac:grpSpMkLst>
         </pc:grpChg>
-        <pc:grpChg chg="add mod">
-          <ac:chgData name="Jia Jones" userId="a3b0c72f-e186-4738-b8d6-28e077c699c2" providerId="ADAL" clId="{8E1941E3-5B5B-4888-B0F7-569E6CC58F68}" dt="2024-09-09T03:01:55.514" v="597" actId="1076"/>
+        <pc:grpChg chg="add mod topLvl">
+          <ac:chgData name="Jia Jones" userId="a3b0c72f-e186-4738-b8d6-28e077c699c2" providerId="ADAL" clId="{8E1941E3-5B5B-4888-B0F7-569E6CC58F68}" dt="2024-09-23T02:36:45.247" v="1324" actId="1076"/>
           <ac:grpSpMkLst>
             <pc:docMk/>
             <pc:sldMk cId="3489001171" sldId="257"/>
             <ac:grpSpMk id="24" creationId="{C4D9CEDA-38D2-2235-6A6E-7701FE0D88BE}"/>
           </ac:grpSpMkLst>
         </pc:grpChg>
-        <pc:grpChg chg="add mod">
-          <ac:chgData name="Jia Jones" userId="a3b0c72f-e186-4738-b8d6-28e077c699c2" providerId="ADAL" clId="{8E1941E3-5B5B-4888-B0F7-569E6CC58F68}" dt="2024-09-09T03:01:51.676" v="596" actId="1076"/>
+        <pc:grpChg chg="add mod topLvl">
+          <ac:chgData name="Jia Jones" userId="a3b0c72f-e186-4738-b8d6-28e077c699c2" providerId="ADAL" clId="{8E1941E3-5B5B-4888-B0F7-569E6CC58F68}" dt="2024-09-23T02:36:36.131" v="1323" actId="165"/>
           <ac:grpSpMkLst>
             <pc:docMk/>
             <pc:sldMk cId="3489001171" sldId="257"/>
@@ -362,14 +370,14 @@
           </ac:grpSpMkLst>
         </pc:grpChg>
       </pc:sldChg>
-      <pc:sldChg chg="addSp delSp modSp add mod setBg">
-        <pc:chgData name="Jia Jones" userId="a3b0c72f-e186-4738-b8d6-28e077c699c2" providerId="ADAL" clId="{8E1941E3-5B5B-4888-B0F7-569E6CC58F68}" dt="2024-09-15T00:06:44.893" v="1321" actId="1076"/>
+      <pc:sldChg chg="addSp delSp modSp add mod setBg modNotesTx">
+        <pc:chgData name="Jia Jones" userId="a3b0c72f-e186-4738-b8d6-28e077c699c2" providerId="ADAL" clId="{8E1941E3-5B5B-4888-B0F7-569E6CC58F68}" dt="2024-09-24T13:49:49.791" v="1487" actId="1076"/>
         <pc:sldMkLst>
           <pc:docMk/>
           <pc:sldMk cId="827846081" sldId="258"/>
         </pc:sldMkLst>
-        <pc:spChg chg="add mod">
-          <ac:chgData name="Jia Jones" userId="a3b0c72f-e186-4738-b8d6-28e077c699c2" providerId="ADAL" clId="{8E1941E3-5B5B-4888-B0F7-569E6CC58F68}" dt="2024-09-09T03:05:32.228" v="633" actId="207"/>
+        <pc:spChg chg="add mod topLvl">
+          <ac:chgData name="Jia Jones" userId="a3b0c72f-e186-4738-b8d6-28e077c699c2" providerId="ADAL" clId="{8E1941E3-5B5B-4888-B0F7-569E6CC58F68}" dt="2024-09-24T13:49:41.142" v="1485" actId="165"/>
           <ac:spMkLst>
             <pc:docMk/>
             <pc:sldMk cId="827846081" sldId="258"/>
@@ -393,7 +401,7 @@
           </ac:spMkLst>
         </pc:spChg>
         <pc:spChg chg="mod">
-          <ac:chgData name="Jia Jones" userId="a3b0c72f-e186-4738-b8d6-28e077c699c2" providerId="ADAL" clId="{8E1941E3-5B5B-4888-B0F7-569E6CC58F68}" dt="2024-09-09T03:04:40.741" v="626" actId="207"/>
+          <ac:chgData name="Jia Jones" userId="a3b0c72f-e186-4738-b8d6-28e077c699c2" providerId="ADAL" clId="{8E1941E3-5B5B-4888-B0F7-569E6CC58F68}" dt="2024-09-24T13:49:41.142" v="1485" actId="165"/>
           <ac:spMkLst>
             <pc:docMk/>
             <pc:sldMk cId="827846081" sldId="258"/>
@@ -409,7 +417,7 @@
           </ac:spMkLst>
         </pc:spChg>
         <pc:spChg chg="mod">
-          <ac:chgData name="Jia Jones" userId="a3b0c72f-e186-4738-b8d6-28e077c699c2" providerId="ADAL" clId="{8E1941E3-5B5B-4888-B0F7-569E6CC58F68}" dt="2024-09-09T03:04:29.195" v="623" actId="207"/>
+          <ac:chgData name="Jia Jones" userId="a3b0c72f-e186-4738-b8d6-28e077c699c2" providerId="ADAL" clId="{8E1941E3-5B5B-4888-B0F7-569E6CC58F68}" dt="2024-09-24T13:49:41.142" v="1485" actId="165"/>
           <ac:spMkLst>
             <pc:docMk/>
             <pc:sldMk cId="827846081" sldId="258"/>
@@ -417,7 +425,7 @@
           </ac:spMkLst>
         </pc:spChg>
         <pc:spChg chg="mod">
-          <ac:chgData name="Jia Jones" userId="a3b0c72f-e186-4738-b8d6-28e077c699c2" providerId="ADAL" clId="{8E1941E3-5B5B-4888-B0F7-569E6CC58F68}" dt="2024-09-09T03:05:11.988" v="629" actId="207"/>
+          <ac:chgData name="Jia Jones" userId="a3b0c72f-e186-4738-b8d6-28e077c699c2" providerId="ADAL" clId="{8E1941E3-5B5B-4888-B0F7-569E6CC58F68}" dt="2024-09-24T13:49:41.142" v="1485" actId="165"/>
           <ac:spMkLst>
             <pc:docMk/>
             <pc:sldMk cId="827846081" sldId="258"/>
@@ -433,7 +441,7 @@
           </ac:spMkLst>
         </pc:spChg>
         <pc:spChg chg="mod">
-          <ac:chgData name="Jia Jones" userId="a3b0c72f-e186-4738-b8d6-28e077c699c2" providerId="ADAL" clId="{8E1941E3-5B5B-4888-B0F7-569E6CC58F68}" dt="2024-09-09T03:05:08.641" v="628" actId="207"/>
+          <ac:chgData name="Jia Jones" userId="a3b0c72f-e186-4738-b8d6-28e077c699c2" providerId="ADAL" clId="{8E1941E3-5B5B-4888-B0F7-569E6CC58F68}" dt="2024-09-24T13:49:41.142" v="1485" actId="165"/>
           <ac:spMkLst>
             <pc:docMk/>
             <pc:sldMk cId="827846081" sldId="258"/>
@@ -441,7 +449,7 @@
           </ac:spMkLst>
         </pc:spChg>
         <pc:spChg chg="mod">
-          <ac:chgData name="Jia Jones" userId="a3b0c72f-e186-4738-b8d6-28e077c699c2" providerId="ADAL" clId="{8E1941E3-5B5B-4888-B0F7-569E6CC58F68}" dt="2024-09-09T03:05:17.708" v="630" actId="207"/>
+          <ac:chgData name="Jia Jones" userId="a3b0c72f-e186-4738-b8d6-28e077c699c2" providerId="ADAL" clId="{8E1941E3-5B5B-4888-B0F7-569E6CC58F68}" dt="2024-09-24T13:49:41.142" v="1485" actId="165"/>
           <ac:spMkLst>
             <pc:docMk/>
             <pc:sldMk cId="827846081" sldId="258"/>
@@ -457,35 +465,59 @@
           </ac:spMkLst>
         </pc:spChg>
         <pc:spChg chg="mod">
-          <ac:chgData name="Jia Jones" userId="a3b0c72f-e186-4738-b8d6-28e077c699c2" providerId="ADAL" clId="{8E1941E3-5B5B-4888-B0F7-569E6CC58F68}" dt="2024-09-09T03:05:20.073" v="631" actId="207"/>
+          <ac:chgData name="Jia Jones" userId="a3b0c72f-e186-4738-b8d6-28e077c699c2" providerId="ADAL" clId="{8E1941E3-5B5B-4888-B0F7-569E6CC58F68}" dt="2024-09-24T13:49:41.142" v="1485" actId="165"/>
           <ac:spMkLst>
             <pc:docMk/>
             <pc:sldMk cId="827846081" sldId="258"/>
             <ac:spMk id="21" creationId="{815F8B5D-F820-00DF-D6E2-971F5F65F789}"/>
           </ac:spMkLst>
         </pc:spChg>
-        <pc:grpChg chg="mod">
-          <ac:chgData name="Jia Jones" userId="a3b0c72f-e186-4738-b8d6-28e077c699c2" providerId="ADAL" clId="{8E1941E3-5B5B-4888-B0F7-569E6CC58F68}" dt="2024-09-09T02:24:42.430" v="414" actId="1076"/>
+        <pc:grpChg chg="del mod topLvl">
+          <ac:chgData name="Jia Jones" userId="a3b0c72f-e186-4738-b8d6-28e077c699c2" providerId="ADAL" clId="{8E1941E3-5B5B-4888-B0F7-569E6CC58F68}" dt="2024-09-24T13:49:41.142" v="1485" actId="165"/>
+          <ac:grpSpMkLst>
+            <pc:docMk/>
+            <pc:sldMk cId="827846081" sldId="258"/>
+            <ac:grpSpMk id="2" creationId="{70312291-9414-FADA-19BA-E971C884D82B}"/>
+          </ac:grpSpMkLst>
+        </pc:grpChg>
+        <pc:grpChg chg="add del mod">
+          <ac:chgData name="Jia Jones" userId="a3b0c72f-e186-4738-b8d6-28e077c699c2" providerId="ADAL" clId="{8E1941E3-5B5B-4888-B0F7-569E6CC58F68}" dt="2024-09-24T13:49:37.081" v="1484" actId="165"/>
+          <ac:grpSpMkLst>
+            <pc:docMk/>
+            <pc:sldMk cId="827846081" sldId="258"/>
+            <ac:grpSpMk id="20" creationId="{9DB85A99-F3C9-90C9-E216-D4F02A72605C}"/>
+          </ac:grpSpMkLst>
+        </pc:grpChg>
+        <pc:grpChg chg="mod topLvl">
+          <ac:chgData name="Jia Jones" userId="a3b0c72f-e186-4738-b8d6-28e077c699c2" providerId="ADAL" clId="{8E1941E3-5B5B-4888-B0F7-569E6CC58F68}" dt="2024-09-24T13:49:41.142" v="1485" actId="165"/>
           <ac:grpSpMkLst>
             <pc:docMk/>
             <pc:sldMk cId="827846081" sldId="258"/>
             <ac:grpSpMk id="22" creationId="{24C32157-A863-7E9A-7EB2-6AB1D39A3E3E}"/>
           </ac:grpSpMkLst>
         </pc:grpChg>
-        <pc:grpChg chg="mod">
-          <ac:chgData name="Jia Jones" userId="a3b0c72f-e186-4738-b8d6-28e077c699c2" providerId="ADAL" clId="{8E1941E3-5B5B-4888-B0F7-569E6CC58F68}" dt="2024-09-09T02:24:42.430" v="414" actId="1076"/>
+        <pc:grpChg chg="mod topLvl">
+          <ac:chgData name="Jia Jones" userId="a3b0c72f-e186-4738-b8d6-28e077c699c2" providerId="ADAL" clId="{8E1941E3-5B5B-4888-B0F7-569E6CC58F68}" dt="2024-09-24T13:49:41.142" v="1485" actId="165"/>
           <ac:grpSpMkLst>
             <pc:docMk/>
             <pc:sldMk cId="827846081" sldId="258"/>
             <ac:grpSpMk id="23" creationId="{152677A2-6237-40B3-8E78-57F6EB8553FF}"/>
           </ac:grpSpMkLst>
         </pc:grpChg>
-        <pc:grpChg chg="mod">
-          <ac:chgData name="Jia Jones" userId="a3b0c72f-e186-4738-b8d6-28e077c699c2" providerId="ADAL" clId="{8E1941E3-5B5B-4888-B0F7-569E6CC58F68}" dt="2024-09-09T02:24:42.430" v="414" actId="1076"/>
+        <pc:grpChg chg="mod topLvl">
+          <ac:chgData name="Jia Jones" userId="a3b0c72f-e186-4738-b8d6-28e077c699c2" providerId="ADAL" clId="{8E1941E3-5B5B-4888-B0F7-569E6CC58F68}" dt="2024-09-24T13:49:41.142" v="1485" actId="165"/>
           <ac:grpSpMkLst>
             <pc:docMk/>
             <pc:sldMk cId="827846081" sldId="258"/>
             <ac:grpSpMk id="24" creationId="{C4D9CEDA-38D2-2235-6A6E-7701FE0D88BE}"/>
+          </ac:grpSpMkLst>
+        </pc:grpChg>
+        <pc:grpChg chg="add mod">
+          <ac:chgData name="Jia Jones" userId="a3b0c72f-e186-4738-b8d6-28e077c699c2" providerId="ADAL" clId="{8E1941E3-5B5B-4888-B0F7-569E6CC58F68}" dt="2024-09-24T13:49:49.791" v="1487" actId="1076"/>
+          <ac:grpSpMkLst>
+            <pc:docMk/>
+            <pc:sldMk cId="827846081" sldId="258"/>
+            <ac:grpSpMk id="25" creationId="{735FC4F8-C8B2-F930-41F6-8F46C9673B0E}"/>
           </ac:grpSpMkLst>
         </pc:grpChg>
         <pc:picChg chg="add mod modCrop">
@@ -494,6 +526,14 @@
             <pc:docMk/>
             <pc:sldMk cId="827846081" sldId="258"/>
             <ac:picMk id="2" creationId="{5A449522-71C7-A78E-FC4D-E82F2D6DF3C0}"/>
+          </ac:picMkLst>
+        </pc:picChg>
+        <pc:picChg chg="add del mod">
+          <ac:chgData name="Jia Jones" userId="a3b0c72f-e186-4738-b8d6-28e077c699c2" providerId="ADAL" clId="{8E1941E3-5B5B-4888-B0F7-569E6CC58F68}" dt="2024-09-24T13:35:18.929" v="1460" actId="478"/>
+          <ac:picMkLst>
+            <pc:docMk/>
+            <pc:sldMk cId="827846081" sldId="258"/>
+            <ac:picMk id="4" creationId="{6CFE145B-7F7A-9EC3-C064-DE553E785D64}"/>
           </ac:picMkLst>
         </pc:picChg>
         <pc:picChg chg="add mod">
@@ -512,56 +552,56 @@
             <ac:picMk id="5" creationId="{F9E68F5F-F35E-A948-8F89-FE91C423B052}"/>
           </ac:picMkLst>
         </pc:picChg>
-        <pc:picChg chg="add mod">
-          <ac:chgData name="Jia Jones" userId="a3b0c72f-e186-4738-b8d6-28e077c699c2" providerId="ADAL" clId="{8E1941E3-5B5B-4888-B0F7-569E6CC58F68}" dt="2024-09-15T00:06:28.557" v="1318" actId="1076"/>
+        <pc:picChg chg="add del mod">
+          <ac:chgData name="Jia Jones" userId="a3b0c72f-e186-4738-b8d6-28e077c699c2" providerId="ADAL" clId="{8E1941E3-5B5B-4888-B0F7-569E6CC58F68}" dt="2024-09-24T13:36:31.920" v="1474" actId="478"/>
           <ac:picMkLst>
             <pc:docMk/>
             <pc:sldMk cId="827846081" sldId="258"/>
             <ac:picMk id="6" creationId="{659D18A9-A5E4-20DB-6DA8-05675CD27922}"/>
           </ac:picMkLst>
         </pc:picChg>
-        <pc:picChg chg="add mod">
-          <ac:chgData name="Jia Jones" userId="a3b0c72f-e186-4738-b8d6-28e077c699c2" providerId="ADAL" clId="{8E1941E3-5B5B-4888-B0F7-569E6CC58F68}" dt="2024-09-09T02:42:55.800" v="471" actId="1076"/>
+        <pc:picChg chg="add mod topLvl">
+          <ac:chgData name="Jia Jones" userId="a3b0c72f-e186-4738-b8d6-28e077c699c2" providerId="ADAL" clId="{8E1941E3-5B5B-4888-B0F7-569E6CC58F68}" dt="2024-09-24T13:49:41.142" v="1485" actId="165"/>
           <ac:picMkLst>
             <pc:docMk/>
             <pc:sldMk cId="827846081" sldId="258"/>
             <ac:picMk id="7" creationId="{EE2B97E9-84D4-B203-4DBC-3EDC440E3EB9}"/>
           </ac:picMkLst>
         </pc:picChg>
-        <pc:picChg chg="add mod modCrop">
-          <ac:chgData name="Jia Jones" userId="a3b0c72f-e186-4738-b8d6-28e077c699c2" providerId="ADAL" clId="{8E1941E3-5B5B-4888-B0F7-569E6CC58F68}" dt="2024-09-09T02:41:46.838" v="462" actId="1076"/>
+        <pc:picChg chg="add mod topLvl modCrop">
+          <ac:chgData name="Jia Jones" userId="a3b0c72f-e186-4738-b8d6-28e077c699c2" providerId="ADAL" clId="{8E1941E3-5B5B-4888-B0F7-569E6CC58F68}" dt="2024-09-24T13:49:41.142" v="1485" actId="165"/>
           <ac:picMkLst>
             <pc:docMk/>
             <pc:sldMk cId="827846081" sldId="258"/>
             <ac:picMk id="8" creationId="{4941F4B1-BDA0-E8A6-849B-FF39C2019463}"/>
           </ac:picMkLst>
         </pc:picChg>
-        <pc:picChg chg="mod">
-          <ac:chgData name="Jia Jones" userId="a3b0c72f-e186-4738-b8d6-28e077c699c2" providerId="ADAL" clId="{8E1941E3-5B5B-4888-B0F7-569E6CC58F68}" dt="2024-09-15T00:06:44.893" v="1321" actId="1076"/>
+        <pc:picChg chg="mod topLvl">
+          <ac:chgData name="Jia Jones" userId="a3b0c72f-e186-4738-b8d6-28e077c699c2" providerId="ADAL" clId="{8E1941E3-5B5B-4888-B0F7-569E6CC58F68}" dt="2024-09-24T13:49:41.142" v="1485" actId="165"/>
           <ac:picMkLst>
             <pc:docMk/>
             <pc:sldMk cId="827846081" sldId="258"/>
             <ac:picMk id="9" creationId="{02234CC9-B8C4-8AEE-5667-1BA1E1B73AF8}"/>
           </ac:picMkLst>
         </pc:picChg>
-        <pc:picChg chg="add mod">
-          <ac:chgData name="Jia Jones" userId="a3b0c72f-e186-4738-b8d6-28e077c699c2" providerId="ADAL" clId="{8E1941E3-5B5B-4888-B0F7-569E6CC58F68}" dt="2024-09-15T00:06:20.489" v="1316" actId="1076"/>
+        <pc:picChg chg="add mod topLvl">
+          <ac:chgData name="Jia Jones" userId="a3b0c72f-e186-4738-b8d6-28e077c699c2" providerId="ADAL" clId="{8E1941E3-5B5B-4888-B0F7-569E6CC58F68}" dt="2024-09-24T13:49:41.142" v="1485" actId="165"/>
           <ac:picMkLst>
             <pc:docMk/>
             <pc:sldMk cId="827846081" sldId="258"/>
             <ac:picMk id="10" creationId="{174E1945-03A0-203F-DBF0-73401172B676}"/>
           </ac:picMkLst>
         </pc:picChg>
-        <pc:picChg chg="add mod">
-          <ac:chgData name="Jia Jones" userId="a3b0c72f-e186-4738-b8d6-28e077c699c2" providerId="ADAL" clId="{8E1941E3-5B5B-4888-B0F7-569E6CC58F68}" dt="2024-09-15T00:06:30.201" v="1319" actId="1076"/>
+        <pc:picChg chg="add mod topLvl">
+          <ac:chgData name="Jia Jones" userId="a3b0c72f-e186-4738-b8d6-28e077c699c2" providerId="ADAL" clId="{8E1941E3-5B5B-4888-B0F7-569E6CC58F68}" dt="2024-09-24T13:49:41.142" v="1485" actId="165"/>
           <ac:picMkLst>
             <pc:docMk/>
             <pc:sldMk cId="827846081" sldId="258"/>
             <ac:picMk id="13" creationId="{BC8BEA36-5167-6379-8409-59FE20C6DAED}"/>
           </ac:picMkLst>
         </pc:picChg>
-        <pc:picChg chg="mod">
-          <ac:chgData name="Jia Jones" userId="a3b0c72f-e186-4738-b8d6-28e077c699c2" providerId="ADAL" clId="{8E1941E3-5B5B-4888-B0F7-569E6CC58F68}" dt="2024-09-15T00:06:36.843" v="1320" actId="1076"/>
+        <pc:picChg chg="mod topLvl">
+          <ac:chgData name="Jia Jones" userId="a3b0c72f-e186-4738-b8d6-28e077c699c2" providerId="ADAL" clId="{8E1941E3-5B5B-4888-B0F7-569E6CC58F68}" dt="2024-09-24T13:49:41.142" v="1485" actId="165"/>
           <ac:picMkLst>
             <pc:docMk/>
             <pc:sldMk cId="827846081" sldId="258"/>
@@ -574,6 +614,30 @@
             <pc:docMk/>
             <pc:sldMk cId="827846081" sldId="258"/>
             <ac:picMk id="17" creationId="{720D662C-A1AC-F87A-CA98-CE17342ED317}"/>
+          </ac:picMkLst>
+        </pc:picChg>
+        <pc:picChg chg="add mod topLvl">
+          <ac:chgData name="Jia Jones" userId="a3b0c72f-e186-4738-b8d6-28e077c699c2" providerId="ADAL" clId="{8E1941E3-5B5B-4888-B0F7-569E6CC58F68}" dt="2024-09-24T13:49:37.081" v="1484" actId="165"/>
+          <ac:picMkLst>
+            <pc:docMk/>
+            <pc:sldMk cId="827846081" sldId="258"/>
+            <ac:picMk id="17" creationId="{E8BBD8BF-208C-6279-4E0E-BA95F6564704}"/>
+          </ac:picMkLst>
+        </pc:picChg>
+        <pc:picChg chg="mod topLvl">
+          <ac:chgData name="Jia Jones" userId="a3b0c72f-e186-4738-b8d6-28e077c699c2" providerId="ADAL" clId="{8E1941E3-5B5B-4888-B0F7-569E6CC58F68}" dt="2024-09-24T13:49:49.791" v="1487" actId="1076"/>
+          <ac:picMkLst>
+            <pc:docMk/>
+            <pc:sldMk cId="827846081" sldId="258"/>
+            <ac:picMk id="1026" creationId="{0DA1347E-0075-E2C3-3C3D-7667CD91E485}"/>
+          </ac:picMkLst>
+        </pc:picChg>
+        <pc:picChg chg="add mod">
+          <ac:chgData name="Jia Jones" userId="a3b0c72f-e186-4738-b8d6-28e077c699c2" providerId="ADAL" clId="{8E1941E3-5B5B-4888-B0F7-569E6CC58F68}" dt="2024-09-24T13:49:49.791" v="1487" actId="1076"/>
+          <ac:picMkLst>
+            <pc:docMk/>
+            <pc:sldMk cId="827846081" sldId="258"/>
+            <ac:picMk id="1028" creationId="{12D99C58-DAE6-0F58-ABEA-F9F49DC8A11F}"/>
           </ac:picMkLst>
         </pc:picChg>
       </pc:sldChg>
@@ -584,8 +648,8 @@
           <pc:sldMk cId="878416657" sldId="258"/>
         </pc:sldMkLst>
       </pc:sldChg>
-      <pc:sldChg chg="addSp delSp modSp new mod setBg">
-        <pc:chgData name="Jia Jones" userId="a3b0c72f-e186-4738-b8d6-28e077c699c2" providerId="ADAL" clId="{8E1941E3-5B5B-4888-B0F7-569E6CC58F68}" dt="2024-09-15T00:04:44.704" v="1311" actId="20577"/>
+      <pc:sldChg chg="addSp delSp modSp new mod setBg modNotesTx">
+        <pc:chgData name="Jia Jones" userId="a3b0c72f-e186-4738-b8d6-28e077c699c2" providerId="ADAL" clId="{8E1941E3-5B5B-4888-B0F7-569E6CC58F68}" dt="2024-09-23T02:44:49.707" v="1350" actId="20577"/>
         <pc:sldMkLst>
           <pc:docMk/>
           <pc:sldMk cId="3623192682" sldId="259"/>
@@ -631,8 +695,8 @@
           </ac:picMkLst>
         </pc:picChg>
       </pc:sldChg>
-      <pc:sldChg chg="addSp delSp modSp new mod">
-        <pc:chgData name="Jia Jones" userId="a3b0c72f-e186-4738-b8d6-28e077c699c2" providerId="ADAL" clId="{8E1941E3-5B5B-4888-B0F7-569E6CC58F68}" dt="2024-09-14T23:53:27.242" v="1308" actId="255"/>
+      <pc:sldChg chg="addSp delSp modSp new mod modNotesTx">
+        <pc:chgData name="Jia Jones" userId="a3b0c72f-e186-4738-b8d6-28e077c699c2" providerId="ADAL" clId="{8E1941E3-5B5B-4888-B0F7-569E6CC58F68}" dt="2024-09-23T02:46:20.793" v="1359" actId="20577"/>
         <pc:sldMkLst>
           <pc:docMk/>
           <pc:sldMk cId="2082502640" sldId="260"/>
@@ -646,7 +710,7 @@
           </ac:spMkLst>
         </pc:spChg>
         <pc:spChg chg="add mod">
-          <ac:chgData name="Jia Jones" userId="a3b0c72f-e186-4738-b8d6-28e077c699c2" providerId="ADAL" clId="{8E1941E3-5B5B-4888-B0F7-569E6CC58F68}" dt="2024-09-14T23:53:27.242" v="1308" actId="255"/>
+          <ac:chgData name="Jia Jones" userId="a3b0c72f-e186-4738-b8d6-28e077c699c2" providerId="ADAL" clId="{8E1941E3-5B5B-4888-B0F7-569E6CC58F68}" dt="2024-09-23T02:46:20.793" v="1359" actId="20577"/>
           <ac:spMkLst>
             <pc:docMk/>
             <pc:sldMk cId="2082502640" sldId="260"/>
@@ -670,8 +734,8 @@
           </ac:spMkLst>
         </pc:spChg>
       </pc:sldChg>
-      <pc:sldChg chg="modSp add mod">
-        <pc:chgData name="Jia Jones" userId="a3b0c72f-e186-4738-b8d6-28e077c699c2" providerId="ADAL" clId="{8E1941E3-5B5B-4888-B0F7-569E6CC58F68}" dt="2024-09-09T03:07:54.134" v="663" actId="403"/>
+      <pc:sldChg chg="modSp add mod modNotesTx">
+        <pc:chgData name="Jia Jones" userId="a3b0c72f-e186-4738-b8d6-28e077c699c2" providerId="ADAL" clId="{8E1941E3-5B5B-4888-B0F7-569E6CC58F68}" dt="2024-09-23T02:50:54.036" v="1364" actId="20577"/>
         <pc:sldMkLst>
           <pc:docMk/>
           <pc:sldMk cId="1604887251" sldId="261"/>
@@ -685,8 +749,8 @@
           </ac:spMkLst>
         </pc:spChg>
       </pc:sldChg>
-      <pc:sldChg chg="modSp add mod">
-        <pc:chgData name="Jia Jones" userId="a3b0c72f-e186-4738-b8d6-28e077c699c2" providerId="ADAL" clId="{8E1941E3-5B5B-4888-B0F7-569E6CC58F68}" dt="2024-09-09T03:07:49.697" v="661" actId="207"/>
+      <pc:sldChg chg="modSp add mod modNotesTx">
+        <pc:chgData name="Jia Jones" userId="a3b0c72f-e186-4738-b8d6-28e077c699c2" providerId="ADAL" clId="{8E1941E3-5B5B-4888-B0F7-569E6CC58F68}" dt="2024-09-23T02:53:10.415" v="1452" actId="20577"/>
         <pc:sldMkLst>
           <pc:docMk/>
           <pc:sldMk cId="3339731875" sldId="262"/>
@@ -700,8 +764,8 @@
           </ac:spMkLst>
         </pc:spChg>
       </pc:sldChg>
-      <pc:sldChg chg="addSp delSp modSp add mod">
-        <pc:chgData name="Jia Jones" userId="a3b0c72f-e186-4738-b8d6-28e077c699c2" providerId="ADAL" clId="{8E1941E3-5B5B-4888-B0F7-569E6CC58F68}" dt="2024-09-14T23:23:10.564" v="697" actId="1076"/>
+      <pc:sldChg chg="addSp delSp modSp add mod modNotesTx">
+        <pc:chgData name="Jia Jones" userId="a3b0c72f-e186-4738-b8d6-28e077c699c2" providerId="ADAL" clId="{8E1941E3-5B5B-4888-B0F7-569E6CC58F68}" dt="2024-09-23T02:52:30.414" v="1440" actId="20577"/>
         <pc:sldMkLst>
           <pc:docMk/>
           <pc:sldMk cId="3055279406" sldId="263"/>
@@ -731,8 +795,8 @@
           </ac:picMkLst>
         </pc:picChg>
       </pc:sldChg>
-      <pc:sldChg chg="modSp add mod">
-        <pc:chgData name="Jia Jones" userId="a3b0c72f-e186-4738-b8d6-28e077c699c2" providerId="ADAL" clId="{8E1941E3-5B5B-4888-B0F7-569E6CC58F68}" dt="2024-09-14T23:26:58.780" v="741" actId="20577"/>
+      <pc:sldChg chg="modSp add mod modNotesTx">
+        <pc:chgData name="Jia Jones" userId="a3b0c72f-e186-4738-b8d6-28e077c699c2" providerId="ADAL" clId="{8E1941E3-5B5B-4888-B0F7-569E6CC58F68}" dt="2024-09-23T02:53:58.296" v="1454" actId="20577"/>
         <pc:sldMkLst>
           <pc:docMk/>
           <pc:sldMk cId="2857748267" sldId="264"/>
@@ -1685,7 +1749,7 @@
           <a:p>
             <a:fld id="{65D3C4D4-1514-4147-BCDF-310A59C24B50}" type="datetimeFigureOut">
               <a:rPr lang="en-US" smtClean="0"/>
-              <a:t>9/19/2024</a:t>
+              <a:t>9/24/2024</a:t>
             </a:fld>
             <a:endParaRPr lang="en-US"/>
           </a:p>
@@ -1998,7 +2062,42 @@
           <a:p>
             <a:pPr algn="l">
               <a:buFont typeface="Arial" panose="020B0604020202020204" pitchFamily="34" charset="0"/>
-              <a:buChar char="•"/>
+              <a:buNone/>
+            </a:pPr>
+            <a:r>
+              <a:rPr lang="en-US" b="0" i="0" dirty="0">
+                <a:solidFill>
+                  <a:srgbClr val="1F2328"/>
+                </a:solidFill>
+                <a:effectLst/>
+                <a:highlight>
+                  <a:srgbClr val="FFFFFF"/>
+                </a:highlight>
+                <a:latin typeface="-apple-system"/>
+              </a:rPr>
+              <a:t>Matthew</a:t>
+            </a:r>
+          </a:p>
+          <a:p>
+            <a:pPr algn="l">
+              <a:buFont typeface="Arial" panose="020B0604020202020204" pitchFamily="34" charset="0"/>
+              <a:buNone/>
+            </a:pPr>
+            <a:endParaRPr lang="en-US" b="0" i="0" dirty="0">
+              <a:solidFill>
+                <a:srgbClr val="1F2328"/>
+              </a:solidFill>
+              <a:effectLst/>
+              <a:highlight>
+                <a:srgbClr val="FFFFFF"/>
+              </a:highlight>
+              <a:latin typeface="-apple-system"/>
+            </a:endParaRPr>
+          </a:p>
+          <a:p>
+            <a:pPr algn="l">
+              <a:buFont typeface="Arial" panose="020B0604020202020204" pitchFamily="34" charset="0"/>
+              <a:buNone/>
             </a:pPr>
             <a:r>
               <a:rPr lang="en-US" b="0" i="0" dirty="0">
@@ -2194,9 +2293,22 @@
           <a:bodyPr/>
           <a:lstStyle/>
           <a:p>
-            <a:pPr algn="l">
-              <a:buFont typeface="Arial" panose="020B0604020202020204" pitchFamily="34" charset="0"/>
-              <a:buChar char="•"/>
+            <a:pPr marL="0" marR="0" lvl="0" indent="0" algn="l" defTabSz="914400" rtl="0" eaLnBrk="1" fontAlgn="auto" latinLnBrk="0" hangingPunct="1">
+              <a:lnSpc>
+                <a:spcPct val="100000"/>
+              </a:lnSpc>
+              <a:spcBef>
+                <a:spcPts val="0"/>
+              </a:spcBef>
+              <a:spcAft>
+                <a:spcPts val="0"/>
+              </a:spcAft>
+              <a:buClrTx/>
+              <a:buSzTx/>
+              <a:buFontTx/>
+              <a:buNone/>
+              <a:tabLst/>
+              <a:defRPr/>
             </a:pPr>
             <a:r>
               <a:rPr lang="en-US" b="0" i="0" dirty="0">
@@ -2209,286 +2321,7 @@
                 </a:highlight>
                 <a:latin typeface="-apple-system"/>
               </a:rPr>
-              <a:t>General purpose</a:t>
-            </a:r>
-          </a:p>
-          <a:p>
-            <a:pPr marL="742950" lvl="1" indent="-285750" algn="l">
-              <a:buFont typeface="Arial" panose="020B0604020202020204" pitchFamily="34" charset="0"/>
-              <a:buChar char="•"/>
-            </a:pPr>
-            <a:r>
-              <a:rPr lang="en-US" b="0" i="0" dirty="0">
-                <a:solidFill>
-                  <a:srgbClr val="1F2328"/>
-                </a:solidFill>
-                <a:effectLst/>
-                <a:highlight>
-                  <a:srgbClr val="FFFFFF"/>
-                </a:highlight>
-                <a:latin typeface="-apple-system"/>
-              </a:rPr>
-              <a:t>GitHub: file tracking and collaborating</a:t>
-            </a:r>
-          </a:p>
-          <a:p>
-            <a:pPr marL="742950" lvl="1" indent="-285750" algn="l">
-              <a:buFont typeface="Arial" panose="020B0604020202020204" pitchFamily="34" charset="0"/>
-              <a:buChar char="•"/>
-            </a:pPr>
-            <a:r>
-              <a:rPr lang="en-US" b="0" i="0" dirty="0">
-                <a:solidFill>
-                  <a:srgbClr val="1F2328"/>
-                </a:solidFill>
-                <a:effectLst/>
-                <a:highlight>
-                  <a:srgbClr val="FFFFFF"/>
-                </a:highlight>
-                <a:latin typeface="-apple-system"/>
-              </a:rPr>
-              <a:t>Trello: task scheduling</a:t>
-            </a:r>
-          </a:p>
-          <a:p>
-            <a:pPr marL="742950" lvl="1" indent="-285750" algn="l">
-              <a:buFont typeface="Arial" panose="020B0604020202020204" pitchFamily="34" charset="0"/>
-              <a:buChar char="•"/>
-            </a:pPr>
-            <a:r>
-              <a:rPr lang="en-US" b="0" i="0" dirty="0" err="1">
-                <a:solidFill>
-                  <a:srgbClr val="1F2328"/>
-                </a:solidFill>
-                <a:effectLst/>
-                <a:highlight>
-                  <a:srgbClr val="FFFFFF"/>
-                </a:highlight>
-                <a:latin typeface="-apple-system"/>
-              </a:rPr>
-              <a:t>MobaXterm</a:t>
-            </a:r>
-            <a:r>
-              <a:rPr lang="en-US" b="0" i="0" dirty="0">
-                <a:solidFill>
-                  <a:srgbClr val="1F2328"/>
-                </a:solidFill>
-                <a:effectLst/>
-                <a:highlight>
-                  <a:srgbClr val="FFFFFF"/>
-                </a:highlight>
-                <a:latin typeface="-apple-system"/>
-              </a:rPr>
-              <a:t>: easy server deployment</a:t>
-            </a:r>
-          </a:p>
-          <a:p>
-            <a:pPr marL="742950" lvl="1" indent="-285750" algn="l">
-              <a:buFont typeface="Arial" panose="020B0604020202020204" pitchFamily="34" charset="0"/>
-              <a:buChar char="•"/>
-            </a:pPr>
-            <a:r>
-              <a:rPr lang="en-US" b="0" i="0" dirty="0">
-                <a:solidFill>
-                  <a:srgbClr val="1F2328"/>
-                </a:solidFill>
-                <a:effectLst/>
-                <a:highlight>
-                  <a:srgbClr val="FFFFFF"/>
-                </a:highlight>
-                <a:latin typeface="-apple-system"/>
-              </a:rPr>
-              <a:t>Discord: general communication and voice calls</a:t>
-            </a:r>
-          </a:p>
-          <a:p>
-            <a:pPr marL="742950" lvl="1" indent="-285750" algn="l">
-              <a:buFont typeface="Arial" panose="020B0604020202020204" pitchFamily="34" charset="0"/>
-              <a:buChar char="•"/>
-            </a:pPr>
-            <a:r>
-              <a:rPr lang="en-US" b="0" i="0" dirty="0">
-                <a:solidFill>
-                  <a:srgbClr val="1F2328"/>
-                </a:solidFill>
-                <a:effectLst/>
-                <a:highlight>
-                  <a:srgbClr val="FFFFFF"/>
-                </a:highlight>
-                <a:latin typeface="-apple-system"/>
-              </a:rPr>
-              <a:t>PHP Storm and Visual Studio Code: collaborative code editing</a:t>
-            </a:r>
-          </a:p>
-          <a:p>
-            <a:pPr marL="1143000" lvl="2" indent="-228600" algn="l">
-              <a:buFont typeface="Arial" panose="020B0604020202020204" pitchFamily="34" charset="0"/>
-              <a:buChar char="•"/>
-            </a:pPr>
-            <a:r>
-              <a:rPr lang="en-US" b="0" i="0" dirty="0">
-                <a:solidFill>
-                  <a:srgbClr val="1F2328"/>
-                </a:solidFill>
-                <a:effectLst/>
-                <a:highlight>
-                  <a:srgbClr val="FFFFFF"/>
-                </a:highlight>
-                <a:latin typeface="-apple-system"/>
-              </a:rPr>
-              <a:t>Collaborative coding allowed us to work on the same files at the same time</a:t>
-            </a:r>
-          </a:p>
-          <a:p>
-            <a:pPr algn="l">
-              <a:buFont typeface="Arial" panose="020B0604020202020204" pitchFamily="34" charset="0"/>
-              <a:buChar char="•"/>
-            </a:pPr>
-            <a:r>
-              <a:rPr lang="en-US" b="0" i="0" dirty="0">
-                <a:solidFill>
-                  <a:srgbClr val="1F2328"/>
-                </a:solidFill>
-                <a:effectLst/>
-                <a:highlight>
-                  <a:srgbClr val="FFFFFF"/>
-                </a:highlight>
-                <a:latin typeface="-apple-system"/>
-              </a:rPr>
-              <a:t>Front-end</a:t>
-            </a:r>
-          </a:p>
-          <a:p>
-            <a:pPr marL="742950" lvl="1" indent="-285750" algn="l">
-              <a:buFont typeface="Arial" panose="020B0604020202020204" pitchFamily="34" charset="0"/>
-              <a:buChar char="•"/>
-            </a:pPr>
-            <a:r>
-              <a:rPr lang="en-US" b="0" i="0" dirty="0">
-                <a:solidFill>
-                  <a:srgbClr val="1F2328"/>
-                </a:solidFill>
-                <a:effectLst/>
-                <a:highlight>
-                  <a:srgbClr val="FFFFFF"/>
-                </a:highlight>
-                <a:latin typeface="-apple-system"/>
-              </a:rPr>
-              <a:t>Figma: page designs</a:t>
-            </a:r>
-          </a:p>
-          <a:p>
-            <a:pPr algn="l">
-              <a:buFont typeface="Arial" panose="020B0604020202020204" pitchFamily="34" charset="0"/>
-              <a:buChar char="•"/>
-            </a:pPr>
-            <a:r>
-              <a:rPr lang="en-US" b="0" i="0" dirty="0">
-                <a:solidFill>
-                  <a:srgbClr val="1F2328"/>
-                </a:solidFill>
-                <a:effectLst/>
-                <a:highlight>
-                  <a:srgbClr val="FFFFFF"/>
-                </a:highlight>
-                <a:latin typeface="-apple-system"/>
-              </a:rPr>
-              <a:t>Back-end</a:t>
-            </a:r>
-          </a:p>
-          <a:p>
-            <a:pPr marL="742950" lvl="1" indent="-285750" algn="l">
-              <a:buFont typeface="Arial" panose="020B0604020202020204" pitchFamily="34" charset="0"/>
-              <a:buChar char="•"/>
-            </a:pPr>
-            <a:r>
-              <a:rPr lang="en-US" b="0" i="0" dirty="0">
-                <a:solidFill>
-                  <a:srgbClr val="1F2328"/>
-                </a:solidFill>
-                <a:effectLst/>
-                <a:highlight>
-                  <a:srgbClr val="FFFFFF"/>
-                </a:highlight>
-                <a:latin typeface="-apple-system"/>
-              </a:rPr>
-              <a:t>SwaggerHub: API documentation and specifications</a:t>
-            </a:r>
-          </a:p>
-          <a:p>
-            <a:pPr marL="742950" lvl="1" indent="-285750" algn="l">
-              <a:buFont typeface="Arial" panose="020B0604020202020204" pitchFamily="34" charset="0"/>
-              <a:buChar char="•"/>
-            </a:pPr>
-            <a:r>
-              <a:rPr lang="en-US" b="0" i="0" dirty="0">
-                <a:solidFill>
-                  <a:srgbClr val="1F2328"/>
-                </a:solidFill>
-                <a:effectLst/>
-                <a:highlight>
-                  <a:srgbClr val="FFFFFF"/>
-                </a:highlight>
-                <a:latin typeface="-apple-system"/>
-              </a:rPr>
-              <a:t>Allowed for quick testing of API and responses with sample data</a:t>
-            </a:r>
-          </a:p>
-          <a:p>
-            <a:pPr algn="l">
-              <a:buFont typeface="Arial" panose="020B0604020202020204" pitchFamily="34" charset="0"/>
-              <a:buChar char="•"/>
-            </a:pPr>
-            <a:r>
-              <a:rPr lang="en-US" b="0" i="0" dirty="0">
-                <a:solidFill>
-                  <a:srgbClr val="1F2328"/>
-                </a:solidFill>
-                <a:effectLst/>
-                <a:highlight>
-                  <a:srgbClr val="FFFFFF"/>
-                </a:highlight>
-                <a:latin typeface="-apple-system"/>
-              </a:rPr>
-              <a:t>Database</a:t>
-            </a:r>
-          </a:p>
-          <a:p>
-            <a:pPr marL="742950" lvl="1" indent="-285750" algn="l">
-              <a:buFont typeface="Arial" panose="020B0604020202020204" pitchFamily="34" charset="0"/>
-              <a:buChar char="•"/>
-            </a:pPr>
-            <a:r>
-              <a:rPr lang="en-US" b="0" i="0" dirty="0">
-                <a:solidFill>
-                  <a:srgbClr val="1F2328"/>
-                </a:solidFill>
-                <a:effectLst/>
-                <a:highlight>
-                  <a:srgbClr val="FFFFFF"/>
-                </a:highlight>
-                <a:latin typeface="-apple-system"/>
-              </a:rPr>
-              <a:t>MariaDB/SQL: database structure</a:t>
-            </a:r>
-          </a:p>
-          <a:p>
-            <a:pPr marL="742950" lvl="1" indent="-285750" algn="l">
-              <a:buFont typeface="Arial" panose="020B0604020202020204" pitchFamily="34" charset="0"/>
-              <a:buChar char="•"/>
-            </a:pPr>
-            <a:r>
-              <a:rPr lang="en-US" b="0" i="0" dirty="0">
-                <a:solidFill>
-                  <a:srgbClr val="1F2328"/>
-                </a:solidFill>
-                <a:effectLst/>
-                <a:highlight>
-                  <a:srgbClr val="FFFFFF"/>
-                </a:highlight>
-                <a:latin typeface="-apple-system"/>
-              </a:rPr>
-              <a:t>Required for working with database</a:t>
+              <a:t>Matthew</a:t>
             </a:r>
           </a:p>
           <a:p>
@@ -2513,6 +2346,436 @@
           <a:p>
             <a:fld id="{98E37214-F395-45F2-8A03-4B0F3C80020B}" type="slidenum">
               <a:rPr lang="en-US" smtClean="0"/>
+              <a:t>2</a:t>
+            </a:fld>
+            <a:endParaRPr lang="en-US"/>
+          </a:p>
+        </p:txBody>
+      </p:sp>
+    </p:spTree>
+    <p:extLst>
+      <p:ext uri="{BB962C8B-B14F-4D97-AF65-F5344CB8AC3E}">
+        <p14:creationId xmlns:p14="http://schemas.microsoft.com/office/powerpoint/2010/main" val="1887018797"/>
+      </p:ext>
+    </p:extLst>
+  </p:cSld>
+  <p:clrMapOvr>
+    <a:masterClrMapping/>
+  </p:clrMapOvr>
+</p:notes>
+</file>
+
+<file path=ppt/notesSlides/notesSlide3.xml><?xml version="1.0" encoding="utf-8"?>
+<p:notes xmlns:a="http://schemas.openxmlformats.org/drawingml/2006/main" xmlns:r="http://schemas.openxmlformats.org/officeDocument/2006/relationships" xmlns:p="http://schemas.openxmlformats.org/presentationml/2006/main">
+  <p:cSld>
+    <p:spTree>
+      <p:nvGrpSpPr>
+        <p:cNvPr id="1" name=""/>
+        <p:cNvGrpSpPr/>
+        <p:nvPr/>
+      </p:nvGrpSpPr>
+      <p:grpSpPr>
+        <a:xfrm>
+          <a:off x="0" y="0"/>
+          <a:ext cx="0" cy="0"/>
+          <a:chOff x="0" y="0"/>
+          <a:chExt cx="0" cy="0"/>
+        </a:xfrm>
+      </p:grpSpPr>
+      <p:sp>
+        <p:nvSpPr>
+          <p:cNvPr id="2" name="Slide Image Placeholder 1"/>
+          <p:cNvSpPr>
+            <a:spLocks noGrp="1" noRot="1" noChangeAspect="1"/>
+          </p:cNvSpPr>
+          <p:nvPr>
+            <p:ph type="sldImg"/>
+          </p:nvPr>
+        </p:nvSpPr>
+        <p:spPr/>
+      </p:sp>
+      <p:sp>
+        <p:nvSpPr>
+          <p:cNvPr id="3" name="Notes Placeholder 2"/>
+          <p:cNvSpPr>
+            <a:spLocks noGrp="1"/>
+          </p:cNvSpPr>
+          <p:nvPr>
+            <p:ph type="body" idx="1"/>
+          </p:nvPr>
+        </p:nvSpPr>
+        <p:spPr/>
+        <p:txBody>
+          <a:bodyPr/>
+          <a:lstStyle/>
+          <a:p>
+            <a:pPr marL="0" marR="0" lvl="0" indent="0" algn="l" defTabSz="914400" rtl="0" eaLnBrk="1" fontAlgn="auto" latinLnBrk="0" hangingPunct="1">
+              <a:lnSpc>
+                <a:spcPct val="100000"/>
+              </a:lnSpc>
+              <a:spcBef>
+                <a:spcPts val="0"/>
+              </a:spcBef>
+              <a:spcAft>
+                <a:spcPts val="0"/>
+              </a:spcAft>
+              <a:buClrTx/>
+              <a:buSzTx/>
+              <a:buFont typeface="Arial" panose="020B0604020202020204" pitchFamily="34" charset="0"/>
+              <a:buNone/>
+              <a:tabLst/>
+              <a:defRPr/>
+            </a:pPr>
+            <a:r>
+              <a:rPr lang="en-US" b="0" i="0" dirty="0">
+                <a:solidFill>
+                  <a:srgbClr val="1F2328"/>
+                </a:solidFill>
+                <a:effectLst/>
+                <a:highlight>
+                  <a:srgbClr val="FFFFFF"/>
+                </a:highlight>
+                <a:latin typeface="-apple-system"/>
+              </a:rPr>
+              <a:t>Matthew</a:t>
+            </a:r>
+          </a:p>
+          <a:p>
+            <a:pPr algn="l">
+              <a:buFont typeface="Arial" panose="020B0604020202020204" pitchFamily="34" charset="0"/>
+              <a:buNone/>
+            </a:pPr>
+            <a:endParaRPr lang="en-US" b="0" i="0" dirty="0">
+              <a:solidFill>
+                <a:srgbClr val="1F2328"/>
+              </a:solidFill>
+              <a:effectLst/>
+              <a:highlight>
+                <a:srgbClr val="FFFFFF"/>
+              </a:highlight>
+              <a:latin typeface="-apple-system"/>
+            </a:endParaRPr>
+          </a:p>
+          <a:p>
+            <a:pPr algn="l">
+              <a:buFont typeface="Arial" panose="020B0604020202020204" pitchFamily="34" charset="0"/>
+              <a:buChar char="•"/>
+            </a:pPr>
+            <a:r>
+              <a:rPr lang="en-US" b="0" i="0" dirty="0">
+                <a:solidFill>
+                  <a:srgbClr val="1F2328"/>
+                </a:solidFill>
+                <a:effectLst/>
+                <a:highlight>
+                  <a:srgbClr val="FFFFFF"/>
+                </a:highlight>
+                <a:latin typeface="-apple-system"/>
+              </a:rPr>
+              <a:t>General purpose</a:t>
+            </a:r>
+          </a:p>
+          <a:p>
+            <a:pPr marL="742950" lvl="1" indent="-285750" algn="l">
+              <a:buFont typeface="Arial" panose="020B0604020202020204" pitchFamily="34" charset="0"/>
+              <a:buChar char="•"/>
+            </a:pPr>
+            <a:r>
+              <a:rPr lang="en-US" b="0" i="0" dirty="0">
+                <a:solidFill>
+                  <a:srgbClr val="1F2328"/>
+                </a:solidFill>
+                <a:effectLst/>
+                <a:highlight>
+                  <a:srgbClr val="FFFFFF"/>
+                </a:highlight>
+                <a:latin typeface="-apple-system"/>
+              </a:rPr>
+              <a:t>GitHub: file tracking and collaborating</a:t>
+            </a:r>
+          </a:p>
+          <a:p>
+            <a:pPr marL="742950" lvl="1" indent="-285750" algn="l">
+              <a:buFont typeface="Arial" panose="020B0604020202020204" pitchFamily="34" charset="0"/>
+              <a:buChar char="•"/>
+            </a:pPr>
+            <a:r>
+              <a:rPr lang="en-US" b="0" i="0" dirty="0">
+                <a:solidFill>
+                  <a:srgbClr val="1F2328"/>
+                </a:solidFill>
+                <a:effectLst/>
+                <a:highlight>
+                  <a:srgbClr val="FFFFFF"/>
+                </a:highlight>
+                <a:latin typeface="-apple-system"/>
+              </a:rPr>
+              <a:t>Trello: task scheduling</a:t>
+            </a:r>
+          </a:p>
+          <a:p>
+            <a:pPr marL="742950" lvl="1" indent="-285750" algn="l">
+              <a:buFont typeface="Arial" panose="020B0604020202020204" pitchFamily="34" charset="0"/>
+              <a:buChar char="•"/>
+            </a:pPr>
+            <a:r>
+              <a:rPr lang="en-US" b="0" i="0" dirty="0" err="1">
+                <a:solidFill>
+                  <a:srgbClr val="1F2328"/>
+                </a:solidFill>
+                <a:effectLst/>
+                <a:highlight>
+                  <a:srgbClr val="FFFFFF"/>
+                </a:highlight>
+                <a:latin typeface="-apple-system"/>
+              </a:rPr>
+              <a:t>MobaXterm</a:t>
+            </a:r>
+            <a:r>
+              <a:rPr lang="en-US" b="0" i="0" dirty="0">
+                <a:solidFill>
+                  <a:srgbClr val="1F2328"/>
+                </a:solidFill>
+                <a:effectLst/>
+                <a:highlight>
+                  <a:srgbClr val="FFFFFF"/>
+                </a:highlight>
+                <a:latin typeface="-apple-system"/>
+              </a:rPr>
+              <a:t>: easy server deployment</a:t>
+            </a:r>
+          </a:p>
+          <a:p>
+            <a:pPr marL="742950" lvl="1" indent="-285750" algn="l">
+              <a:buFont typeface="Arial" panose="020B0604020202020204" pitchFamily="34" charset="0"/>
+              <a:buChar char="•"/>
+            </a:pPr>
+            <a:r>
+              <a:rPr lang="en-US" b="0" i="0" dirty="0">
+                <a:solidFill>
+                  <a:srgbClr val="1F2328"/>
+                </a:solidFill>
+                <a:effectLst/>
+                <a:highlight>
+                  <a:srgbClr val="FFFFFF"/>
+                </a:highlight>
+                <a:latin typeface="-apple-system"/>
+              </a:rPr>
+              <a:t>Discord: general communication and voice calls</a:t>
+            </a:r>
+          </a:p>
+          <a:p>
+            <a:pPr marL="742950" lvl="1" indent="-285750" algn="l">
+              <a:buFont typeface="Arial" panose="020B0604020202020204" pitchFamily="34" charset="0"/>
+              <a:buChar char="•"/>
+            </a:pPr>
+            <a:r>
+              <a:rPr lang="en-US" b="0" i="0" dirty="0">
+                <a:solidFill>
+                  <a:srgbClr val="1F2328"/>
+                </a:solidFill>
+                <a:effectLst/>
+                <a:highlight>
+                  <a:srgbClr val="FFFFFF"/>
+                </a:highlight>
+                <a:latin typeface="-apple-system"/>
+              </a:rPr>
+              <a:t>PHP Storm and Visual Studio Code: collaborative code editing</a:t>
+            </a:r>
+          </a:p>
+          <a:p>
+            <a:pPr marL="1143000" lvl="2" indent="-228600" algn="l">
+              <a:buFont typeface="Arial" panose="020B0604020202020204" pitchFamily="34" charset="0"/>
+              <a:buChar char="•"/>
+            </a:pPr>
+            <a:r>
+              <a:rPr lang="en-US" b="0" i="0" dirty="0">
+                <a:solidFill>
+                  <a:srgbClr val="1F2328"/>
+                </a:solidFill>
+                <a:effectLst/>
+                <a:highlight>
+                  <a:srgbClr val="FFFFFF"/>
+                </a:highlight>
+                <a:latin typeface="-apple-system"/>
+              </a:rPr>
+              <a:t>Collaborative coding allowed us to work on the same files at the same time</a:t>
+            </a:r>
+          </a:p>
+          <a:p>
+            <a:pPr algn="l">
+              <a:buFont typeface="Arial" panose="020B0604020202020204" pitchFamily="34" charset="0"/>
+              <a:buChar char="•"/>
+            </a:pPr>
+            <a:r>
+              <a:rPr lang="en-US" b="0" i="0" dirty="0">
+                <a:solidFill>
+                  <a:srgbClr val="1F2328"/>
+                </a:solidFill>
+                <a:effectLst/>
+                <a:highlight>
+                  <a:srgbClr val="FFFFFF"/>
+                </a:highlight>
+                <a:latin typeface="-apple-system"/>
+              </a:rPr>
+              <a:t>Front-end</a:t>
+            </a:r>
+          </a:p>
+          <a:p>
+            <a:pPr marL="742950" lvl="1" indent="-285750" algn="l">
+              <a:buFont typeface="Arial" panose="020B0604020202020204" pitchFamily="34" charset="0"/>
+              <a:buChar char="•"/>
+            </a:pPr>
+            <a:r>
+              <a:rPr lang="en-US" b="0" i="0" dirty="0">
+                <a:solidFill>
+                  <a:srgbClr val="1F2328"/>
+                </a:solidFill>
+                <a:effectLst/>
+                <a:highlight>
+                  <a:srgbClr val="FFFFFF"/>
+                </a:highlight>
+                <a:latin typeface="-apple-system"/>
+              </a:rPr>
+              <a:t>Figma: page designs</a:t>
+            </a:r>
+          </a:p>
+          <a:p>
+            <a:pPr algn="l">
+              <a:buFont typeface="Arial" panose="020B0604020202020204" pitchFamily="34" charset="0"/>
+              <a:buChar char="•"/>
+            </a:pPr>
+            <a:r>
+              <a:rPr lang="en-US" b="0" i="0" dirty="0">
+                <a:solidFill>
+                  <a:srgbClr val="1F2328"/>
+                </a:solidFill>
+                <a:effectLst/>
+                <a:highlight>
+                  <a:srgbClr val="FFFFFF"/>
+                </a:highlight>
+                <a:latin typeface="-apple-system"/>
+              </a:rPr>
+              <a:t>Back-end</a:t>
+            </a:r>
+          </a:p>
+          <a:p>
+            <a:pPr marL="742950" lvl="1" indent="-285750" algn="l">
+              <a:buFont typeface="Arial" panose="020B0604020202020204" pitchFamily="34" charset="0"/>
+              <a:buChar char="•"/>
+            </a:pPr>
+            <a:r>
+              <a:rPr lang="en-US" b="0" i="0" dirty="0">
+                <a:solidFill>
+                  <a:srgbClr val="1F2328"/>
+                </a:solidFill>
+                <a:effectLst/>
+                <a:highlight>
+                  <a:srgbClr val="FFFFFF"/>
+                </a:highlight>
+                <a:latin typeface="-apple-system"/>
+              </a:rPr>
+              <a:t>SwaggerHub: API documentation and specifications</a:t>
+            </a:r>
+          </a:p>
+          <a:p>
+            <a:pPr marL="742950" lvl="1" indent="-285750" algn="l">
+              <a:buFont typeface="Arial" panose="020B0604020202020204" pitchFamily="34" charset="0"/>
+              <a:buChar char="•"/>
+            </a:pPr>
+            <a:r>
+              <a:rPr lang="en-US" b="0" i="0" dirty="0">
+                <a:solidFill>
+                  <a:srgbClr val="1F2328"/>
+                </a:solidFill>
+                <a:effectLst/>
+                <a:highlight>
+                  <a:srgbClr val="FFFFFF"/>
+                </a:highlight>
+                <a:latin typeface="-apple-system"/>
+              </a:rPr>
+              <a:t>Allowed for quick testing of API and responses with sample data</a:t>
+            </a:r>
+          </a:p>
+          <a:p>
+            <a:pPr algn="l">
+              <a:buFont typeface="Arial" panose="020B0604020202020204" pitchFamily="34" charset="0"/>
+              <a:buChar char="•"/>
+            </a:pPr>
+            <a:r>
+              <a:rPr lang="en-US" b="0" i="0" dirty="0">
+                <a:solidFill>
+                  <a:srgbClr val="1F2328"/>
+                </a:solidFill>
+                <a:effectLst/>
+                <a:highlight>
+                  <a:srgbClr val="FFFFFF"/>
+                </a:highlight>
+                <a:latin typeface="-apple-system"/>
+              </a:rPr>
+              <a:t>Database</a:t>
+            </a:r>
+          </a:p>
+          <a:p>
+            <a:pPr marL="742950" lvl="1" indent="-285750" algn="l">
+              <a:buFont typeface="Arial" panose="020B0604020202020204" pitchFamily="34" charset="0"/>
+              <a:buChar char="•"/>
+            </a:pPr>
+            <a:r>
+              <a:rPr lang="en-US" b="0" i="0" dirty="0">
+                <a:solidFill>
+                  <a:srgbClr val="1F2328"/>
+                </a:solidFill>
+                <a:effectLst/>
+                <a:highlight>
+                  <a:srgbClr val="FFFFFF"/>
+                </a:highlight>
+                <a:latin typeface="-apple-system"/>
+              </a:rPr>
+              <a:t>MariaDB/SQL: database structure</a:t>
+            </a:r>
+          </a:p>
+          <a:p>
+            <a:pPr marL="742950" lvl="1" indent="-285750" algn="l">
+              <a:buFont typeface="Arial" panose="020B0604020202020204" pitchFamily="34" charset="0"/>
+              <a:buChar char="•"/>
+            </a:pPr>
+            <a:r>
+              <a:rPr lang="en-US" b="0" i="0" dirty="0">
+                <a:solidFill>
+                  <a:srgbClr val="1F2328"/>
+                </a:solidFill>
+                <a:effectLst/>
+                <a:highlight>
+                  <a:srgbClr val="FFFFFF"/>
+                </a:highlight>
+                <a:latin typeface="-apple-system"/>
+              </a:rPr>
+              <a:t>Required for working with database</a:t>
+            </a:r>
+          </a:p>
+          <a:p>
+            <a:endParaRPr lang="en-US" dirty="0"/>
+          </a:p>
+        </p:txBody>
+      </p:sp>
+      <p:sp>
+        <p:nvSpPr>
+          <p:cNvPr id="4" name="Slide Number Placeholder 3"/>
+          <p:cNvSpPr>
+            <a:spLocks noGrp="1"/>
+          </p:cNvSpPr>
+          <p:nvPr>
+            <p:ph type="sldNum" sz="quarter" idx="5"/>
+          </p:nvPr>
+        </p:nvSpPr>
+        <p:spPr/>
+        <p:txBody>
+          <a:bodyPr/>
+          <a:lstStyle/>
+          <a:p>
+            <a:fld id="{98E37214-F395-45F2-8A03-4B0F3C80020B}" type="slidenum">
+              <a:rPr lang="en-US" smtClean="0"/>
               <a:t>3</a:t>
             </a:fld>
             <a:endParaRPr lang="en-US"/>
@@ -2523,6 +2786,546 @@
     <p:extLst>
       <p:ext uri="{BB962C8B-B14F-4D97-AF65-F5344CB8AC3E}">
         <p14:creationId xmlns:p14="http://schemas.microsoft.com/office/powerpoint/2010/main" val="1732219088"/>
+      </p:ext>
+    </p:extLst>
+  </p:cSld>
+  <p:clrMapOvr>
+    <a:masterClrMapping/>
+  </p:clrMapOvr>
+</p:notes>
+</file>
+
+<file path=ppt/notesSlides/notesSlide4.xml><?xml version="1.0" encoding="utf-8"?>
+<p:notes xmlns:a="http://schemas.openxmlformats.org/drawingml/2006/main" xmlns:r="http://schemas.openxmlformats.org/officeDocument/2006/relationships" xmlns:p="http://schemas.openxmlformats.org/presentationml/2006/main">
+  <p:cSld>
+    <p:spTree>
+      <p:nvGrpSpPr>
+        <p:cNvPr id="1" name=""/>
+        <p:cNvGrpSpPr/>
+        <p:nvPr/>
+      </p:nvGrpSpPr>
+      <p:grpSpPr>
+        <a:xfrm>
+          <a:off x="0" y="0"/>
+          <a:ext cx="0" cy="0"/>
+          <a:chOff x="0" y="0"/>
+          <a:chExt cx="0" cy="0"/>
+        </a:xfrm>
+      </p:grpSpPr>
+      <p:sp>
+        <p:nvSpPr>
+          <p:cNvPr id="2" name="Slide Image Placeholder 1"/>
+          <p:cNvSpPr>
+            <a:spLocks noGrp="1" noRot="1" noChangeAspect="1"/>
+          </p:cNvSpPr>
+          <p:nvPr>
+            <p:ph type="sldImg"/>
+          </p:nvPr>
+        </p:nvSpPr>
+        <p:spPr/>
+      </p:sp>
+      <p:sp>
+        <p:nvSpPr>
+          <p:cNvPr id="3" name="Notes Placeholder 2"/>
+          <p:cNvSpPr>
+            <a:spLocks noGrp="1"/>
+          </p:cNvSpPr>
+          <p:nvPr>
+            <p:ph type="body" idx="1"/>
+          </p:nvPr>
+        </p:nvSpPr>
+        <p:spPr/>
+        <p:txBody>
+          <a:bodyPr/>
+          <a:lstStyle/>
+          <a:p>
+            <a:r>
+              <a:rPr lang="en-US" dirty="0"/>
+              <a:t>Pedro</a:t>
+            </a:r>
+          </a:p>
+        </p:txBody>
+      </p:sp>
+      <p:sp>
+        <p:nvSpPr>
+          <p:cNvPr id="4" name="Slide Number Placeholder 3"/>
+          <p:cNvSpPr>
+            <a:spLocks noGrp="1"/>
+          </p:cNvSpPr>
+          <p:nvPr>
+            <p:ph type="sldNum" sz="quarter" idx="5"/>
+          </p:nvPr>
+        </p:nvSpPr>
+        <p:spPr/>
+        <p:txBody>
+          <a:bodyPr/>
+          <a:lstStyle/>
+          <a:p>
+            <a:fld id="{98E37214-F395-45F2-8A03-4B0F3C80020B}" type="slidenum">
+              <a:rPr lang="en-US" smtClean="0"/>
+              <a:t>4</a:t>
+            </a:fld>
+            <a:endParaRPr lang="en-US"/>
+          </a:p>
+        </p:txBody>
+      </p:sp>
+    </p:spTree>
+    <p:extLst>
+      <p:ext uri="{BB962C8B-B14F-4D97-AF65-F5344CB8AC3E}">
+        <p14:creationId xmlns:p14="http://schemas.microsoft.com/office/powerpoint/2010/main" val="3333686449"/>
+      </p:ext>
+    </p:extLst>
+  </p:cSld>
+  <p:clrMapOvr>
+    <a:masterClrMapping/>
+  </p:clrMapOvr>
+</p:notes>
+</file>
+
+<file path=ppt/notesSlides/notesSlide5.xml><?xml version="1.0" encoding="utf-8"?>
+<p:notes xmlns:a="http://schemas.openxmlformats.org/drawingml/2006/main" xmlns:r="http://schemas.openxmlformats.org/officeDocument/2006/relationships" xmlns:p="http://schemas.openxmlformats.org/presentationml/2006/main">
+  <p:cSld>
+    <p:spTree>
+      <p:nvGrpSpPr>
+        <p:cNvPr id="1" name=""/>
+        <p:cNvGrpSpPr/>
+        <p:nvPr/>
+      </p:nvGrpSpPr>
+      <p:grpSpPr>
+        <a:xfrm>
+          <a:off x="0" y="0"/>
+          <a:ext cx="0" cy="0"/>
+          <a:chOff x="0" y="0"/>
+          <a:chExt cx="0" cy="0"/>
+        </a:xfrm>
+      </p:grpSpPr>
+      <p:sp>
+        <p:nvSpPr>
+          <p:cNvPr id="2" name="Slide Image Placeholder 1"/>
+          <p:cNvSpPr>
+            <a:spLocks noGrp="1" noRot="1" noChangeAspect="1"/>
+          </p:cNvSpPr>
+          <p:nvPr>
+            <p:ph type="sldImg"/>
+          </p:nvPr>
+        </p:nvSpPr>
+        <p:spPr/>
+      </p:sp>
+      <p:sp>
+        <p:nvSpPr>
+          <p:cNvPr id="3" name="Notes Placeholder 2"/>
+          <p:cNvSpPr>
+            <a:spLocks noGrp="1"/>
+          </p:cNvSpPr>
+          <p:nvPr>
+            <p:ph type="body" idx="1"/>
+          </p:nvPr>
+        </p:nvSpPr>
+        <p:spPr/>
+        <p:txBody>
+          <a:bodyPr/>
+          <a:lstStyle/>
+          <a:p>
+            <a:r>
+              <a:rPr lang="en-US" dirty="0"/>
+              <a:t>Pedro</a:t>
+            </a:r>
+          </a:p>
+        </p:txBody>
+      </p:sp>
+      <p:sp>
+        <p:nvSpPr>
+          <p:cNvPr id="4" name="Slide Number Placeholder 3"/>
+          <p:cNvSpPr>
+            <a:spLocks noGrp="1"/>
+          </p:cNvSpPr>
+          <p:nvPr>
+            <p:ph type="sldNum" sz="quarter" idx="5"/>
+          </p:nvPr>
+        </p:nvSpPr>
+        <p:spPr/>
+        <p:txBody>
+          <a:bodyPr/>
+          <a:lstStyle/>
+          <a:p>
+            <a:fld id="{98E37214-F395-45F2-8A03-4B0F3C80020B}" type="slidenum">
+              <a:rPr lang="en-US" smtClean="0"/>
+              <a:t>5</a:t>
+            </a:fld>
+            <a:endParaRPr lang="en-US"/>
+          </a:p>
+        </p:txBody>
+      </p:sp>
+    </p:spTree>
+    <p:extLst>
+      <p:ext uri="{BB962C8B-B14F-4D97-AF65-F5344CB8AC3E}">
+        <p14:creationId xmlns:p14="http://schemas.microsoft.com/office/powerpoint/2010/main" val="3369872674"/>
+      </p:ext>
+    </p:extLst>
+  </p:cSld>
+  <p:clrMapOvr>
+    <a:masterClrMapping/>
+  </p:clrMapOvr>
+</p:notes>
+</file>
+
+<file path=ppt/notesSlides/notesSlide6.xml><?xml version="1.0" encoding="utf-8"?>
+<p:notes xmlns:a="http://schemas.openxmlformats.org/drawingml/2006/main" xmlns:r="http://schemas.openxmlformats.org/officeDocument/2006/relationships" xmlns:p="http://schemas.openxmlformats.org/presentationml/2006/main">
+  <p:cSld>
+    <p:spTree>
+      <p:nvGrpSpPr>
+        <p:cNvPr id="1" name=""/>
+        <p:cNvGrpSpPr/>
+        <p:nvPr/>
+      </p:nvGrpSpPr>
+      <p:grpSpPr>
+        <a:xfrm>
+          <a:off x="0" y="0"/>
+          <a:ext cx="0" cy="0"/>
+          <a:chOff x="0" y="0"/>
+          <a:chExt cx="0" cy="0"/>
+        </a:xfrm>
+      </p:grpSpPr>
+      <p:sp>
+        <p:nvSpPr>
+          <p:cNvPr id="2" name="Slide Image Placeholder 1"/>
+          <p:cNvSpPr>
+            <a:spLocks noGrp="1" noRot="1" noChangeAspect="1"/>
+          </p:cNvSpPr>
+          <p:nvPr>
+            <p:ph type="sldImg"/>
+          </p:nvPr>
+        </p:nvSpPr>
+        <p:spPr/>
+      </p:sp>
+      <p:sp>
+        <p:nvSpPr>
+          <p:cNvPr id="3" name="Notes Placeholder 2"/>
+          <p:cNvSpPr>
+            <a:spLocks noGrp="1"/>
+          </p:cNvSpPr>
+          <p:nvPr>
+            <p:ph type="body" idx="1"/>
+          </p:nvPr>
+        </p:nvSpPr>
+        <p:spPr/>
+        <p:txBody>
+          <a:bodyPr/>
+          <a:lstStyle/>
+          <a:p>
+            <a:r>
+              <a:rPr lang="en-US" dirty="0"/>
+              <a:t>Ahmed</a:t>
+            </a:r>
+          </a:p>
+        </p:txBody>
+      </p:sp>
+      <p:sp>
+        <p:nvSpPr>
+          <p:cNvPr id="4" name="Slide Number Placeholder 3"/>
+          <p:cNvSpPr>
+            <a:spLocks noGrp="1"/>
+          </p:cNvSpPr>
+          <p:nvPr>
+            <p:ph type="sldNum" sz="quarter" idx="5"/>
+          </p:nvPr>
+        </p:nvSpPr>
+        <p:spPr/>
+        <p:txBody>
+          <a:bodyPr/>
+          <a:lstStyle/>
+          <a:p>
+            <a:fld id="{98E37214-F395-45F2-8A03-4B0F3C80020B}" type="slidenum">
+              <a:rPr lang="en-US" smtClean="0"/>
+              <a:t>6</a:t>
+            </a:fld>
+            <a:endParaRPr lang="en-US"/>
+          </a:p>
+        </p:txBody>
+      </p:sp>
+    </p:spTree>
+    <p:extLst>
+      <p:ext uri="{BB962C8B-B14F-4D97-AF65-F5344CB8AC3E}">
+        <p14:creationId xmlns:p14="http://schemas.microsoft.com/office/powerpoint/2010/main" val="542143404"/>
+      </p:ext>
+    </p:extLst>
+  </p:cSld>
+  <p:clrMapOvr>
+    <a:masterClrMapping/>
+  </p:clrMapOvr>
+</p:notes>
+</file>
+
+<file path=ppt/notesSlides/notesSlide7.xml><?xml version="1.0" encoding="utf-8"?>
+<p:notes xmlns:a="http://schemas.openxmlformats.org/drawingml/2006/main" xmlns:r="http://schemas.openxmlformats.org/officeDocument/2006/relationships" xmlns:p="http://schemas.openxmlformats.org/presentationml/2006/main">
+  <p:cSld>
+    <p:spTree>
+      <p:nvGrpSpPr>
+        <p:cNvPr id="1" name=""/>
+        <p:cNvGrpSpPr/>
+        <p:nvPr/>
+      </p:nvGrpSpPr>
+      <p:grpSpPr>
+        <a:xfrm>
+          <a:off x="0" y="0"/>
+          <a:ext cx="0" cy="0"/>
+          <a:chOff x="0" y="0"/>
+          <a:chExt cx="0" cy="0"/>
+        </a:xfrm>
+      </p:grpSpPr>
+      <p:sp>
+        <p:nvSpPr>
+          <p:cNvPr id="2" name="Slide Image Placeholder 1"/>
+          <p:cNvSpPr>
+            <a:spLocks noGrp="1" noRot="1" noChangeAspect="1"/>
+          </p:cNvSpPr>
+          <p:nvPr>
+            <p:ph type="sldImg"/>
+          </p:nvPr>
+        </p:nvSpPr>
+        <p:spPr/>
+      </p:sp>
+      <p:sp>
+        <p:nvSpPr>
+          <p:cNvPr id="3" name="Notes Placeholder 2"/>
+          <p:cNvSpPr>
+            <a:spLocks noGrp="1"/>
+          </p:cNvSpPr>
+          <p:nvPr>
+            <p:ph type="body" idx="1"/>
+          </p:nvPr>
+        </p:nvSpPr>
+        <p:spPr/>
+        <p:txBody>
+          <a:bodyPr/>
+          <a:lstStyle/>
+          <a:p>
+            <a:r>
+              <a:rPr lang="en-US" dirty="0"/>
+              <a:t>Matthew</a:t>
+            </a:r>
+          </a:p>
+        </p:txBody>
+      </p:sp>
+      <p:sp>
+        <p:nvSpPr>
+          <p:cNvPr id="4" name="Slide Number Placeholder 3"/>
+          <p:cNvSpPr>
+            <a:spLocks noGrp="1"/>
+          </p:cNvSpPr>
+          <p:nvPr>
+            <p:ph type="sldNum" sz="quarter" idx="5"/>
+          </p:nvPr>
+        </p:nvSpPr>
+        <p:spPr/>
+        <p:txBody>
+          <a:bodyPr/>
+          <a:lstStyle/>
+          <a:p>
+            <a:fld id="{98E37214-F395-45F2-8A03-4B0F3C80020B}" type="slidenum">
+              <a:rPr lang="en-US" smtClean="0"/>
+              <a:t>7</a:t>
+            </a:fld>
+            <a:endParaRPr lang="en-US"/>
+          </a:p>
+        </p:txBody>
+      </p:sp>
+    </p:spTree>
+    <p:extLst>
+      <p:ext uri="{BB962C8B-B14F-4D97-AF65-F5344CB8AC3E}">
+        <p14:creationId xmlns:p14="http://schemas.microsoft.com/office/powerpoint/2010/main" val="4261855698"/>
+      </p:ext>
+    </p:extLst>
+  </p:cSld>
+  <p:clrMapOvr>
+    <a:masterClrMapping/>
+  </p:clrMapOvr>
+</p:notes>
+</file>
+
+<file path=ppt/notesSlides/notesSlide8.xml><?xml version="1.0" encoding="utf-8"?>
+<p:notes xmlns:a="http://schemas.openxmlformats.org/drawingml/2006/main" xmlns:r="http://schemas.openxmlformats.org/officeDocument/2006/relationships" xmlns:p="http://schemas.openxmlformats.org/presentationml/2006/main">
+  <p:cSld>
+    <p:spTree>
+      <p:nvGrpSpPr>
+        <p:cNvPr id="1" name=""/>
+        <p:cNvGrpSpPr/>
+        <p:nvPr/>
+      </p:nvGrpSpPr>
+      <p:grpSpPr>
+        <a:xfrm>
+          <a:off x="0" y="0"/>
+          <a:ext cx="0" cy="0"/>
+          <a:chOff x="0" y="0"/>
+          <a:chExt cx="0" cy="0"/>
+        </a:xfrm>
+      </p:grpSpPr>
+      <p:sp>
+        <p:nvSpPr>
+          <p:cNvPr id="2" name="Slide Image Placeholder 1"/>
+          <p:cNvSpPr>
+            <a:spLocks noGrp="1" noRot="1" noChangeAspect="1"/>
+          </p:cNvSpPr>
+          <p:nvPr>
+            <p:ph type="sldImg"/>
+          </p:nvPr>
+        </p:nvSpPr>
+        <p:spPr/>
+      </p:sp>
+      <p:sp>
+        <p:nvSpPr>
+          <p:cNvPr id="3" name="Notes Placeholder 2"/>
+          <p:cNvSpPr>
+            <a:spLocks noGrp="1"/>
+          </p:cNvSpPr>
+          <p:nvPr>
+            <p:ph type="body" idx="1"/>
+          </p:nvPr>
+        </p:nvSpPr>
+        <p:spPr/>
+        <p:txBody>
+          <a:bodyPr/>
+          <a:lstStyle/>
+          <a:p>
+            <a:r>
+              <a:rPr lang="en-US" dirty="0"/>
+              <a:t>Pedro</a:t>
+            </a:r>
+          </a:p>
+        </p:txBody>
+      </p:sp>
+      <p:sp>
+        <p:nvSpPr>
+          <p:cNvPr id="4" name="Slide Number Placeholder 3"/>
+          <p:cNvSpPr>
+            <a:spLocks noGrp="1"/>
+          </p:cNvSpPr>
+          <p:nvPr>
+            <p:ph type="sldNum" sz="quarter" idx="5"/>
+          </p:nvPr>
+        </p:nvSpPr>
+        <p:spPr/>
+        <p:txBody>
+          <a:bodyPr/>
+          <a:lstStyle/>
+          <a:p>
+            <a:fld id="{98E37214-F395-45F2-8A03-4B0F3C80020B}" type="slidenum">
+              <a:rPr lang="en-US" smtClean="0"/>
+              <a:t>8</a:t>
+            </a:fld>
+            <a:endParaRPr lang="en-US"/>
+          </a:p>
+        </p:txBody>
+      </p:sp>
+    </p:spTree>
+    <p:extLst>
+      <p:ext uri="{BB962C8B-B14F-4D97-AF65-F5344CB8AC3E}">
+        <p14:creationId xmlns:p14="http://schemas.microsoft.com/office/powerpoint/2010/main" val="3809302179"/>
+      </p:ext>
+    </p:extLst>
+  </p:cSld>
+  <p:clrMapOvr>
+    <a:masterClrMapping/>
+  </p:clrMapOvr>
+</p:notes>
+</file>
+
+<file path=ppt/notesSlides/notesSlide9.xml><?xml version="1.0" encoding="utf-8"?>
+<p:notes xmlns:a="http://schemas.openxmlformats.org/drawingml/2006/main" xmlns:r="http://schemas.openxmlformats.org/officeDocument/2006/relationships" xmlns:p="http://schemas.openxmlformats.org/presentationml/2006/main">
+  <p:cSld>
+    <p:spTree>
+      <p:nvGrpSpPr>
+        <p:cNvPr id="1" name=""/>
+        <p:cNvGrpSpPr/>
+        <p:nvPr/>
+      </p:nvGrpSpPr>
+      <p:grpSpPr>
+        <a:xfrm>
+          <a:off x="0" y="0"/>
+          <a:ext cx="0" cy="0"/>
+          <a:chOff x="0" y="0"/>
+          <a:chExt cx="0" cy="0"/>
+        </a:xfrm>
+      </p:grpSpPr>
+      <p:sp>
+        <p:nvSpPr>
+          <p:cNvPr id="2" name="Slide Image Placeholder 1"/>
+          <p:cNvSpPr>
+            <a:spLocks noGrp="1" noRot="1" noChangeAspect="1"/>
+          </p:cNvSpPr>
+          <p:nvPr>
+            <p:ph type="sldImg"/>
+          </p:nvPr>
+        </p:nvSpPr>
+        <p:spPr/>
+      </p:sp>
+      <p:sp>
+        <p:nvSpPr>
+          <p:cNvPr id="3" name="Notes Placeholder 2"/>
+          <p:cNvSpPr>
+            <a:spLocks noGrp="1"/>
+          </p:cNvSpPr>
+          <p:nvPr>
+            <p:ph type="body" idx="1"/>
+          </p:nvPr>
+        </p:nvSpPr>
+        <p:spPr/>
+        <p:txBody>
+          <a:bodyPr/>
+          <a:lstStyle/>
+          <a:p>
+            <a:r>
+              <a:rPr lang="en-US" dirty="0"/>
+              <a:t>Dennis-SwaggerHub</a:t>
+            </a:r>
+          </a:p>
+          <a:p>
+            <a:endParaRPr lang="en-US" dirty="0"/>
+          </a:p>
+          <a:p>
+            <a:r>
+              <a:rPr lang="en-US" dirty="0"/>
+              <a:t>Web-Jia</a:t>
+            </a:r>
+          </a:p>
+          <a:p>
+            <a:endParaRPr lang="en-US" dirty="0"/>
+          </a:p>
+          <a:p>
+            <a:r>
+              <a:rPr lang="en-US" dirty="0"/>
+              <a:t>Mobile-Will</a:t>
+            </a:r>
+          </a:p>
+        </p:txBody>
+      </p:sp>
+      <p:sp>
+        <p:nvSpPr>
+          <p:cNvPr id="4" name="Slide Number Placeholder 3"/>
+          <p:cNvSpPr>
+            <a:spLocks noGrp="1"/>
+          </p:cNvSpPr>
+          <p:nvPr>
+            <p:ph type="sldNum" sz="quarter" idx="5"/>
+          </p:nvPr>
+        </p:nvSpPr>
+        <p:spPr/>
+        <p:txBody>
+          <a:bodyPr/>
+          <a:lstStyle/>
+          <a:p>
+            <a:fld id="{98E37214-F395-45F2-8A03-4B0F3C80020B}" type="slidenum">
+              <a:rPr lang="en-US" smtClean="0"/>
+              <a:t>9</a:t>
+            </a:fld>
+            <a:endParaRPr lang="en-US"/>
+          </a:p>
+        </p:txBody>
+      </p:sp>
+    </p:spTree>
+    <p:extLst>
+      <p:ext uri="{BB962C8B-B14F-4D97-AF65-F5344CB8AC3E}">
+        <p14:creationId xmlns:p14="http://schemas.microsoft.com/office/powerpoint/2010/main" val="3963676082"/>
       </p:ext>
     </p:extLst>
   </p:cSld>
@@ -2679,7 +3482,7 @@
           <a:p>
             <a:fld id="{1C820894-7E7A-44EE-8EDB-35B8333AC41C}" type="datetimeFigureOut">
               <a:rPr lang="en-US" smtClean="0"/>
-              <a:t>9/19/2024</a:t>
+              <a:t>9/24/2024</a:t>
             </a:fld>
             <a:endParaRPr lang="en-US"/>
           </a:p>
@@ -2877,7 +3680,7 @@
           <a:p>
             <a:fld id="{1C820894-7E7A-44EE-8EDB-35B8333AC41C}" type="datetimeFigureOut">
               <a:rPr lang="en-US" smtClean="0"/>
-              <a:t>9/19/2024</a:t>
+              <a:t>9/24/2024</a:t>
             </a:fld>
             <a:endParaRPr lang="en-US"/>
           </a:p>
@@ -3085,7 +3888,7 @@
           <a:p>
             <a:fld id="{1C820894-7E7A-44EE-8EDB-35B8333AC41C}" type="datetimeFigureOut">
               <a:rPr lang="en-US" smtClean="0"/>
-              <a:t>9/19/2024</a:t>
+              <a:t>9/24/2024</a:t>
             </a:fld>
             <a:endParaRPr lang="en-US"/>
           </a:p>
@@ -3283,7 +4086,7 @@
           <a:p>
             <a:fld id="{1C820894-7E7A-44EE-8EDB-35B8333AC41C}" type="datetimeFigureOut">
               <a:rPr lang="en-US" smtClean="0"/>
-              <a:t>9/19/2024</a:t>
+              <a:t>9/24/2024</a:t>
             </a:fld>
             <a:endParaRPr lang="en-US"/>
           </a:p>
@@ -3558,7 +4361,7 @@
           <a:p>
             <a:fld id="{1C820894-7E7A-44EE-8EDB-35B8333AC41C}" type="datetimeFigureOut">
               <a:rPr lang="en-US" smtClean="0"/>
-              <a:t>9/19/2024</a:t>
+              <a:t>9/24/2024</a:t>
             </a:fld>
             <a:endParaRPr lang="en-US"/>
           </a:p>
@@ -3823,7 +4626,7 @@
           <a:p>
             <a:fld id="{1C820894-7E7A-44EE-8EDB-35B8333AC41C}" type="datetimeFigureOut">
               <a:rPr lang="en-US" smtClean="0"/>
-              <a:t>9/19/2024</a:t>
+              <a:t>9/24/2024</a:t>
             </a:fld>
             <a:endParaRPr lang="en-US"/>
           </a:p>
@@ -4235,7 +5038,7 @@
           <a:p>
             <a:fld id="{1C820894-7E7A-44EE-8EDB-35B8333AC41C}" type="datetimeFigureOut">
               <a:rPr lang="en-US" smtClean="0"/>
-              <a:t>9/19/2024</a:t>
+              <a:t>9/24/2024</a:t>
             </a:fld>
             <a:endParaRPr lang="en-US"/>
           </a:p>
@@ -4376,7 +5179,7 @@
           <a:p>
             <a:fld id="{1C820894-7E7A-44EE-8EDB-35B8333AC41C}" type="datetimeFigureOut">
               <a:rPr lang="en-US" smtClean="0"/>
-              <a:t>9/19/2024</a:t>
+              <a:t>9/24/2024</a:t>
             </a:fld>
             <a:endParaRPr lang="en-US"/>
           </a:p>
@@ -4489,7 +5292,7 @@
           <a:p>
             <a:fld id="{1C820894-7E7A-44EE-8EDB-35B8333AC41C}" type="datetimeFigureOut">
               <a:rPr lang="en-US" smtClean="0"/>
-              <a:t>9/19/2024</a:t>
+              <a:t>9/24/2024</a:t>
             </a:fld>
             <a:endParaRPr lang="en-US"/>
           </a:p>
@@ -4800,7 +5603,7 @@
           <a:p>
             <a:fld id="{1C820894-7E7A-44EE-8EDB-35B8333AC41C}" type="datetimeFigureOut">
               <a:rPr lang="en-US" smtClean="0"/>
-              <a:t>9/19/2024</a:t>
+              <a:t>9/24/2024</a:t>
             </a:fld>
             <a:endParaRPr lang="en-US"/>
           </a:p>
@@ -5088,7 +5891,7 @@
           <a:p>
             <a:fld id="{1C820894-7E7A-44EE-8EDB-35B8333AC41C}" type="datetimeFigureOut">
               <a:rPr lang="en-US" smtClean="0"/>
-              <a:t>9/19/2024</a:t>
+              <a:t>9/24/2024</a:t>
             </a:fld>
             <a:endParaRPr lang="en-US"/>
           </a:p>
@@ -5332,7 +6135,7 @@
           <a:p>
             <a:fld id="{1C820894-7E7A-44EE-8EDB-35B8333AC41C}" type="datetimeFigureOut">
               <a:rPr lang="en-US" smtClean="0"/>
-              <a:t>9/19/2024</a:t>
+              <a:t>9/24/2024</a:t>
             </a:fld>
             <a:endParaRPr lang="en-US"/>
           </a:p>
@@ -5848,10 +6651,10 @@
       </p:grpSpPr>
       <p:grpSp>
         <p:nvGrpSpPr>
-          <p:cNvPr id="3" name="Group 2">
+          <p:cNvPr id="25" name="Group 24">
             <a:extLst>
               <a:ext uri="{FF2B5EF4-FFF2-40B4-BE49-F238E27FC236}">
-                <a16:creationId xmlns:a16="http://schemas.microsoft.com/office/drawing/2014/main" id="{B4731DEC-6AD2-BDB9-FF2A-5E46F8E7DDF4}"/>
+                <a16:creationId xmlns:a16="http://schemas.microsoft.com/office/drawing/2014/main" id="{15E07194-2A92-59E9-79BA-CA62A84FBC32}"/>
               </a:ext>
             </a:extLst>
           </p:cNvPr>
@@ -5860,633 +6663,612 @@
         </p:nvGrpSpPr>
         <p:grpSpPr>
           <a:xfrm>
-            <a:off x="405062" y="1411592"/>
-            <a:ext cx="11381876" cy="4468628"/>
-            <a:chOff x="405062" y="1537716"/>
-            <a:chExt cx="11381876" cy="4468628"/>
+            <a:off x="405062" y="1361350"/>
+            <a:ext cx="11381876" cy="1153018"/>
+            <a:chOff x="405061" y="276727"/>
+            <a:chExt cx="11381876" cy="1459467"/>
           </a:xfrm>
         </p:grpSpPr>
-        <p:grpSp>
-          <p:nvGrpSpPr>
-            <p:cNvPr id="25" name="Group 24">
+        <p:sp>
+          <p:nvSpPr>
+            <p:cNvPr id="9" name="Rectangle: Rounded Corners 8">
               <a:extLst>
                 <a:ext uri="{FF2B5EF4-FFF2-40B4-BE49-F238E27FC236}">
-                  <a16:creationId xmlns:a16="http://schemas.microsoft.com/office/drawing/2014/main" id="{15E07194-2A92-59E9-79BA-CA62A84FBC32}"/>
+                  <a16:creationId xmlns:a16="http://schemas.microsoft.com/office/drawing/2014/main" id="{9B2569BE-5E00-92DA-C758-F2FB28503BC3}"/>
                 </a:ext>
               </a:extLst>
             </p:cNvPr>
-            <p:cNvGrpSpPr/>
+            <p:cNvSpPr/>
             <p:nvPr/>
-          </p:nvGrpSpPr>
-          <p:grpSpPr>
+          </p:nvSpPr>
+          <p:spPr>
             <a:xfrm>
-              <a:off x="405062" y="1537716"/>
-              <a:ext cx="11381876" cy="1153018"/>
-              <a:chOff x="405061" y="276727"/>
-              <a:chExt cx="11381876" cy="1459467"/>
+              <a:off x="405063" y="276727"/>
+              <a:ext cx="11381874" cy="1459467"/>
             </a:xfrm>
-          </p:grpSpPr>
-          <p:sp>
-            <p:nvSpPr>
-              <p:cNvPr id="9" name="Rectangle: Rounded Corners 8">
-                <a:extLst>
-                  <a:ext uri="{FF2B5EF4-FFF2-40B4-BE49-F238E27FC236}">
-                    <a16:creationId xmlns:a16="http://schemas.microsoft.com/office/drawing/2014/main" id="{9B2569BE-5E00-92DA-C758-F2FB28503BC3}"/>
-                  </a:ext>
-                </a:extLst>
-              </p:cNvPr>
-              <p:cNvSpPr/>
-              <p:nvPr/>
-            </p:nvSpPr>
-            <p:spPr>
-              <a:xfrm>
-                <a:off x="405063" y="276727"/>
-                <a:ext cx="11381874" cy="1459467"/>
-              </a:xfrm>
-              <a:prstGeom prst="roundRect">
-                <a:avLst/>
-              </a:prstGeom>
-              <a:solidFill>
-                <a:srgbClr val="E9D8B2"/>
-              </a:solidFill>
-              <a:ln>
-                <a:noFill/>
-              </a:ln>
-            </p:spPr>
-            <p:style>
-              <a:lnRef idx="2">
-                <a:schemeClr val="accent1">
-                  <a:shade val="15000"/>
-                </a:schemeClr>
-              </a:lnRef>
-              <a:fillRef idx="1">
-                <a:schemeClr val="accent1"/>
-              </a:fillRef>
-              <a:effectRef idx="0">
-                <a:schemeClr val="accent1"/>
-              </a:effectRef>
-              <a:fontRef idx="minor">
-                <a:schemeClr val="lt1"/>
-              </a:fontRef>
-            </p:style>
-            <p:txBody>
-              <a:bodyPr rtlCol="0" anchor="ctr"/>
-              <a:lstStyle/>
-              <a:p>
-                <a:pPr algn="ctr"/>
-                <a:endParaRPr lang="en-US"/>
-              </a:p>
-            </p:txBody>
-          </p:sp>
-          <p:sp>
-            <p:nvSpPr>
-              <p:cNvPr id="11" name="TextBox 10">
-                <a:extLst>
-                  <a:ext uri="{FF2B5EF4-FFF2-40B4-BE49-F238E27FC236}">
-                    <a16:creationId xmlns:a16="http://schemas.microsoft.com/office/drawing/2014/main" id="{0F487AF4-0F54-3AD9-C9E7-D0CA281A62C4}"/>
-                  </a:ext>
-                </a:extLst>
-              </p:cNvPr>
-              <p:cNvSpPr txBox="1"/>
-              <p:nvPr/>
-            </p:nvSpPr>
-            <p:spPr>
-              <a:xfrm>
-                <a:off x="405061" y="583952"/>
-                <a:ext cx="11381874" cy="818113"/>
-              </a:xfrm>
-              <a:prstGeom prst="rect">
-                <a:avLst/>
-              </a:prstGeom>
+            <a:prstGeom prst="roundRect">
+              <a:avLst/>
+            </a:prstGeom>
+            <a:solidFill>
+              <a:srgbClr val="E9D8B2"/>
+            </a:solidFill>
+            <a:ln>
               <a:noFill/>
-            </p:spPr>
-            <p:txBody>
-              <a:bodyPr wrap="square">
-                <a:spAutoFit/>
-              </a:bodyPr>
-              <a:lstStyle/>
-              <a:p>
-                <a:r>
-                  <a:rPr lang="en-US" sz="3600" b="1">
-                    <a:solidFill>
-                      <a:srgbClr val="661618"/>
-                    </a:solidFill>
-                    <a:latin typeface="Inter" panose="020B0502030000000004" pitchFamily="34" charset="0"/>
-                    <a:ea typeface="Inter" panose="020B0502030000000004" pitchFamily="34" charset="0"/>
-                  </a:rPr>
-                  <a:t>Project Manager: </a:t>
-                </a:r>
-                <a:r>
-                  <a:rPr lang="en-US" sz="3600">
-                    <a:solidFill>
-                      <a:srgbClr val="661618"/>
-                    </a:solidFill>
-                    <a:latin typeface="Inter" panose="020B0502030000000004" pitchFamily="34" charset="0"/>
-                    <a:ea typeface="Inter" panose="020B0502030000000004" pitchFamily="34" charset="0"/>
-                  </a:rPr>
-                  <a:t>Matthew Eisenberg</a:t>
-                </a:r>
-              </a:p>
-            </p:txBody>
-          </p:sp>
-        </p:grpSp>
-        <p:grpSp>
-          <p:nvGrpSpPr>
-            <p:cNvPr id="22" name="Group 21">
+            </a:ln>
+          </p:spPr>
+          <p:style>
+            <a:lnRef idx="2">
+              <a:schemeClr val="accent1">
+                <a:shade val="15000"/>
+              </a:schemeClr>
+            </a:lnRef>
+            <a:fillRef idx="1">
+              <a:schemeClr val="accent1"/>
+            </a:fillRef>
+            <a:effectRef idx="0">
+              <a:schemeClr val="accent1"/>
+            </a:effectRef>
+            <a:fontRef idx="minor">
+              <a:schemeClr val="lt1"/>
+            </a:fontRef>
+          </p:style>
+          <p:txBody>
+            <a:bodyPr rtlCol="0" anchor="ctr"/>
+            <a:lstStyle/>
+            <a:p>
+              <a:pPr algn="ctr"/>
+              <a:endParaRPr lang="en-US"/>
+            </a:p>
+          </p:txBody>
+        </p:sp>
+        <p:sp>
+          <p:nvSpPr>
+            <p:cNvPr id="11" name="TextBox 10">
               <a:extLst>
                 <a:ext uri="{FF2B5EF4-FFF2-40B4-BE49-F238E27FC236}">
-                  <a16:creationId xmlns:a16="http://schemas.microsoft.com/office/drawing/2014/main" id="{24C32157-A863-7E9A-7EB2-6AB1D39A3E3E}"/>
+                  <a16:creationId xmlns:a16="http://schemas.microsoft.com/office/drawing/2014/main" id="{0F487AF4-0F54-3AD9-C9E7-D0CA281A62C4}"/>
                 </a:ext>
               </a:extLst>
             </p:cNvPr>
-            <p:cNvGrpSpPr/>
+            <p:cNvSpPr txBox="1"/>
             <p:nvPr/>
-          </p:nvGrpSpPr>
-          <p:grpSpPr>
+          </p:nvSpPr>
+          <p:spPr>
             <a:xfrm>
-              <a:off x="405062" y="2823948"/>
-              <a:ext cx="3557338" cy="3146952"/>
-              <a:chOff x="405063" y="2142761"/>
-              <a:chExt cx="3557338" cy="4426480"/>
+              <a:off x="405061" y="583952"/>
+              <a:ext cx="11381874" cy="818113"/>
             </a:xfrm>
-          </p:grpSpPr>
-          <p:sp>
-            <p:nvSpPr>
-              <p:cNvPr id="12" name="Rectangle: Rounded Corners 11">
-                <a:extLst>
-                  <a:ext uri="{FF2B5EF4-FFF2-40B4-BE49-F238E27FC236}">
-                    <a16:creationId xmlns:a16="http://schemas.microsoft.com/office/drawing/2014/main" id="{9BA25D1C-AA8A-0ABE-6844-7AE967F9CD80}"/>
-                  </a:ext>
-                </a:extLst>
-              </p:cNvPr>
-              <p:cNvSpPr/>
-              <p:nvPr/>
-            </p:nvSpPr>
-            <p:spPr>
-              <a:xfrm>
-                <a:off x="405063" y="2142761"/>
-                <a:ext cx="3557337" cy="4426480"/>
-              </a:xfrm>
-              <a:prstGeom prst="roundRect">
-                <a:avLst/>
-              </a:prstGeom>
-              <a:solidFill>
-                <a:srgbClr val="E9D8B2"/>
-              </a:solidFill>
-              <a:ln>
-                <a:noFill/>
-              </a:ln>
-            </p:spPr>
-            <p:style>
-              <a:lnRef idx="2">
-                <a:schemeClr val="accent1">
-                  <a:shade val="15000"/>
-                </a:schemeClr>
-              </a:lnRef>
-              <a:fillRef idx="1">
-                <a:schemeClr val="accent1"/>
-              </a:fillRef>
-              <a:effectRef idx="0">
-                <a:schemeClr val="accent1"/>
-              </a:effectRef>
-              <a:fontRef idx="minor">
-                <a:schemeClr val="lt1"/>
-              </a:fontRef>
-            </p:style>
-            <p:txBody>
-              <a:bodyPr rtlCol="0" anchor="ctr"/>
-              <a:lstStyle/>
-              <a:p>
-                <a:pPr algn="ctr"/>
-                <a:endParaRPr lang="en-US"/>
-              </a:p>
-            </p:txBody>
-          </p:sp>
-          <p:sp>
-            <p:nvSpPr>
-              <p:cNvPr id="14" name="TextBox 13">
-                <a:extLst>
-                  <a:ext uri="{FF2B5EF4-FFF2-40B4-BE49-F238E27FC236}">
-                    <a16:creationId xmlns:a16="http://schemas.microsoft.com/office/drawing/2014/main" id="{55EB1A8C-D3C7-8B96-BE5E-3D441DE54C50}"/>
-                  </a:ext>
-                </a:extLst>
-              </p:cNvPr>
-              <p:cNvSpPr txBox="1"/>
-              <p:nvPr/>
-            </p:nvSpPr>
-            <p:spPr>
-              <a:xfrm>
-                <a:off x="405063" y="3787927"/>
-                <a:ext cx="3557337" cy="1200329"/>
-              </a:xfrm>
-              <a:prstGeom prst="rect">
-                <a:avLst/>
-              </a:prstGeom>
-              <a:noFill/>
-            </p:spPr>
-            <p:txBody>
-              <a:bodyPr wrap="square">
-                <a:spAutoFit/>
-              </a:bodyPr>
-              <a:lstStyle/>
-              <a:p>
-                <a:pPr algn="ctr"/>
-                <a:r>
-                  <a:rPr lang="en-US" sz="3600">
-                    <a:solidFill>
-                      <a:srgbClr val="661618"/>
-                    </a:solidFill>
-                    <a:latin typeface="Inter" panose="020B0502030000000004" pitchFamily="34" charset="0"/>
-                    <a:ea typeface="Inter" panose="020B0502030000000004" pitchFamily="34" charset="0"/>
-                  </a:rPr>
-                  <a:t>William Barrett</a:t>
-                </a:r>
-              </a:p>
-              <a:p>
-                <a:pPr algn="ctr"/>
-                <a:r>
-                  <a:rPr lang="en-US" sz="3600">
-                    <a:solidFill>
-                      <a:srgbClr val="661618"/>
-                    </a:solidFill>
-                    <a:latin typeface="Inter" panose="020B0502030000000004" pitchFamily="34" charset="0"/>
-                    <a:ea typeface="Inter" panose="020B0502030000000004" pitchFamily="34" charset="0"/>
-                  </a:rPr>
-                  <a:t>Jia Jones</a:t>
-                </a:r>
-              </a:p>
-            </p:txBody>
-          </p:sp>
-          <p:sp>
-            <p:nvSpPr>
-              <p:cNvPr id="15" name="TextBox 14">
-                <a:extLst>
-                  <a:ext uri="{FF2B5EF4-FFF2-40B4-BE49-F238E27FC236}">
-                    <a16:creationId xmlns:a16="http://schemas.microsoft.com/office/drawing/2014/main" id="{40860589-F87D-B4FC-66E8-D7D80FCB7557}"/>
-                  </a:ext>
-                </a:extLst>
-              </p:cNvPr>
-              <p:cNvSpPr txBox="1"/>
-              <p:nvPr/>
-            </p:nvSpPr>
-            <p:spPr>
-              <a:xfrm>
-                <a:off x="405063" y="2431873"/>
-                <a:ext cx="3557338" cy="646331"/>
-              </a:xfrm>
-              <a:prstGeom prst="rect">
-                <a:avLst/>
-              </a:prstGeom>
-              <a:noFill/>
-            </p:spPr>
-            <p:txBody>
-              <a:bodyPr wrap="square">
-                <a:spAutoFit/>
-              </a:bodyPr>
-              <a:lstStyle/>
-              <a:p>
-                <a:pPr algn="ctr"/>
-                <a:r>
-                  <a:rPr lang="en-US" sz="3600" b="1" dirty="0">
-                    <a:solidFill>
-                      <a:srgbClr val="661618"/>
-                    </a:solidFill>
-                    <a:latin typeface="Inter" panose="020B0502030000000004" pitchFamily="34" charset="0"/>
-                    <a:ea typeface="Inter" panose="020B0502030000000004" pitchFamily="34" charset="0"/>
-                  </a:rPr>
-                  <a:t>Frontend</a:t>
-                </a:r>
-              </a:p>
-            </p:txBody>
-          </p:sp>
-        </p:grpSp>
-        <p:grpSp>
-          <p:nvGrpSpPr>
-            <p:cNvPr id="23" name="Group 22">
+            <a:prstGeom prst="rect">
+              <a:avLst/>
+            </a:prstGeom>
+            <a:noFill/>
+          </p:spPr>
+          <p:txBody>
+            <a:bodyPr wrap="square">
+              <a:spAutoFit/>
+            </a:bodyPr>
+            <a:lstStyle/>
+            <a:p>
+              <a:r>
+                <a:rPr lang="en-US" sz="3600" b="1">
+                  <a:solidFill>
+                    <a:srgbClr val="661618"/>
+                  </a:solidFill>
+                  <a:latin typeface="Inter" panose="020B0502030000000004" pitchFamily="34" charset="0"/>
+                  <a:ea typeface="Inter" panose="020B0502030000000004" pitchFamily="34" charset="0"/>
+                </a:rPr>
+                <a:t>Project Manager: </a:t>
+              </a:r>
+              <a:r>
+                <a:rPr lang="en-US" sz="3600">
+                  <a:solidFill>
+                    <a:srgbClr val="661618"/>
+                  </a:solidFill>
+                  <a:latin typeface="Inter" panose="020B0502030000000004" pitchFamily="34" charset="0"/>
+                  <a:ea typeface="Inter" panose="020B0502030000000004" pitchFamily="34" charset="0"/>
+                </a:rPr>
+                <a:t>Matthew Eisenberg</a:t>
+              </a:r>
+            </a:p>
+          </p:txBody>
+        </p:sp>
+      </p:grpSp>
+      <p:grpSp>
+        <p:nvGrpSpPr>
+          <p:cNvPr id="22" name="Group 21">
+            <a:extLst>
+              <a:ext uri="{FF2B5EF4-FFF2-40B4-BE49-F238E27FC236}">
+                <a16:creationId xmlns:a16="http://schemas.microsoft.com/office/drawing/2014/main" id="{24C32157-A863-7E9A-7EB2-6AB1D39A3E3E}"/>
+              </a:ext>
+            </a:extLst>
+          </p:cNvPr>
+          <p:cNvGrpSpPr/>
+          <p:nvPr/>
+        </p:nvGrpSpPr>
+        <p:grpSpPr>
+          <a:xfrm>
+            <a:off x="405062" y="2918888"/>
+            <a:ext cx="3557338" cy="3146952"/>
+            <a:chOff x="405063" y="2142761"/>
+            <a:chExt cx="3557338" cy="4426480"/>
+          </a:xfrm>
+        </p:grpSpPr>
+        <p:sp>
+          <p:nvSpPr>
+            <p:cNvPr id="12" name="Rectangle: Rounded Corners 11">
               <a:extLst>
                 <a:ext uri="{FF2B5EF4-FFF2-40B4-BE49-F238E27FC236}">
-                  <a16:creationId xmlns:a16="http://schemas.microsoft.com/office/drawing/2014/main" id="{152677A2-6237-40B3-8E78-57F6EB8553FF}"/>
+                  <a16:creationId xmlns:a16="http://schemas.microsoft.com/office/drawing/2014/main" id="{9BA25D1C-AA8A-0ABE-6844-7AE967F9CD80}"/>
                 </a:ext>
               </a:extLst>
             </p:cNvPr>
-            <p:cNvGrpSpPr/>
+            <p:cNvSpPr/>
             <p:nvPr/>
-          </p:nvGrpSpPr>
-          <p:grpSpPr>
+          </p:nvSpPr>
+          <p:spPr>
             <a:xfrm>
-              <a:off x="4317328" y="2823948"/>
-              <a:ext cx="3557341" cy="3146952"/>
-              <a:chOff x="4535900" y="2121855"/>
-              <a:chExt cx="3557341" cy="4426480"/>
+              <a:off x="405063" y="2142761"/>
+              <a:ext cx="3557337" cy="4426480"/>
             </a:xfrm>
-          </p:grpSpPr>
-          <p:sp>
-            <p:nvSpPr>
-              <p:cNvPr id="16" name="Rectangle: Rounded Corners 15">
-                <a:extLst>
-                  <a:ext uri="{FF2B5EF4-FFF2-40B4-BE49-F238E27FC236}">
-                    <a16:creationId xmlns:a16="http://schemas.microsoft.com/office/drawing/2014/main" id="{1D8311F5-4330-4534-4726-AE9785029A16}"/>
-                  </a:ext>
-                </a:extLst>
-              </p:cNvPr>
-              <p:cNvSpPr/>
-              <p:nvPr/>
-            </p:nvSpPr>
-            <p:spPr>
-              <a:xfrm>
-                <a:off x="4535903" y="2121855"/>
-                <a:ext cx="3557338" cy="4426480"/>
-              </a:xfrm>
-              <a:prstGeom prst="roundRect">
-                <a:avLst/>
-              </a:prstGeom>
-              <a:solidFill>
-                <a:srgbClr val="E9D8B2"/>
-              </a:solidFill>
-              <a:ln>
-                <a:noFill/>
-              </a:ln>
-            </p:spPr>
-            <p:style>
-              <a:lnRef idx="2">
-                <a:schemeClr val="accent1">
-                  <a:shade val="15000"/>
-                </a:schemeClr>
-              </a:lnRef>
-              <a:fillRef idx="1">
-                <a:schemeClr val="accent1"/>
-              </a:fillRef>
-              <a:effectRef idx="0">
-                <a:schemeClr val="accent1"/>
-              </a:effectRef>
-              <a:fontRef idx="minor">
-                <a:schemeClr val="lt1"/>
-              </a:fontRef>
-            </p:style>
-            <p:txBody>
-              <a:bodyPr rtlCol="0" anchor="ctr"/>
-              <a:lstStyle/>
-              <a:p>
-                <a:pPr algn="ctr"/>
-                <a:endParaRPr lang="en-US"/>
-              </a:p>
-            </p:txBody>
-          </p:sp>
-          <p:sp>
-            <p:nvSpPr>
-              <p:cNvPr id="17" name="TextBox 16">
-                <a:extLst>
-                  <a:ext uri="{FF2B5EF4-FFF2-40B4-BE49-F238E27FC236}">
-                    <a16:creationId xmlns:a16="http://schemas.microsoft.com/office/drawing/2014/main" id="{C9A570E0-F80A-601D-B469-641EB67857A6}"/>
-                  </a:ext>
-                </a:extLst>
-              </p:cNvPr>
-              <p:cNvSpPr txBox="1"/>
-              <p:nvPr/>
-            </p:nvSpPr>
-            <p:spPr>
-              <a:xfrm>
-                <a:off x="4535901" y="3773883"/>
-                <a:ext cx="3557337" cy="1200329"/>
-              </a:xfrm>
-              <a:prstGeom prst="rect">
-                <a:avLst/>
-              </a:prstGeom>
+            <a:prstGeom prst="roundRect">
+              <a:avLst/>
+            </a:prstGeom>
+            <a:solidFill>
+              <a:srgbClr val="E9D8B2"/>
+            </a:solidFill>
+            <a:ln>
               <a:noFill/>
-            </p:spPr>
-            <p:txBody>
-              <a:bodyPr wrap="square">
-                <a:spAutoFit/>
-              </a:bodyPr>
-              <a:lstStyle/>
-              <a:p>
-                <a:pPr algn="ctr"/>
-                <a:r>
-                  <a:rPr lang="en-US" sz="3600" dirty="0">
-                    <a:solidFill>
-                      <a:srgbClr val="661618"/>
-                    </a:solidFill>
-                    <a:latin typeface="Inter" panose="020B0502030000000004" pitchFamily="34" charset="0"/>
-                    <a:ea typeface="Inter" panose="020B0502030000000004" pitchFamily="34" charset="0"/>
-                  </a:rPr>
-                  <a:t>Dennis Gorman</a:t>
-                </a:r>
-              </a:p>
-              <a:p>
-                <a:pPr algn="ctr"/>
-                <a:r>
-                  <a:rPr lang="en-US" sz="3600" dirty="0">
-                    <a:solidFill>
-                      <a:srgbClr val="661618"/>
-                    </a:solidFill>
-                    <a:latin typeface="Inter" panose="020B0502030000000004" pitchFamily="34" charset="0"/>
-                    <a:ea typeface="Inter" panose="020B0502030000000004" pitchFamily="34" charset="0"/>
-                  </a:rPr>
-                  <a:t>Ahmed Salama</a:t>
-                </a:r>
-              </a:p>
-            </p:txBody>
-          </p:sp>
-          <p:sp>
-            <p:nvSpPr>
-              <p:cNvPr id="18" name="TextBox 17">
-                <a:extLst>
-                  <a:ext uri="{FF2B5EF4-FFF2-40B4-BE49-F238E27FC236}">
-                    <a16:creationId xmlns:a16="http://schemas.microsoft.com/office/drawing/2014/main" id="{567BD2FC-C43E-35F5-8077-1BD43CB2CC7F}"/>
-                  </a:ext>
-                </a:extLst>
-              </p:cNvPr>
-              <p:cNvSpPr txBox="1"/>
-              <p:nvPr/>
-            </p:nvSpPr>
-            <p:spPr>
-              <a:xfrm>
-                <a:off x="4535900" y="2431873"/>
-                <a:ext cx="3557338" cy="646331"/>
-              </a:xfrm>
-              <a:prstGeom prst="rect">
-                <a:avLst/>
-              </a:prstGeom>
-              <a:noFill/>
-            </p:spPr>
-            <p:txBody>
-              <a:bodyPr wrap="square">
-                <a:spAutoFit/>
-              </a:bodyPr>
-              <a:lstStyle/>
-              <a:p>
-                <a:pPr algn="ctr"/>
-                <a:r>
-                  <a:rPr lang="en-US" sz="3600" b="1" dirty="0">
-                    <a:solidFill>
-                      <a:srgbClr val="661618"/>
-                    </a:solidFill>
-                    <a:latin typeface="Inter" panose="020B0502030000000004" pitchFamily="34" charset="0"/>
-                    <a:ea typeface="Inter" panose="020B0502030000000004" pitchFamily="34" charset="0"/>
-                  </a:rPr>
-                  <a:t>Backend</a:t>
-                </a:r>
-              </a:p>
-            </p:txBody>
-          </p:sp>
-        </p:grpSp>
-        <p:grpSp>
-          <p:nvGrpSpPr>
-            <p:cNvPr id="24" name="Group 23">
+            </a:ln>
+          </p:spPr>
+          <p:style>
+            <a:lnRef idx="2">
+              <a:schemeClr val="accent1">
+                <a:shade val="15000"/>
+              </a:schemeClr>
+            </a:lnRef>
+            <a:fillRef idx="1">
+              <a:schemeClr val="accent1"/>
+            </a:fillRef>
+            <a:effectRef idx="0">
+              <a:schemeClr val="accent1"/>
+            </a:effectRef>
+            <a:fontRef idx="minor">
+              <a:schemeClr val="lt1"/>
+            </a:fontRef>
+          </p:style>
+          <p:txBody>
+            <a:bodyPr rtlCol="0" anchor="ctr"/>
+            <a:lstStyle/>
+            <a:p>
+              <a:pPr algn="ctr"/>
+              <a:endParaRPr lang="en-US"/>
+            </a:p>
+          </p:txBody>
+        </p:sp>
+        <p:sp>
+          <p:nvSpPr>
+            <p:cNvPr id="14" name="TextBox 13">
               <a:extLst>
                 <a:ext uri="{FF2B5EF4-FFF2-40B4-BE49-F238E27FC236}">
-                  <a16:creationId xmlns:a16="http://schemas.microsoft.com/office/drawing/2014/main" id="{C4D9CEDA-38D2-2235-6A6E-7701FE0D88BE}"/>
+                  <a16:creationId xmlns:a16="http://schemas.microsoft.com/office/drawing/2014/main" id="{55EB1A8C-D3C7-8B96-BE5E-3D441DE54C50}"/>
                 </a:ext>
               </a:extLst>
             </p:cNvPr>
-            <p:cNvGrpSpPr/>
+            <p:cNvSpPr txBox="1"/>
             <p:nvPr/>
-          </p:nvGrpSpPr>
-          <p:grpSpPr>
+          </p:nvSpPr>
+          <p:spPr>
             <a:xfrm>
-              <a:off x="8229599" y="2859392"/>
-              <a:ext cx="3557337" cy="3146952"/>
-              <a:chOff x="8306802" y="2111402"/>
-              <a:chExt cx="3557337" cy="4426480"/>
+              <a:off x="405063" y="3787927"/>
+              <a:ext cx="3557337" cy="1200329"/>
             </a:xfrm>
-          </p:grpSpPr>
-          <p:sp>
-            <p:nvSpPr>
-              <p:cNvPr id="19" name="Rectangle: Rounded Corners 18">
-                <a:extLst>
-                  <a:ext uri="{FF2B5EF4-FFF2-40B4-BE49-F238E27FC236}">
-                    <a16:creationId xmlns:a16="http://schemas.microsoft.com/office/drawing/2014/main" id="{741524AD-5AEC-927A-AF43-BF981428A851}"/>
-                  </a:ext>
-                </a:extLst>
-              </p:cNvPr>
-              <p:cNvSpPr/>
-              <p:nvPr/>
-            </p:nvSpPr>
-            <p:spPr>
-              <a:xfrm>
-                <a:off x="8306802" y="2111402"/>
-                <a:ext cx="3557337" cy="4426480"/>
-              </a:xfrm>
-              <a:prstGeom prst="roundRect">
-                <a:avLst/>
-              </a:prstGeom>
-              <a:solidFill>
-                <a:srgbClr val="E9D8B2"/>
-              </a:solidFill>
-              <a:ln>
-                <a:noFill/>
-              </a:ln>
-            </p:spPr>
-            <p:style>
-              <a:lnRef idx="2">
-                <a:schemeClr val="accent1">
-                  <a:shade val="15000"/>
-                </a:schemeClr>
-              </a:lnRef>
-              <a:fillRef idx="1">
-                <a:schemeClr val="accent1"/>
-              </a:fillRef>
-              <a:effectRef idx="0">
-                <a:schemeClr val="accent1"/>
-              </a:effectRef>
-              <a:fontRef idx="minor">
-                <a:schemeClr val="lt1"/>
-              </a:fontRef>
-            </p:style>
-            <p:txBody>
-              <a:bodyPr rtlCol="0" anchor="ctr"/>
-              <a:lstStyle/>
-              <a:p>
-                <a:pPr algn="ctr"/>
-                <a:endParaRPr lang="en-US"/>
-              </a:p>
-            </p:txBody>
-          </p:sp>
-          <p:sp>
-            <p:nvSpPr>
-              <p:cNvPr id="20" name="TextBox 19">
-                <a:extLst>
-                  <a:ext uri="{FF2B5EF4-FFF2-40B4-BE49-F238E27FC236}">
-                    <a16:creationId xmlns:a16="http://schemas.microsoft.com/office/drawing/2014/main" id="{C0973A59-6466-3BF4-590B-0D5EFC5F614D}"/>
-                  </a:ext>
-                </a:extLst>
-              </p:cNvPr>
-              <p:cNvSpPr txBox="1"/>
-              <p:nvPr/>
-            </p:nvSpPr>
-            <p:spPr>
-              <a:xfrm>
-                <a:off x="8306802" y="3752977"/>
-                <a:ext cx="3557336" cy="646331"/>
-              </a:xfrm>
-              <a:prstGeom prst="rect">
-                <a:avLst/>
-              </a:prstGeom>
+            <a:prstGeom prst="rect">
+              <a:avLst/>
+            </a:prstGeom>
+            <a:noFill/>
+          </p:spPr>
+          <p:txBody>
+            <a:bodyPr wrap="square">
+              <a:spAutoFit/>
+            </a:bodyPr>
+            <a:lstStyle/>
+            <a:p>
+              <a:pPr algn="ctr"/>
+              <a:r>
+                <a:rPr lang="en-US" sz="3600">
+                  <a:solidFill>
+                    <a:srgbClr val="661618"/>
+                  </a:solidFill>
+                  <a:latin typeface="Inter" panose="020B0502030000000004" pitchFamily="34" charset="0"/>
+                  <a:ea typeface="Inter" panose="020B0502030000000004" pitchFamily="34" charset="0"/>
+                </a:rPr>
+                <a:t>William Barrett</a:t>
+              </a:r>
+            </a:p>
+            <a:p>
+              <a:pPr algn="ctr"/>
+              <a:r>
+                <a:rPr lang="en-US" sz="3600">
+                  <a:solidFill>
+                    <a:srgbClr val="661618"/>
+                  </a:solidFill>
+                  <a:latin typeface="Inter" panose="020B0502030000000004" pitchFamily="34" charset="0"/>
+                  <a:ea typeface="Inter" panose="020B0502030000000004" pitchFamily="34" charset="0"/>
+                </a:rPr>
+                <a:t>Jia Jones</a:t>
+              </a:r>
+            </a:p>
+          </p:txBody>
+        </p:sp>
+        <p:sp>
+          <p:nvSpPr>
+            <p:cNvPr id="15" name="TextBox 14">
+              <a:extLst>
+                <a:ext uri="{FF2B5EF4-FFF2-40B4-BE49-F238E27FC236}">
+                  <a16:creationId xmlns:a16="http://schemas.microsoft.com/office/drawing/2014/main" id="{40860589-F87D-B4FC-66E8-D7D80FCB7557}"/>
+                </a:ext>
+              </a:extLst>
+            </p:cNvPr>
+            <p:cNvSpPr txBox="1"/>
+            <p:nvPr/>
+          </p:nvSpPr>
+          <p:spPr>
+            <a:xfrm>
+              <a:off x="405063" y="2431873"/>
+              <a:ext cx="3557338" cy="646331"/>
+            </a:xfrm>
+            <a:prstGeom prst="rect">
+              <a:avLst/>
+            </a:prstGeom>
+            <a:noFill/>
+          </p:spPr>
+          <p:txBody>
+            <a:bodyPr wrap="square">
+              <a:spAutoFit/>
+            </a:bodyPr>
+            <a:lstStyle/>
+            <a:p>
+              <a:pPr algn="ctr"/>
+              <a:r>
+                <a:rPr lang="en-US" sz="3600" b="1" dirty="0">
+                  <a:solidFill>
+                    <a:srgbClr val="661618"/>
+                  </a:solidFill>
+                  <a:latin typeface="Inter" panose="020B0502030000000004" pitchFamily="34" charset="0"/>
+                  <a:ea typeface="Inter" panose="020B0502030000000004" pitchFamily="34" charset="0"/>
+                </a:rPr>
+                <a:t>Frontend</a:t>
+              </a:r>
+            </a:p>
+          </p:txBody>
+        </p:sp>
+      </p:grpSp>
+      <p:grpSp>
+        <p:nvGrpSpPr>
+          <p:cNvPr id="23" name="Group 22">
+            <a:extLst>
+              <a:ext uri="{FF2B5EF4-FFF2-40B4-BE49-F238E27FC236}">
+                <a16:creationId xmlns:a16="http://schemas.microsoft.com/office/drawing/2014/main" id="{152677A2-6237-40B3-8E78-57F6EB8553FF}"/>
+              </a:ext>
+            </a:extLst>
+          </p:cNvPr>
+          <p:cNvGrpSpPr/>
+          <p:nvPr/>
+        </p:nvGrpSpPr>
+        <p:grpSpPr>
+          <a:xfrm>
+            <a:off x="4317328" y="2918888"/>
+            <a:ext cx="3557341" cy="3146952"/>
+            <a:chOff x="4535900" y="2121855"/>
+            <a:chExt cx="3557341" cy="4426480"/>
+          </a:xfrm>
+        </p:grpSpPr>
+        <p:sp>
+          <p:nvSpPr>
+            <p:cNvPr id="16" name="Rectangle: Rounded Corners 15">
+              <a:extLst>
+                <a:ext uri="{FF2B5EF4-FFF2-40B4-BE49-F238E27FC236}">
+                  <a16:creationId xmlns:a16="http://schemas.microsoft.com/office/drawing/2014/main" id="{1D8311F5-4330-4534-4726-AE9785029A16}"/>
+                </a:ext>
+              </a:extLst>
+            </p:cNvPr>
+            <p:cNvSpPr/>
+            <p:nvPr/>
+          </p:nvSpPr>
+          <p:spPr>
+            <a:xfrm>
+              <a:off x="4535903" y="2121855"/>
+              <a:ext cx="3557338" cy="4426480"/>
+            </a:xfrm>
+            <a:prstGeom prst="roundRect">
+              <a:avLst/>
+            </a:prstGeom>
+            <a:solidFill>
+              <a:srgbClr val="E9D8B2"/>
+            </a:solidFill>
+            <a:ln>
               <a:noFill/>
-            </p:spPr>
-            <p:txBody>
-              <a:bodyPr wrap="square">
-                <a:spAutoFit/>
-              </a:bodyPr>
-              <a:lstStyle/>
-              <a:p>
-                <a:pPr algn="ctr"/>
-                <a:r>
-                  <a:rPr lang="en-US" sz="3600">
-                    <a:solidFill>
-                      <a:srgbClr val="661618"/>
-                    </a:solidFill>
-                    <a:latin typeface="Inter" panose="020B0502030000000004" pitchFamily="34" charset="0"/>
-                    <a:ea typeface="Inter" panose="020B0502030000000004" pitchFamily="34" charset="0"/>
-                  </a:rPr>
-                  <a:t>Pedro Criado</a:t>
-                </a:r>
-              </a:p>
-            </p:txBody>
-          </p:sp>
-          <p:sp>
-            <p:nvSpPr>
-              <p:cNvPr id="21" name="TextBox 20">
-                <a:extLst>
-                  <a:ext uri="{FF2B5EF4-FFF2-40B4-BE49-F238E27FC236}">
-                    <a16:creationId xmlns:a16="http://schemas.microsoft.com/office/drawing/2014/main" id="{815F8B5D-F820-00DF-D6E2-971F5F65F789}"/>
-                  </a:ext>
-                </a:extLst>
-              </p:cNvPr>
-              <p:cNvSpPr txBox="1"/>
-              <p:nvPr/>
-            </p:nvSpPr>
-            <p:spPr>
-              <a:xfrm>
-                <a:off x="8306802" y="2431873"/>
-                <a:ext cx="3557335" cy="646331"/>
-              </a:xfrm>
-              <a:prstGeom prst="rect">
-                <a:avLst/>
-              </a:prstGeom>
+            </a:ln>
+          </p:spPr>
+          <p:style>
+            <a:lnRef idx="2">
+              <a:schemeClr val="accent1">
+                <a:shade val="15000"/>
+              </a:schemeClr>
+            </a:lnRef>
+            <a:fillRef idx="1">
+              <a:schemeClr val="accent1"/>
+            </a:fillRef>
+            <a:effectRef idx="0">
+              <a:schemeClr val="accent1"/>
+            </a:effectRef>
+            <a:fontRef idx="minor">
+              <a:schemeClr val="lt1"/>
+            </a:fontRef>
+          </p:style>
+          <p:txBody>
+            <a:bodyPr rtlCol="0" anchor="ctr"/>
+            <a:lstStyle/>
+            <a:p>
+              <a:pPr algn="ctr"/>
+              <a:endParaRPr lang="en-US"/>
+            </a:p>
+          </p:txBody>
+        </p:sp>
+        <p:sp>
+          <p:nvSpPr>
+            <p:cNvPr id="17" name="TextBox 16">
+              <a:extLst>
+                <a:ext uri="{FF2B5EF4-FFF2-40B4-BE49-F238E27FC236}">
+                  <a16:creationId xmlns:a16="http://schemas.microsoft.com/office/drawing/2014/main" id="{C9A570E0-F80A-601D-B469-641EB67857A6}"/>
+                </a:ext>
+              </a:extLst>
+            </p:cNvPr>
+            <p:cNvSpPr txBox="1"/>
+            <p:nvPr/>
+          </p:nvSpPr>
+          <p:spPr>
+            <a:xfrm>
+              <a:off x="4535901" y="3773883"/>
+              <a:ext cx="3557337" cy="1200329"/>
+            </a:xfrm>
+            <a:prstGeom prst="rect">
+              <a:avLst/>
+            </a:prstGeom>
+            <a:noFill/>
+          </p:spPr>
+          <p:txBody>
+            <a:bodyPr wrap="square">
+              <a:spAutoFit/>
+            </a:bodyPr>
+            <a:lstStyle/>
+            <a:p>
+              <a:pPr algn="ctr"/>
+              <a:r>
+                <a:rPr lang="en-US" sz="3600" dirty="0">
+                  <a:solidFill>
+                    <a:srgbClr val="661618"/>
+                  </a:solidFill>
+                  <a:latin typeface="Inter" panose="020B0502030000000004" pitchFamily="34" charset="0"/>
+                  <a:ea typeface="Inter" panose="020B0502030000000004" pitchFamily="34" charset="0"/>
+                </a:rPr>
+                <a:t>Dennis Gorman</a:t>
+              </a:r>
+            </a:p>
+            <a:p>
+              <a:pPr algn="ctr"/>
+              <a:r>
+                <a:rPr lang="en-US" sz="3600" dirty="0">
+                  <a:solidFill>
+                    <a:srgbClr val="661618"/>
+                  </a:solidFill>
+                  <a:latin typeface="Inter" panose="020B0502030000000004" pitchFamily="34" charset="0"/>
+                  <a:ea typeface="Inter" panose="020B0502030000000004" pitchFamily="34" charset="0"/>
+                </a:rPr>
+                <a:t>Ahmed Salama</a:t>
+              </a:r>
+            </a:p>
+          </p:txBody>
+        </p:sp>
+        <p:sp>
+          <p:nvSpPr>
+            <p:cNvPr id="18" name="TextBox 17">
+              <a:extLst>
+                <a:ext uri="{FF2B5EF4-FFF2-40B4-BE49-F238E27FC236}">
+                  <a16:creationId xmlns:a16="http://schemas.microsoft.com/office/drawing/2014/main" id="{567BD2FC-C43E-35F5-8077-1BD43CB2CC7F}"/>
+                </a:ext>
+              </a:extLst>
+            </p:cNvPr>
+            <p:cNvSpPr txBox="1"/>
+            <p:nvPr/>
+          </p:nvSpPr>
+          <p:spPr>
+            <a:xfrm>
+              <a:off x="4535900" y="2431873"/>
+              <a:ext cx="3557338" cy="646331"/>
+            </a:xfrm>
+            <a:prstGeom prst="rect">
+              <a:avLst/>
+            </a:prstGeom>
+            <a:noFill/>
+          </p:spPr>
+          <p:txBody>
+            <a:bodyPr wrap="square">
+              <a:spAutoFit/>
+            </a:bodyPr>
+            <a:lstStyle/>
+            <a:p>
+              <a:pPr algn="ctr"/>
+              <a:r>
+                <a:rPr lang="en-US" sz="3600" b="1" dirty="0">
+                  <a:solidFill>
+                    <a:srgbClr val="661618"/>
+                  </a:solidFill>
+                  <a:latin typeface="Inter" panose="020B0502030000000004" pitchFamily="34" charset="0"/>
+                  <a:ea typeface="Inter" panose="020B0502030000000004" pitchFamily="34" charset="0"/>
+                </a:rPr>
+                <a:t>Backend</a:t>
+              </a:r>
+            </a:p>
+          </p:txBody>
+        </p:sp>
+      </p:grpSp>
+      <p:grpSp>
+        <p:nvGrpSpPr>
+          <p:cNvPr id="24" name="Group 23">
+            <a:extLst>
+              <a:ext uri="{FF2B5EF4-FFF2-40B4-BE49-F238E27FC236}">
+                <a16:creationId xmlns:a16="http://schemas.microsoft.com/office/drawing/2014/main" id="{C4D9CEDA-38D2-2235-6A6E-7701FE0D88BE}"/>
+              </a:ext>
+            </a:extLst>
+          </p:cNvPr>
+          <p:cNvGrpSpPr/>
+          <p:nvPr/>
+        </p:nvGrpSpPr>
+        <p:grpSpPr>
+          <a:xfrm>
+            <a:off x="8229599" y="2954332"/>
+            <a:ext cx="3557337" cy="3146952"/>
+            <a:chOff x="8306802" y="2111402"/>
+            <a:chExt cx="3557337" cy="4426480"/>
+          </a:xfrm>
+        </p:grpSpPr>
+        <p:sp>
+          <p:nvSpPr>
+            <p:cNvPr id="19" name="Rectangle: Rounded Corners 18">
+              <a:extLst>
+                <a:ext uri="{FF2B5EF4-FFF2-40B4-BE49-F238E27FC236}">
+                  <a16:creationId xmlns:a16="http://schemas.microsoft.com/office/drawing/2014/main" id="{741524AD-5AEC-927A-AF43-BF981428A851}"/>
+                </a:ext>
+              </a:extLst>
+            </p:cNvPr>
+            <p:cNvSpPr/>
+            <p:nvPr/>
+          </p:nvSpPr>
+          <p:spPr>
+            <a:xfrm>
+              <a:off x="8306802" y="2111402"/>
+              <a:ext cx="3557337" cy="4426480"/>
+            </a:xfrm>
+            <a:prstGeom prst="roundRect">
+              <a:avLst/>
+            </a:prstGeom>
+            <a:solidFill>
+              <a:srgbClr val="E9D8B2"/>
+            </a:solidFill>
+            <a:ln>
               <a:noFill/>
-            </p:spPr>
-            <p:txBody>
-              <a:bodyPr wrap="square">
-                <a:spAutoFit/>
-              </a:bodyPr>
-              <a:lstStyle/>
-              <a:p>
-                <a:pPr algn="ctr"/>
-                <a:r>
-                  <a:rPr lang="en-US" sz="3600" b="1">
-                    <a:solidFill>
-                      <a:srgbClr val="661618"/>
-                    </a:solidFill>
-                    <a:latin typeface="Inter" panose="020B0502030000000004" pitchFamily="34" charset="0"/>
-                    <a:ea typeface="Inter" panose="020B0502030000000004" pitchFamily="34" charset="0"/>
-                  </a:rPr>
-                  <a:t>Database</a:t>
-                </a:r>
-              </a:p>
-            </p:txBody>
-          </p:sp>
-        </p:grpSp>
+            </a:ln>
+          </p:spPr>
+          <p:style>
+            <a:lnRef idx="2">
+              <a:schemeClr val="accent1">
+                <a:shade val="15000"/>
+              </a:schemeClr>
+            </a:lnRef>
+            <a:fillRef idx="1">
+              <a:schemeClr val="accent1"/>
+            </a:fillRef>
+            <a:effectRef idx="0">
+              <a:schemeClr val="accent1"/>
+            </a:effectRef>
+            <a:fontRef idx="minor">
+              <a:schemeClr val="lt1"/>
+            </a:fontRef>
+          </p:style>
+          <p:txBody>
+            <a:bodyPr rtlCol="0" anchor="ctr"/>
+            <a:lstStyle/>
+            <a:p>
+              <a:pPr algn="ctr"/>
+              <a:endParaRPr lang="en-US"/>
+            </a:p>
+          </p:txBody>
+        </p:sp>
+        <p:sp>
+          <p:nvSpPr>
+            <p:cNvPr id="20" name="TextBox 19">
+              <a:extLst>
+                <a:ext uri="{FF2B5EF4-FFF2-40B4-BE49-F238E27FC236}">
+                  <a16:creationId xmlns:a16="http://schemas.microsoft.com/office/drawing/2014/main" id="{C0973A59-6466-3BF4-590B-0D5EFC5F614D}"/>
+                </a:ext>
+              </a:extLst>
+            </p:cNvPr>
+            <p:cNvSpPr txBox="1"/>
+            <p:nvPr/>
+          </p:nvSpPr>
+          <p:spPr>
+            <a:xfrm>
+              <a:off x="8306802" y="3752977"/>
+              <a:ext cx="3557336" cy="646331"/>
+            </a:xfrm>
+            <a:prstGeom prst="rect">
+              <a:avLst/>
+            </a:prstGeom>
+            <a:noFill/>
+          </p:spPr>
+          <p:txBody>
+            <a:bodyPr wrap="square">
+              <a:spAutoFit/>
+            </a:bodyPr>
+            <a:lstStyle/>
+            <a:p>
+              <a:pPr algn="ctr"/>
+              <a:r>
+                <a:rPr lang="en-US" sz="3600">
+                  <a:solidFill>
+                    <a:srgbClr val="661618"/>
+                  </a:solidFill>
+                  <a:latin typeface="Inter" panose="020B0502030000000004" pitchFamily="34" charset="0"/>
+                  <a:ea typeface="Inter" panose="020B0502030000000004" pitchFamily="34" charset="0"/>
+                </a:rPr>
+                <a:t>Pedro Criado</a:t>
+              </a:r>
+            </a:p>
+          </p:txBody>
+        </p:sp>
+        <p:sp>
+          <p:nvSpPr>
+            <p:cNvPr id="21" name="TextBox 20">
+              <a:extLst>
+                <a:ext uri="{FF2B5EF4-FFF2-40B4-BE49-F238E27FC236}">
+                  <a16:creationId xmlns:a16="http://schemas.microsoft.com/office/drawing/2014/main" id="{815F8B5D-F820-00DF-D6E2-971F5F65F789}"/>
+                </a:ext>
+              </a:extLst>
+            </p:cNvPr>
+            <p:cNvSpPr txBox="1"/>
+            <p:nvPr/>
+          </p:nvSpPr>
+          <p:spPr>
+            <a:xfrm>
+              <a:off x="8306802" y="2431873"/>
+              <a:ext cx="3557335" cy="646331"/>
+            </a:xfrm>
+            <a:prstGeom prst="rect">
+              <a:avLst/>
+            </a:prstGeom>
+            <a:noFill/>
+          </p:spPr>
+          <p:txBody>
+            <a:bodyPr wrap="square">
+              <a:spAutoFit/>
+            </a:bodyPr>
+            <a:lstStyle/>
+            <a:p>
+              <a:pPr algn="ctr"/>
+              <a:r>
+                <a:rPr lang="en-US" sz="3600" b="1">
+                  <a:solidFill>
+                    <a:srgbClr val="661618"/>
+                  </a:solidFill>
+                  <a:latin typeface="Inter" panose="020B0502030000000004" pitchFamily="34" charset="0"/>
+                  <a:ea typeface="Inter" panose="020B0502030000000004" pitchFamily="34" charset="0"/>
+                </a:rPr>
+                <a:t>Database</a:t>
+              </a:r>
+            </a:p>
+          </p:txBody>
+        </p:sp>
       </p:grpSp>
       <p:sp>
         <p:nvSpPr>
@@ -6618,10 +7400,10 @@
       </p:sp>
       <p:grpSp>
         <p:nvGrpSpPr>
-          <p:cNvPr id="2" name="Group 1">
+          <p:cNvPr id="22" name="Group 21">
             <a:extLst>
               <a:ext uri="{FF2B5EF4-FFF2-40B4-BE49-F238E27FC236}">
-                <a16:creationId xmlns:a16="http://schemas.microsoft.com/office/drawing/2014/main" id="{70312291-9414-FADA-19BA-E971C884D82B}"/>
+                <a16:creationId xmlns:a16="http://schemas.microsoft.com/office/drawing/2014/main" id="{24C32157-A863-7E9A-7EB2-6AB1D39A3E3E}"/>
               </a:ext>
             </a:extLst>
           </p:cNvPr>
@@ -6630,363 +7412,18 @@
         </p:nvGrpSpPr>
         <p:grpSpPr>
           <a:xfrm>
-            <a:off x="405063" y="1440814"/>
-            <a:ext cx="11381874" cy="5016896"/>
-            <a:chOff x="310470" y="1472345"/>
-            <a:chExt cx="11381874" cy="5016896"/>
+            <a:off x="405063" y="3275314"/>
+            <a:ext cx="3557338" cy="3146952"/>
+            <a:chOff x="405063" y="2142761"/>
+            <a:chExt cx="3557338" cy="4426480"/>
           </a:xfrm>
         </p:grpSpPr>
-        <p:grpSp>
-          <p:nvGrpSpPr>
-            <p:cNvPr id="22" name="Group 21">
+        <p:sp>
+          <p:nvSpPr>
+            <p:cNvPr id="12" name="Rectangle: Rounded Corners 11">
               <a:extLst>
                 <a:ext uri="{FF2B5EF4-FFF2-40B4-BE49-F238E27FC236}">
-                  <a16:creationId xmlns:a16="http://schemas.microsoft.com/office/drawing/2014/main" id="{24C32157-A863-7E9A-7EB2-6AB1D39A3E3E}"/>
-                </a:ext>
-              </a:extLst>
-            </p:cNvPr>
-            <p:cNvGrpSpPr/>
-            <p:nvPr/>
-          </p:nvGrpSpPr>
-          <p:grpSpPr>
-            <a:xfrm>
-              <a:off x="310470" y="3306845"/>
-              <a:ext cx="3557338" cy="3146952"/>
-              <a:chOff x="405063" y="2142761"/>
-              <a:chExt cx="3557338" cy="4426480"/>
-            </a:xfrm>
-          </p:grpSpPr>
-          <p:sp>
-            <p:nvSpPr>
-              <p:cNvPr id="12" name="Rectangle: Rounded Corners 11">
-                <a:extLst>
-                  <a:ext uri="{FF2B5EF4-FFF2-40B4-BE49-F238E27FC236}">
-                    <a16:creationId xmlns:a16="http://schemas.microsoft.com/office/drawing/2014/main" id="{9BA25D1C-AA8A-0ABE-6844-7AE967F9CD80}"/>
-                  </a:ext>
-                </a:extLst>
-              </p:cNvPr>
-              <p:cNvSpPr/>
-              <p:nvPr/>
-            </p:nvSpPr>
-            <p:spPr>
-              <a:xfrm>
-                <a:off x="405063" y="2142761"/>
-                <a:ext cx="3557337" cy="4426480"/>
-              </a:xfrm>
-              <a:prstGeom prst="roundRect">
-                <a:avLst/>
-              </a:prstGeom>
-              <a:solidFill>
-                <a:srgbClr val="E9D8B2"/>
-              </a:solidFill>
-              <a:ln>
-                <a:noFill/>
-              </a:ln>
-            </p:spPr>
-            <p:style>
-              <a:lnRef idx="2">
-                <a:schemeClr val="accent1">
-                  <a:shade val="15000"/>
-                </a:schemeClr>
-              </a:lnRef>
-              <a:fillRef idx="1">
-                <a:schemeClr val="accent1"/>
-              </a:fillRef>
-              <a:effectRef idx="0">
-                <a:schemeClr val="accent1"/>
-              </a:effectRef>
-              <a:fontRef idx="minor">
-                <a:schemeClr val="lt1"/>
-              </a:fontRef>
-            </p:style>
-            <p:txBody>
-              <a:bodyPr rtlCol="0" anchor="ctr"/>
-              <a:lstStyle/>
-              <a:p>
-                <a:pPr algn="ctr"/>
-                <a:endParaRPr lang="en-US" dirty="0"/>
-              </a:p>
-            </p:txBody>
-          </p:sp>
-          <p:sp>
-            <p:nvSpPr>
-              <p:cNvPr id="15" name="TextBox 14">
-                <a:extLst>
-                  <a:ext uri="{FF2B5EF4-FFF2-40B4-BE49-F238E27FC236}">
-                    <a16:creationId xmlns:a16="http://schemas.microsoft.com/office/drawing/2014/main" id="{40860589-F87D-B4FC-66E8-D7D80FCB7557}"/>
-                  </a:ext>
-                </a:extLst>
-              </p:cNvPr>
-              <p:cNvSpPr txBox="1"/>
-              <p:nvPr/>
-            </p:nvSpPr>
-            <p:spPr>
-              <a:xfrm>
-                <a:off x="405063" y="2431873"/>
-                <a:ext cx="3557338" cy="724125"/>
-              </a:xfrm>
-              <a:prstGeom prst="rect">
-                <a:avLst/>
-              </a:prstGeom>
-              <a:noFill/>
-            </p:spPr>
-            <p:txBody>
-              <a:bodyPr wrap="square">
-                <a:spAutoFit/>
-              </a:bodyPr>
-              <a:lstStyle/>
-              <a:p>
-                <a:pPr algn="ctr"/>
-                <a:r>
-                  <a:rPr lang="en-US" sz="3600" b="1" dirty="0">
-                    <a:solidFill>
-                      <a:srgbClr val="661618"/>
-                    </a:solidFill>
-                    <a:latin typeface="Inter" panose="020B0502030000000004" pitchFamily="34" charset="0"/>
-                    <a:ea typeface="Inter" panose="020B0502030000000004" pitchFamily="34" charset="0"/>
-                  </a:rPr>
-                  <a:t>Frontend</a:t>
-                </a:r>
-              </a:p>
-            </p:txBody>
-          </p:sp>
-        </p:grpSp>
-        <p:grpSp>
-          <p:nvGrpSpPr>
-            <p:cNvPr id="23" name="Group 22">
-              <a:extLst>
-                <a:ext uri="{FF2B5EF4-FFF2-40B4-BE49-F238E27FC236}">
-                  <a16:creationId xmlns:a16="http://schemas.microsoft.com/office/drawing/2014/main" id="{152677A2-6237-40B3-8E78-57F6EB8553FF}"/>
-                </a:ext>
-              </a:extLst>
-            </p:cNvPr>
-            <p:cNvGrpSpPr/>
-            <p:nvPr/>
-          </p:nvGrpSpPr>
-          <p:grpSpPr>
-            <a:xfrm>
-              <a:off x="4222736" y="3306845"/>
-              <a:ext cx="3557341" cy="3146952"/>
-              <a:chOff x="4535900" y="2121855"/>
-              <a:chExt cx="3557341" cy="4426480"/>
-            </a:xfrm>
-          </p:grpSpPr>
-          <p:sp>
-            <p:nvSpPr>
-              <p:cNvPr id="16" name="Rectangle: Rounded Corners 15">
-                <a:extLst>
-                  <a:ext uri="{FF2B5EF4-FFF2-40B4-BE49-F238E27FC236}">
-                    <a16:creationId xmlns:a16="http://schemas.microsoft.com/office/drawing/2014/main" id="{1D8311F5-4330-4534-4726-AE9785029A16}"/>
-                  </a:ext>
-                </a:extLst>
-              </p:cNvPr>
-              <p:cNvSpPr/>
-              <p:nvPr/>
-            </p:nvSpPr>
-            <p:spPr>
-              <a:xfrm>
-                <a:off x="4535903" y="2121855"/>
-                <a:ext cx="3557338" cy="4426480"/>
-              </a:xfrm>
-              <a:prstGeom prst="roundRect">
-                <a:avLst/>
-              </a:prstGeom>
-              <a:solidFill>
-                <a:srgbClr val="E9D8B2"/>
-              </a:solidFill>
-              <a:ln>
-                <a:noFill/>
-              </a:ln>
-            </p:spPr>
-            <p:style>
-              <a:lnRef idx="2">
-                <a:schemeClr val="accent1">
-                  <a:shade val="15000"/>
-                </a:schemeClr>
-              </a:lnRef>
-              <a:fillRef idx="1">
-                <a:schemeClr val="accent1"/>
-              </a:fillRef>
-              <a:effectRef idx="0">
-                <a:schemeClr val="accent1"/>
-              </a:effectRef>
-              <a:fontRef idx="minor">
-                <a:schemeClr val="lt1"/>
-              </a:fontRef>
-            </p:style>
-            <p:txBody>
-              <a:bodyPr rtlCol="0" anchor="ctr"/>
-              <a:lstStyle/>
-              <a:p>
-                <a:pPr algn="ctr"/>
-                <a:endParaRPr lang="en-US"/>
-              </a:p>
-            </p:txBody>
-          </p:sp>
-          <p:sp>
-            <p:nvSpPr>
-              <p:cNvPr id="18" name="TextBox 17">
-                <a:extLst>
-                  <a:ext uri="{FF2B5EF4-FFF2-40B4-BE49-F238E27FC236}">
-                    <a16:creationId xmlns:a16="http://schemas.microsoft.com/office/drawing/2014/main" id="{567BD2FC-C43E-35F5-8077-1BD43CB2CC7F}"/>
-                  </a:ext>
-                </a:extLst>
-              </p:cNvPr>
-              <p:cNvSpPr txBox="1"/>
-              <p:nvPr/>
-            </p:nvSpPr>
-            <p:spPr>
-              <a:xfrm>
-                <a:off x="4535900" y="2431873"/>
-                <a:ext cx="3557338" cy="724125"/>
-              </a:xfrm>
-              <a:prstGeom prst="rect">
-                <a:avLst/>
-              </a:prstGeom>
-              <a:noFill/>
-            </p:spPr>
-            <p:txBody>
-              <a:bodyPr wrap="square">
-                <a:spAutoFit/>
-              </a:bodyPr>
-              <a:lstStyle/>
-              <a:p>
-                <a:pPr algn="ctr"/>
-                <a:r>
-                  <a:rPr lang="en-US" sz="3600" b="1" dirty="0">
-                    <a:solidFill>
-                      <a:srgbClr val="661618"/>
-                    </a:solidFill>
-                    <a:latin typeface="Inter" panose="020B0502030000000004" pitchFamily="34" charset="0"/>
-                    <a:ea typeface="Inter" panose="020B0502030000000004" pitchFamily="34" charset="0"/>
-                  </a:rPr>
-                  <a:t>Backend</a:t>
-                </a:r>
-              </a:p>
-            </p:txBody>
-          </p:sp>
-        </p:grpSp>
-        <p:grpSp>
-          <p:nvGrpSpPr>
-            <p:cNvPr id="24" name="Group 23">
-              <a:extLst>
-                <a:ext uri="{FF2B5EF4-FFF2-40B4-BE49-F238E27FC236}">
-                  <a16:creationId xmlns:a16="http://schemas.microsoft.com/office/drawing/2014/main" id="{C4D9CEDA-38D2-2235-6A6E-7701FE0D88BE}"/>
-                </a:ext>
-              </a:extLst>
-            </p:cNvPr>
-            <p:cNvGrpSpPr/>
-            <p:nvPr/>
-          </p:nvGrpSpPr>
-          <p:grpSpPr>
-            <a:xfrm>
-              <a:off x="8135007" y="3342289"/>
-              <a:ext cx="3557337" cy="3146952"/>
-              <a:chOff x="8306802" y="2111402"/>
-              <a:chExt cx="3557337" cy="4426480"/>
-            </a:xfrm>
-          </p:grpSpPr>
-          <p:sp>
-            <p:nvSpPr>
-              <p:cNvPr id="19" name="Rectangle: Rounded Corners 18">
-                <a:extLst>
-                  <a:ext uri="{FF2B5EF4-FFF2-40B4-BE49-F238E27FC236}">
-                    <a16:creationId xmlns:a16="http://schemas.microsoft.com/office/drawing/2014/main" id="{741524AD-5AEC-927A-AF43-BF981428A851}"/>
-                  </a:ext>
-                </a:extLst>
-              </p:cNvPr>
-              <p:cNvSpPr/>
-              <p:nvPr/>
-            </p:nvSpPr>
-            <p:spPr>
-              <a:xfrm>
-                <a:off x="8306802" y="2111402"/>
-                <a:ext cx="3557337" cy="4426480"/>
-              </a:xfrm>
-              <a:prstGeom prst="roundRect">
-                <a:avLst/>
-              </a:prstGeom>
-              <a:solidFill>
-                <a:srgbClr val="E9D8B2"/>
-              </a:solidFill>
-              <a:ln>
-                <a:noFill/>
-              </a:ln>
-            </p:spPr>
-            <p:style>
-              <a:lnRef idx="2">
-                <a:schemeClr val="accent1">
-                  <a:shade val="15000"/>
-                </a:schemeClr>
-              </a:lnRef>
-              <a:fillRef idx="1">
-                <a:schemeClr val="accent1"/>
-              </a:fillRef>
-              <a:effectRef idx="0">
-                <a:schemeClr val="accent1"/>
-              </a:effectRef>
-              <a:fontRef idx="minor">
-                <a:schemeClr val="lt1"/>
-              </a:fontRef>
-            </p:style>
-            <p:txBody>
-              <a:bodyPr rtlCol="0" anchor="ctr"/>
-              <a:lstStyle/>
-              <a:p>
-                <a:pPr algn="ctr"/>
-                <a:endParaRPr lang="en-US"/>
-              </a:p>
-            </p:txBody>
-          </p:sp>
-          <p:sp>
-            <p:nvSpPr>
-              <p:cNvPr id="21" name="TextBox 20">
-                <a:extLst>
-                  <a:ext uri="{FF2B5EF4-FFF2-40B4-BE49-F238E27FC236}">
-                    <a16:creationId xmlns:a16="http://schemas.microsoft.com/office/drawing/2014/main" id="{815F8B5D-F820-00DF-D6E2-971F5F65F789}"/>
-                  </a:ext>
-                </a:extLst>
-              </p:cNvPr>
-              <p:cNvSpPr txBox="1"/>
-              <p:nvPr/>
-            </p:nvSpPr>
-            <p:spPr>
-              <a:xfrm>
-                <a:off x="8306802" y="2431873"/>
-                <a:ext cx="3557335" cy="724125"/>
-              </a:xfrm>
-              <a:prstGeom prst="rect">
-                <a:avLst/>
-              </a:prstGeom>
-              <a:noFill/>
-            </p:spPr>
-            <p:txBody>
-              <a:bodyPr wrap="square">
-                <a:spAutoFit/>
-              </a:bodyPr>
-              <a:lstStyle/>
-              <a:p>
-                <a:pPr algn="ctr"/>
-                <a:r>
-                  <a:rPr lang="en-US" sz="3600" b="1">
-                    <a:solidFill>
-                      <a:srgbClr val="661618"/>
-                    </a:solidFill>
-                    <a:latin typeface="Inter" panose="020B0502030000000004" pitchFamily="34" charset="0"/>
-                    <a:ea typeface="Inter" panose="020B0502030000000004" pitchFamily="34" charset="0"/>
-                  </a:rPr>
-                  <a:t>Database</a:t>
-                </a:r>
-              </a:p>
-            </p:txBody>
-          </p:sp>
-        </p:grpSp>
-        <p:sp>
-          <p:nvSpPr>
-            <p:cNvPr id="3" name="Rectangle: Rounded Corners 2">
-              <a:extLst>
-                <a:ext uri="{FF2B5EF4-FFF2-40B4-BE49-F238E27FC236}">
-                  <a16:creationId xmlns:a16="http://schemas.microsoft.com/office/drawing/2014/main" id="{65FAA24B-2708-F41C-0F60-6F9AB9E8C83B}"/>
+                  <a16:creationId xmlns:a16="http://schemas.microsoft.com/office/drawing/2014/main" id="{9BA25D1C-AA8A-0ABE-6844-7AE967F9CD80}"/>
                 </a:ext>
               </a:extLst>
             </p:cNvPr>
@@ -6995,8 +7432,123 @@
           </p:nvSpPr>
           <p:spPr>
             <a:xfrm>
-              <a:off x="310470" y="1472345"/>
-              <a:ext cx="11381874" cy="1680758"/>
+              <a:off x="405063" y="2142761"/>
+              <a:ext cx="3557337" cy="4426480"/>
+            </a:xfrm>
+            <a:prstGeom prst="roundRect">
+              <a:avLst/>
+            </a:prstGeom>
+            <a:solidFill>
+              <a:srgbClr val="E9D8B2"/>
+            </a:solidFill>
+            <a:ln>
+              <a:noFill/>
+            </a:ln>
+          </p:spPr>
+          <p:style>
+            <a:lnRef idx="2">
+              <a:schemeClr val="accent1">
+                <a:shade val="15000"/>
+              </a:schemeClr>
+            </a:lnRef>
+            <a:fillRef idx="1">
+              <a:schemeClr val="accent1"/>
+            </a:fillRef>
+            <a:effectRef idx="0">
+              <a:schemeClr val="accent1"/>
+            </a:effectRef>
+            <a:fontRef idx="minor">
+              <a:schemeClr val="lt1"/>
+            </a:fontRef>
+          </p:style>
+          <p:txBody>
+            <a:bodyPr rtlCol="0" anchor="ctr"/>
+            <a:lstStyle/>
+            <a:p>
+              <a:pPr algn="ctr"/>
+              <a:endParaRPr lang="en-US" dirty="0"/>
+            </a:p>
+          </p:txBody>
+        </p:sp>
+        <p:sp>
+          <p:nvSpPr>
+            <p:cNvPr id="15" name="TextBox 14">
+              <a:extLst>
+                <a:ext uri="{FF2B5EF4-FFF2-40B4-BE49-F238E27FC236}">
+                  <a16:creationId xmlns:a16="http://schemas.microsoft.com/office/drawing/2014/main" id="{40860589-F87D-B4FC-66E8-D7D80FCB7557}"/>
+                </a:ext>
+              </a:extLst>
+            </p:cNvPr>
+            <p:cNvSpPr txBox="1"/>
+            <p:nvPr/>
+          </p:nvSpPr>
+          <p:spPr>
+            <a:xfrm>
+              <a:off x="405063" y="2431873"/>
+              <a:ext cx="3557338" cy="724125"/>
+            </a:xfrm>
+            <a:prstGeom prst="rect">
+              <a:avLst/>
+            </a:prstGeom>
+            <a:noFill/>
+          </p:spPr>
+          <p:txBody>
+            <a:bodyPr wrap="square">
+              <a:spAutoFit/>
+            </a:bodyPr>
+            <a:lstStyle/>
+            <a:p>
+              <a:pPr algn="ctr"/>
+              <a:r>
+                <a:rPr lang="en-US" sz="3600" b="1" dirty="0">
+                  <a:solidFill>
+                    <a:srgbClr val="661618"/>
+                  </a:solidFill>
+                  <a:latin typeface="Inter" panose="020B0502030000000004" pitchFamily="34" charset="0"/>
+                  <a:ea typeface="Inter" panose="020B0502030000000004" pitchFamily="34" charset="0"/>
+                </a:rPr>
+                <a:t>Frontend</a:t>
+              </a:r>
+            </a:p>
+          </p:txBody>
+        </p:sp>
+      </p:grpSp>
+      <p:grpSp>
+        <p:nvGrpSpPr>
+          <p:cNvPr id="23" name="Group 22">
+            <a:extLst>
+              <a:ext uri="{FF2B5EF4-FFF2-40B4-BE49-F238E27FC236}">
+                <a16:creationId xmlns:a16="http://schemas.microsoft.com/office/drawing/2014/main" id="{152677A2-6237-40B3-8E78-57F6EB8553FF}"/>
+              </a:ext>
+            </a:extLst>
+          </p:cNvPr>
+          <p:cNvGrpSpPr/>
+          <p:nvPr/>
+        </p:nvGrpSpPr>
+        <p:grpSpPr>
+          <a:xfrm>
+            <a:off x="4317329" y="3275314"/>
+            <a:ext cx="3557341" cy="3146952"/>
+            <a:chOff x="4535900" y="2121855"/>
+            <a:chExt cx="3557341" cy="4426480"/>
+          </a:xfrm>
+        </p:grpSpPr>
+        <p:sp>
+          <p:nvSpPr>
+            <p:cNvPr id="16" name="Rectangle: Rounded Corners 15">
+              <a:extLst>
+                <a:ext uri="{FF2B5EF4-FFF2-40B4-BE49-F238E27FC236}">
+                  <a16:creationId xmlns:a16="http://schemas.microsoft.com/office/drawing/2014/main" id="{1D8311F5-4330-4534-4726-AE9785029A16}"/>
+                </a:ext>
+              </a:extLst>
+            </p:cNvPr>
+            <p:cNvSpPr/>
+            <p:nvPr/>
+          </p:nvSpPr>
+          <p:spPr>
+            <a:xfrm>
+              <a:off x="4535903" y="2121855"/>
+              <a:ext cx="3557338" cy="4426480"/>
             </a:xfrm>
             <a:prstGeom prst="roundRect">
               <a:avLst/>
@@ -7033,213 +7585,449 @@
             </a:p>
           </p:txBody>
         </p:sp>
-        <p:pic>
-          <p:nvPicPr>
-            <p:cNvPr id="6" name="Picture 5">
+        <p:sp>
+          <p:nvSpPr>
+            <p:cNvPr id="18" name="TextBox 17">
               <a:extLst>
                 <a:ext uri="{FF2B5EF4-FFF2-40B4-BE49-F238E27FC236}">
-                  <a16:creationId xmlns:a16="http://schemas.microsoft.com/office/drawing/2014/main" id="{659D18A9-A5E4-20DB-6DA8-05675CD27922}"/>
+                  <a16:creationId xmlns:a16="http://schemas.microsoft.com/office/drawing/2014/main" id="{567BD2FC-C43E-35F5-8077-1BD43CB2CC7F}"/>
                 </a:ext>
               </a:extLst>
             </p:cNvPr>
-            <p:cNvPicPr>
-              <a:picLocks noChangeAspect="1"/>
-            </p:cNvPicPr>
+            <p:cNvSpPr txBox="1"/>
             <p:nvPr/>
-          </p:nvPicPr>
-          <p:blipFill>
-            <a:blip r:embed="rId3"/>
-            <a:stretch>
-              <a:fillRect/>
-            </a:stretch>
-          </p:blipFill>
+          </p:nvSpPr>
           <p:spPr>
             <a:xfrm>
-              <a:off x="5352461" y="1746579"/>
-              <a:ext cx="1242850" cy="1242850"/>
+              <a:off x="4535900" y="2431873"/>
+              <a:ext cx="3557338" cy="724125"/>
             </a:xfrm>
             <a:prstGeom prst="rect">
               <a:avLst/>
             </a:prstGeom>
+            <a:noFill/>
           </p:spPr>
-        </p:pic>
-        <p:pic>
-          <p:nvPicPr>
-            <p:cNvPr id="7" name="Picture 6">
+          <p:txBody>
+            <a:bodyPr wrap="square">
+              <a:spAutoFit/>
+            </a:bodyPr>
+            <a:lstStyle/>
+            <a:p>
+              <a:pPr algn="ctr"/>
+              <a:r>
+                <a:rPr lang="en-US" sz="3600" b="1" dirty="0">
+                  <a:solidFill>
+                    <a:srgbClr val="661618"/>
+                  </a:solidFill>
+                  <a:latin typeface="Inter" panose="020B0502030000000004" pitchFamily="34" charset="0"/>
+                  <a:ea typeface="Inter" panose="020B0502030000000004" pitchFamily="34" charset="0"/>
+                </a:rPr>
+                <a:t>Backend</a:t>
+              </a:r>
+            </a:p>
+          </p:txBody>
+        </p:sp>
+      </p:grpSp>
+      <p:grpSp>
+        <p:nvGrpSpPr>
+          <p:cNvPr id="24" name="Group 23">
+            <a:extLst>
+              <a:ext uri="{FF2B5EF4-FFF2-40B4-BE49-F238E27FC236}">
+                <a16:creationId xmlns:a16="http://schemas.microsoft.com/office/drawing/2014/main" id="{C4D9CEDA-38D2-2235-6A6E-7701FE0D88BE}"/>
+              </a:ext>
+            </a:extLst>
+          </p:cNvPr>
+          <p:cNvGrpSpPr/>
+          <p:nvPr/>
+        </p:nvGrpSpPr>
+        <p:grpSpPr>
+          <a:xfrm>
+            <a:off x="8229600" y="3310758"/>
+            <a:ext cx="3557337" cy="3146952"/>
+            <a:chOff x="8306802" y="2111402"/>
+            <a:chExt cx="3557337" cy="4426480"/>
+          </a:xfrm>
+        </p:grpSpPr>
+        <p:sp>
+          <p:nvSpPr>
+            <p:cNvPr id="19" name="Rectangle: Rounded Corners 18">
               <a:extLst>
                 <a:ext uri="{FF2B5EF4-FFF2-40B4-BE49-F238E27FC236}">
-                  <a16:creationId xmlns:a16="http://schemas.microsoft.com/office/drawing/2014/main" id="{EE2B97E9-84D4-B203-4DBC-3EDC440E3EB9}"/>
+                  <a16:creationId xmlns:a16="http://schemas.microsoft.com/office/drawing/2014/main" id="{741524AD-5AEC-927A-AF43-BF981428A851}"/>
                 </a:ext>
               </a:extLst>
             </p:cNvPr>
-            <p:cNvPicPr>
-              <a:picLocks noChangeAspect="1"/>
-            </p:cNvPicPr>
+            <p:cNvSpPr/>
             <p:nvPr/>
-          </p:nvPicPr>
-          <p:blipFill>
-            <a:blip r:embed="rId4"/>
-            <a:stretch>
-              <a:fillRect/>
-            </a:stretch>
-          </p:blipFill>
+          </p:nvSpPr>
           <p:spPr>
             <a:xfrm>
-              <a:off x="2563886" y="2059128"/>
-              <a:ext cx="2026197" cy="622078"/>
+              <a:off x="8306802" y="2111402"/>
+              <a:ext cx="3557337" cy="4426480"/>
+            </a:xfrm>
+            <a:prstGeom prst="roundRect">
+              <a:avLst/>
+            </a:prstGeom>
+            <a:solidFill>
+              <a:srgbClr val="E9D8B2"/>
+            </a:solidFill>
+            <a:ln>
+              <a:noFill/>
+            </a:ln>
+          </p:spPr>
+          <p:style>
+            <a:lnRef idx="2">
+              <a:schemeClr val="accent1">
+                <a:shade val="15000"/>
+              </a:schemeClr>
+            </a:lnRef>
+            <a:fillRef idx="1">
+              <a:schemeClr val="accent1"/>
+            </a:fillRef>
+            <a:effectRef idx="0">
+              <a:schemeClr val="accent1"/>
+            </a:effectRef>
+            <a:fontRef idx="minor">
+              <a:schemeClr val="lt1"/>
+            </a:fontRef>
+          </p:style>
+          <p:txBody>
+            <a:bodyPr rtlCol="0" anchor="ctr"/>
+            <a:lstStyle/>
+            <a:p>
+              <a:pPr algn="ctr"/>
+              <a:endParaRPr lang="en-US"/>
+            </a:p>
+          </p:txBody>
+        </p:sp>
+        <p:sp>
+          <p:nvSpPr>
+            <p:cNvPr id="21" name="TextBox 20">
+              <a:extLst>
+                <a:ext uri="{FF2B5EF4-FFF2-40B4-BE49-F238E27FC236}">
+                  <a16:creationId xmlns:a16="http://schemas.microsoft.com/office/drawing/2014/main" id="{815F8B5D-F820-00DF-D6E2-971F5F65F789}"/>
+                </a:ext>
+              </a:extLst>
+            </p:cNvPr>
+            <p:cNvSpPr txBox="1"/>
+            <p:nvPr/>
+          </p:nvSpPr>
+          <p:spPr>
+            <a:xfrm>
+              <a:off x="8306802" y="2431873"/>
+              <a:ext cx="3557335" cy="724125"/>
             </a:xfrm>
             <a:prstGeom prst="rect">
               <a:avLst/>
             </a:prstGeom>
+            <a:noFill/>
           </p:spPr>
-        </p:pic>
-        <p:pic>
-          <p:nvPicPr>
-            <p:cNvPr id="8" name="Picture 7">
-              <a:extLst>
-                <a:ext uri="{FF2B5EF4-FFF2-40B4-BE49-F238E27FC236}">
-                  <a16:creationId xmlns:a16="http://schemas.microsoft.com/office/drawing/2014/main" id="{4941F4B1-BDA0-E8A6-849B-FF39C2019463}"/>
-                </a:ext>
-              </a:extLst>
-            </p:cNvPr>
-            <p:cNvPicPr>
-              <a:picLocks noChangeAspect="1"/>
-            </p:cNvPicPr>
-            <p:nvPr/>
-          </p:nvPicPr>
-          <p:blipFill rotWithShape="1">
-            <a:blip r:embed="rId5"/>
-            <a:srcRect l="18103" r="18276"/>
-            <a:stretch/>
-          </p:blipFill>
-          <p:spPr>
-            <a:xfrm>
-              <a:off x="658581" y="1651051"/>
-              <a:ext cx="1387366" cy="1226634"/>
-            </a:xfrm>
-            <a:prstGeom prst="rect">
-              <a:avLst/>
-            </a:prstGeom>
-          </p:spPr>
-        </p:pic>
-        <p:pic>
-          <p:nvPicPr>
-            <p:cNvPr id="10" name="Picture 9">
-              <a:extLst>
-                <a:ext uri="{FF2B5EF4-FFF2-40B4-BE49-F238E27FC236}">
-                  <a16:creationId xmlns:a16="http://schemas.microsoft.com/office/drawing/2014/main" id="{174E1945-03A0-203F-DBF0-73401172B676}"/>
-                </a:ext>
-              </a:extLst>
-            </p:cNvPr>
-            <p:cNvPicPr>
-              <a:picLocks noChangeAspect="1"/>
-            </p:cNvPicPr>
-            <p:nvPr/>
-          </p:nvPicPr>
-          <p:blipFill>
-            <a:blip r:embed="rId6"/>
-            <a:stretch>
-              <a:fillRect/>
-            </a:stretch>
-          </p:blipFill>
-          <p:spPr>
-            <a:xfrm>
-              <a:off x="973985" y="4358187"/>
-              <a:ext cx="2230309" cy="1115155"/>
-            </a:xfrm>
-            <a:prstGeom prst="rect">
-              <a:avLst/>
-            </a:prstGeom>
-          </p:spPr>
-        </p:pic>
-        <p:pic>
-          <p:nvPicPr>
-            <p:cNvPr id="13" name="Picture 12">
-              <a:extLst>
-                <a:ext uri="{FF2B5EF4-FFF2-40B4-BE49-F238E27FC236}">
-                  <a16:creationId xmlns:a16="http://schemas.microsoft.com/office/drawing/2014/main" id="{BC8BEA36-5167-6379-8409-59FE20C6DAED}"/>
-                </a:ext>
-              </a:extLst>
-            </p:cNvPr>
-            <p:cNvPicPr>
-              <a:picLocks noChangeAspect="1"/>
-            </p:cNvPicPr>
-            <p:nvPr/>
-          </p:nvPicPr>
-          <p:blipFill rotWithShape="1">
-            <a:blip r:embed="rId7"/>
-            <a:srcRect b="17789"/>
-            <a:stretch/>
-          </p:blipFill>
-          <p:spPr>
-            <a:xfrm>
-              <a:off x="7631824" y="1968444"/>
-              <a:ext cx="2000250" cy="783062"/>
-            </a:xfrm>
-            <a:prstGeom prst="rect">
-              <a:avLst/>
-            </a:prstGeom>
-          </p:spPr>
-        </p:pic>
-        <p:pic>
-          <p:nvPicPr>
-            <p:cNvPr id="9" name="Picture 8">
-              <a:extLst>
-                <a:ext uri="{FF2B5EF4-FFF2-40B4-BE49-F238E27FC236}">
-                  <a16:creationId xmlns:a16="http://schemas.microsoft.com/office/drawing/2014/main" id="{02234CC9-B8C4-8AEE-5667-1BA1E1B73AF8}"/>
-                </a:ext>
-              </a:extLst>
-            </p:cNvPr>
-            <p:cNvPicPr>
-              <a:picLocks noChangeAspect="1"/>
-            </p:cNvPicPr>
-            <p:nvPr/>
-          </p:nvPicPr>
-          <p:blipFill>
-            <a:blip r:embed="rId8"/>
-            <a:stretch>
-              <a:fillRect/>
-            </a:stretch>
-          </p:blipFill>
-          <p:spPr>
-            <a:xfrm>
-              <a:off x="9372665" y="4480046"/>
-              <a:ext cx="1082018" cy="871436"/>
-            </a:xfrm>
-            <a:prstGeom prst="rect">
-              <a:avLst/>
-            </a:prstGeom>
-          </p:spPr>
-        </p:pic>
-        <p:pic>
-          <p:nvPicPr>
-            <p:cNvPr id="14" name="Picture 13">
-              <a:extLst>
-                <a:ext uri="{FF2B5EF4-FFF2-40B4-BE49-F238E27FC236}">
-                  <a16:creationId xmlns:a16="http://schemas.microsoft.com/office/drawing/2014/main" id="{6F54B187-2B5C-7557-5AA1-833FF9D75B98}"/>
-                </a:ext>
-              </a:extLst>
-            </p:cNvPr>
-            <p:cNvPicPr>
-              <a:picLocks noChangeAspect="1"/>
-            </p:cNvPicPr>
-            <p:nvPr/>
-          </p:nvPicPr>
-          <p:blipFill rotWithShape="1">
-            <a:blip r:embed="rId9"/>
-            <a:srcRect t="26140" b="28818"/>
-            <a:stretch/>
-          </p:blipFill>
-          <p:spPr>
-            <a:xfrm>
-              <a:off x="4763958" y="4587695"/>
-              <a:ext cx="2474899" cy="585251"/>
-            </a:xfrm>
-            <a:prstGeom prst="rect">
-              <a:avLst/>
-            </a:prstGeom>
-          </p:spPr>
-        </p:pic>
+          <p:txBody>
+            <a:bodyPr wrap="square">
+              <a:spAutoFit/>
+            </a:bodyPr>
+            <a:lstStyle/>
+            <a:p>
+              <a:pPr algn="ctr"/>
+              <a:r>
+                <a:rPr lang="en-US" sz="3600" b="1">
+                  <a:solidFill>
+                    <a:srgbClr val="661618"/>
+                  </a:solidFill>
+                  <a:latin typeface="Inter" panose="020B0502030000000004" pitchFamily="34" charset="0"/>
+                  <a:ea typeface="Inter" panose="020B0502030000000004" pitchFamily="34" charset="0"/>
+                </a:rPr>
+                <a:t>Database</a:t>
+              </a:r>
+            </a:p>
+          </p:txBody>
+        </p:sp>
+      </p:grpSp>
+      <p:sp>
+        <p:nvSpPr>
+          <p:cNvPr id="3" name="Rectangle: Rounded Corners 2">
+            <a:extLst>
+              <a:ext uri="{FF2B5EF4-FFF2-40B4-BE49-F238E27FC236}">
+                <a16:creationId xmlns:a16="http://schemas.microsoft.com/office/drawing/2014/main" id="{65FAA24B-2708-F41C-0F60-6F9AB9E8C83B}"/>
+              </a:ext>
+            </a:extLst>
+          </p:cNvPr>
+          <p:cNvSpPr/>
+          <p:nvPr/>
+        </p:nvSpPr>
+        <p:spPr>
+          <a:xfrm>
+            <a:off x="405063" y="1440814"/>
+            <a:ext cx="11381874" cy="1680758"/>
+          </a:xfrm>
+          <a:prstGeom prst="roundRect">
+            <a:avLst/>
+          </a:prstGeom>
+          <a:solidFill>
+            <a:srgbClr val="E9D8B2"/>
+          </a:solidFill>
+          <a:ln>
+            <a:noFill/>
+          </a:ln>
+        </p:spPr>
+        <p:style>
+          <a:lnRef idx="2">
+            <a:schemeClr val="accent1">
+              <a:shade val="15000"/>
+            </a:schemeClr>
+          </a:lnRef>
+          <a:fillRef idx="1">
+            <a:schemeClr val="accent1"/>
+          </a:fillRef>
+          <a:effectRef idx="0">
+            <a:schemeClr val="accent1"/>
+          </a:effectRef>
+          <a:fontRef idx="minor">
+            <a:schemeClr val="lt1"/>
+          </a:fontRef>
+        </p:style>
+        <p:txBody>
+          <a:bodyPr rtlCol="0" anchor="ctr"/>
+          <a:lstStyle/>
+          <a:p>
+            <a:pPr algn="ctr"/>
+            <a:endParaRPr lang="en-US"/>
+          </a:p>
+        </p:txBody>
+      </p:sp>
+      <p:pic>
+        <p:nvPicPr>
+          <p:cNvPr id="7" name="Picture 6">
+            <a:extLst>
+              <a:ext uri="{FF2B5EF4-FFF2-40B4-BE49-F238E27FC236}">
+                <a16:creationId xmlns:a16="http://schemas.microsoft.com/office/drawing/2014/main" id="{EE2B97E9-84D4-B203-4DBC-3EDC440E3EB9}"/>
+              </a:ext>
+            </a:extLst>
+          </p:cNvPr>
+          <p:cNvPicPr>
+            <a:picLocks noChangeAspect="1"/>
+          </p:cNvPicPr>
+          <p:nvPr/>
+        </p:nvPicPr>
+        <p:blipFill>
+          <a:blip r:embed="rId3"/>
+          <a:stretch>
+            <a:fillRect/>
+          </a:stretch>
+        </p:blipFill>
+        <p:spPr>
+          <a:xfrm>
+            <a:off x="2658479" y="2027597"/>
+            <a:ext cx="2026197" cy="622078"/>
+          </a:xfrm>
+          <a:prstGeom prst="rect">
+            <a:avLst/>
+          </a:prstGeom>
+        </p:spPr>
+      </p:pic>
+      <p:pic>
+        <p:nvPicPr>
+          <p:cNvPr id="8" name="Picture 7">
+            <a:extLst>
+              <a:ext uri="{FF2B5EF4-FFF2-40B4-BE49-F238E27FC236}">
+                <a16:creationId xmlns:a16="http://schemas.microsoft.com/office/drawing/2014/main" id="{4941F4B1-BDA0-E8A6-849B-FF39C2019463}"/>
+              </a:ext>
+            </a:extLst>
+          </p:cNvPr>
+          <p:cNvPicPr>
+            <a:picLocks noChangeAspect="1"/>
+          </p:cNvPicPr>
+          <p:nvPr/>
+        </p:nvPicPr>
+        <p:blipFill rotWithShape="1">
+          <a:blip r:embed="rId4"/>
+          <a:srcRect l="18103" r="18276"/>
+          <a:stretch/>
+        </p:blipFill>
+        <p:spPr>
+          <a:xfrm>
+            <a:off x="753174" y="1619520"/>
+            <a:ext cx="1387366" cy="1226634"/>
+          </a:xfrm>
+          <a:prstGeom prst="rect">
+            <a:avLst/>
+          </a:prstGeom>
+        </p:spPr>
+      </p:pic>
+      <p:pic>
+        <p:nvPicPr>
+          <p:cNvPr id="10" name="Picture 9">
+            <a:extLst>
+              <a:ext uri="{FF2B5EF4-FFF2-40B4-BE49-F238E27FC236}">
+                <a16:creationId xmlns:a16="http://schemas.microsoft.com/office/drawing/2014/main" id="{174E1945-03A0-203F-DBF0-73401172B676}"/>
+              </a:ext>
+            </a:extLst>
+          </p:cNvPr>
+          <p:cNvPicPr>
+            <a:picLocks noChangeAspect="1"/>
+          </p:cNvPicPr>
+          <p:nvPr/>
+        </p:nvPicPr>
+        <p:blipFill>
+          <a:blip r:embed="rId5"/>
+          <a:stretch>
+            <a:fillRect/>
+          </a:stretch>
+        </p:blipFill>
+        <p:spPr>
+          <a:xfrm>
+            <a:off x="1068578" y="4326656"/>
+            <a:ext cx="2230309" cy="1115155"/>
+          </a:xfrm>
+          <a:prstGeom prst="rect">
+            <a:avLst/>
+          </a:prstGeom>
+        </p:spPr>
+      </p:pic>
+      <p:pic>
+        <p:nvPicPr>
+          <p:cNvPr id="13" name="Picture 12">
+            <a:extLst>
+              <a:ext uri="{FF2B5EF4-FFF2-40B4-BE49-F238E27FC236}">
+                <a16:creationId xmlns:a16="http://schemas.microsoft.com/office/drawing/2014/main" id="{BC8BEA36-5167-6379-8409-59FE20C6DAED}"/>
+              </a:ext>
+            </a:extLst>
+          </p:cNvPr>
+          <p:cNvPicPr>
+            <a:picLocks noChangeAspect="1"/>
+          </p:cNvPicPr>
+          <p:nvPr/>
+        </p:nvPicPr>
+        <p:blipFill rotWithShape="1">
+          <a:blip r:embed="rId6"/>
+          <a:srcRect b="17789"/>
+          <a:stretch/>
+        </p:blipFill>
+        <p:spPr>
+          <a:xfrm>
+            <a:off x="7740211" y="1889662"/>
+            <a:ext cx="2000250" cy="783062"/>
+          </a:xfrm>
+          <a:prstGeom prst="rect">
+            <a:avLst/>
+          </a:prstGeom>
+        </p:spPr>
+      </p:pic>
+      <p:pic>
+        <p:nvPicPr>
+          <p:cNvPr id="9" name="Picture 8">
+            <a:extLst>
+              <a:ext uri="{FF2B5EF4-FFF2-40B4-BE49-F238E27FC236}">
+                <a16:creationId xmlns:a16="http://schemas.microsoft.com/office/drawing/2014/main" id="{02234CC9-B8C4-8AEE-5667-1BA1E1B73AF8}"/>
+              </a:ext>
+            </a:extLst>
+          </p:cNvPr>
+          <p:cNvPicPr>
+            <a:picLocks noChangeAspect="1"/>
+          </p:cNvPicPr>
+          <p:nvPr/>
+        </p:nvPicPr>
+        <p:blipFill>
+          <a:blip r:embed="rId7"/>
+          <a:stretch>
+            <a:fillRect/>
+          </a:stretch>
+        </p:blipFill>
+        <p:spPr>
+          <a:xfrm>
+            <a:off x="9467258" y="4448515"/>
+            <a:ext cx="1082018" cy="871436"/>
+          </a:xfrm>
+          <a:prstGeom prst="rect">
+            <a:avLst/>
+          </a:prstGeom>
+        </p:spPr>
+      </p:pic>
+      <p:pic>
+        <p:nvPicPr>
+          <p:cNvPr id="14" name="Picture 13">
+            <a:extLst>
+              <a:ext uri="{FF2B5EF4-FFF2-40B4-BE49-F238E27FC236}">
+                <a16:creationId xmlns:a16="http://schemas.microsoft.com/office/drawing/2014/main" id="{6F54B187-2B5C-7557-5AA1-833FF9D75B98}"/>
+              </a:ext>
+            </a:extLst>
+          </p:cNvPr>
+          <p:cNvPicPr>
+            <a:picLocks noChangeAspect="1"/>
+          </p:cNvPicPr>
+          <p:nvPr/>
+        </p:nvPicPr>
+        <p:blipFill rotWithShape="1">
+          <a:blip r:embed="rId8"/>
+          <a:srcRect t="26140" b="28818"/>
+          <a:stretch/>
+        </p:blipFill>
+        <p:spPr>
+          <a:xfrm>
+            <a:off x="4858551" y="4556164"/>
+            <a:ext cx="2474899" cy="585251"/>
+          </a:xfrm>
+          <a:prstGeom prst="rect">
+            <a:avLst/>
+          </a:prstGeom>
+        </p:spPr>
+      </p:pic>
+      <p:pic>
+        <p:nvPicPr>
+          <p:cNvPr id="17" name="Picture 16" descr="A logo with a black square with a purple and blue gradient&#10;&#10;Description automatically generated">
+            <a:extLst>
+              <a:ext uri="{FF2B5EF4-FFF2-40B4-BE49-F238E27FC236}">
+                <a16:creationId xmlns:a16="http://schemas.microsoft.com/office/drawing/2014/main" id="{E8BBD8BF-208C-6279-4E0E-BA95F6564704}"/>
+              </a:ext>
+            </a:extLst>
+          </p:cNvPr>
+          <p:cNvPicPr>
+            <a:picLocks noChangeAspect="1"/>
+          </p:cNvPicPr>
+          <p:nvPr/>
+        </p:nvPicPr>
+        <p:blipFill>
+          <a:blip r:embed="rId9">
+            <a:extLst>
+              <a:ext uri="{28A0092B-C50C-407E-A947-70E740481C1C}">
+                <a14:useLocalDpi xmlns:a14="http://schemas.microsoft.com/office/drawing/2010/main" val="0"/>
+              </a:ext>
+            </a:extLst>
+          </a:blip>
+          <a:stretch>
+            <a:fillRect/>
+          </a:stretch>
+        </p:blipFill>
+        <p:spPr>
+          <a:xfrm>
+            <a:off x="5446449" y="1638182"/>
+            <a:ext cx="1299097" cy="1400907"/>
+          </a:xfrm>
+          <a:prstGeom prst="rect">
+            <a:avLst/>
+          </a:prstGeom>
+        </p:spPr>
+      </p:pic>
+      <p:grpSp>
+        <p:nvGrpSpPr>
+          <p:cNvPr id="25" name="Group 24">
+            <a:extLst>
+              <a:ext uri="{FF2B5EF4-FFF2-40B4-BE49-F238E27FC236}">
+                <a16:creationId xmlns:a16="http://schemas.microsoft.com/office/drawing/2014/main" id="{735FC4F8-C8B2-F930-41F6-8F46C9673B0E}"/>
+              </a:ext>
+            </a:extLst>
+          </p:cNvPr>
+          <p:cNvGrpSpPr/>
+          <p:nvPr/>
+        </p:nvGrpSpPr>
+        <p:grpSpPr>
+          <a:xfrm>
+            <a:off x="10139729" y="1742321"/>
+            <a:ext cx="1299097" cy="1192628"/>
+            <a:chOff x="10210745" y="1920573"/>
+            <a:chExt cx="1299097" cy="1192628"/>
+          </a:xfrm>
+        </p:grpSpPr>
         <p:pic>
           <p:nvPicPr>
             <p:cNvPr id="1026" name="Picture 2" descr="discord logo png, discord icon transparent png 18930718 PNG">
@@ -7267,8 +8055,53 @@
           </p:blipFill>
           <p:spPr bwMode="auto">
             <a:xfrm>
-              <a:off x="10355242" y="1963666"/>
+              <a:off x="10449835" y="1920573"/>
               <a:ext cx="820918" cy="836124"/>
+            </a:xfrm>
+            <a:prstGeom prst="rect">
+              <a:avLst/>
+            </a:prstGeom>
+            <a:noFill/>
+            <a:extLst>
+              <a:ext uri="{909E8E84-426E-40DD-AFC4-6F175D3DCCD1}">
+                <a14:hiddenFill xmlns:a14="http://schemas.microsoft.com/office/drawing/2010/main">
+                  <a:solidFill>
+                    <a:srgbClr val="FFFFFF"/>
+                  </a:solidFill>
+                </a14:hiddenFill>
+              </a:ext>
+            </a:extLst>
+          </p:spPr>
+        </p:pic>
+        <p:pic>
+          <p:nvPicPr>
+            <p:cNvPr id="1028" name="Picture 4" descr="Discord's Branding Guidelines">
+              <a:extLst>
+                <a:ext uri="{FF2B5EF4-FFF2-40B4-BE49-F238E27FC236}">
+                  <a16:creationId xmlns:a16="http://schemas.microsoft.com/office/drawing/2014/main" id="{12D99C58-DAE6-0F58-ABEA-F9F49DC8A11F}"/>
+                </a:ext>
+              </a:extLst>
+            </p:cNvPr>
+            <p:cNvPicPr>
+              <a:picLocks noChangeAspect="1" noChangeArrowheads="1"/>
+            </p:cNvPicPr>
+            <p:nvPr/>
+          </p:nvPicPr>
+          <p:blipFill rotWithShape="1">
+            <a:blip r:embed="rId11">
+              <a:extLst>
+                <a:ext uri="{28A0092B-C50C-407E-A947-70E740481C1C}">
+                  <a14:useLocalDpi xmlns:a14="http://schemas.microsoft.com/office/drawing/2010/main" val="0"/>
+                </a:ext>
+              </a:extLst>
+            </a:blip>
+            <a:srcRect l="33132"/>
+            <a:stretch/>
+          </p:blipFill>
+          <p:spPr bwMode="auto">
+            <a:xfrm>
+              <a:off x="10210745" y="2744883"/>
+              <a:ext cx="1299097" cy="368318"/>
             </a:xfrm>
             <a:prstGeom prst="rect">
               <a:avLst/>
@@ -7718,7 +8551,7 @@
           <p:nvPr/>
         </p:nvPicPr>
         <p:blipFill rotWithShape="1">
-          <a:blip r:embed="rId2">
+          <a:blip r:embed="rId3">
             <a:extLst>
               <a:ext uri="{28A0092B-C50C-407E-A947-70E740481C1C}">
                 <a14:useLocalDpi xmlns:a14="http://schemas.microsoft.com/office/drawing/2010/main" val="0"/>
@@ -7832,7 +8665,7 @@
           <p:nvPr/>
         </p:nvPicPr>
         <p:blipFill>
-          <a:blip r:embed="rId2">
+          <a:blip r:embed="rId3">
             <a:extLst>
               <a:ext uri="{28A0092B-C50C-407E-A947-70E740481C1C}">
                 <a14:useLocalDpi xmlns:a14="http://schemas.microsoft.com/office/drawing/2010/main" val="0"/>

--- a/Presentation/Contact Manager Presentation.pptx
+++ b/Presentation/Contact Manager Presentation.pptx
@@ -126,7 +126,7 @@
 <file path=ppt/revisionInfo.xml><?xml version="1.0" encoding="utf-8"?>
 <p1510:revInfo xmlns:a="http://schemas.openxmlformats.org/drawingml/2006/main" xmlns:r="http://schemas.openxmlformats.org/officeDocument/2006/relationships" xmlns:p1510="http://schemas.microsoft.com/office/powerpoint/2015/10/main">
   <p1510:revLst>
-    <p1510:client id="{8E1941E3-5B5B-4888-B0F7-569E6CC58F68}" v="23" dt="2024-09-24T13:49:49.793"/>
+    <p1510:client id="{8E1941E3-5B5B-4888-B0F7-569E6CC58F68}" v="28" dt="2024-09-29T05:24:04.864"/>
   </p1510:revLst>
 </p1510:revInfo>
 </file>
@@ -136,7 +136,7 @@
   <pc:docChgLst>
     <pc:chgData name="Jia Jones" userId="a3b0c72f-e186-4738-b8d6-28e077c699c2" providerId="ADAL" clId="{8E1941E3-5B5B-4888-B0F7-569E6CC58F68}"/>
     <pc:docChg chg="undo redo custSel addSld delSld modSld modMainMaster">
-      <pc:chgData name="Jia Jones" userId="a3b0c72f-e186-4738-b8d6-28e077c699c2" providerId="ADAL" clId="{8E1941E3-5B5B-4888-B0F7-569E6CC58F68}" dt="2024-09-24T13:49:49.791" v="1487" actId="1076"/>
+      <pc:chgData name="Jia Jones" userId="a3b0c72f-e186-4738-b8d6-28e077c699c2" providerId="ADAL" clId="{8E1941E3-5B5B-4888-B0F7-569E6CC58F68}" dt="2024-09-29T05:24:04.862" v="1493" actId="1076"/>
       <pc:docMkLst>
         <pc:docMk/>
       </pc:docMkLst>
@@ -734,8 +734,8 @@
           </ac:spMkLst>
         </pc:spChg>
       </pc:sldChg>
-      <pc:sldChg chg="modSp add mod modNotesTx">
-        <pc:chgData name="Jia Jones" userId="a3b0c72f-e186-4738-b8d6-28e077c699c2" providerId="ADAL" clId="{8E1941E3-5B5B-4888-B0F7-569E6CC58F68}" dt="2024-09-23T02:50:54.036" v="1364" actId="20577"/>
+      <pc:sldChg chg="addSp delSp modSp add mod modNotesTx">
+        <pc:chgData name="Jia Jones" userId="a3b0c72f-e186-4738-b8d6-28e077c699c2" providerId="ADAL" clId="{8E1941E3-5B5B-4888-B0F7-569E6CC58F68}" dt="2024-09-29T05:24:04.862" v="1493" actId="1076"/>
         <pc:sldMkLst>
           <pc:docMk/>
           <pc:sldMk cId="1604887251" sldId="261"/>
@@ -748,6 +748,22 @@
             <ac:spMk id="4" creationId="{13696BEA-7476-DD82-4A2C-D6DEB256A594}"/>
           </ac:spMkLst>
         </pc:spChg>
+        <pc:picChg chg="del">
+          <ac:chgData name="Jia Jones" userId="a3b0c72f-e186-4738-b8d6-28e077c699c2" providerId="ADAL" clId="{8E1941E3-5B5B-4888-B0F7-569E6CC58F68}" dt="2024-09-29T05:23:41.303" v="1488" actId="478"/>
+          <ac:picMkLst>
+            <pc:docMk/>
+            <pc:sldMk cId="1604887251" sldId="261"/>
+            <ac:picMk id="6" creationId="{D992184B-DF47-C314-7BB8-2FB6B42D5BB6}"/>
+          </ac:picMkLst>
+        </pc:picChg>
+        <pc:picChg chg="add mod">
+          <ac:chgData name="Jia Jones" userId="a3b0c72f-e186-4738-b8d6-28e077c699c2" providerId="ADAL" clId="{8E1941E3-5B5B-4888-B0F7-569E6CC58F68}" dt="2024-09-29T05:24:04.862" v="1493" actId="1076"/>
+          <ac:picMkLst>
+            <pc:docMk/>
+            <pc:sldMk cId="1604887251" sldId="261"/>
+            <ac:picMk id="1026" creationId="{F5C7E8B7-FC10-0E9E-163B-762E057FBB9D}"/>
+          </ac:picMkLst>
+        </pc:picChg>
       </pc:sldChg>
       <pc:sldChg chg="modSp add mod modNotesTx">
         <pc:chgData name="Jia Jones" userId="a3b0c72f-e186-4738-b8d6-28e077c699c2" providerId="ADAL" clId="{8E1941E3-5B5B-4888-B0F7-569E6CC58F68}" dt="2024-09-23T02:53:10.415" v="1452" actId="20577"/>
@@ -1749,7 +1765,7 @@
           <a:p>
             <a:fld id="{65D3C4D4-1514-4147-BCDF-310A59C24B50}" type="datetimeFigureOut">
               <a:rPr lang="en-US" smtClean="0"/>
-              <a:t>9/24/2024</a:t>
+              <a:t>9/29/2024</a:t>
             </a:fld>
             <a:endParaRPr lang="en-US"/>
           </a:p>
@@ -3482,7 +3498,7 @@
           <a:p>
             <a:fld id="{1C820894-7E7A-44EE-8EDB-35B8333AC41C}" type="datetimeFigureOut">
               <a:rPr lang="en-US" smtClean="0"/>
-              <a:t>9/24/2024</a:t>
+              <a:t>9/29/2024</a:t>
             </a:fld>
             <a:endParaRPr lang="en-US"/>
           </a:p>
@@ -3680,7 +3696,7 @@
           <a:p>
             <a:fld id="{1C820894-7E7A-44EE-8EDB-35B8333AC41C}" type="datetimeFigureOut">
               <a:rPr lang="en-US" smtClean="0"/>
-              <a:t>9/24/2024</a:t>
+              <a:t>9/29/2024</a:t>
             </a:fld>
             <a:endParaRPr lang="en-US"/>
           </a:p>
@@ -3888,7 +3904,7 @@
           <a:p>
             <a:fld id="{1C820894-7E7A-44EE-8EDB-35B8333AC41C}" type="datetimeFigureOut">
               <a:rPr lang="en-US" smtClean="0"/>
-              <a:t>9/24/2024</a:t>
+              <a:t>9/29/2024</a:t>
             </a:fld>
             <a:endParaRPr lang="en-US"/>
           </a:p>
@@ -4086,7 +4102,7 @@
           <a:p>
             <a:fld id="{1C820894-7E7A-44EE-8EDB-35B8333AC41C}" type="datetimeFigureOut">
               <a:rPr lang="en-US" smtClean="0"/>
-              <a:t>9/24/2024</a:t>
+              <a:t>9/29/2024</a:t>
             </a:fld>
             <a:endParaRPr lang="en-US"/>
           </a:p>
@@ -4361,7 +4377,7 @@
           <a:p>
             <a:fld id="{1C820894-7E7A-44EE-8EDB-35B8333AC41C}" type="datetimeFigureOut">
               <a:rPr lang="en-US" smtClean="0"/>
-              <a:t>9/24/2024</a:t>
+              <a:t>9/29/2024</a:t>
             </a:fld>
             <a:endParaRPr lang="en-US"/>
           </a:p>
@@ -4626,7 +4642,7 @@
           <a:p>
             <a:fld id="{1C820894-7E7A-44EE-8EDB-35B8333AC41C}" type="datetimeFigureOut">
               <a:rPr lang="en-US" smtClean="0"/>
-              <a:t>9/24/2024</a:t>
+              <a:t>9/29/2024</a:t>
             </a:fld>
             <a:endParaRPr lang="en-US"/>
           </a:p>
@@ -5038,7 +5054,7 @@
           <a:p>
             <a:fld id="{1C820894-7E7A-44EE-8EDB-35B8333AC41C}" type="datetimeFigureOut">
               <a:rPr lang="en-US" smtClean="0"/>
-              <a:t>9/24/2024</a:t>
+              <a:t>9/29/2024</a:t>
             </a:fld>
             <a:endParaRPr lang="en-US"/>
           </a:p>
@@ -5179,7 +5195,7 @@
           <a:p>
             <a:fld id="{1C820894-7E7A-44EE-8EDB-35B8333AC41C}" type="datetimeFigureOut">
               <a:rPr lang="en-US" smtClean="0"/>
-              <a:t>9/24/2024</a:t>
+              <a:t>9/29/2024</a:t>
             </a:fld>
             <a:endParaRPr lang="en-US"/>
           </a:p>
@@ -5292,7 +5308,7 @@
           <a:p>
             <a:fld id="{1C820894-7E7A-44EE-8EDB-35B8333AC41C}" type="datetimeFigureOut">
               <a:rPr lang="en-US" smtClean="0"/>
-              <a:t>9/24/2024</a:t>
+              <a:t>9/29/2024</a:t>
             </a:fld>
             <a:endParaRPr lang="en-US"/>
           </a:p>
@@ -5603,7 +5619,7 @@
           <a:p>
             <a:fld id="{1C820894-7E7A-44EE-8EDB-35B8333AC41C}" type="datetimeFigureOut">
               <a:rPr lang="en-US" smtClean="0"/>
-              <a:t>9/24/2024</a:t>
+              <a:t>9/29/2024</a:t>
             </a:fld>
             <a:endParaRPr lang="en-US"/>
           </a:p>
@@ -5891,7 +5907,7 @@
           <a:p>
             <a:fld id="{1C820894-7E7A-44EE-8EDB-35B8333AC41C}" type="datetimeFigureOut">
               <a:rPr lang="en-US" smtClean="0"/>
-              <a:t>9/24/2024</a:t>
+              <a:t>9/29/2024</a:t>
             </a:fld>
             <a:endParaRPr lang="en-US"/>
           </a:p>
@@ -6135,7 +6151,7 @@
           <a:p>
             <a:fld id="{1C820894-7E7A-44EE-8EDB-35B8333AC41C}" type="datetimeFigureOut">
               <a:rPr lang="en-US" smtClean="0"/>
-              <a:t>9/24/2024</a:t>
+              <a:t>9/29/2024</a:t>
             </a:fld>
             <a:endParaRPr lang="en-US"/>
           </a:p>
@@ -8538,15 +8554,15 @@
       </p:sp>
       <p:pic>
         <p:nvPicPr>
-          <p:cNvPr id="6" name="Picture 5" descr="A screen shot of a chart&#10;&#10;Description automatically generated">
+          <p:cNvPr id="1026" name="Picture 2">
             <a:extLst>
               <a:ext uri="{FF2B5EF4-FFF2-40B4-BE49-F238E27FC236}">
-                <a16:creationId xmlns:a16="http://schemas.microsoft.com/office/drawing/2014/main" id="{D992184B-DF47-C314-7BB8-2FB6B42D5BB6}"/>
+                <a16:creationId xmlns:a16="http://schemas.microsoft.com/office/drawing/2014/main" id="{F5C7E8B7-FC10-0E9E-163B-762E057FBB9D}"/>
               </a:ext>
             </a:extLst>
           </p:cNvPr>
           <p:cNvPicPr>
-            <a:picLocks noChangeAspect="1"/>
+            <a:picLocks noChangeAspect="1" noChangeArrowheads="1"/>
           </p:cNvPicPr>
           <p:nvPr/>
         </p:nvPicPr>
@@ -8558,17 +8574,27 @@
               </a:ext>
             </a:extLst>
           </a:blip>
-          <a:srcRect r="2500" b="29897"/>
+          <a:srcRect r="14203" b="27491"/>
           <a:stretch/>
         </p:blipFill>
-        <p:spPr>
+        <p:spPr bwMode="auto">
           <a:xfrm>
-            <a:off x="152400" y="1449606"/>
-            <a:ext cx="11887200" cy="3958787"/>
+            <a:off x="172997" y="1324385"/>
+            <a:ext cx="11846005" cy="4209229"/>
           </a:xfrm>
           <a:prstGeom prst="rect">
             <a:avLst/>
           </a:prstGeom>
+          <a:noFill/>
+          <a:extLst>
+            <a:ext uri="{909E8E84-426E-40DD-AFC4-6F175D3DCCD1}">
+              <a14:hiddenFill xmlns:a14="http://schemas.microsoft.com/office/drawing/2010/main">
+                <a:solidFill>
+                  <a:srgbClr val="FFFFFF"/>
+                </a:solidFill>
+              </a14:hiddenFill>
+            </a:ext>
+          </a:extLst>
         </p:spPr>
       </p:pic>
     </p:spTree>

--- a/Presentation/Contact Manager Presentation.pptx
+++ b/Presentation/Contact Manager Presentation.pptx
@@ -134,6 +134,670 @@
 <file path=ppt/changesInfos/changesInfo1.xml><?xml version="1.0" encoding="utf-8"?>
 <pc:chgInfo xmlns:a="http://schemas.openxmlformats.org/drawingml/2006/main" xmlns:r="http://schemas.openxmlformats.org/officeDocument/2006/relationships" xmlns:ac="http://schemas.microsoft.com/office/drawing/2013/main/command" xmlns:pc="http://schemas.microsoft.com/office/powerpoint/2013/main/command">
   <pc:docChgLst>
+    <pc:chgData name="Jia Jones" userId="S::ji293882@ucf.edu::a3b0c72f-e186-4738-b8d6-28e077c699c2" providerId="AD" clId="Web-{BD499BF1-C8D0-78C1-9A0D-D9CC50743841}"/>
+    <pc:docChg chg="modSld">
+      <pc:chgData name="Jia Jones" userId="S::ji293882@ucf.edu::a3b0c72f-e186-4738-b8d6-28e077c699c2" providerId="AD" clId="Web-{BD499BF1-C8D0-78C1-9A0D-D9CC50743841}" dt="2024-09-12T15:43:36.667" v="28" actId="1076"/>
+      <pc:docMkLst>
+        <pc:docMk/>
+      </pc:docMkLst>
+      <pc:sldChg chg="modSp">
+        <pc:chgData name="Jia Jones" userId="S::ji293882@ucf.edu::a3b0c72f-e186-4738-b8d6-28e077c699c2" providerId="AD" clId="Web-{BD499BF1-C8D0-78C1-9A0D-D9CC50743841}" dt="2024-09-12T15:43:36.667" v="28" actId="1076"/>
+        <pc:sldMkLst>
+          <pc:docMk/>
+          <pc:sldMk cId="827846081" sldId="258"/>
+        </pc:sldMkLst>
+        <pc:picChg chg="mod">
+          <ac:chgData name="Jia Jones" userId="S::ji293882@ucf.edu::a3b0c72f-e186-4738-b8d6-28e077c699c2" providerId="AD" clId="Web-{BD499BF1-C8D0-78C1-9A0D-D9CC50743841}" dt="2024-09-12T15:40:16.537" v="9" actId="1076"/>
+          <ac:picMkLst>
+            <pc:docMk/>
+            <pc:sldMk cId="827846081" sldId="258"/>
+            <ac:picMk id="2" creationId="{5A449522-71C7-A78E-FC4D-E82F2D6DF3C0}"/>
+          </ac:picMkLst>
+        </pc:picChg>
+        <pc:picChg chg="mod">
+          <ac:chgData name="Jia Jones" userId="S::ji293882@ucf.edu::a3b0c72f-e186-4738-b8d6-28e077c699c2" providerId="AD" clId="Web-{BD499BF1-C8D0-78C1-9A0D-D9CC50743841}" dt="2024-09-12T15:40:16.537" v="10" actId="1076"/>
+          <ac:picMkLst>
+            <pc:docMk/>
+            <pc:sldMk cId="827846081" sldId="258"/>
+            <ac:picMk id="4" creationId="{87329B1F-5F8E-7E34-B8AF-A83A1E3A07A0}"/>
+          </ac:picMkLst>
+        </pc:picChg>
+        <pc:picChg chg="mod">
+          <ac:chgData name="Jia Jones" userId="S::ji293882@ucf.edu::a3b0c72f-e186-4738-b8d6-28e077c699c2" providerId="AD" clId="Web-{BD499BF1-C8D0-78C1-9A0D-D9CC50743841}" dt="2024-09-12T15:40:16.521" v="8" actId="1076"/>
+          <ac:picMkLst>
+            <pc:docMk/>
+            <pc:sldMk cId="827846081" sldId="258"/>
+            <ac:picMk id="5" creationId="{F9E68F5F-F35E-A948-8F89-FE91C423B052}"/>
+          </ac:picMkLst>
+        </pc:picChg>
+        <pc:picChg chg="mod">
+          <ac:chgData name="Jia Jones" userId="S::ji293882@ucf.edu::a3b0c72f-e186-4738-b8d6-28e077c699c2" providerId="AD" clId="Web-{BD499BF1-C8D0-78C1-9A0D-D9CC50743841}" dt="2024-09-12T15:40:56.522" v="21" actId="1076"/>
+          <ac:picMkLst>
+            <pc:docMk/>
+            <pc:sldMk cId="827846081" sldId="258"/>
+            <ac:picMk id="6" creationId="{659D18A9-A5E4-20DB-6DA8-05675CD27922}"/>
+          </ac:picMkLst>
+        </pc:picChg>
+        <pc:picChg chg="mod">
+          <ac:chgData name="Jia Jones" userId="S::ji293882@ucf.edu::a3b0c72f-e186-4738-b8d6-28e077c699c2" providerId="AD" clId="Web-{BD499BF1-C8D0-78C1-9A0D-D9CC50743841}" dt="2024-09-12T15:40:58.506" v="22" actId="1076"/>
+          <ac:picMkLst>
+            <pc:docMk/>
+            <pc:sldMk cId="827846081" sldId="258"/>
+            <ac:picMk id="7" creationId="{EE2B97E9-84D4-B203-4DBC-3EDC440E3EB9}"/>
+          </ac:picMkLst>
+        </pc:picChg>
+        <pc:picChg chg="mod">
+          <ac:chgData name="Jia Jones" userId="S::ji293882@ucf.edu::a3b0c72f-e186-4738-b8d6-28e077c699c2" providerId="AD" clId="Web-{BD499BF1-C8D0-78C1-9A0D-D9CC50743841}" dt="2024-09-12T15:43:36.667" v="28" actId="1076"/>
+          <ac:picMkLst>
+            <pc:docMk/>
+            <pc:sldMk cId="827846081" sldId="258"/>
+            <ac:picMk id="9" creationId="{02234CC9-B8C4-8AEE-5667-1BA1E1B73AF8}"/>
+          </ac:picMkLst>
+        </pc:picChg>
+        <pc:picChg chg="mod">
+          <ac:chgData name="Jia Jones" userId="S::ji293882@ucf.edu::a3b0c72f-e186-4738-b8d6-28e077c699c2" providerId="AD" clId="Web-{BD499BF1-C8D0-78C1-9A0D-D9CC50743841}" dt="2024-09-12T15:42:37.275" v="23" actId="1076"/>
+          <ac:picMkLst>
+            <pc:docMk/>
+            <pc:sldMk cId="827846081" sldId="258"/>
+            <ac:picMk id="10" creationId="{174E1945-03A0-203F-DBF0-73401172B676}"/>
+          </ac:picMkLst>
+        </pc:picChg>
+        <pc:picChg chg="mod">
+          <ac:chgData name="Jia Jones" userId="S::ji293882@ucf.edu::a3b0c72f-e186-4738-b8d6-28e077c699c2" providerId="AD" clId="Web-{BD499BF1-C8D0-78C1-9A0D-D9CC50743841}" dt="2024-09-12T15:40:55.194" v="20" actId="1076"/>
+          <ac:picMkLst>
+            <pc:docMk/>
+            <pc:sldMk cId="827846081" sldId="258"/>
+            <ac:picMk id="13" creationId="{BC8BEA36-5167-6379-8409-59FE20C6DAED}"/>
+          </ac:picMkLst>
+        </pc:picChg>
+        <pc:picChg chg="mod">
+          <ac:chgData name="Jia Jones" userId="S::ji293882@ucf.edu::a3b0c72f-e186-4738-b8d6-28e077c699c2" providerId="AD" clId="Web-{BD499BF1-C8D0-78C1-9A0D-D9CC50743841}" dt="2024-09-12T15:40:41.115" v="19" actId="1076"/>
+          <ac:picMkLst>
+            <pc:docMk/>
+            <pc:sldMk cId="827846081" sldId="258"/>
+            <ac:picMk id="14" creationId="{6F54B187-2B5C-7557-5AA1-833FF9D75B98}"/>
+          </ac:picMkLst>
+        </pc:picChg>
+        <pc:picChg chg="mod">
+          <ac:chgData name="Jia Jones" userId="S::ji293882@ucf.edu::a3b0c72f-e186-4738-b8d6-28e077c699c2" providerId="AD" clId="Web-{BD499BF1-C8D0-78C1-9A0D-D9CC50743841}" dt="2024-09-12T15:40:40.131" v="18" actId="1076"/>
+          <ac:picMkLst>
+            <pc:docMk/>
+            <pc:sldMk cId="827846081" sldId="258"/>
+            <ac:picMk id="17" creationId="{720D662C-A1AC-F87A-CA98-CE17342ED317}"/>
+          </ac:picMkLst>
+        </pc:picChg>
+        <pc:picChg chg="mod">
+          <ac:chgData name="Jia Jones" userId="S::ji293882@ucf.edu::a3b0c72f-e186-4738-b8d6-28e077c699c2" providerId="AD" clId="Web-{BD499BF1-C8D0-78C1-9A0D-D9CC50743841}" dt="2024-09-12T15:40:22.959" v="12" actId="1076"/>
+          <ac:picMkLst>
+            <pc:docMk/>
+            <pc:sldMk cId="827846081" sldId="258"/>
+            <ac:picMk id="1026" creationId="{0DA1347E-0075-E2C3-3C3D-7667CD91E485}"/>
+          </ac:picMkLst>
+        </pc:picChg>
+      </pc:sldChg>
+    </pc:docChg>
+  </pc:docChgLst>
+  <pc:docChgLst>
+    <pc:chgData name="Jia Jones" userId="a3b0c72f-e186-4738-b8d6-28e077c699c2" providerId="ADAL" clId="{CD4B01EA-4221-40B5-A155-1CF2D3FA45C3}"/>
+    <pc:docChg chg="undo custSel modSld sldOrd">
+      <pc:chgData name="Jia Jones" userId="a3b0c72f-e186-4738-b8d6-28e077c699c2" providerId="ADAL" clId="{CD4B01EA-4221-40B5-A155-1CF2D3FA45C3}" dt="2024-09-19T17:57:25.393" v="801" actId="14100"/>
+      <pc:docMkLst>
+        <pc:docMk/>
+      </pc:docMkLst>
+      <pc:sldChg chg="modSp mod modNotesTx">
+        <pc:chgData name="Jia Jones" userId="a3b0c72f-e186-4738-b8d6-28e077c699c2" providerId="ADAL" clId="{CD4B01EA-4221-40B5-A155-1CF2D3FA45C3}" dt="2024-09-15T04:20:04.050" v="692"/>
+        <pc:sldMkLst>
+          <pc:docMk/>
+          <pc:sldMk cId="1052416929" sldId="256"/>
+        </pc:sldMkLst>
+        <pc:spChg chg="mod">
+          <ac:chgData name="Jia Jones" userId="a3b0c72f-e186-4738-b8d6-28e077c699c2" providerId="ADAL" clId="{CD4B01EA-4221-40B5-A155-1CF2D3FA45C3}" dt="2024-09-15T04:18:55.553" v="620" actId="20577"/>
+          <ac:spMkLst>
+            <pc:docMk/>
+            <pc:sldMk cId="1052416929" sldId="256"/>
+            <ac:spMk id="2" creationId="{1FB16267-5D4D-F94E-0CA3-6020A6B96667}"/>
+          </ac:spMkLst>
+        </pc:spChg>
+      </pc:sldChg>
+      <pc:sldChg chg="addSp delSp modSp mod">
+        <pc:chgData name="Jia Jones" userId="a3b0c72f-e186-4738-b8d6-28e077c699c2" providerId="ADAL" clId="{CD4B01EA-4221-40B5-A155-1CF2D3FA45C3}" dt="2024-09-15T06:24:12.992" v="777" actId="21"/>
+        <pc:sldMkLst>
+          <pc:docMk/>
+          <pc:sldMk cId="3489001171" sldId="257"/>
+        </pc:sldMkLst>
+        <pc:spChg chg="add del mod">
+          <ac:chgData name="Jia Jones" userId="a3b0c72f-e186-4738-b8d6-28e077c699c2" providerId="ADAL" clId="{CD4B01EA-4221-40B5-A155-1CF2D3FA45C3}" dt="2024-09-15T06:23:08.945" v="771" actId="478"/>
+          <ac:spMkLst>
+            <pc:docMk/>
+            <pc:sldMk cId="3489001171" sldId="257"/>
+            <ac:spMk id="2" creationId="{2CE05087-037D-F51D-D1EF-101CB7F6663F}"/>
+          </ac:spMkLst>
+        </pc:spChg>
+        <pc:spChg chg="add del">
+          <ac:chgData name="Jia Jones" userId="a3b0c72f-e186-4738-b8d6-28e077c699c2" providerId="ADAL" clId="{CD4B01EA-4221-40B5-A155-1CF2D3FA45C3}" dt="2024-09-15T06:24:12.992" v="777" actId="21"/>
+          <ac:spMkLst>
+            <pc:docMk/>
+            <pc:sldMk cId="3489001171" sldId="257"/>
+            <ac:spMk id="4" creationId="{6B073FB5-6250-03E4-52F3-60B9A38FBE0D}"/>
+          </ac:spMkLst>
+        </pc:spChg>
+        <pc:spChg chg="mod">
+          <ac:chgData name="Jia Jones" userId="a3b0c72f-e186-4738-b8d6-28e077c699c2" providerId="ADAL" clId="{CD4B01EA-4221-40B5-A155-1CF2D3FA45C3}" dt="2024-09-13T22:24:29.226" v="27" actId="20577"/>
+          <ac:spMkLst>
+            <pc:docMk/>
+            <pc:sldMk cId="3489001171" sldId="257"/>
+            <ac:spMk id="15" creationId="{40860589-F87D-B4FC-66E8-D7D80FCB7557}"/>
+          </ac:spMkLst>
+        </pc:spChg>
+        <pc:spChg chg="mod">
+          <ac:chgData name="Jia Jones" userId="a3b0c72f-e186-4738-b8d6-28e077c699c2" providerId="ADAL" clId="{CD4B01EA-4221-40B5-A155-1CF2D3FA45C3}" dt="2024-09-13T22:24:32.990" v="30" actId="20577"/>
+          <ac:spMkLst>
+            <pc:docMk/>
+            <pc:sldMk cId="3489001171" sldId="257"/>
+            <ac:spMk id="18" creationId="{567BD2FC-C43E-35F5-8077-1BD43CB2CC7F}"/>
+          </ac:spMkLst>
+        </pc:spChg>
+        <pc:spChg chg="mod">
+          <ac:chgData name="Jia Jones" userId="a3b0c72f-e186-4738-b8d6-28e077c699c2" providerId="ADAL" clId="{CD4B01EA-4221-40B5-A155-1CF2D3FA45C3}" dt="2024-09-15T06:23:52.048" v="775" actId="1076"/>
+          <ac:spMkLst>
+            <pc:docMk/>
+            <pc:sldMk cId="3489001171" sldId="257"/>
+            <ac:spMk id="26" creationId="{E2C819BC-8B99-E728-6122-44C6C9D50372}"/>
+          </ac:spMkLst>
+        </pc:spChg>
+        <pc:grpChg chg="add mod">
+          <ac:chgData name="Jia Jones" userId="a3b0c72f-e186-4738-b8d6-28e077c699c2" providerId="ADAL" clId="{CD4B01EA-4221-40B5-A155-1CF2D3FA45C3}" dt="2024-09-15T06:23:31.804" v="774" actId="1076"/>
+          <ac:grpSpMkLst>
+            <pc:docMk/>
+            <pc:sldMk cId="3489001171" sldId="257"/>
+            <ac:grpSpMk id="3" creationId="{B4731DEC-6AD2-BDB9-FF2A-5E46F8E7DDF4}"/>
+          </ac:grpSpMkLst>
+        </pc:grpChg>
+        <pc:grpChg chg="mod">
+          <ac:chgData name="Jia Jones" userId="a3b0c72f-e186-4738-b8d6-28e077c699c2" providerId="ADAL" clId="{CD4B01EA-4221-40B5-A155-1CF2D3FA45C3}" dt="2024-09-15T06:23:21.212" v="773" actId="164"/>
+          <ac:grpSpMkLst>
+            <pc:docMk/>
+            <pc:sldMk cId="3489001171" sldId="257"/>
+            <ac:grpSpMk id="22" creationId="{24C32157-A863-7E9A-7EB2-6AB1D39A3E3E}"/>
+          </ac:grpSpMkLst>
+        </pc:grpChg>
+        <pc:grpChg chg="mod">
+          <ac:chgData name="Jia Jones" userId="a3b0c72f-e186-4738-b8d6-28e077c699c2" providerId="ADAL" clId="{CD4B01EA-4221-40B5-A155-1CF2D3FA45C3}" dt="2024-09-15T06:23:21.212" v="773" actId="164"/>
+          <ac:grpSpMkLst>
+            <pc:docMk/>
+            <pc:sldMk cId="3489001171" sldId="257"/>
+            <ac:grpSpMk id="23" creationId="{152677A2-6237-40B3-8E78-57F6EB8553FF}"/>
+          </ac:grpSpMkLst>
+        </pc:grpChg>
+        <pc:grpChg chg="mod">
+          <ac:chgData name="Jia Jones" userId="a3b0c72f-e186-4738-b8d6-28e077c699c2" providerId="ADAL" clId="{CD4B01EA-4221-40B5-A155-1CF2D3FA45C3}" dt="2024-09-15T06:23:21.212" v="773" actId="164"/>
+          <ac:grpSpMkLst>
+            <pc:docMk/>
+            <pc:sldMk cId="3489001171" sldId="257"/>
+            <ac:grpSpMk id="24" creationId="{C4D9CEDA-38D2-2235-6A6E-7701FE0D88BE}"/>
+          </ac:grpSpMkLst>
+        </pc:grpChg>
+        <pc:grpChg chg="mod">
+          <ac:chgData name="Jia Jones" userId="a3b0c72f-e186-4738-b8d6-28e077c699c2" providerId="ADAL" clId="{CD4B01EA-4221-40B5-A155-1CF2D3FA45C3}" dt="2024-09-15T06:23:21.212" v="773" actId="164"/>
+          <ac:grpSpMkLst>
+            <pc:docMk/>
+            <pc:sldMk cId="3489001171" sldId="257"/>
+            <ac:grpSpMk id="25" creationId="{15E07194-2A92-59E9-79BA-CA62A84FBC32}"/>
+          </ac:grpSpMkLst>
+        </pc:grpChg>
+      </pc:sldChg>
+      <pc:sldChg chg="addSp delSp modSp mod modNotesTx">
+        <pc:chgData name="Jia Jones" userId="a3b0c72f-e186-4738-b8d6-28e077c699c2" providerId="ADAL" clId="{CD4B01EA-4221-40B5-A155-1CF2D3FA45C3}" dt="2024-09-15T06:24:27.556" v="781" actId="21"/>
+        <pc:sldMkLst>
+          <pc:docMk/>
+          <pc:sldMk cId="827846081" sldId="258"/>
+        </pc:sldMkLst>
+        <pc:spChg chg="mod">
+          <ac:chgData name="Jia Jones" userId="a3b0c72f-e186-4738-b8d6-28e077c699c2" providerId="ADAL" clId="{CD4B01EA-4221-40B5-A155-1CF2D3FA45C3}" dt="2024-09-15T06:22:40.616" v="766" actId="1076"/>
+          <ac:spMkLst>
+            <pc:docMk/>
+            <pc:sldMk cId="827846081" sldId="258"/>
+            <ac:spMk id="3" creationId="{65FAA24B-2708-F41C-0F60-6F9AB9E8C83B}"/>
+          </ac:spMkLst>
+        </pc:spChg>
+        <pc:spChg chg="add del mod">
+          <ac:chgData name="Jia Jones" userId="a3b0c72f-e186-4738-b8d6-28e077c699c2" providerId="ADAL" clId="{CD4B01EA-4221-40B5-A155-1CF2D3FA45C3}" dt="2024-09-15T06:24:27.556" v="781" actId="21"/>
+          <ac:spMkLst>
+            <pc:docMk/>
+            <pc:sldMk cId="827846081" sldId="258"/>
+            <ac:spMk id="4" creationId="{6B073FB5-6250-03E4-52F3-60B9A38FBE0D}"/>
+          </ac:spMkLst>
+        </pc:spChg>
+        <pc:spChg chg="mod">
+          <ac:chgData name="Jia Jones" userId="a3b0c72f-e186-4738-b8d6-28e077c699c2" providerId="ADAL" clId="{CD4B01EA-4221-40B5-A155-1CF2D3FA45C3}" dt="2024-09-15T06:24:23.963" v="780" actId="1076"/>
+          <ac:spMkLst>
+            <pc:docMk/>
+            <pc:sldMk cId="827846081" sldId="258"/>
+            <ac:spMk id="11" creationId="{0F487AF4-0F54-3AD9-C9E7-D0CA281A62C4}"/>
+          </ac:spMkLst>
+        </pc:spChg>
+        <pc:spChg chg="mod">
+          <ac:chgData name="Jia Jones" userId="a3b0c72f-e186-4738-b8d6-28e077c699c2" providerId="ADAL" clId="{CD4B01EA-4221-40B5-A155-1CF2D3FA45C3}" dt="2024-09-15T06:22:40.616" v="766" actId="1076"/>
+          <ac:spMkLst>
+            <pc:docMk/>
+            <pc:sldMk cId="827846081" sldId="258"/>
+            <ac:spMk id="12" creationId="{9BA25D1C-AA8A-0ABE-6844-7AE967F9CD80}"/>
+          </ac:spMkLst>
+        </pc:spChg>
+        <pc:spChg chg="mod">
+          <ac:chgData name="Jia Jones" userId="a3b0c72f-e186-4738-b8d6-28e077c699c2" providerId="ADAL" clId="{CD4B01EA-4221-40B5-A155-1CF2D3FA45C3}" dt="2024-09-15T06:22:40.616" v="766" actId="1076"/>
+          <ac:spMkLst>
+            <pc:docMk/>
+            <pc:sldMk cId="827846081" sldId="258"/>
+            <ac:spMk id="15" creationId="{40860589-F87D-B4FC-66E8-D7D80FCB7557}"/>
+          </ac:spMkLst>
+        </pc:spChg>
+        <pc:spChg chg="mod">
+          <ac:chgData name="Jia Jones" userId="a3b0c72f-e186-4738-b8d6-28e077c699c2" providerId="ADAL" clId="{CD4B01EA-4221-40B5-A155-1CF2D3FA45C3}" dt="2024-09-15T06:22:40.616" v="766" actId="1076"/>
+          <ac:spMkLst>
+            <pc:docMk/>
+            <pc:sldMk cId="827846081" sldId="258"/>
+            <ac:spMk id="16" creationId="{1D8311F5-4330-4534-4726-AE9785029A16}"/>
+          </ac:spMkLst>
+        </pc:spChg>
+        <pc:spChg chg="mod">
+          <ac:chgData name="Jia Jones" userId="a3b0c72f-e186-4738-b8d6-28e077c699c2" providerId="ADAL" clId="{CD4B01EA-4221-40B5-A155-1CF2D3FA45C3}" dt="2024-09-15T06:22:40.616" v="766" actId="1076"/>
+          <ac:spMkLst>
+            <pc:docMk/>
+            <pc:sldMk cId="827846081" sldId="258"/>
+            <ac:spMk id="18" creationId="{567BD2FC-C43E-35F5-8077-1BD43CB2CC7F}"/>
+          </ac:spMkLst>
+        </pc:spChg>
+        <pc:spChg chg="mod">
+          <ac:chgData name="Jia Jones" userId="a3b0c72f-e186-4738-b8d6-28e077c699c2" providerId="ADAL" clId="{CD4B01EA-4221-40B5-A155-1CF2D3FA45C3}" dt="2024-09-15T06:22:40.616" v="766" actId="1076"/>
+          <ac:spMkLst>
+            <pc:docMk/>
+            <pc:sldMk cId="827846081" sldId="258"/>
+            <ac:spMk id="19" creationId="{741524AD-5AEC-927A-AF43-BF981428A851}"/>
+          </ac:spMkLst>
+        </pc:spChg>
+        <pc:spChg chg="mod">
+          <ac:chgData name="Jia Jones" userId="a3b0c72f-e186-4738-b8d6-28e077c699c2" providerId="ADAL" clId="{CD4B01EA-4221-40B5-A155-1CF2D3FA45C3}" dt="2024-09-15T06:22:40.616" v="766" actId="1076"/>
+          <ac:spMkLst>
+            <pc:docMk/>
+            <pc:sldMk cId="827846081" sldId="258"/>
+            <ac:spMk id="21" creationId="{815F8B5D-F820-00DF-D6E2-971F5F65F789}"/>
+          </ac:spMkLst>
+        </pc:spChg>
+        <pc:grpChg chg="add mod">
+          <ac:chgData name="Jia Jones" userId="a3b0c72f-e186-4738-b8d6-28e077c699c2" providerId="ADAL" clId="{CD4B01EA-4221-40B5-A155-1CF2D3FA45C3}" dt="2024-09-15T06:22:40.616" v="766" actId="1076"/>
+          <ac:grpSpMkLst>
+            <pc:docMk/>
+            <pc:sldMk cId="827846081" sldId="258"/>
+            <ac:grpSpMk id="2" creationId="{70312291-9414-FADA-19BA-E971C884D82B}"/>
+          </ac:grpSpMkLst>
+        </pc:grpChg>
+        <pc:grpChg chg="mod">
+          <ac:chgData name="Jia Jones" userId="a3b0c72f-e186-4738-b8d6-28e077c699c2" providerId="ADAL" clId="{CD4B01EA-4221-40B5-A155-1CF2D3FA45C3}" dt="2024-09-15T06:22:40.616" v="766" actId="1076"/>
+          <ac:grpSpMkLst>
+            <pc:docMk/>
+            <pc:sldMk cId="827846081" sldId="258"/>
+            <ac:grpSpMk id="22" creationId="{24C32157-A863-7E9A-7EB2-6AB1D39A3E3E}"/>
+          </ac:grpSpMkLst>
+        </pc:grpChg>
+        <pc:grpChg chg="mod">
+          <ac:chgData name="Jia Jones" userId="a3b0c72f-e186-4738-b8d6-28e077c699c2" providerId="ADAL" clId="{CD4B01EA-4221-40B5-A155-1CF2D3FA45C3}" dt="2024-09-15T06:22:40.616" v="766" actId="1076"/>
+          <ac:grpSpMkLst>
+            <pc:docMk/>
+            <pc:sldMk cId="827846081" sldId="258"/>
+            <ac:grpSpMk id="23" creationId="{152677A2-6237-40B3-8E78-57F6EB8553FF}"/>
+          </ac:grpSpMkLst>
+        </pc:grpChg>
+        <pc:grpChg chg="mod">
+          <ac:chgData name="Jia Jones" userId="a3b0c72f-e186-4738-b8d6-28e077c699c2" providerId="ADAL" clId="{CD4B01EA-4221-40B5-A155-1CF2D3FA45C3}" dt="2024-09-15T06:22:40.616" v="766" actId="1076"/>
+          <ac:grpSpMkLst>
+            <pc:docMk/>
+            <pc:sldMk cId="827846081" sldId="258"/>
+            <ac:grpSpMk id="24" creationId="{C4D9CEDA-38D2-2235-6A6E-7701FE0D88BE}"/>
+          </ac:grpSpMkLst>
+        </pc:grpChg>
+        <pc:picChg chg="del">
+          <ac:chgData name="Jia Jones" userId="a3b0c72f-e186-4738-b8d6-28e077c699c2" providerId="ADAL" clId="{CD4B01EA-4221-40B5-A155-1CF2D3FA45C3}" dt="2024-09-15T04:22:43.281" v="693" actId="478"/>
+          <ac:picMkLst>
+            <pc:docMk/>
+            <pc:sldMk cId="827846081" sldId="258"/>
+            <ac:picMk id="2" creationId="{5A449522-71C7-A78E-FC4D-E82F2D6DF3C0}"/>
+          </ac:picMkLst>
+        </pc:picChg>
+        <pc:picChg chg="del">
+          <ac:chgData name="Jia Jones" userId="a3b0c72f-e186-4738-b8d6-28e077c699c2" providerId="ADAL" clId="{CD4B01EA-4221-40B5-A155-1CF2D3FA45C3}" dt="2024-09-15T04:22:43.281" v="693" actId="478"/>
+          <ac:picMkLst>
+            <pc:docMk/>
+            <pc:sldMk cId="827846081" sldId="258"/>
+            <ac:picMk id="4" creationId="{87329B1F-5F8E-7E34-B8AF-A83A1E3A07A0}"/>
+          </ac:picMkLst>
+        </pc:picChg>
+        <pc:picChg chg="del">
+          <ac:chgData name="Jia Jones" userId="a3b0c72f-e186-4738-b8d6-28e077c699c2" providerId="ADAL" clId="{CD4B01EA-4221-40B5-A155-1CF2D3FA45C3}" dt="2024-09-15T04:22:43.281" v="693" actId="478"/>
+          <ac:picMkLst>
+            <pc:docMk/>
+            <pc:sldMk cId="827846081" sldId="258"/>
+            <ac:picMk id="5" creationId="{F9E68F5F-F35E-A948-8F89-FE91C423B052}"/>
+          </ac:picMkLst>
+        </pc:picChg>
+        <pc:picChg chg="mod">
+          <ac:chgData name="Jia Jones" userId="a3b0c72f-e186-4738-b8d6-28e077c699c2" providerId="ADAL" clId="{CD4B01EA-4221-40B5-A155-1CF2D3FA45C3}" dt="2024-09-15T06:22:40.616" v="766" actId="1076"/>
+          <ac:picMkLst>
+            <pc:docMk/>
+            <pc:sldMk cId="827846081" sldId="258"/>
+            <ac:picMk id="6" creationId="{659D18A9-A5E4-20DB-6DA8-05675CD27922}"/>
+          </ac:picMkLst>
+        </pc:picChg>
+        <pc:picChg chg="mod">
+          <ac:chgData name="Jia Jones" userId="a3b0c72f-e186-4738-b8d6-28e077c699c2" providerId="ADAL" clId="{CD4B01EA-4221-40B5-A155-1CF2D3FA45C3}" dt="2024-09-15T06:22:40.616" v="766" actId="1076"/>
+          <ac:picMkLst>
+            <pc:docMk/>
+            <pc:sldMk cId="827846081" sldId="258"/>
+            <ac:picMk id="7" creationId="{EE2B97E9-84D4-B203-4DBC-3EDC440E3EB9}"/>
+          </ac:picMkLst>
+        </pc:picChg>
+        <pc:picChg chg="mod">
+          <ac:chgData name="Jia Jones" userId="a3b0c72f-e186-4738-b8d6-28e077c699c2" providerId="ADAL" clId="{CD4B01EA-4221-40B5-A155-1CF2D3FA45C3}" dt="2024-09-15T06:22:40.616" v="766" actId="1076"/>
+          <ac:picMkLst>
+            <pc:docMk/>
+            <pc:sldMk cId="827846081" sldId="258"/>
+            <ac:picMk id="8" creationId="{4941F4B1-BDA0-E8A6-849B-FF39C2019463}"/>
+          </ac:picMkLst>
+        </pc:picChg>
+        <pc:picChg chg="add mod">
+          <ac:chgData name="Jia Jones" userId="a3b0c72f-e186-4738-b8d6-28e077c699c2" providerId="ADAL" clId="{CD4B01EA-4221-40B5-A155-1CF2D3FA45C3}" dt="2024-09-15T06:22:40.616" v="766" actId="1076"/>
+          <ac:picMkLst>
+            <pc:docMk/>
+            <pc:sldMk cId="827846081" sldId="258"/>
+            <ac:picMk id="9" creationId="{02234CC9-B8C4-8AEE-5667-1BA1E1B73AF8}"/>
+          </ac:picMkLst>
+        </pc:picChg>
+        <pc:picChg chg="mod">
+          <ac:chgData name="Jia Jones" userId="a3b0c72f-e186-4738-b8d6-28e077c699c2" providerId="ADAL" clId="{CD4B01EA-4221-40B5-A155-1CF2D3FA45C3}" dt="2024-09-15T06:22:40.616" v="766" actId="1076"/>
+          <ac:picMkLst>
+            <pc:docMk/>
+            <pc:sldMk cId="827846081" sldId="258"/>
+            <ac:picMk id="10" creationId="{174E1945-03A0-203F-DBF0-73401172B676}"/>
+          </ac:picMkLst>
+        </pc:picChg>
+        <pc:picChg chg="mod modCrop">
+          <ac:chgData name="Jia Jones" userId="a3b0c72f-e186-4738-b8d6-28e077c699c2" providerId="ADAL" clId="{CD4B01EA-4221-40B5-A155-1CF2D3FA45C3}" dt="2024-09-15T06:22:40.616" v="766" actId="1076"/>
+          <ac:picMkLst>
+            <pc:docMk/>
+            <pc:sldMk cId="827846081" sldId="258"/>
+            <ac:picMk id="13" creationId="{BC8BEA36-5167-6379-8409-59FE20C6DAED}"/>
+          </ac:picMkLst>
+        </pc:picChg>
+        <pc:picChg chg="add mod modCrop">
+          <ac:chgData name="Jia Jones" userId="a3b0c72f-e186-4738-b8d6-28e077c699c2" providerId="ADAL" clId="{CD4B01EA-4221-40B5-A155-1CF2D3FA45C3}" dt="2024-09-15T06:22:40.616" v="766" actId="1076"/>
+          <ac:picMkLst>
+            <pc:docMk/>
+            <pc:sldMk cId="827846081" sldId="258"/>
+            <ac:picMk id="14" creationId="{6F54B187-2B5C-7557-5AA1-833FF9D75B98}"/>
+          </ac:picMkLst>
+        </pc:picChg>
+        <pc:picChg chg="add del mod">
+          <ac:chgData name="Jia Jones" userId="a3b0c72f-e186-4738-b8d6-28e077c699c2" providerId="ADAL" clId="{CD4B01EA-4221-40B5-A155-1CF2D3FA45C3}" dt="2024-09-15T04:22:43.281" v="693" actId="478"/>
+          <ac:picMkLst>
+            <pc:docMk/>
+            <pc:sldMk cId="827846081" sldId="258"/>
+            <ac:picMk id="17" creationId="{720D662C-A1AC-F87A-CA98-CE17342ED317}"/>
+          </ac:picMkLst>
+        </pc:picChg>
+        <pc:picChg chg="add mod">
+          <ac:chgData name="Jia Jones" userId="a3b0c72f-e186-4738-b8d6-28e077c699c2" providerId="ADAL" clId="{CD4B01EA-4221-40B5-A155-1CF2D3FA45C3}" dt="2024-09-15T06:22:40.616" v="766" actId="1076"/>
+          <ac:picMkLst>
+            <pc:docMk/>
+            <pc:sldMk cId="827846081" sldId="258"/>
+            <ac:picMk id="1026" creationId="{0DA1347E-0075-E2C3-3C3D-7667CD91E485}"/>
+          </ac:picMkLst>
+        </pc:picChg>
+      </pc:sldChg>
+      <pc:sldChg chg="addSp delSp modSp mod">
+        <pc:chgData name="Jia Jones" userId="a3b0c72f-e186-4738-b8d6-28e077c699c2" providerId="ADAL" clId="{CD4B01EA-4221-40B5-A155-1CF2D3FA45C3}" dt="2024-09-15T06:24:43.316" v="784" actId="21"/>
+        <pc:sldMkLst>
+          <pc:docMk/>
+          <pc:sldMk cId="3623192682" sldId="259"/>
+        </pc:sldMkLst>
+        <pc:spChg chg="mod">
+          <ac:chgData name="Jia Jones" userId="a3b0c72f-e186-4738-b8d6-28e077c699c2" providerId="ADAL" clId="{CD4B01EA-4221-40B5-A155-1CF2D3FA45C3}" dt="2024-09-15T06:21:39.283" v="755" actId="1076"/>
+          <ac:spMkLst>
+            <pc:docMk/>
+            <pc:sldMk cId="3623192682" sldId="259"/>
+            <ac:spMk id="2" creationId="{45BD7568-8786-1899-14B3-D61E2DF24ADF}"/>
+          </ac:spMkLst>
+        </pc:spChg>
+        <pc:spChg chg="add del mod">
+          <ac:chgData name="Jia Jones" userId="a3b0c72f-e186-4738-b8d6-28e077c699c2" providerId="ADAL" clId="{CD4B01EA-4221-40B5-A155-1CF2D3FA45C3}" dt="2024-09-15T06:24:43.316" v="784" actId="21"/>
+          <ac:spMkLst>
+            <pc:docMk/>
+            <pc:sldMk cId="3623192682" sldId="259"/>
+            <ac:spMk id="4" creationId="{6B073FB5-6250-03E4-52F3-60B9A38FBE0D}"/>
+          </ac:spMkLst>
+        </pc:spChg>
+        <pc:spChg chg="mod">
+          <ac:chgData name="Jia Jones" userId="a3b0c72f-e186-4738-b8d6-28e077c699c2" providerId="ADAL" clId="{CD4B01EA-4221-40B5-A155-1CF2D3FA45C3}" dt="2024-09-15T06:24:35.654" v="783" actId="1076"/>
+          <ac:spMkLst>
+            <pc:docMk/>
+            <pc:sldMk cId="3623192682" sldId="259"/>
+            <ac:spMk id="5" creationId="{DBFD8C82-A885-A8A0-0642-C34B23567813}"/>
+          </ac:spMkLst>
+        </pc:spChg>
+      </pc:sldChg>
+      <pc:sldChg chg="addSp delSp modSp mod">
+        <pc:chgData name="Jia Jones" userId="a3b0c72f-e186-4738-b8d6-28e077c699c2" providerId="ADAL" clId="{CD4B01EA-4221-40B5-A155-1CF2D3FA45C3}" dt="2024-09-15T06:24:58.749" v="787" actId="21"/>
+        <pc:sldMkLst>
+          <pc:docMk/>
+          <pc:sldMk cId="2082502640" sldId="260"/>
+        </pc:sldMkLst>
+        <pc:spChg chg="mod">
+          <ac:chgData name="Jia Jones" userId="a3b0c72f-e186-4738-b8d6-28e077c699c2" providerId="ADAL" clId="{CD4B01EA-4221-40B5-A155-1CF2D3FA45C3}" dt="2024-09-15T03:29:56.535" v="591" actId="20577"/>
+          <ac:spMkLst>
+            <pc:docMk/>
+            <pc:sldMk cId="2082502640" sldId="260"/>
+            <ac:spMk id="2" creationId="{8F4685AB-3C38-F211-6E94-1FEDDB39F74E}"/>
+          </ac:spMkLst>
+        </pc:spChg>
+        <pc:spChg chg="add del mod">
+          <ac:chgData name="Jia Jones" userId="a3b0c72f-e186-4738-b8d6-28e077c699c2" providerId="ADAL" clId="{CD4B01EA-4221-40B5-A155-1CF2D3FA45C3}" dt="2024-09-15T06:24:58.749" v="787" actId="21"/>
+          <ac:spMkLst>
+            <pc:docMk/>
+            <pc:sldMk cId="2082502640" sldId="260"/>
+            <ac:spMk id="3" creationId="{6B073FB5-6250-03E4-52F3-60B9A38FBE0D}"/>
+          </ac:spMkLst>
+        </pc:spChg>
+        <pc:spChg chg="mod">
+          <ac:chgData name="Jia Jones" userId="a3b0c72f-e186-4738-b8d6-28e077c699c2" providerId="ADAL" clId="{CD4B01EA-4221-40B5-A155-1CF2D3FA45C3}" dt="2024-09-15T06:24:51.663" v="786" actId="1076"/>
+          <ac:spMkLst>
+            <pc:docMk/>
+            <pc:sldMk cId="2082502640" sldId="260"/>
+            <ac:spMk id="4" creationId="{13696BEA-7476-DD82-4A2C-D6DEB256A594}"/>
+          </ac:spMkLst>
+        </pc:spChg>
+      </pc:sldChg>
+      <pc:sldChg chg="addSp delSp modSp mod">
+        <pc:chgData name="Jia Jones" userId="a3b0c72f-e186-4738-b8d6-28e077c699c2" providerId="ADAL" clId="{CD4B01EA-4221-40B5-A155-1CF2D3FA45C3}" dt="2024-09-15T06:25:11.007" v="790" actId="21"/>
+        <pc:sldMkLst>
+          <pc:docMk/>
+          <pc:sldMk cId="1604887251" sldId="261"/>
+        </pc:sldMkLst>
+        <pc:spChg chg="mod">
+          <ac:chgData name="Jia Jones" userId="a3b0c72f-e186-4738-b8d6-28e077c699c2" providerId="ADAL" clId="{CD4B01EA-4221-40B5-A155-1CF2D3FA45C3}" dt="2024-09-15T06:25:08.276" v="789" actId="1076"/>
+          <ac:spMkLst>
+            <pc:docMk/>
+            <pc:sldMk cId="1604887251" sldId="261"/>
+            <ac:spMk id="4" creationId="{13696BEA-7476-DD82-4A2C-D6DEB256A594}"/>
+          </ac:spMkLst>
+        </pc:spChg>
+        <pc:spChg chg="add del mod">
+          <ac:chgData name="Jia Jones" userId="a3b0c72f-e186-4738-b8d6-28e077c699c2" providerId="ADAL" clId="{CD4B01EA-4221-40B5-A155-1CF2D3FA45C3}" dt="2024-09-15T06:25:11.007" v="790" actId="21"/>
+          <ac:spMkLst>
+            <pc:docMk/>
+            <pc:sldMk cId="1604887251" sldId="261"/>
+            <ac:spMk id="7" creationId="{6B073FB5-6250-03E4-52F3-60B9A38FBE0D}"/>
+          </ac:spMkLst>
+        </pc:spChg>
+        <pc:picChg chg="add del mod modCrop">
+          <ac:chgData name="Jia Jones" userId="a3b0c72f-e186-4738-b8d6-28e077c699c2" providerId="ADAL" clId="{CD4B01EA-4221-40B5-A155-1CF2D3FA45C3}" dt="2024-09-15T06:20:16.094" v="743" actId="478"/>
+          <ac:picMkLst>
+            <pc:docMk/>
+            <pc:sldMk cId="1604887251" sldId="261"/>
+            <ac:picMk id="3" creationId="{3BAC19C4-8376-64A5-8E4A-12A83A769D20}"/>
+          </ac:picMkLst>
+        </pc:picChg>
+        <pc:picChg chg="add mod modCrop">
+          <ac:chgData name="Jia Jones" userId="a3b0c72f-e186-4738-b8d6-28e077c699c2" providerId="ADAL" clId="{CD4B01EA-4221-40B5-A155-1CF2D3FA45C3}" dt="2024-09-15T06:21:01.026" v="752" actId="1076"/>
+          <ac:picMkLst>
+            <pc:docMk/>
+            <pc:sldMk cId="1604887251" sldId="261"/>
+            <ac:picMk id="6" creationId="{D992184B-DF47-C314-7BB8-2FB6B42D5BB6}"/>
+          </ac:picMkLst>
+        </pc:picChg>
+      </pc:sldChg>
+      <pc:sldChg chg="addSp delSp modSp mod">
+        <pc:chgData name="Jia Jones" userId="a3b0c72f-e186-4738-b8d6-28e077c699c2" providerId="ADAL" clId="{CD4B01EA-4221-40B5-A155-1CF2D3FA45C3}" dt="2024-09-19T17:57:25.393" v="801" actId="14100"/>
+        <pc:sldMkLst>
+          <pc:docMk/>
+          <pc:sldMk cId="3339731875" sldId="262"/>
+        </pc:sldMkLst>
+        <pc:spChg chg="mod">
+          <ac:chgData name="Jia Jones" userId="a3b0c72f-e186-4738-b8d6-28e077c699c2" providerId="ADAL" clId="{CD4B01EA-4221-40B5-A155-1CF2D3FA45C3}" dt="2024-09-15T06:26:11.714" v="795" actId="1076"/>
+          <ac:spMkLst>
+            <pc:docMk/>
+            <pc:sldMk cId="3339731875" sldId="262"/>
+            <ac:spMk id="4" creationId="{13696BEA-7476-DD82-4A2C-D6DEB256A594}"/>
+          </ac:spMkLst>
+        </pc:spChg>
+        <pc:spChg chg="add mod">
+          <ac:chgData name="Jia Jones" userId="a3b0c72f-e186-4738-b8d6-28e077c699c2" providerId="ADAL" clId="{CD4B01EA-4221-40B5-A155-1CF2D3FA45C3}" dt="2024-09-19T17:57:17.541" v="800" actId="208"/>
+          <ac:spMkLst>
+            <pc:docMk/>
+            <pc:sldMk cId="3339731875" sldId="262"/>
+            <ac:spMk id="6" creationId="{7F87727C-C544-6881-B59E-7206458A6AC2}"/>
+          </ac:spMkLst>
+        </pc:spChg>
+        <pc:spChg chg="add del mod">
+          <ac:chgData name="Jia Jones" userId="a3b0c72f-e186-4738-b8d6-28e077c699c2" providerId="ADAL" clId="{CD4B01EA-4221-40B5-A155-1CF2D3FA45C3}" dt="2024-09-15T06:26:13.895" v="796" actId="21"/>
+          <ac:spMkLst>
+            <pc:docMk/>
+            <pc:sldMk cId="3339731875" sldId="262"/>
+            <ac:spMk id="7" creationId="{6B073FB5-6250-03E4-52F3-60B9A38FBE0D}"/>
+          </ac:spMkLst>
+        </pc:spChg>
+        <pc:graphicFrameChg chg="add mod modGraphic">
+          <ac:chgData name="Jia Jones" userId="a3b0c72f-e186-4738-b8d6-28e077c699c2" providerId="ADAL" clId="{CD4B01EA-4221-40B5-A155-1CF2D3FA45C3}" dt="2024-09-15T03:02:52.121" v="358"/>
+          <ac:graphicFrameMkLst>
+            <pc:docMk/>
+            <pc:sldMk cId="3339731875" sldId="262"/>
+            <ac:graphicFrameMk id="2" creationId="{6A1ED64B-A1E9-4444-5A9F-144C34C1E052}"/>
+          </ac:graphicFrameMkLst>
+        </pc:graphicFrameChg>
+        <pc:graphicFrameChg chg="add mod">
+          <ac:chgData name="Jia Jones" userId="a3b0c72f-e186-4738-b8d6-28e077c699c2" providerId="ADAL" clId="{CD4B01EA-4221-40B5-A155-1CF2D3FA45C3}" dt="2024-09-15T02:31:23.953" v="85"/>
+          <ac:graphicFrameMkLst>
+            <pc:docMk/>
+            <pc:sldMk cId="3339731875" sldId="262"/>
+            <ac:graphicFrameMk id="3" creationId="{229D6B16-0C03-88CA-0B81-80FCE697262C}"/>
+          </ac:graphicFrameMkLst>
+        </pc:graphicFrameChg>
+        <pc:graphicFrameChg chg="add mod modGraphic">
+          <ac:chgData name="Jia Jones" userId="a3b0c72f-e186-4738-b8d6-28e077c699c2" providerId="ADAL" clId="{CD4B01EA-4221-40B5-A155-1CF2D3FA45C3}" dt="2024-09-15T03:03:02.267" v="362"/>
+          <ac:graphicFrameMkLst>
+            <pc:docMk/>
+            <pc:sldMk cId="3339731875" sldId="262"/>
+            <ac:graphicFrameMk id="5" creationId="{38A33295-2FA9-75B9-8B10-F2AAA8D49FF4}"/>
+          </ac:graphicFrameMkLst>
+        </pc:graphicFrameChg>
+        <pc:picChg chg="add mod">
+          <ac:chgData name="Jia Jones" userId="a3b0c72f-e186-4738-b8d6-28e077c699c2" providerId="ADAL" clId="{CD4B01EA-4221-40B5-A155-1CF2D3FA45C3}" dt="2024-09-15T02:27:00.274" v="57" actId="1076"/>
+          <ac:picMkLst>
+            <pc:docMk/>
+            <pc:sldMk cId="3339731875" sldId="262"/>
+            <ac:picMk id="1025" creationId="{D3439F12-532F-E69B-EABF-066E21109F4B}"/>
+          </ac:picMkLst>
+        </pc:picChg>
+        <pc:cxnChg chg="add mod">
+          <ac:chgData name="Jia Jones" userId="a3b0c72f-e186-4738-b8d6-28e077c699c2" providerId="ADAL" clId="{CD4B01EA-4221-40B5-A155-1CF2D3FA45C3}" dt="2024-09-19T17:57:25.393" v="801" actId="14100"/>
+          <ac:cxnSpMkLst>
+            <pc:docMk/>
+            <pc:sldMk cId="3339731875" sldId="262"/>
+            <ac:cxnSpMk id="8" creationId="{79F1F5C2-365B-5FCF-FD87-BEB0CA955AC8}"/>
+          </ac:cxnSpMkLst>
+        </pc:cxnChg>
+      </pc:sldChg>
+      <pc:sldChg chg="addSp delSp modSp mod ord">
+        <pc:chgData name="Jia Jones" userId="a3b0c72f-e186-4738-b8d6-28e077c699c2" providerId="ADAL" clId="{CD4B01EA-4221-40B5-A155-1CF2D3FA45C3}" dt="2024-09-15T06:25:21.653" v="793" actId="21"/>
+        <pc:sldMkLst>
+          <pc:docMk/>
+          <pc:sldMk cId="3055279406" sldId="263"/>
+        </pc:sldMkLst>
+        <pc:spChg chg="mod">
+          <ac:chgData name="Jia Jones" userId="a3b0c72f-e186-4738-b8d6-28e077c699c2" providerId="ADAL" clId="{CD4B01EA-4221-40B5-A155-1CF2D3FA45C3}" dt="2024-09-15T06:25:18.799" v="792" actId="1076"/>
+          <ac:spMkLst>
+            <pc:docMk/>
+            <pc:sldMk cId="3055279406" sldId="263"/>
+            <ac:spMk id="4" creationId="{13696BEA-7476-DD82-4A2C-D6DEB256A594}"/>
+          </ac:spMkLst>
+        </pc:spChg>
+        <pc:spChg chg="add del mod">
+          <ac:chgData name="Jia Jones" userId="a3b0c72f-e186-4738-b8d6-28e077c699c2" providerId="ADAL" clId="{CD4B01EA-4221-40B5-A155-1CF2D3FA45C3}" dt="2024-09-15T06:25:21.653" v="793" actId="21"/>
+          <ac:spMkLst>
+            <pc:docMk/>
+            <pc:sldMk cId="3055279406" sldId="263"/>
+            <ac:spMk id="7" creationId="{6B073FB5-6250-03E4-52F3-60B9A38FBE0D}"/>
+          </ac:spMkLst>
+        </pc:spChg>
+        <pc:picChg chg="add del mod">
+          <ac:chgData name="Jia Jones" userId="a3b0c72f-e186-4738-b8d6-28e077c699c2" providerId="ADAL" clId="{CD4B01EA-4221-40B5-A155-1CF2D3FA45C3}" dt="2024-09-14T03:38:47.553" v="48" actId="478"/>
+          <ac:picMkLst>
+            <pc:docMk/>
+            <pc:sldMk cId="3055279406" sldId="263"/>
+            <ac:picMk id="3" creationId="{2EF5D7E0-EB91-3C50-6786-C9B14A7F8012}"/>
+          </ac:picMkLst>
+        </pc:picChg>
+        <pc:picChg chg="add mod">
+          <ac:chgData name="Jia Jones" userId="a3b0c72f-e186-4738-b8d6-28e077c699c2" providerId="ADAL" clId="{CD4B01EA-4221-40B5-A155-1CF2D3FA45C3}" dt="2024-09-14T03:38:59.803" v="54" actId="1076"/>
+          <ac:picMkLst>
+            <pc:docMk/>
+            <pc:sldMk cId="3055279406" sldId="263"/>
+            <ac:picMk id="6" creationId="{8DCB89FF-7CB3-B691-31DD-25718B241440}"/>
+          </ac:picMkLst>
+        </pc:picChg>
+      </pc:sldChg>
+      <pc:sldChg chg="addSp delSp modSp mod">
+        <pc:chgData name="Jia Jones" userId="a3b0c72f-e186-4738-b8d6-28e077c699c2" providerId="ADAL" clId="{CD4B01EA-4221-40B5-A155-1CF2D3FA45C3}" dt="2024-09-15T06:26:22.123" v="799" actId="478"/>
+        <pc:sldMkLst>
+          <pc:docMk/>
+          <pc:sldMk cId="2857748267" sldId="264"/>
+        </pc:sldMkLst>
+        <pc:spChg chg="add del mod">
+          <ac:chgData name="Jia Jones" userId="a3b0c72f-e186-4738-b8d6-28e077c699c2" providerId="ADAL" clId="{CD4B01EA-4221-40B5-A155-1CF2D3FA45C3}" dt="2024-09-15T04:35:00.681" v="729" actId="478"/>
+          <ac:spMkLst>
+            <pc:docMk/>
+            <pc:sldMk cId="2857748267" sldId="264"/>
+            <ac:spMk id="3" creationId="{C157969B-F380-EB23-2B2E-655D3EBE2676}"/>
+          </ac:spMkLst>
+        </pc:spChg>
+        <pc:spChg chg="mod">
+          <ac:chgData name="Jia Jones" userId="a3b0c72f-e186-4738-b8d6-28e077c699c2" providerId="ADAL" clId="{CD4B01EA-4221-40B5-A155-1CF2D3FA45C3}" dt="2024-09-15T06:26:20.160" v="798" actId="1076"/>
+          <ac:spMkLst>
+            <pc:docMk/>
+            <pc:sldMk cId="2857748267" sldId="264"/>
+            <ac:spMk id="4" creationId="{13696BEA-7476-DD82-4A2C-D6DEB256A594}"/>
+          </ac:spMkLst>
+        </pc:spChg>
+        <pc:spChg chg="add del mod">
+          <ac:chgData name="Jia Jones" userId="a3b0c72f-e186-4738-b8d6-28e077c699c2" providerId="ADAL" clId="{CD4B01EA-4221-40B5-A155-1CF2D3FA45C3}" dt="2024-09-15T06:26:22.123" v="799" actId="478"/>
+          <ac:spMkLst>
+            <pc:docMk/>
+            <pc:sldMk cId="2857748267" sldId="264"/>
+            <ac:spMk id="7" creationId="{6B073FB5-6250-03E4-52F3-60B9A38FBE0D}"/>
+          </ac:spMkLst>
+        </pc:spChg>
+      </pc:sldChg>
+    </pc:docChg>
+  </pc:docChgLst>
+  <pc:docChgLst>
     <pc:chgData name="Jia Jones" userId="a3b0c72f-e186-4738-b8d6-28e077c699c2" providerId="ADAL" clId="{8E1941E3-5B5B-4888-B0F7-569E6CC58F68}"/>
     <pc:docChg chg="undo redo custSel addSld delSld modSld modMainMaster">
       <pc:chgData name="Jia Jones" userId="a3b0c72f-e186-4738-b8d6-28e077c699c2" providerId="ADAL" clId="{8E1941E3-5B5B-4888-B0F7-569E6CC58F68}" dt="2024-09-29T05:24:04.862" v="1493" actId="1076"/>
@@ -1014,670 +1678,6 @@
           </pc:sldLayoutMkLst>
         </pc:sldLayoutChg>
       </pc:sldMasterChg>
-    </pc:docChg>
-  </pc:docChgLst>
-  <pc:docChgLst>
-    <pc:chgData name="Jia Jones" userId="a3b0c72f-e186-4738-b8d6-28e077c699c2" providerId="ADAL" clId="{CD4B01EA-4221-40B5-A155-1CF2D3FA45C3}"/>
-    <pc:docChg chg="undo custSel modSld sldOrd">
-      <pc:chgData name="Jia Jones" userId="a3b0c72f-e186-4738-b8d6-28e077c699c2" providerId="ADAL" clId="{CD4B01EA-4221-40B5-A155-1CF2D3FA45C3}" dt="2024-09-19T17:57:25.393" v="801" actId="14100"/>
-      <pc:docMkLst>
-        <pc:docMk/>
-      </pc:docMkLst>
-      <pc:sldChg chg="modSp mod modNotesTx">
-        <pc:chgData name="Jia Jones" userId="a3b0c72f-e186-4738-b8d6-28e077c699c2" providerId="ADAL" clId="{CD4B01EA-4221-40B5-A155-1CF2D3FA45C3}" dt="2024-09-15T04:20:04.050" v="692"/>
-        <pc:sldMkLst>
-          <pc:docMk/>
-          <pc:sldMk cId="1052416929" sldId="256"/>
-        </pc:sldMkLst>
-        <pc:spChg chg="mod">
-          <ac:chgData name="Jia Jones" userId="a3b0c72f-e186-4738-b8d6-28e077c699c2" providerId="ADAL" clId="{CD4B01EA-4221-40B5-A155-1CF2D3FA45C3}" dt="2024-09-15T04:18:55.553" v="620" actId="20577"/>
-          <ac:spMkLst>
-            <pc:docMk/>
-            <pc:sldMk cId="1052416929" sldId="256"/>
-            <ac:spMk id="2" creationId="{1FB16267-5D4D-F94E-0CA3-6020A6B96667}"/>
-          </ac:spMkLst>
-        </pc:spChg>
-      </pc:sldChg>
-      <pc:sldChg chg="addSp delSp modSp mod">
-        <pc:chgData name="Jia Jones" userId="a3b0c72f-e186-4738-b8d6-28e077c699c2" providerId="ADAL" clId="{CD4B01EA-4221-40B5-A155-1CF2D3FA45C3}" dt="2024-09-15T06:24:12.992" v="777" actId="21"/>
-        <pc:sldMkLst>
-          <pc:docMk/>
-          <pc:sldMk cId="3489001171" sldId="257"/>
-        </pc:sldMkLst>
-        <pc:spChg chg="add del mod">
-          <ac:chgData name="Jia Jones" userId="a3b0c72f-e186-4738-b8d6-28e077c699c2" providerId="ADAL" clId="{CD4B01EA-4221-40B5-A155-1CF2D3FA45C3}" dt="2024-09-15T06:23:08.945" v="771" actId="478"/>
-          <ac:spMkLst>
-            <pc:docMk/>
-            <pc:sldMk cId="3489001171" sldId="257"/>
-            <ac:spMk id="2" creationId="{2CE05087-037D-F51D-D1EF-101CB7F6663F}"/>
-          </ac:spMkLst>
-        </pc:spChg>
-        <pc:spChg chg="add del">
-          <ac:chgData name="Jia Jones" userId="a3b0c72f-e186-4738-b8d6-28e077c699c2" providerId="ADAL" clId="{CD4B01EA-4221-40B5-A155-1CF2D3FA45C3}" dt="2024-09-15T06:24:12.992" v="777" actId="21"/>
-          <ac:spMkLst>
-            <pc:docMk/>
-            <pc:sldMk cId="3489001171" sldId="257"/>
-            <ac:spMk id="4" creationId="{6B073FB5-6250-03E4-52F3-60B9A38FBE0D}"/>
-          </ac:spMkLst>
-        </pc:spChg>
-        <pc:spChg chg="mod">
-          <ac:chgData name="Jia Jones" userId="a3b0c72f-e186-4738-b8d6-28e077c699c2" providerId="ADAL" clId="{CD4B01EA-4221-40B5-A155-1CF2D3FA45C3}" dt="2024-09-13T22:24:29.226" v="27" actId="20577"/>
-          <ac:spMkLst>
-            <pc:docMk/>
-            <pc:sldMk cId="3489001171" sldId="257"/>
-            <ac:spMk id="15" creationId="{40860589-F87D-B4FC-66E8-D7D80FCB7557}"/>
-          </ac:spMkLst>
-        </pc:spChg>
-        <pc:spChg chg="mod">
-          <ac:chgData name="Jia Jones" userId="a3b0c72f-e186-4738-b8d6-28e077c699c2" providerId="ADAL" clId="{CD4B01EA-4221-40B5-A155-1CF2D3FA45C3}" dt="2024-09-13T22:24:32.990" v="30" actId="20577"/>
-          <ac:spMkLst>
-            <pc:docMk/>
-            <pc:sldMk cId="3489001171" sldId="257"/>
-            <ac:spMk id="18" creationId="{567BD2FC-C43E-35F5-8077-1BD43CB2CC7F}"/>
-          </ac:spMkLst>
-        </pc:spChg>
-        <pc:spChg chg="mod">
-          <ac:chgData name="Jia Jones" userId="a3b0c72f-e186-4738-b8d6-28e077c699c2" providerId="ADAL" clId="{CD4B01EA-4221-40B5-A155-1CF2D3FA45C3}" dt="2024-09-15T06:23:52.048" v="775" actId="1076"/>
-          <ac:spMkLst>
-            <pc:docMk/>
-            <pc:sldMk cId="3489001171" sldId="257"/>
-            <ac:spMk id="26" creationId="{E2C819BC-8B99-E728-6122-44C6C9D50372}"/>
-          </ac:spMkLst>
-        </pc:spChg>
-        <pc:grpChg chg="add mod">
-          <ac:chgData name="Jia Jones" userId="a3b0c72f-e186-4738-b8d6-28e077c699c2" providerId="ADAL" clId="{CD4B01EA-4221-40B5-A155-1CF2D3FA45C3}" dt="2024-09-15T06:23:31.804" v="774" actId="1076"/>
-          <ac:grpSpMkLst>
-            <pc:docMk/>
-            <pc:sldMk cId="3489001171" sldId="257"/>
-            <ac:grpSpMk id="3" creationId="{B4731DEC-6AD2-BDB9-FF2A-5E46F8E7DDF4}"/>
-          </ac:grpSpMkLst>
-        </pc:grpChg>
-        <pc:grpChg chg="mod">
-          <ac:chgData name="Jia Jones" userId="a3b0c72f-e186-4738-b8d6-28e077c699c2" providerId="ADAL" clId="{CD4B01EA-4221-40B5-A155-1CF2D3FA45C3}" dt="2024-09-15T06:23:21.212" v="773" actId="164"/>
-          <ac:grpSpMkLst>
-            <pc:docMk/>
-            <pc:sldMk cId="3489001171" sldId="257"/>
-            <ac:grpSpMk id="22" creationId="{24C32157-A863-7E9A-7EB2-6AB1D39A3E3E}"/>
-          </ac:grpSpMkLst>
-        </pc:grpChg>
-        <pc:grpChg chg="mod">
-          <ac:chgData name="Jia Jones" userId="a3b0c72f-e186-4738-b8d6-28e077c699c2" providerId="ADAL" clId="{CD4B01EA-4221-40B5-A155-1CF2D3FA45C3}" dt="2024-09-15T06:23:21.212" v="773" actId="164"/>
-          <ac:grpSpMkLst>
-            <pc:docMk/>
-            <pc:sldMk cId="3489001171" sldId="257"/>
-            <ac:grpSpMk id="23" creationId="{152677A2-6237-40B3-8E78-57F6EB8553FF}"/>
-          </ac:grpSpMkLst>
-        </pc:grpChg>
-        <pc:grpChg chg="mod">
-          <ac:chgData name="Jia Jones" userId="a3b0c72f-e186-4738-b8d6-28e077c699c2" providerId="ADAL" clId="{CD4B01EA-4221-40B5-A155-1CF2D3FA45C3}" dt="2024-09-15T06:23:21.212" v="773" actId="164"/>
-          <ac:grpSpMkLst>
-            <pc:docMk/>
-            <pc:sldMk cId="3489001171" sldId="257"/>
-            <ac:grpSpMk id="24" creationId="{C4D9CEDA-38D2-2235-6A6E-7701FE0D88BE}"/>
-          </ac:grpSpMkLst>
-        </pc:grpChg>
-        <pc:grpChg chg="mod">
-          <ac:chgData name="Jia Jones" userId="a3b0c72f-e186-4738-b8d6-28e077c699c2" providerId="ADAL" clId="{CD4B01EA-4221-40B5-A155-1CF2D3FA45C3}" dt="2024-09-15T06:23:21.212" v="773" actId="164"/>
-          <ac:grpSpMkLst>
-            <pc:docMk/>
-            <pc:sldMk cId="3489001171" sldId="257"/>
-            <ac:grpSpMk id="25" creationId="{15E07194-2A92-59E9-79BA-CA62A84FBC32}"/>
-          </ac:grpSpMkLst>
-        </pc:grpChg>
-      </pc:sldChg>
-      <pc:sldChg chg="addSp delSp modSp mod modNotesTx">
-        <pc:chgData name="Jia Jones" userId="a3b0c72f-e186-4738-b8d6-28e077c699c2" providerId="ADAL" clId="{CD4B01EA-4221-40B5-A155-1CF2D3FA45C3}" dt="2024-09-15T06:24:27.556" v="781" actId="21"/>
-        <pc:sldMkLst>
-          <pc:docMk/>
-          <pc:sldMk cId="827846081" sldId="258"/>
-        </pc:sldMkLst>
-        <pc:spChg chg="mod">
-          <ac:chgData name="Jia Jones" userId="a3b0c72f-e186-4738-b8d6-28e077c699c2" providerId="ADAL" clId="{CD4B01EA-4221-40B5-A155-1CF2D3FA45C3}" dt="2024-09-15T06:22:40.616" v="766" actId="1076"/>
-          <ac:spMkLst>
-            <pc:docMk/>
-            <pc:sldMk cId="827846081" sldId="258"/>
-            <ac:spMk id="3" creationId="{65FAA24B-2708-F41C-0F60-6F9AB9E8C83B}"/>
-          </ac:spMkLst>
-        </pc:spChg>
-        <pc:spChg chg="add del mod">
-          <ac:chgData name="Jia Jones" userId="a3b0c72f-e186-4738-b8d6-28e077c699c2" providerId="ADAL" clId="{CD4B01EA-4221-40B5-A155-1CF2D3FA45C3}" dt="2024-09-15T06:24:27.556" v="781" actId="21"/>
-          <ac:spMkLst>
-            <pc:docMk/>
-            <pc:sldMk cId="827846081" sldId="258"/>
-            <ac:spMk id="4" creationId="{6B073FB5-6250-03E4-52F3-60B9A38FBE0D}"/>
-          </ac:spMkLst>
-        </pc:spChg>
-        <pc:spChg chg="mod">
-          <ac:chgData name="Jia Jones" userId="a3b0c72f-e186-4738-b8d6-28e077c699c2" providerId="ADAL" clId="{CD4B01EA-4221-40B5-A155-1CF2D3FA45C3}" dt="2024-09-15T06:24:23.963" v="780" actId="1076"/>
-          <ac:spMkLst>
-            <pc:docMk/>
-            <pc:sldMk cId="827846081" sldId="258"/>
-            <ac:spMk id="11" creationId="{0F487AF4-0F54-3AD9-C9E7-D0CA281A62C4}"/>
-          </ac:spMkLst>
-        </pc:spChg>
-        <pc:spChg chg="mod">
-          <ac:chgData name="Jia Jones" userId="a3b0c72f-e186-4738-b8d6-28e077c699c2" providerId="ADAL" clId="{CD4B01EA-4221-40B5-A155-1CF2D3FA45C3}" dt="2024-09-15T06:22:40.616" v="766" actId="1076"/>
-          <ac:spMkLst>
-            <pc:docMk/>
-            <pc:sldMk cId="827846081" sldId="258"/>
-            <ac:spMk id="12" creationId="{9BA25D1C-AA8A-0ABE-6844-7AE967F9CD80}"/>
-          </ac:spMkLst>
-        </pc:spChg>
-        <pc:spChg chg="mod">
-          <ac:chgData name="Jia Jones" userId="a3b0c72f-e186-4738-b8d6-28e077c699c2" providerId="ADAL" clId="{CD4B01EA-4221-40B5-A155-1CF2D3FA45C3}" dt="2024-09-15T06:22:40.616" v="766" actId="1076"/>
-          <ac:spMkLst>
-            <pc:docMk/>
-            <pc:sldMk cId="827846081" sldId="258"/>
-            <ac:spMk id="15" creationId="{40860589-F87D-B4FC-66E8-D7D80FCB7557}"/>
-          </ac:spMkLst>
-        </pc:spChg>
-        <pc:spChg chg="mod">
-          <ac:chgData name="Jia Jones" userId="a3b0c72f-e186-4738-b8d6-28e077c699c2" providerId="ADAL" clId="{CD4B01EA-4221-40B5-A155-1CF2D3FA45C3}" dt="2024-09-15T06:22:40.616" v="766" actId="1076"/>
-          <ac:spMkLst>
-            <pc:docMk/>
-            <pc:sldMk cId="827846081" sldId="258"/>
-            <ac:spMk id="16" creationId="{1D8311F5-4330-4534-4726-AE9785029A16}"/>
-          </ac:spMkLst>
-        </pc:spChg>
-        <pc:spChg chg="mod">
-          <ac:chgData name="Jia Jones" userId="a3b0c72f-e186-4738-b8d6-28e077c699c2" providerId="ADAL" clId="{CD4B01EA-4221-40B5-A155-1CF2D3FA45C3}" dt="2024-09-15T06:22:40.616" v="766" actId="1076"/>
-          <ac:spMkLst>
-            <pc:docMk/>
-            <pc:sldMk cId="827846081" sldId="258"/>
-            <ac:spMk id="18" creationId="{567BD2FC-C43E-35F5-8077-1BD43CB2CC7F}"/>
-          </ac:spMkLst>
-        </pc:spChg>
-        <pc:spChg chg="mod">
-          <ac:chgData name="Jia Jones" userId="a3b0c72f-e186-4738-b8d6-28e077c699c2" providerId="ADAL" clId="{CD4B01EA-4221-40B5-A155-1CF2D3FA45C3}" dt="2024-09-15T06:22:40.616" v="766" actId="1076"/>
-          <ac:spMkLst>
-            <pc:docMk/>
-            <pc:sldMk cId="827846081" sldId="258"/>
-            <ac:spMk id="19" creationId="{741524AD-5AEC-927A-AF43-BF981428A851}"/>
-          </ac:spMkLst>
-        </pc:spChg>
-        <pc:spChg chg="mod">
-          <ac:chgData name="Jia Jones" userId="a3b0c72f-e186-4738-b8d6-28e077c699c2" providerId="ADAL" clId="{CD4B01EA-4221-40B5-A155-1CF2D3FA45C3}" dt="2024-09-15T06:22:40.616" v="766" actId="1076"/>
-          <ac:spMkLst>
-            <pc:docMk/>
-            <pc:sldMk cId="827846081" sldId="258"/>
-            <ac:spMk id="21" creationId="{815F8B5D-F820-00DF-D6E2-971F5F65F789}"/>
-          </ac:spMkLst>
-        </pc:spChg>
-        <pc:grpChg chg="add mod">
-          <ac:chgData name="Jia Jones" userId="a3b0c72f-e186-4738-b8d6-28e077c699c2" providerId="ADAL" clId="{CD4B01EA-4221-40B5-A155-1CF2D3FA45C3}" dt="2024-09-15T06:22:40.616" v="766" actId="1076"/>
-          <ac:grpSpMkLst>
-            <pc:docMk/>
-            <pc:sldMk cId="827846081" sldId="258"/>
-            <ac:grpSpMk id="2" creationId="{70312291-9414-FADA-19BA-E971C884D82B}"/>
-          </ac:grpSpMkLst>
-        </pc:grpChg>
-        <pc:grpChg chg="mod">
-          <ac:chgData name="Jia Jones" userId="a3b0c72f-e186-4738-b8d6-28e077c699c2" providerId="ADAL" clId="{CD4B01EA-4221-40B5-A155-1CF2D3FA45C3}" dt="2024-09-15T06:22:40.616" v="766" actId="1076"/>
-          <ac:grpSpMkLst>
-            <pc:docMk/>
-            <pc:sldMk cId="827846081" sldId="258"/>
-            <ac:grpSpMk id="22" creationId="{24C32157-A863-7E9A-7EB2-6AB1D39A3E3E}"/>
-          </ac:grpSpMkLst>
-        </pc:grpChg>
-        <pc:grpChg chg="mod">
-          <ac:chgData name="Jia Jones" userId="a3b0c72f-e186-4738-b8d6-28e077c699c2" providerId="ADAL" clId="{CD4B01EA-4221-40B5-A155-1CF2D3FA45C3}" dt="2024-09-15T06:22:40.616" v="766" actId="1076"/>
-          <ac:grpSpMkLst>
-            <pc:docMk/>
-            <pc:sldMk cId="827846081" sldId="258"/>
-            <ac:grpSpMk id="23" creationId="{152677A2-6237-40B3-8E78-57F6EB8553FF}"/>
-          </ac:grpSpMkLst>
-        </pc:grpChg>
-        <pc:grpChg chg="mod">
-          <ac:chgData name="Jia Jones" userId="a3b0c72f-e186-4738-b8d6-28e077c699c2" providerId="ADAL" clId="{CD4B01EA-4221-40B5-A155-1CF2D3FA45C3}" dt="2024-09-15T06:22:40.616" v="766" actId="1076"/>
-          <ac:grpSpMkLst>
-            <pc:docMk/>
-            <pc:sldMk cId="827846081" sldId="258"/>
-            <ac:grpSpMk id="24" creationId="{C4D9CEDA-38D2-2235-6A6E-7701FE0D88BE}"/>
-          </ac:grpSpMkLst>
-        </pc:grpChg>
-        <pc:picChg chg="del">
-          <ac:chgData name="Jia Jones" userId="a3b0c72f-e186-4738-b8d6-28e077c699c2" providerId="ADAL" clId="{CD4B01EA-4221-40B5-A155-1CF2D3FA45C3}" dt="2024-09-15T04:22:43.281" v="693" actId="478"/>
-          <ac:picMkLst>
-            <pc:docMk/>
-            <pc:sldMk cId="827846081" sldId="258"/>
-            <ac:picMk id="2" creationId="{5A449522-71C7-A78E-FC4D-E82F2D6DF3C0}"/>
-          </ac:picMkLst>
-        </pc:picChg>
-        <pc:picChg chg="del">
-          <ac:chgData name="Jia Jones" userId="a3b0c72f-e186-4738-b8d6-28e077c699c2" providerId="ADAL" clId="{CD4B01EA-4221-40B5-A155-1CF2D3FA45C3}" dt="2024-09-15T04:22:43.281" v="693" actId="478"/>
-          <ac:picMkLst>
-            <pc:docMk/>
-            <pc:sldMk cId="827846081" sldId="258"/>
-            <ac:picMk id="4" creationId="{87329B1F-5F8E-7E34-B8AF-A83A1E3A07A0}"/>
-          </ac:picMkLst>
-        </pc:picChg>
-        <pc:picChg chg="del">
-          <ac:chgData name="Jia Jones" userId="a3b0c72f-e186-4738-b8d6-28e077c699c2" providerId="ADAL" clId="{CD4B01EA-4221-40B5-A155-1CF2D3FA45C3}" dt="2024-09-15T04:22:43.281" v="693" actId="478"/>
-          <ac:picMkLst>
-            <pc:docMk/>
-            <pc:sldMk cId="827846081" sldId="258"/>
-            <ac:picMk id="5" creationId="{F9E68F5F-F35E-A948-8F89-FE91C423B052}"/>
-          </ac:picMkLst>
-        </pc:picChg>
-        <pc:picChg chg="mod">
-          <ac:chgData name="Jia Jones" userId="a3b0c72f-e186-4738-b8d6-28e077c699c2" providerId="ADAL" clId="{CD4B01EA-4221-40B5-A155-1CF2D3FA45C3}" dt="2024-09-15T06:22:40.616" v="766" actId="1076"/>
-          <ac:picMkLst>
-            <pc:docMk/>
-            <pc:sldMk cId="827846081" sldId="258"/>
-            <ac:picMk id="6" creationId="{659D18A9-A5E4-20DB-6DA8-05675CD27922}"/>
-          </ac:picMkLst>
-        </pc:picChg>
-        <pc:picChg chg="mod">
-          <ac:chgData name="Jia Jones" userId="a3b0c72f-e186-4738-b8d6-28e077c699c2" providerId="ADAL" clId="{CD4B01EA-4221-40B5-A155-1CF2D3FA45C3}" dt="2024-09-15T06:22:40.616" v="766" actId="1076"/>
-          <ac:picMkLst>
-            <pc:docMk/>
-            <pc:sldMk cId="827846081" sldId="258"/>
-            <ac:picMk id="7" creationId="{EE2B97E9-84D4-B203-4DBC-3EDC440E3EB9}"/>
-          </ac:picMkLst>
-        </pc:picChg>
-        <pc:picChg chg="mod">
-          <ac:chgData name="Jia Jones" userId="a3b0c72f-e186-4738-b8d6-28e077c699c2" providerId="ADAL" clId="{CD4B01EA-4221-40B5-A155-1CF2D3FA45C3}" dt="2024-09-15T06:22:40.616" v="766" actId="1076"/>
-          <ac:picMkLst>
-            <pc:docMk/>
-            <pc:sldMk cId="827846081" sldId="258"/>
-            <ac:picMk id="8" creationId="{4941F4B1-BDA0-E8A6-849B-FF39C2019463}"/>
-          </ac:picMkLst>
-        </pc:picChg>
-        <pc:picChg chg="add mod">
-          <ac:chgData name="Jia Jones" userId="a3b0c72f-e186-4738-b8d6-28e077c699c2" providerId="ADAL" clId="{CD4B01EA-4221-40B5-A155-1CF2D3FA45C3}" dt="2024-09-15T06:22:40.616" v="766" actId="1076"/>
-          <ac:picMkLst>
-            <pc:docMk/>
-            <pc:sldMk cId="827846081" sldId="258"/>
-            <ac:picMk id="9" creationId="{02234CC9-B8C4-8AEE-5667-1BA1E1B73AF8}"/>
-          </ac:picMkLst>
-        </pc:picChg>
-        <pc:picChg chg="mod">
-          <ac:chgData name="Jia Jones" userId="a3b0c72f-e186-4738-b8d6-28e077c699c2" providerId="ADAL" clId="{CD4B01EA-4221-40B5-A155-1CF2D3FA45C3}" dt="2024-09-15T06:22:40.616" v="766" actId="1076"/>
-          <ac:picMkLst>
-            <pc:docMk/>
-            <pc:sldMk cId="827846081" sldId="258"/>
-            <ac:picMk id="10" creationId="{174E1945-03A0-203F-DBF0-73401172B676}"/>
-          </ac:picMkLst>
-        </pc:picChg>
-        <pc:picChg chg="mod modCrop">
-          <ac:chgData name="Jia Jones" userId="a3b0c72f-e186-4738-b8d6-28e077c699c2" providerId="ADAL" clId="{CD4B01EA-4221-40B5-A155-1CF2D3FA45C3}" dt="2024-09-15T06:22:40.616" v="766" actId="1076"/>
-          <ac:picMkLst>
-            <pc:docMk/>
-            <pc:sldMk cId="827846081" sldId="258"/>
-            <ac:picMk id="13" creationId="{BC8BEA36-5167-6379-8409-59FE20C6DAED}"/>
-          </ac:picMkLst>
-        </pc:picChg>
-        <pc:picChg chg="add mod modCrop">
-          <ac:chgData name="Jia Jones" userId="a3b0c72f-e186-4738-b8d6-28e077c699c2" providerId="ADAL" clId="{CD4B01EA-4221-40B5-A155-1CF2D3FA45C3}" dt="2024-09-15T06:22:40.616" v="766" actId="1076"/>
-          <ac:picMkLst>
-            <pc:docMk/>
-            <pc:sldMk cId="827846081" sldId="258"/>
-            <ac:picMk id="14" creationId="{6F54B187-2B5C-7557-5AA1-833FF9D75B98}"/>
-          </ac:picMkLst>
-        </pc:picChg>
-        <pc:picChg chg="add del mod">
-          <ac:chgData name="Jia Jones" userId="a3b0c72f-e186-4738-b8d6-28e077c699c2" providerId="ADAL" clId="{CD4B01EA-4221-40B5-A155-1CF2D3FA45C3}" dt="2024-09-15T04:22:43.281" v="693" actId="478"/>
-          <ac:picMkLst>
-            <pc:docMk/>
-            <pc:sldMk cId="827846081" sldId="258"/>
-            <ac:picMk id="17" creationId="{720D662C-A1AC-F87A-CA98-CE17342ED317}"/>
-          </ac:picMkLst>
-        </pc:picChg>
-        <pc:picChg chg="add mod">
-          <ac:chgData name="Jia Jones" userId="a3b0c72f-e186-4738-b8d6-28e077c699c2" providerId="ADAL" clId="{CD4B01EA-4221-40B5-A155-1CF2D3FA45C3}" dt="2024-09-15T06:22:40.616" v="766" actId="1076"/>
-          <ac:picMkLst>
-            <pc:docMk/>
-            <pc:sldMk cId="827846081" sldId="258"/>
-            <ac:picMk id="1026" creationId="{0DA1347E-0075-E2C3-3C3D-7667CD91E485}"/>
-          </ac:picMkLst>
-        </pc:picChg>
-      </pc:sldChg>
-      <pc:sldChg chg="addSp delSp modSp mod">
-        <pc:chgData name="Jia Jones" userId="a3b0c72f-e186-4738-b8d6-28e077c699c2" providerId="ADAL" clId="{CD4B01EA-4221-40B5-A155-1CF2D3FA45C3}" dt="2024-09-15T06:24:43.316" v="784" actId="21"/>
-        <pc:sldMkLst>
-          <pc:docMk/>
-          <pc:sldMk cId="3623192682" sldId="259"/>
-        </pc:sldMkLst>
-        <pc:spChg chg="mod">
-          <ac:chgData name="Jia Jones" userId="a3b0c72f-e186-4738-b8d6-28e077c699c2" providerId="ADAL" clId="{CD4B01EA-4221-40B5-A155-1CF2D3FA45C3}" dt="2024-09-15T06:21:39.283" v="755" actId="1076"/>
-          <ac:spMkLst>
-            <pc:docMk/>
-            <pc:sldMk cId="3623192682" sldId="259"/>
-            <ac:spMk id="2" creationId="{45BD7568-8786-1899-14B3-D61E2DF24ADF}"/>
-          </ac:spMkLst>
-        </pc:spChg>
-        <pc:spChg chg="add del mod">
-          <ac:chgData name="Jia Jones" userId="a3b0c72f-e186-4738-b8d6-28e077c699c2" providerId="ADAL" clId="{CD4B01EA-4221-40B5-A155-1CF2D3FA45C3}" dt="2024-09-15T06:24:43.316" v="784" actId="21"/>
-          <ac:spMkLst>
-            <pc:docMk/>
-            <pc:sldMk cId="3623192682" sldId="259"/>
-            <ac:spMk id="4" creationId="{6B073FB5-6250-03E4-52F3-60B9A38FBE0D}"/>
-          </ac:spMkLst>
-        </pc:spChg>
-        <pc:spChg chg="mod">
-          <ac:chgData name="Jia Jones" userId="a3b0c72f-e186-4738-b8d6-28e077c699c2" providerId="ADAL" clId="{CD4B01EA-4221-40B5-A155-1CF2D3FA45C3}" dt="2024-09-15T06:24:35.654" v="783" actId="1076"/>
-          <ac:spMkLst>
-            <pc:docMk/>
-            <pc:sldMk cId="3623192682" sldId="259"/>
-            <ac:spMk id="5" creationId="{DBFD8C82-A885-A8A0-0642-C34B23567813}"/>
-          </ac:spMkLst>
-        </pc:spChg>
-      </pc:sldChg>
-      <pc:sldChg chg="addSp delSp modSp mod">
-        <pc:chgData name="Jia Jones" userId="a3b0c72f-e186-4738-b8d6-28e077c699c2" providerId="ADAL" clId="{CD4B01EA-4221-40B5-A155-1CF2D3FA45C3}" dt="2024-09-15T06:24:58.749" v="787" actId="21"/>
-        <pc:sldMkLst>
-          <pc:docMk/>
-          <pc:sldMk cId="2082502640" sldId="260"/>
-        </pc:sldMkLst>
-        <pc:spChg chg="mod">
-          <ac:chgData name="Jia Jones" userId="a3b0c72f-e186-4738-b8d6-28e077c699c2" providerId="ADAL" clId="{CD4B01EA-4221-40B5-A155-1CF2D3FA45C3}" dt="2024-09-15T03:29:56.535" v="591" actId="20577"/>
-          <ac:spMkLst>
-            <pc:docMk/>
-            <pc:sldMk cId="2082502640" sldId="260"/>
-            <ac:spMk id="2" creationId="{8F4685AB-3C38-F211-6E94-1FEDDB39F74E}"/>
-          </ac:spMkLst>
-        </pc:spChg>
-        <pc:spChg chg="add del mod">
-          <ac:chgData name="Jia Jones" userId="a3b0c72f-e186-4738-b8d6-28e077c699c2" providerId="ADAL" clId="{CD4B01EA-4221-40B5-A155-1CF2D3FA45C3}" dt="2024-09-15T06:24:58.749" v="787" actId="21"/>
-          <ac:spMkLst>
-            <pc:docMk/>
-            <pc:sldMk cId="2082502640" sldId="260"/>
-            <ac:spMk id="3" creationId="{6B073FB5-6250-03E4-52F3-60B9A38FBE0D}"/>
-          </ac:spMkLst>
-        </pc:spChg>
-        <pc:spChg chg="mod">
-          <ac:chgData name="Jia Jones" userId="a3b0c72f-e186-4738-b8d6-28e077c699c2" providerId="ADAL" clId="{CD4B01EA-4221-40B5-A155-1CF2D3FA45C3}" dt="2024-09-15T06:24:51.663" v="786" actId="1076"/>
-          <ac:spMkLst>
-            <pc:docMk/>
-            <pc:sldMk cId="2082502640" sldId="260"/>
-            <ac:spMk id="4" creationId="{13696BEA-7476-DD82-4A2C-D6DEB256A594}"/>
-          </ac:spMkLst>
-        </pc:spChg>
-      </pc:sldChg>
-      <pc:sldChg chg="addSp delSp modSp mod">
-        <pc:chgData name="Jia Jones" userId="a3b0c72f-e186-4738-b8d6-28e077c699c2" providerId="ADAL" clId="{CD4B01EA-4221-40B5-A155-1CF2D3FA45C3}" dt="2024-09-15T06:25:11.007" v="790" actId="21"/>
-        <pc:sldMkLst>
-          <pc:docMk/>
-          <pc:sldMk cId="1604887251" sldId="261"/>
-        </pc:sldMkLst>
-        <pc:spChg chg="mod">
-          <ac:chgData name="Jia Jones" userId="a3b0c72f-e186-4738-b8d6-28e077c699c2" providerId="ADAL" clId="{CD4B01EA-4221-40B5-A155-1CF2D3FA45C3}" dt="2024-09-15T06:25:08.276" v="789" actId="1076"/>
-          <ac:spMkLst>
-            <pc:docMk/>
-            <pc:sldMk cId="1604887251" sldId="261"/>
-            <ac:spMk id="4" creationId="{13696BEA-7476-DD82-4A2C-D6DEB256A594}"/>
-          </ac:spMkLst>
-        </pc:spChg>
-        <pc:spChg chg="add del mod">
-          <ac:chgData name="Jia Jones" userId="a3b0c72f-e186-4738-b8d6-28e077c699c2" providerId="ADAL" clId="{CD4B01EA-4221-40B5-A155-1CF2D3FA45C3}" dt="2024-09-15T06:25:11.007" v="790" actId="21"/>
-          <ac:spMkLst>
-            <pc:docMk/>
-            <pc:sldMk cId="1604887251" sldId="261"/>
-            <ac:spMk id="7" creationId="{6B073FB5-6250-03E4-52F3-60B9A38FBE0D}"/>
-          </ac:spMkLst>
-        </pc:spChg>
-        <pc:picChg chg="add del mod modCrop">
-          <ac:chgData name="Jia Jones" userId="a3b0c72f-e186-4738-b8d6-28e077c699c2" providerId="ADAL" clId="{CD4B01EA-4221-40B5-A155-1CF2D3FA45C3}" dt="2024-09-15T06:20:16.094" v="743" actId="478"/>
-          <ac:picMkLst>
-            <pc:docMk/>
-            <pc:sldMk cId="1604887251" sldId="261"/>
-            <ac:picMk id="3" creationId="{3BAC19C4-8376-64A5-8E4A-12A83A769D20}"/>
-          </ac:picMkLst>
-        </pc:picChg>
-        <pc:picChg chg="add mod modCrop">
-          <ac:chgData name="Jia Jones" userId="a3b0c72f-e186-4738-b8d6-28e077c699c2" providerId="ADAL" clId="{CD4B01EA-4221-40B5-A155-1CF2D3FA45C3}" dt="2024-09-15T06:21:01.026" v="752" actId="1076"/>
-          <ac:picMkLst>
-            <pc:docMk/>
-            <pc:sldMk cId="1604887251" sldId="261"/>
-            <ac:picMk id="6" creationId="{D992184B-DF47-C314-7BB8-2FB6B42D5BB6}"/>
-          </ac:picMkLst>
-        </pc:picChg>
-      </pc:sldChg>
-      <pc:sldChg chg="addSp delSp modSp mod">
-        <pc:chgData name="Jia Jones" userId="a3b0c72f-e186-4738-b8d6-28e077c699c2" providerId="ADAL" clId="{CD4B01EA-4221-40B5-A155-1CF2D3FA45C3}" dt="2024-09-19T17:57:25.393" v="801" actId="14100"/>
-        <pc:sldMkLst>
-          <pc:docMk/>
-          <pc:sldMk cId="3339731875" sldId="262"/>
-        </pc:sldMkLst>
-        <pc:spChg chg="mod">
-          <ac:chgData name="Jia Jones" userId="a3b0c72f-e186-4738-b8d6-28e077c699c2" providerId="ADAL" clId="{CD4B01EA-4221-40B5-A155-1CF2D3FA45C3}" dt="2024-09-15T06:26:11.714" v="795" actId="1076"/>
-          <ac:spMkLst>
-            <pc:docMk/>
-            <pc:sldMk cId="3339731875" sldId="262"/>
-            <ac:spMk id="4" creationId="{13696BEA-7476-DD82-4A2C-D6DEB256A594}"/>
-          </ac:spMkLst>
-        </pc:spChg>
-        <pc:spChg chg="add mod">
-          <ac:chgData name="Jia Jones" userId="a3b0c72f-e186-4738-b8d6-28e077c699c2" providerId="ADAL" clId="{CD4B01EA-4221-40B5-A155-1CF2D3FA45C3}" dt="2024-09-19T17:57:17.541" v="800" actId="208"/>
-          <ac:spMkLst>
-            <pc:docMk/>
-            <pc:sldMk cId="3339731875" sldId="262"/>
-            <ac:spMk id="6" creationId="{7F87727C-C544-6881-B59E-7206458A6AC2}"/>
-          </ac:spMkLst>
-        </pc:spChg>
-        <pc:spChg chg="add del mod">
-          <ac:chgData name="Jia Jones" userId="a3b0c72f-e186-4738-b8d6-28e077c699c2" providerId="ADAL" clId="{CD4B01EA-4221-40B5-A155-1CF2D3FA45C3}" dt="2024-09-15T06:26:13.895" v="796" actId="21"/>
-          <ac:spMkLst>
-            <pc:docMk/>
-            <pc:sldMk cId="3339731875" sldId="262"/>
-            <ac:spMk id="7" creationId="{6B073FB5-6250-03E4-52F3-60B9A38FBE0D}"/>
-          </ac:spMkLst>
-        </pc:spChg>
-        <pc:graphicFrameChg chg="add mod modGraphic">
-          <ac:chgData name="Jia Jones" userId="a3b0c72f-e186-4738-b8d6-28e077c699c2" providerId="ADAL" clId="{CD4B01EA-4221-40B5-A155-1CF2D3FA45C3}" dt="2024-09-15T03:02:52.121" v="358"/>
-          <ac:graphicFrameMkLst>
-            <pc:docMk/>
-            <pc:sldMk cId="3339731875" sldId="262"/>
-            <ac:graphicFrameMk id="2" creationId="{6A1ED64B-A1E9-4444-5A9F-144C34C1E052}"/>
-          </ac:graphicFrameMkLst>
-        </pc:graphicFrameChg>
-        <pc:graphicFrameChg chg="add mod">
-          <ac:chgData name="Jia Jones" userId="a3b0c72f-e186-4738-b8d6-28e077c699c2" providerId="ADAL" clId="{CD4B01EA-4221-40B5-A155-1CF2D3FA45C3}" dt="2024-09-15T02:31:23.953" v="85"/>
-          <ac:graphicFrameMkLst>
-            <pc:docMk/>
-            <pc:sldMk cId="3339731875" sldId="262"/>
-            <ac:graphicFrameMk id="3" creationId="{229D6B16-0C03-88CA-0B81-80FCE697262C}"/>
-          </ac:graphicFrameMkLst>
-        </pc:graphicFrameChg>
-        <pc:graphicFrameChg chg="add mod modGraphic">
-          <ac:chgData name="Jia Jones" userId="a3b0c72f-e186-4738-b8d6-28e077c699c2" providerId="ADAL" clId="{CD4B01EA-4221-40B5-A155-1CF2D3FA45C3}" dt="2024-09-15T03:03:02.267" v="362"/>
-          <ac:graphicFrameMkLst>
-            <pc:docMk/>
-            <pc:sldMk cId="3339731875" sldId="262"/>
-            <ac:graphicFrameMk id="5" creationId="{38A33295-2FA9-75B9-8B10-F2AAA8D49FF4}"/>
-          </ac:graphicFrameMkLst>
-        </pc:graphicFrameChg>
-        <pc:picChg chg="add mod">
-          <ac:chgData name="Jia Jones" userId="a3b0c72f-e186-4738-b8d6-28e077c699c2" providerId="ADAL" clId="{CD4B01EA-4221-40B5-A155-1CF2D3FA45C3}" dt="2024-09-15T02:27:00.274" v="57" actId="1076"/>
-          <ac:picMkLst>
-            <pc:docMk/>
-            <pc:sldMk cId="3339731875" sldId="262"/>
-            <ac:picMk id="1025" creationId="{D3439F12-532F-E69B-EABF-066E21109F4B}"/>
-          </ac:picMkLst>
-        </pc:picChg>
-        <pc:cxnChg chg="add mod">
-          <ac:chgData name="Jia Jones" userId="a3b0c72f-e186-4738-b8d6-28e077c699c2" providerId="ADAL" clId="{CD4B01EA-4221-40B5-A155-1CF2D3FA45C3}" dt="2024-09-19T17:57:25.393" v="801" actId="14100"/>
-          <ac:cxnSpMkLst>
-            <pc:docMk/>
-            <pc:sldMk cId="3339731875" sldId="262"/>
-            <ac:cxnSpMk id="8" creationId="{79F1F5C2-365B-5FCF-FD87-BEB0CA955AC8}"/>
-          </ac:cxnSpMkLst>
-        </pc:cxnChg>
-      </pc:sldChg>
-      <pc:sldChg chg="addSp delSp modSp mod ord">
-        <pc:chgData name="Jia Jones" userId="a3b0c72f-e186-4738-b8d6-28e077c699c2" providerId="ADAL" clId="{CD4B01EA-4221-40B5-A155-1CF2D3FA45C3}" dt="2024-09-15T06:25:21.653" v="793" actId="21"/>
-        <pc:sldMkLst>
-          <pc:docMk/>
-          <pc:sldMk cId="3055279406" sldId="263"/>
-        </pc:sldMkLst>
-        <pc:spChg chg="mod">
-          <ac:chgData name="Jia Jones" userId="a3b0c72f-e186-4738-b8d6-28e077c699c2" providerId="ADAL" clId="{CD4B01EA-4221-40B5-A155-1CF2D3FA45C3}" dt="2024-09-15T06:25:18.799" v="792" actId="1076"/>
-          <ac:spMkLst>
-            <pc:docMk/>
-            <pc:sldMk cId="3055279406" sldId="263"/>
-            <ac:spMk id="4" creationId="{13696BEA-7476-DD82-4A2C-D6DEB256A594}"/>
-          </ac:spMkLst>
-        </pc:spChg>
-        <pc:spChg chg="add del mod">
-          <ac:chgData name="Jia Jones" userId="a3b0c72f-e186-4738-b8d6-28e077c699c2" providerId="ADAL" clId="{CD4B01EA-4221-40B5-A155-1CF2D3FA45C3}" dt="2024-09-15T06:25:21.653" v="793" actId="21"/>
-          <ac:spMkLst>
-            <pc:docMk/>
-            <pc:sldMk cId="3055279406" sldId="263"/>
-            <ac:spMk id="7" creationId="{6B073FB5-6250-03E4-52F3-60B9A38FBE0D}"/>
-          </ac:spMkLst>
-        </pc:spChg>
-        <pc:picChg chg="add del mod">
-          <ac:chgData name="Jia Jones" userId="a3b0c72f-e186-4738-b8d6-28e077c699c2" providerId="ADAL" clId="{CD4B01EA-4221-40B5-A155-1CF2D3FA45C3}" dt="2024-09-14T03:38:47.553" v="48" actId="478"/>
-          <ac:picMkLst>
-            <pc:docMk/>
-            <pc:sldMk cId="3055279406" sldId="263"/>
-            <ac:picMk id="3" creationId="{2EF5D7E0-EB91-3C50-6786-C9B14A7F8012}"/>
-          </ac:picMkLst>
-        </pc:picChg>
-        <pc:picChg chg="add mod">
-          <ac:chgData name="Jia Jones" userId="a3b0c72f-e186-4738-b8d6-28e077c699c2" providerId="ADAL" clId="{CD4B01EA-4221-40B5-A155-1CF2D3FA45C3}" dt="2024-09-14T03:38:59.803" v="54" actId="1076"/>
-          <ac:picMkLst>
-            <pc:docMk/>
-            <pc:sldMk cId="3055279406" sldId="263"/>
-            <ac:picMk id="6" creationId="{8DCB89FF-7CB3-B691-31DD-25718B241440}"/>
-          </ac:picMkLst>
-        </pc:picChg>
-      </pc:sldChg>
-      <pc:sldChg chg="addSp delSp modSp mod">
-        <pc:chgData name="Jia Jones" userId="a3b0c72f-e186-4738-b8d6-28e077c699c2" providerId="ADAL" clId="{CD4B01EA-4221-40B5-A155-1CF2D3FA45C3}" dt="2024-09-15T06:26:22.123" v="799" actId="478"/>
-        <pc:sldMkLst>
-          <pc:docMk/>
-          <pc:sldMk cId="2857748267" sldId="264"/>
-        </pc:sldMkLst>
-        <pc:spChg chg="add del mod">
-          <ac:chgData name="Jia Jones" userId="a3b0c72f-e186-4738-b8d6-28e077c699c2" providerId="ADAL" clId="{CD4B01EA-4221-40B5-A155-1CF2D3FA45C3}" dt="2024-09-15T04:35:00.681" v="729" actId="478"/>
-          <ac:spMkLst>
-            <pc:docMk/>
-            <pc:sldMk cId="2857748267" sldId="264"/>
-            <ac:spMk id="3" creationId="{C157969B-F380-EB23-2B2E-655D3EBE2676}"/>
-          </ac:spMkLst>
-        </pc:spChg>
-        <pc:spChg chg="mod">
-          <ac:chgData name="Jia Jones" userId="a3b0c72f-e186-4738-b8d6-28e077c699c2" providerId="ADAL" clId="{CD4B01EA-4221-40B5-A155-1CF2D3FA45C3}" dt="2024-09-15T06:26:20.160" v="798" actId="1076"/>
-          <ac:spMkLst>
-            <pc:docMk/>
-            <pc:sldMk cId="2857748267" sldId="264"/>
-            <ac:spMk id="4" creationId="{13696BEA-7476-DD82-4A2C-D6DEB256A594}"/>
-          </ac:spMkLst>
-        </pc:spChg>
-        <pc:spChg chg="add del mod">
-          <ac:chgData name="Jia Jones" userId="a3b0c72f-e186-4738-b8d6-28e077c699c2" providerId="ADAL" clId="{CD4B01EA-4221-40B5-A155-1CF2D3FA45C3}" dt="2024-09-15T06:26:22.123" v="799" actId="478"/>
-          <ac:spMkLst>
-            <pc:docMk/>
-            <pc:sldMk cId="2857748267" sldId="264"/>
-            <ac:spMk id="7" creationId="{6B073FB5-6250-03E4-52F3-60B9A38FBE0D}"/>
-          </ac:spMkLst>
-        </pc:spChg>
-      </pc:sldChg>
-    </pc:docChg>
-  </pc:docChgLst>
-  <pc:docChgLst>
-    <pc:chgData name="Jia Jones" userId="S::ji293882@ucf.edu::a3b0c72f-e186-4738-b8d6-28e077c699c2" providerId="AD" clId="Web-{BD499BF1-C8D0-78C1-9A0D-D9CC50743841}"/>
-    <pc:docChg chg="modSld">
-      <pc:chgData name="Jia Jones" userId="S::ji293882@ucf.edu::a3b0c72f-e186-4738-b8d6-28e077c699c2" providerId="AD" clId="Web-{BD499BF1-C8D0-78C1-9A0D-D9CC50743841}" dt="2024-09-12T15:43:36.667" v="28" actId="1076"/>
-      <pc:docMkLst>
-        <pc:docMk/>
-      </pc:docMkLst>
-      <pc:sldChg chg="modSp">
-        <pc:chgData name="Jia Jones" userId="S::ji293882@ucf.edu::a3b0c72f-e186-4738-b8d6-28e077c699c2" providerId="AD" clId="Web-{BD499BF1-C8D0-78C1-9A0D-D9CC50743841}" dt="2024-09-12T15:43:36.667" v="28" actId="1076"/>
-        <pc:sldMkLst>
-          <pc:docMk/>
-          <pc:sldMk cId="827846081" sldId="258"/>
-        </pc:sldMkLst>
-        <pc:picChg chg="mod">
-          <ac:chgData name="Jia Jones" userId="S::ji293882@ucf.edu::a3b0c72f-e186-4738-b8d6-28e077c699c2" providerId="AD" clId="Web-{BD499BF1-C8D0-78C1-9A0D-D9CC50743841}" dt="2024-09-12T15:40:16.537" v="9" actId="1076"/>
-          <ac:picMkLst>
-            <pc:docMk/>
-            <pc:sldMk cId="827846081" sldId="258"/>
-            <ac:picMk id="2" creationId="{5A449522-71C7-A78E-FC4D-E82F2D6DF3C0}"/>
-          </ac:picMkLst>
-        </pc:picChg>
-        <pc:picChg chg="mod">
-          <ac:chgData name="Jia Jones" userId="S::ji293882@ucf.edu::a3b0c72f-e186-4738-b8d6-28e077c699c2" providerId="AD" clId="Web-{BD499BF1-C8D0-78C1-9A0D-D9CC50743841}" dt="2024-09-12T15:40:16.537" v="10" actId="1076"/>
-          <ac:picMkLst>
-            <pc:docMk/>
-            <pc:sldMk cId="827846081" sldId="258"/>
-            <ac:picMk id="4" creationId="{87329B1F-5F8E-7E34-B8AF-A83A1E3A07A0}"/>
-          </ac:picMkLst>
-        </pc:picChg>
-        <pc:picChg chg="mod">
-          <ac:chgData name="Jia Jones" userId="S::ji293882@ucf.edu::a3b0c72f-e186-4738-b8d6-28e077c699c2" providerId="AD" clId="Web-{BD499BF1-C8D0-78C1-9A0D-D9CC50743841}" dt="2024-09-12T15:40:16.521" v="8" actId="1076"/>
-          <ac:picMkLst>
-            <pc:docMk/>
-            <pc:sldMk cId="827846081" sldId="258"/>
-            <ac:picMk id="5" creationId="{F9E68F5F-F35E-A948-8F89-FE91C423B052}"/>
-          </ac:picMkLst>
-        </pc:picChg>
-        <pc:picChg chg="mod">
-          <ac:chgData name="Jia Jones" userId="S::ji293882@ucf.edu::a3b0c72f-e186-4738-b8d6-28e077c699c2" providerId="AD" clId="Web-{BD499BF1-C8D0-78C1-9A0D-D9CC50743841}" dt="2024-09-12T15:40:56.522" v="21" actId="1076"/>
-          <ac:picMkLst>
-            <pc:docMk/>
-            <pc:sldMk cId="827846081" sldId="258"/>
-            <ac:picMk id="6" creationId="{659D18A9-A5E4-20DB-6DA8-05675CD27922}"/>
-          </ac:picMkLst>
-        </pc:picChg>
-        <pc:picChg chg="mod">
-          <ac:chgData name="Jia Jones" userId="S::ji293882@ucf.edu::a3b0c72f-e186-4738-b8d6-28e077c699c2" providerId="AD" clId="Web-{BD499BF1-C8D0-78C1-9A0D-D9CC50743841}" dt="2024-09-12T15:40:58.506" v="22" actId="1076"/>
-          <ac:picMkLst>
-            <pc:docMk/>
-            <pc:sldMk cId="827846081" sldId="258"/>
-            <ac:picMk id="7" creationId="{EE2B97E9-84D4-B203-4DBC-3EDC440E3EB9}"/>
-          </ac:picMkLst>
-        </pc:picChg>
-        <pc:picChg chg="mod">
-          <ac:chgData name="Jia Jones" userId="S::ji293882@ucf.edu::a3b0c72f-e186-4738-b8d6-28e077c699c2" providerId="AD" clId="Web-{BD499BF1-C8D0-78C1-9A0D-D9CC50743841}" dt="2024-09-12T15:43:36.667" v="28" actId="1076"/>
-          <ac:picMkLst>
-            <pc:docMk/>
-            <pc:sldMk cId="827846081" sldId="258"/>
-            <ac:picMk id="9" creationId="{02234CC9-B8C4-8AEE-5667-1BA1E1B73AF8}"/>
-          </ac:picMkLst>
-        </pc:picChg>
-        <pc:picChg chg="mod">
-          <ac:chgData name="Jia Jones" userId="S::ji293882@ucf.edu::a3b0c72f-e186-4738-b8d6-28e077c699c2" providerId="AD" clId="Web-{BD499BF1-C8D0-78C1-9A0D-D9CC50743841}" dt="2024-09-12T15:42:37.275" v="23" actId="1076"/>
-          <ac:picMkLst>
-            <pc:docMk/>
-            <pc:sldMk cId="827846081" sldId="258"/>
-            <ac:picMk id="10" creationId="{174E1945-03A0-203F-DBF0-73401172B676}"/>
-          </ac:picMkLst>
-        </pc:picChg>
-        <pc:picChg chg="mod">
-          <ac:chgData name="Jia Jones" userId="S::ji293882@ucf.edu::a3b0c72f-e186-4738-b8d6-28e077c699c2" providerId="AD" clId="Web-{BD499BF1-C8D0-78C1-9A0D-D9CC50743841}" dt="2024-09-12T15:40:55.194" v="20" actId="1076"/>
-          <ac:picMkLst>
-            <pc:docMk/>
-            <pc:sldMk cId="827846081" sldId="258"/>
-            <ac:picMk id="13" creationId="{BC8BEA36-5167-6379-8409-59FE20C6DAED}"/>
-          </ac:picMkLst>
-        </pc:picChg>
-        <pc:picChg chg="mod">
-          <ac:chgData name="Jia Jones" userId="S::ji293882@ucf.edu::a3b0c72f-e186-4738-b8d6-28e077c699c2" providerId="AD" clId="Web-{BD499BF1-C8D0-78C1-9A0D-D9CC50743841}" dt="2024-09-12T15:40:41.115" v="19" actId="1076"/>
-          <ac:picMkLst>
-            <pc:docMk/>
-            <pc:sldMk cId="827846081" sldId="258"/>
-            <ac:picMk id="14" creationId="{6F54B187-2B5C-7557-5AA1-833FF9D75B98}"/>
-          </ac:picMkLst>
-        </pc:picChg>
-        <pc:picChg chg="mod">
-          <ac:chgData name="Jia Jones" userId="S::ji293882@ucf.edu::a3b0c72f-e186-4738-b8d6-28e077c699c2" providerId="AD" clId="Web-{BD499BF1-C8D0-78C1-9A0D-D9CC50743841}" dt="2024-09-12T15:40:40.131" v="18" actId="1076"/>
-          <ac:picMkLst>
-            <pc:docMk/>
-            <pc:sldMk cId="827846081" sldId="258"/>
-            <ac:picMk id="17" creationId="{720D662C-A1AC-F87A-CA98-CE17342ED317}"/>
-          </ac:picMkLst>
-        </pc:picChg>
-        <pc:picChg chg="mod">
-          <ac:chgData name="Jia Jones" userId="S::ji293882@ucf.edu::a3b0c72f-e186-4738-b8d6-28e077c699c2" providerId="AD" clId="Web-{BD499BF1-C8D0-78C1-9A0D-D9CC50743841}" dt="2024-09-12T15:40:22.959" v="12" actId="1076"/>
-          <ac:picMkLst>
-            <pc:docMk/>
-            <pc:sldMk cId="827846081" sldId="258"/>
-            <ac:picMk id="1026" creationId="{0DA1347E-0075-E2C3-3C3D-7667CD91E485}"/>
-          </ac:picMkLst>
-        </pc:picChg>
-      </pc:sldChg>
     </pc:docChg>
   </pc:docChgLst>
 </pc:chgInfo>
@@ -1765,7 +1765,7 @@
           <a:p>
             <a:fld id="{65D3C4D4-1514-4147-BCDF-310A59C24B50}" type="datetimeFigureOut">
               <a:rPr lang="en-US" smtClean="0"/>
-              <a:t>9/29/2024</a:t>
+              <a:t>10/16/2024</a:t>
             </a:fld>
             <a:endParaRPr lang="en-US"/>
           </a:p>
@@ -3498,7 +3498,7 @@
           <a:p>
             <a:fld id="{1C820894-7E7A-44EE-8EDB-35B8333AC41C}" type="datetimeFigureOut">
               <a:rPr lang="en-US" smtClean="0"/>
-              <a:t>9/29/2024</a:t>
+              <a:t>10/16/2024</a:t>
             </a:fld>
             <a:endParaRPr lang="en-US"/>
           </a:p>
@@ -3696,7 +3696,7 @@
           <a:p>
             <a:fld id="{1C820894-7E7A-44EE-8EDB-35B8333AC41C}" type="datetimeFigureOut">
               <a:rPr lang="en-US" smtClean="0"/>
-              <a:t>9/29/2024</a:t>
+              <a:t>10/16/2024</a:t>
             </a:fld>
             <a:endParaRPr lang="en-US"/>
           </a:p>
@@ -3904,7 +3904,7 @@
           <a:p>
             <a:fld id="{1C820894-7E7A-44EE-8EDB-35B8333AC41C}" type="datetimeFigureOut">
               <a:rPr lang="en-US" smtClean="0"/>
-              <a:t>9/29/2024</a:t>
+              <a:t>10/16/2024</a:t>
             </a:fld>
             <a:endParaRPr lang="en-US"/>
           </a:p>
@@ -4102,7 +4102,7 @@
           <a:p>
             <a:fld id="{1C820894-7E7A-44EE-8EDB-35B8333AC41C}" type="datetimeFigureOut">
               <a:rPr lang="en-US" smtClean="0"/>
-              <a:t>9/29/2024</a:t>
+              <a:t>10/16/2024</a:t>
             </a:fld>
             <a:endParaRPr lang="en-US"/>
           </a:p>
@@ -4377,7 +4377,7 @@
           <a:p>
             <a:fld id="{1C820894-7E7A-44EE-8EDB-35B8333AC41C}" type="datetimeFigureOut">
               <a:rPr lang="en-US" smtClean="0"/>
-              <a:t>9/29/2024</a:t>
+              <a:t>10/16/2024</a:t>
             </a:fld>
             <a:endParaRPr lang="en-US"/>
           </a:p>
@@ -4642,7 +4642,7 @@
           <a:p>
             <a:fld id="{1C820894-7E7A-44EE-8EDB-35B8333AC41C}" type="datetimeFigureOut">
               <a:rPr lang="en-US" smtClean="0"/>
-              <a:t>9/29/2024</a:t>
+              <a:t>10/16/2024</a:t>
             </a:fld>
             <a:endParaRPr lang="en-US"/>
           </a:p>
@@ -5054,7 +5054,7 @@
           <a:p>
             <a:fld id="{1C820894-7E7A-44EE-8EDB-35B8333AC41C}" type="datetimeFigureOut">
               <a:rPr lang="en-US" smtClean="0"/>
-              <a:t>9/29/2024</a:t>
+              <a:t>10/16/2024</a:t>
             </a:fld>
             <a:endParaRPr lang="en-US"/>
           </a:p>
@@ -5195,7 +5195,7 @@
           <a:p>
             <a:fld id="{1C820894-7E7A-44EE-8EDB-35B8333AC41C}" type="datetimeFigureOut">
               <a:rPr lang="en-US" smtClean="0"/>
-              <a:t>9/29/2024</a:t>
+              <a:t>10/16/2024</a:t>
             </a:fld>
             <a:endParaRPr lang="en-US"/>
           </a:p>
@@ -5308,7 +5308,7 @@
           <a:p>
             <a:fld id="{1C820894-7E7A-44EE-8EDB-35B8333AC41C}" type="datetimeFigureOut">
               <a:rPr lang="en-US" smtClean="0"/>
-              <a:t>9/29/2024</a:t>
+              <a:t>10/16/2024</a:t>
             </a:fld>
             <a:endParaRPr lang="en-US"/>
           </a:p>
@@ -5619,7 +5619,7 @@
           <a:p>
             <a:fld id="{1C820894-7E7A-44EE-8EDB-35B8333AC41C}" type="datetimeFigureOut">
               <a:rPr lang="en-US" smtClean="0"/>
-              <a:t>9/29/2024</a:t>
+              <a:t>10/16/2024</a:t>
             </a:fld>
             <a:endParaRPr lang="en-US"/>
           </a:p>
@@ -5907,7 +5907,7 @@
           <a:p>
             <a:fld id="{1C820894-7E7A-44EE-8EDB-35B8333AC41C}" type="datetimeFigureOut">
               <a:rPr lang="en-US" smtClean="0"/>
-              <a:t>9/29/2024</a:t>
+              <a:t>10/16/2024</a:t>
             </a:fld>
             <a:endParaRPr lang="en-US"/>
           </a:p>
@@ -6151,7 +6151,7 @@
           <a:p>
             <a:fld id="{1C820894-7E7A-44EE-8EDB-35B8333AC41C}" type="datetimeFigureOut">
               <a:rPr lang="en-US" smtClean="0"/>
-              <a:t>9/29/2024</a:t>
+              <a:t>10/16/2024</a:t>
             </a:fld>
             <a:endParaRPr lang="en-US"/>
           </a:p>
@@ -8779,7 +8779,7 @@
                 <a:latin typeface="Inter" panose="020B0502030000000004" pitchFamily="34" charset="0"/>
                 <a:ea typeface="Inter" panose="020B0502030000000004" pitchFamily="34" charset="0"/>
               </a:rPr>
-              <a:t>Entity Relation Diagram</a:t>
+              <a:t>Entity Relationship Diagram</a:t>
             </a:r>
             <a:endParaRPr lang="en-US" sz="4400" dirty="0">
               <a:solidFill>
